--- a/fuentes/contenidos/grado06/guion10/MA_06_10_CO_MapaConceptual.pptx
+++ b/fuentes/contenidos/grado06/guion10/MA_06_10_CO_MapaConceptual.pptx
@@ -106,7 +106,7 @@
   </p:defaultTextStyle>
   <p:extLst>
     <p:ext uri="{EFAFB233-063F-42B5-8137-9DF3F51BA10A}">
-      <p15:sldGuideLst xmlns="" xmlns:p15="http://schemas.microsoft.com/office/powerpoint/2012/main"/>
+      <p15:sldGuideLst xmlns:p15="http://schemas.microsoft.com/office/powerpoint/2012/main" xmlns=""/>
     </p:ext>
   </p:extLst>
 </p:presentation>
@@ -6373,17 +6373,7 @@
                 <a:latin typeface="Arial" panose="020B0604020202020204" pitchFamily="34" charset="0"/>
                 <a:cs typeface="Arial" panose="020B0604020202020204" pitchFamily="34" charset="0"/>
               </a:rPr>
-              <a:t>enos de </a:t>
-            </a:r>
-            <a:r>
-              <a:rPr lang="es-ES" sz="900" dirty="0" smtClean="0">
-                <a:solidFill>
-                  <a:schemeClr val="tx1"/>
-                </a:solidFill>
-                <a:latin typeface="Arial" panose="020B0604020202020204" pitchFamily="34" charset="0"/>
-                <a:cs typeface="Arial" panose="020B0604020202020204" pitchFamily="34" charset="0"/>
-              </a:rPr>
-              <a:t>90°</a:t>
+              <a:t>enos de 90°</a:t>
             </a:r>
             <a:endParaRPr lang="es-ES" sz="900" dirty="0">
               <a:solidFill>
@@ -6707,17 +6697,7 @@
                 <a:latin typeface="Arial" panose="020B0604020202020204" pitchFamily="34" charset="0"/>
                 <a:cs typeface="Arial" panose="020B0604020202020204" pitchFamily="34" charset="0"/>
               </a:rPr>
-              <a:t>ienen el vértice </a:t>
-            </a:r>
-            <a:r>
-              <a:rPr lang="es-ES" sz="900" dirty="0" smtClean="0">
-                <a:solidFill>
-                  <a:schemeClr val="tx1"/>
-                </a:solidFill>
-                <a:latin typeface="Arial" panose="020B0604020202020204" pitchFamily="34" charset="0"/>
-                <a:cs typeface="Arial" panose="020B0604020202020204" pitchFamily="34" charset="0"/>
-              </a:rPr>
-              <a:t>y comparten un lado</a:t>
+              <a:t>ienen el vértice y comparten un lado</a:t>
             </a:r>
             <a:endParaRPr lang="es-ES" sz="900" dirty="0">
               <a:solidFill>
@@ -6789,17 +6769,7 @@
                 <a:latin typeface="Arial" panose="020B0604020202020204" pitchFamily="34" charset="0"/>
                 <a:cs typeface="Arial" panose="020B0604020202020204" pitchFamily="34" charset="0"/>
               </a:rPr>
-              <a:t>on consecutivos </a:t>
-            </a:r>
-            <a:r>
-              <a:rPr lang="es-ES" sz="900" dirty="0" smtClean="0">
-                <a:solidFill>
-                  <a:schemeClr val="tx1"/>
-                </a:solidFill>
-                <a:latin typeface="Arial" panose="020B0604020202020204" pitchFamily="34" charset="0"/>
-                <a:cs typeface="Arial" panose="020B0604020202020204" pitchFamily="34" charset="0"/>
-              </a:rPr>
-              <a:t>y suplementarios</a:t>
+              <a:t>on consecutivos y suplementarios</a:t>
             </a:r>
             <a:endParaRPr lang="es-ES" sz="900" dirty="0">
               <a:solidFill>
@@ -7051,27 +7021,7 @@
                 <a:latin typeface="Arial" panose="020B0604020202020204" pitchFamily="34" charset="0"/>
                 <a:cs typeface="Arial" panose="020B0604020202020204" pitchFamily="34" charset="0"/>
               </a:rPr>
-              <a:t>e forman con dos </a:t>
-            </a:r>
-            <a:r>
-              <a:rPr lang="es-ES" sz="900" dirty="0" smtClean="0">
-                <a:solidFill>
-                  <a:schemeClr val="tx1"/>
-                </a:solidFill>
-                <a:latin typeface="Arial" panose="020B0604020202020204" pitchFamily="34" charset="0"/>
-                <a:cs typeface="Arial" panose="020B0604020202020204" pitchFamily="34" charset="0"/>
-              </a:rPr>
-              <a:t>rectas que se </a:t>
-            </a:r>
-            <a:r>
-              <a:rPr lang="es-ES" sz="900" dirty="0" smtClean="0">
-                <a:solidFill>
-                  <a:schemeClr val="tx1"/>
-                </a:solidFill>
-                <a:latin typeface="Arial" panose="020B0604020202020204" pitchFamily="34" charset="0"/>
-                <a:cs typeface="Arial" panose="020B0604020202020204" pitchFamily="34" charset="0"/>
-              </a:rPr>
-              <a:t>cruzan</a:t>
+              <a:t>e forman con dos rectas que se cruzan</a:t>
             </a:r>
             <a:endParaRPr lang="es-ES" sz="900" dirty="0">
               <a:solidFill>
@@ -7480,17 +7430,7 @@
                 <a:latin typeface="Arial" panose="020B0604020202020204" pitchFamily="34" charset="0"/>
                 <a:cs typeface="Arial" panose="020B0604020202020204" pitchFamily="34" charset="0"/>
               </a:rPr>
-              <a:t>edida  </a:t>
-            </a:r>
-            <a:r>
-              <a:rPr lang="es-ES" sz="900" dirty="0" smtClean="0">
-                <a:solidFill>
-                  <a:schemeClr val="tx1"/>
-                </a:solidFill>
-                <a:latin typeface="Arial" panose="020B0604020202020204" pitchFamily="34" charset="0"/>
-                <a:cs typeface="Arial" panose="020B0604020202020204" pitchFamily="34" charset="0"/>
-              </a:rPr>
-              <a:t>90°</a:t>
+              <a:t>edida  90°</a:t>
             </a:r>
             <a:endParaRPr lang="es-ES" sz="900" dirty="0">
               <a:solidFill>
@@ -7600,37 +7540,7 @@
                 <a:latin typeface="Arial" panose="020B0604020202020204" pitchFamily="34" charset="0"/>
                 <a:cs typeface="Arial" panose="020B0604020202020204" pitchFamily="34" charset="0"/>
               </a:rPr>
-              <a:t>edida </a:t>
-            </a:r>
-            <a:r>
-              <a:rPr lang="es-ES" sz="900" dirty="0" smtClean="0">
-                <a:solidFill>
-                  <a:schemeClr val="tx1"/>
-                </a:solidFill>
-                <a:latin typeface="Arial" panose="020B0604020202020204" pitchFamily="34" charset="0"/>
-                <a:cs typeface="Arial" panose="020B0604020202020204" pitchFamily="34" charset="0"/>
-              </a:rPr>
-              <a:t>mas de </a:t>
-            </a:r>
-            <a:r>
-              <a:rPr lang="es-ES" sz="900" dirty="0" smtClean="0">
-                <a:solidFill>
-                  <a:schemeClr val="tx1"/>
-                </a:solidFill>
-                <a:latin typeface="Arial" panose="020B0604020202020204" pitchFamily="34" charset="0"/>
-                <a:cs typeface="Arial" panose="020B0604020202020204" pitchFamily="34" charset="0"/>
-              </a:rPr>
-              <a:t>90</a:t>
-            </a:r>
-            <a:r>
-              <a:rPr lang="es-ES" sz="900" dirty="0" smtClean="0">
-                <a:solidFill>
-                  <a:schemeClr val="tx1"/>
-                </a:solidFill>
-                <a:latin typeface="Arial" panose="020B0604020202020204" pitchFamily="34" charset="0"/>
-                <a:cs typeface="Arial" panose="020B0604020202020204" pitchFamily="34" charset="0"/>
-              </a:rPr>
-              <a:t>°</a:t>
+              <a:t>edida mas de 90°</a:t>
             </a:r>
             <a:endParaRPr lang="es-ES" sz="900" dirty="0">
               <a:solidFill>
@@ -8730,7 +8640,7 @@
   <a:extraClrSchemeLst/>
   <a:extLst>
     <a:ext uri="{05A4C25C-085E-4340-85A3-A5531E510DB2}">
-      <thm15:themeFamily xmlns="" xmlns:thm15="http://schemas.microsoft.com/office/thememl/2012/main" name="Office Theme" id="{62F939B6-93AF-4DB8-9C6B-D6C7DFDC589F}" vid="{4A3C46E8-61CC-4603-A589-7422A47A8E4A}"/>
+      <thm15:themeFamily xmlns:thm15="http://schemas.microsoft.com/office/thememl/2012/main" xmlns="" name="Office Theme" id="{62F939B6-93AF-4DB8-9C6B-D6C7DFDC589F}" vid="{4A3C46E8-61CC-4603-A589-7422A47A8E4A}"/>
     </a:ext>
   </a:extLst>
 </a:theme>

--- a/fuentes/contenidos/grado06/guion10/MA_06_10_CO_MapaConceptual.pptx
+++ b/fuentes/contenidos/grado06/guion10/MA_06_10_CO_MapaConceptual.pptx
@@ -2,19 +2,19 @@
 <file path=ppt/presentation.xml><?xml version="1.0" encoding="utf-8"?>
 <p:presentation xmlns:a="http://schemas.openxmlformats.org/drawingml/2006/main" xmlns:r="http://schemas.openxmlformats.org/officeDocument/2006/relationships" xmlns:p="http://schemas.openxmlformats.org/presentationml/2006/main" saveSubsetFonts="1">
   <p:sldMasterIdLst>
-    <p:sldMasterId id="2147483672" r:id="rId1"/>
+    <p:sldMasterId id="2147483684" r:id="rId1"/>
   </p:sldMasterIdLst>
   <p:sldIdLst>
     <p:sldId id="257" r:id="rId2"/>
   </p:sldIdLst>
-  <p:sldSz cx="18181638" cy="8999538"/>
+  <p:sldSz cx="15998825" cy="8999538"/>
   <p:notesSz cx="6794500" cy="9918700"/>
   <p:defaultTextStyle>
     <a:defPPr>
       <a:defRPr lang="es-ES"/>
     </a:defPPr>
-    <a:lvl1pPr marL="0" algn="l" defTabSz="1337127" rtl="0" eaLnBrk="1" latinLnBrk="0" hangingPunct="1">
-      <a:defRPr sz="2632" kern="1200">
+    <a:lvl1pPr marL="0" algn="l" defTabSz="1336990" rtl="0" eaLnBrk="1" latinLnBrk="0" hangingPunct="1">
+      <a:defRPr sz="2631" kern="1200">
         <a:solidFill>
           <a:schemeClr val="tx1"/>
         </a:solidFill>
@@ -23,8 +23,8 @@
         <a:cs typeface="+mn-cs"/>
       </a:defRPr>
     </a:lvl1pPr>
-    <a:lvl2pPr marL="668564" algn="l" defTabSz="1337127" rtl="0" eaLnBrk="1" latinLnBrk="0" hangingPunct="1">
-      <a:defRPr sz="2632" kern="1200">
+    <a:lvl2pPr marL="668498" algn="l" defTabSz="1336990" rtl="0" eaLnBrk="1" latinLnBrk="0" hangingPunct="1">
+      <a:defRPr sz="2631" kern="1200">
         <a:solidFill>
           <a:schemeClr val="tx1"/>
         </a:solidFill>
@@ -33,8 +33,8 @@
         <a:cs typeface="+mn-cs"/>
       </a:defRPr>
     </a:lvl2pPr>
-    <a:lvl3pPr marL="1337127" algn="l" defTabSz="1337127" rtl="0" eaLnBrk="1" latinLnBrk="0" hangingPunct="1">
-      <a:defRPr sz="2632" kern="1200">
+    <a:lvl3pPr marL="1336990" algn="l" defTabSz="1336990" rtl="0" eaLnBrk="1" latinLnBrk="0" hangingPunct="1">
+      <a:defRPr sz="2631" kern="1200">
         <a:solidFill>
           <a:schemeClr val="tx1"/>
         </a:solidFill>
@@ -43,8 +43,8 @@
         <a:cs typeface="+mn-cs"/>
       </a:defRPr>
     </a:lvl3pPr>
-    <a:lvl4pPr marL="2005691" algn="l" defTabSz="1337127" rtl="0" eaLnBrk="1" latinLnBrk="0" hangingPunct="1">
-      <a:defRPr sz="2632" kern="1200">
+    <a:lvl4pPr marL="2005486" algn="l" defTabSz="1336990" rtl="0" eaLnBrk="1" latinLnBrk="0" hangingPunct="1">
+      <a:defRPr sz="2631" kern="1200">
         <a:solidFill>
           <a:schemeClr val="tx1"/>
         </a:solidFill>
@@ -53,8 +53,8 @@
         <a:cs typeface="+mn-cs"/>
       </a:defRPr>
     </a:lvl4pPr>
-    <a:lvl5pPr marL="2674254" algn="l" defTabSz="1337127" rtl="0" eaLnBrk="1" latinLnBrk="0" hangingPunct="1">
-      <a:defRPr sz="2632" kern="1200">
+    <a:lvl5pPr marL="2673979" algn="l" defTabSz="1336990" rtl="0" eaLnBrk="1" latinLnBrk="0" hangingPunct="1">
+      <a:defRPr sz="2631" kern="1200">
         <a:solidFill>
           <a:schemeClr val="tx1"/>
         </a:solidFill>
@@ -63,8 +63,8 @@
         <a:cs typeface="+mn-cs"/>
       </a:defRPr>
     </a:lvl5pPr>
-    <a:lvl6pPr marL="3342818" algn="l" defTabSz="1337127" rtl="0" eaLnBrk="1" latinLnBrk="0" hangingPunct="1">
-      <a:defRPr sz="2632" kern="1200">
+    <a:lvl6pPr marL="3342476" algn="l" defTabSz="1336990" rtl="0" eaLnBrk="1" latinLnBrk="0" hangingPunct="1">
+      <a:defRPr sz="2631" kern="1200">
         <a:solidFill>
           <a:schemeClr val="tx1"/>
         </a:solidFill>
@@ -73,8 +73,8 @@
         <a:cs typeface="+mn-cs"/>
       </a:defRPr>
     </a:lvl6pPr>
-    <a:lvl7pPr marL="4011381" algn="l" defTabSz="1337127" rtl="0" eaLnBrk="1" latinLnBrk="0" hangingPunct="1">
-      <a:defRPr sz="2632" kern="1200">
+    <a:lvl7pPr marL="4010969" algn="l" defTabSz="1336990" rtl="0" eaLnBrk="1" latinLnBrk="0" hangingPunct="1">
+      <a:defRPr sz="2631" kern="1200">
         <a:solidFill>
           <a:schemeClr val="tx1"/>
         </a:solidFill>
@@ -83,8 +83,8 @@
         <a:cs typeface="+mn-cs"/>
       </a:defRPr>
     </a:lvl7pPr>
-    <a:lvl8pPr marL="4679945" algn="l" defTabSz="1337127" rtl="0" eaLnBrk="1" latinLnBrk="0" hangingPunct="1">
-      <a:defRPr sz="2632" kern="1200">
+    <a:lvl8pPr marL="4679466" algn="l" defTabSz="1336990" rtl="0" eaLnBrk="1" latinLnBrk="0" hangingPunct="1">
+      <a:defRPr sz="2631" kern="1200">
         <a:solidFill>
           <a:schemeClr val="tx1"/>
         </a:solidFill>
@@ -93,8 +93,8 @@
         <a:cs typeface="+mn-cs"/>
       </a:defRPr>
     </a:lvl8pPr>
-    <a:lvl9pPr marL="5348508" algn="l" defTabSz="1337127" rtl="0" eaLnBrk="1" latinLnBrk="0" hangingPunct="1">
-      <a:defRPr sz="2632" kern="1200">
+    <a:lvl9pPr marL="5347961" algn="l" defTabSz="1336990" rtl="0" eaLnBrk="1" latinLnBrk="0" hangingPunct="1">
+      <a:defRPr sz="2631" kern="1200">
         <a:solidFill>
           <a:schemeClr val="tx1"/>
         </a:solidFill>
@@ -106,7 +106,18 @@
   </p:defaultTextStyle>
   <p:extLst>
     <p:ext uri="{EFAFB233-063F-42B5-8137-9DF3F51BA10A}">
-      <p15:sldGuideLst xmlns:p15="http://schemas.microsoft.com/office/powerpoint/2012/main" xmlns=""/>
+      <p15:sldGuideLst xmlns:p15="http://schemas.microsoft.com/office/powerpoint/2012/main">
+        <p15:guide id="1" orient="horz" pos="2835" userDrawn="1">
+          <p15:clr>
+            <a:srgbClr val="A4A3A4"/>
+          </p15:clr>
+        </p15:guide>
+        <p15:guide id="2" pos="5039" userDrawn="1">
+          <p15:clr>
+            <a:srgbClr val="A4A3A4"/>
+          </p15:clr>
+        </p15:guide>
+      </p15:sldGuideLst>
     </p:ext>
   </p:extLst>
 </p:presentation>
@@ -141,15 +152,15 @@
         </p:nvSpPr>
         <p:spPr>
           <a:xfrm>
-            <a:off x="2272705" y="1472842"/>
-            <a:ext cx="13636229" cy="3133172"/>
+            <a:off x="1999853" y="1472842"/>
+            <a:ext cx="11999119" cy="3133172"/>
           </a:xfrm>
         </p:spPr>
         <p:txBody>
           <a:bodyPr anchor="b"/>
           <a:lstStyle>
             <a:lvl1pPr algn="ctr">
-              <a:defRPr sz="7087"/>
+              <a:defRPr sz="7873"/>
             </a:lvl1pPr>
           </a:lstStyle>
           <a:p>
@@ -173,8 +184,8 @@
         </p:nvSpPr>
         <p:spPr>
           <a:xfrm>
-            <a:off x="2272705" y="4726842"/>
-            <a:ext cx="13636229" cy="2172804"/>
+            <a:off x="1999853" y="4726842"/>
+            <a:ext cx="11999119" cy="2172804"/>
           </a:xfrm>
         </p:spPr>
         <p:txBody>
@@ -182,45 +193,45 @@
           <a:lstStyle>
             <a:lvl1pPr marL="0" indent="0" algn="ctr">
               <a:buNone/>
-              <a:defRPr sz="2835"/>
+              <a:defRPr sz="3149"/>
             </a:lvl1pPr>
-            <a:lvl2pPr marL="539999" indent="0" algn="ctr">
+            <a:lvl2pPr marL="599938" indent="0" algn="ctr">
+              <a:buNone/>
+              <a:defRPr sz="2624"/>
+            </a:lvl2pPr>
+            <a:lvl3pPr marL="1199876" indent="0" algn="ctr">
               <a:buNone/>
               <a:defRPr sz="2362"/>
-            </a:lvl2pPr>
-            <a:lvl3pPr marL="1079998" indent="0" algn="ctr">
+            </a:lvl3pPr>
+            <a:lvl4pPr marL="1799814" indent="0" algn="ctr">
               <a:buNone/>
-              <a:defRPr sz="2126"/>
-            </a:lvl3pPr>
-            <a:lvl4pPr marL="1619997" indent="0" algn="ctr">
+              <a:defRPr sz="2100"/>
+            </a:lvl4pPr>
+            <a:lvl5pPr marL="2399751" indent="0" algn="ctr">
               <a:buNone/>
-              <a:defRPr sz="1890"/>
-            </a:lvl4pPr>
-            <a:lvl5pPr marL="2159996" indent="0" algn="ctr">
+              <a:defRPr sz="2100"/>
+            </a:lvl5pPr>
+            <a:lvl6pPr marL="2999689" indent="0" algn="ctr">
               <a:buNone/>
-              <a:defRPr sz="1890"/>
-            </a:lvl5pPr>
-            <a:lvl6pPr marL="2699995" indent="0" algn="ctr">
+              <a:defRPr sz="2100"/>
+            </a:lvl6pPr>
+            <a:lvl7pPr marL="3599627" indent="0" algn="ctr">
               <a:buNone/>
-              <a:defRPr sz="1890"/>
-            </a:lvl6pPr>
-            <a:lvl7pPr marL="3239994" indent="0" algn="ctr">
+              <a:defRPr sz="2100"/>
+            </a:lvl7pPr>
+            <a:lvl8pPr marL="4199565" indent="0" algn="ctr">
               <a:buNone/>
-              <a:defRPr sz="1890"/>
-            </a:lvl7pPr>
-            <a:lvl8pPr marL="3779992" indent="0" algn="ctr">
+              <a:defRPr sz="2100"/>
+            </a:lvl8pPr>
+            <a:lvl9pPr marL="4799503" indent="0" algn="ctr">
               <a:buNone/>
-              <a:defRPr sz="1890"/>
-            </a:lvl8pPr>
-            <a:lvl9pPr marL="4319991" indent="0" algn="ctr">
-              <a:buNone/>
-              <a:defRPr sz="1890"/>
+              <a:defRPr sz="2100"/>
             </a:lvl9pPr>
           </a:lstStyle>
           <a:p>
             <a:r>
               <a:rPr lang="es-ES" smtClean="0"/>
-              <a:t>Haga clic para modificar el estilo de subtítulo del patrón</a:t>
+              <a:t>Haga clic para editar el estilo de subtítulo del patrón</a:t>
             </a:r>
             <a:endParaRPr lang="en-US" dirty="0"/>
           </a:p>
@@ -242,8 +253,8 @@
           <a:lstStyle/>
           <a:p>
             <a:fld id="{C764DE79-268F-4C1A-8933-263129D2AF90}" type="datetimeFigureOut">
-              <a:rPr lang="en-US" dirty="0"/>
-              <a:t>7/12/15</a:t>
+              <a:rPr lang="en-US" smtClean="0"/>
+              <a:t>12/10/2015</a:t>
             </a:fld>
             <a:endParaRPr lang="en-US" dirty="0"/>
           </a:p>
@@ -284,8 +295,8 @@
           <a:lstStyle/>
           <a:p>
             <a:fld id="{48F63A3B-78C7-47BE-AE5E-E10140E04643}" type="slidenum">
-              <a:rPr lang="en-US" dirty="0"/>
-              <a:t>‹Nr.›</a:t>
+              <a:rPr lang="en-US" smtClean="0"/>
+              <a:t>‹Nº›</a:t>
             </a:fld>
             <a:endParaRPr lang="en-US" dirty="0"/>
           </a:p>
@@ -294,7 +305,7 @@
     </p:spTree>
     <p:extLst>
       <p:ext uri="{BB962C8B-B14F-4D97-AF65-F5344CB8AC3E}">
-        <p14:creationId xmlns:p14="http://schemas.microsoft.com/office/powerpoint/2010/main" val="489645164"/>
+        <p14:creationId xmlns:p14="http://schemas.microsoft.com/office/powerpoint/2010/main" val="1767726814"/>
       </p:ext>
     </p:extLst>
   </p:cSld>
@@ -362,7 +373,7 @@
             <a:pPr lvl="0"/>
             <a:r>
               <a:rPr lang="es-ES" smtClean="0"/>
-              <a:t>Haga clic para modificar el estilo de texto del patrón</a:t>
+              <a:t>Editar el estilo de texto del patrón</a:t>
             </a:r>
           </a:p>
           <a:p>
@@ -412,8 +423,8 @@
           <a:lstStyle/>
           <a:p>
             <a:fld id="{C764DE79-268F-4C1A-8933-263129D2AF90}" type="datetimeFigureOut">
-              <a:rPr lang="en-US" dirty="0"/>
-              <a:t>7/12/15</a:t>
+              <a:rPr lang="en-US" smtClean="0"/>
+              <a:t>12/10/2015</a:t>
             </a:fld>
             <a:endParaRPr lang="en-US" dirty="0"/>
           </a:p>
@@ -454,8 +465,8 @@
           <a:lstStyle/>
           <a:p>
             <a:fld id="{48F63A3B-78C7-47BE-AE5E-E10140E04643}" type="slidenum">
-              <a:rPr lang="en-US" dirty="0"/>
-              <a:t>‹Nr.›</a:t>
+              <a:rPr lang="en-US" smtClean="0"/>
+              <a:t>‹Nº›</a:t>
             </a:fld>
             <a:endParaRPr lang="en-US" dirty="0"/>
           </a:p>
@@ -464,7 +475,7 @@
     </p:spTree>
     <p:extLst>
       <p:ext uri="{BB962C8B-B14F-4D97-AF65-F5344CB8AC3E}">
-        <p14:creationId xmlns:p14="http://schemas.microsoft.com/office/powerpoint/2010/main" val="2837344037"/>
+        <p14:creationId xmlns:p14="http://schemas.microsoft.com/office/powerpoint/2010/main" val="155345208"/>
       </p:ext>
     </p:extLst>
   </p:cSld>
@@ -503,8 +514,8 @@
         </p:nvSpPr>
         <p:spPr>
           <a:xfrm>
-            <a:off x="13011235" y="479142"/>
-            <a:ext cx="3920415" cy="7626692"/>
+            <a:off x="11449159" y="479142"/>
+            <a:ext cx="3449747" cy="7626692"/>
           </a:xfrm>
         </p:spPr>
         <p:txBody>
@@ -531,8 +542,8 @@
         </p:nvSpPr>
         <p:spPr>
           <a:xfrm>
-            <a:off x="1249989" y="479142"/>
-            <a:ext cx="11533976" cy="7626692"/>
+            <a:off x="1099919" y="479142"/>
+            <a:ext cx="10149255" cy="7626692"/>
           </a:xfrm>
         </p:spPr>
         <p:txBody>
@@ -542,7 +553,7 @@
             <a:pPr lvl="0"/>
             <a:r>
               <a:rPr lang="es-ES" smtClean="0"/>
-              <a:t>Haga clic para modificar el estilo de texto del patrón</a:t>
+              <a:t>Editar el estilo de texto del patrón</a:t>
             </a:r>
           </a:p>
           <a:p>
@@ -592,8 +603,8 @@
           <a:lstStyle/>
           <a:p>
             <a:fld id="{C764DE79-268F-4C1A-8933-263129D2AF90}" type="datetimeFigureOut">
-              <a:rPr lang="en-US" dirty="0"/>
-              <a:t>7/12/15</a:t>
+              <a:rPr lang="en-US" smtClean="0"/>
+              <a:t>12/10/2015</a:t>
             </a:fld>
             <a:endParaRPr lang="en-US" dirty="0"/>
           </a:p>
@@ -634,8 +645,8 @@
           <a:lstStyle/>
           <a:p>
             <a:fld id="{48F63A3B-78C7-47BE-AE5E-E10140E04643}" type="slidenum">
-              <a:rPr lang="en-US" dirty="0"/>
-              <a:t>‹Nr.›</a:t>
+              <a:rPr lang="en-US" smtClean="0"/>
+              <a:t>‹Nº›</a:t>
             </a:fld>
             <a:endParaRPr lang="en-US" dirty="0"/>
           </a:p>
@@ -644,7 +655,7 @@
     </p:spTree>
     <p:extLst>
       <p:ext uri="{BB962C8B-B14F-4D97-AF65-F5344CB8AC3E}">
-        <p14:creationId xmlns:p14="http://schemas.microsoft.com/office/powerpoint/2010/main" val="83715668"/>
+        <p14:creationId xmlns:p14="http://schemas.microsoft.com/office/powerpoint/2010/main" val="337602378"/>
       </p:ext>
     </p:extLst>
   </p:cSld>
@@ -684,7 +695,7 @@
   <p:timing>
     <p:tnLst>
       <p:par>
-        <p:cTn xmlns:p14="http://schemas.microsoft.com/office/powerpoint/2010/main" id="1" dur="indefinite" restart="never" nodeType="tmRoot"/>
+        <p:cTn id="1" dur="indefinite" restart="never" nodeType="tmRoot"/>
       </p:par>
     </p:tnLst>
   </p:timing>
@@ -721,7 +732,7 @@
   <p:timing>
     <p:tnLst>
       <p:par>
-        <p:cTn xmlns:p14="http://schemas.microsoft.com/office/powerpoint/2010/main" id="1" dur="indefinite" restart="never" nodeType="tmRoot"/>
+        <p:cTn id="1" dur="indefinite" restart="never" nodeType="tmRoot"/>
       </p:par>
     </p:tnLst>
   </p:timing>
@@ -758,7 +769,7 @@
   <p:timing>
     <p:tnLst>
       <p:par>
-        <p:cTn xmlns:p14="http://schemas.microsoft.com/office/powerpoint/2010/main" id="1" dur="indefinite" restart="never" nodeType="tmRoot"/>
+        <p:cTn id="1" dur="indefinite" restart="never" nodeType="tmRoot"/>
       </p:par>
     </p:tnLst>
   </p:timing>
@@ -795,7 +806,7 @@
   <p:timing>
     <p:tnLst>
       <p:par>
-        <p:cTn xmlns:p14="http://schemas.microsoft.com/office/powerpoint/2010/main" id="1" dur="indefinite" restart="never" nodeType="tmRoot"/>
+        <p:cTn id="1" dur="indefinite" restart="never" nodeType="tmRoot"/>
       </p:par>
     </p:tnLst>
   </p:timing>
@@ -832,7 +843,7 @@
   <p:timing>
     <p:tnLst>
       <p:par>
-        <p:cTn xmlns:p14="http://schemas.microsoft.com/office/powerpoint/2010/main" id="1" dur="indefinite" restart="never" nodeType="tmRoot"/>
+        <p:cTn id="1" dur="indefinite" restart="never" nodeType="tmRoot"/>
       </p:par>
     </p:tnLst>
   </p:timing>
@@ -869,7 +880,7 @@
   <p:timing>
     <p:tnLst>
       <p:par>
-        <p:cTn xmlns:p14="http://schemas.microsoft.com/office/powerpoint/2010/main" id="1" dur="indefinite" restart="never" nodeType="tmRoot"/>
+        <p:cTn id="1" dur="indefinite" restart="never" nodeType="tmRoot"/>
       </p:par>
     </p:tnLst>
   </p:timing>
@@ -906,7 +917,7 @@
   <p:timing>
     <p:tnLst>
       <p:par>
-        <p:cTn xmlns:p14="http://schemas.microsoft.com/office/powerpoint/2010/main" id="1" dur="indefinite" restart="never" nodeType="tmRoot"/>
+        <p:cTn id="1" dur="indefinite" restart="never" nodeType="tmRoot"/>
       </p:par>
     </p:tnLst>
   </p:timing>
@@ -943,7 +954,7 @@
   <p:timing>
     <p:tnLst>
       <p:par>
-        <p:cTn xmlns:p14="http://schemas.microsoft.com/office/powerpoint/2010/main" id="1" dur="indefinite" restart="never" nodeType="tmRoot"/>
+        <p:cTn id="1" dur="indefinite" restart="never" nodeType="tmRoot"/>
       </p:par>
     </p:tnLst>
   </p:timing>
@@ -1008,7 +1019,7 @@
             <a:pPr lvl="0"/>
             <a:r>
               <a:rPr lang="es-ES" smtClean="0"/>
-              <a:t>Haga clic para modificar el estilo de texto del patrón</a:t>
+              <a:t>Editar el estilo de texto del patrón</a:t>
             </a:r>
           </a:p>
           <a:p>
@@ -1058,8 +1069,8 @@
           <a:lstStyle/>
           <a:p>
             <a:fld id="{C764DE79-268F-4C1A-8933-263129D2AF90}" type="datetimeFigureOut">
-              <a:rPr lang="en-US" dirty="0"/>
-              <a:t>7/12/15</a:t>
+              <a:rPr lang="en-US" smtClean="0"/>
+              <a:t>12/10/2015</a:t>
             </a:fld>
             <a:endParaRPr lang="en-US" dirty="0"/>
           </a:p>
@@ -1100,8 +1111,8 @@
           <a:lstStyle/>
           <a:p>
             <a:fld id="{48F63A3B-78C7-47BE-AE5E-E10140E04643}" type="slidenum">
-              <a:rPr lang="en-US" dirty="0"/>
-              <a:t>‹Nr.›</a:t>
+              <a:rPr lang="en-US" smtClean="0"/>
+              <a:t>‹Nº›</a:t>
             </a:fld>
             <a:endParaRPr lang="en-US" dirty="0"/>
           </a:p>
@@ -1110,7 +1121,7 @@
     </p:spTree>
     <p:extLst>
       <p:ext uri="{BB962C8B-B14F-4D97-AF65-F5344CB8AC3E}">
-        <p14:creationId xmlns:p14="http://schemas.microsoft.com/office/powerpoint/2010/main" val="2161568360"/>
+        <p14:creationId xmlns:p14="http://schemas.microsoft.com/office/powerpoint/2010/main" val="3647149257"/>
       </p:ext>
     </p:extLst>
   </p:cSld>
@@ -1150,7 +1161,7 @@
   <p:timing>
     <p:tnLst>
       <p:par>
-        <p:cTn xmlns:p14="http://schemas.microsoft.com/office/powerpoint/2010/main" id="1" dur="indefinite" restart="never" nodeType="tmRoot"/>
+        <p:cTn id="1" dur="indefinite" restart="never" nodeType="tmRoot"/>
       </p:par>
     </p:tnLst>
   </p:timing>
@@ -1187,7 +1198,7 @@
   <p:timing>
     <p:tnLst>
       <p:par>
-        <p:cTn xmlns:p14="http://schemas.microsoft.com/office/powerpoint/2010/main" id="1" dur="indefinite" restart="never" nodeType="tmRoot"/>
+        <p:cTn id="1" dur="indefinite" restart="never" nodeType="tmRoot"/>
       </p:par>
     </p:tnLst>
   </p:timing>
@@ -1223,15 +1234,15 @@
         </p:nvSpPr>
         <p:spPr>
           <a:xfrm>
-            <a:off x="1240517" y="2243638"/>
-            <a:ext cx="15681663" cy="3743557"/>
+            <a:off x="1091586" y="2243636"/>
+            <a:ext cx="13798987" cy="3743557"/>
           </a:xfrm>
         </p:spPr>
         <p:txBody>
           <a:bodyPr anchor="b"/>
           <a:lstStyle>
             <a:lvl1pPr>
-              <a:defRPr sz="7087"/>
+              <a:defRPr sz="7873"/>
             </a:lvl1pPr>
           </a:lstStyle>
           <a:p>
@@ -1255,8 +1266,8 @@
         </p:nvSpPr>
         <p:spPr>
           <a:xfrm>
-            <a:off x="1240517" y="6022609"/>
-            <a:ext cx="15681663" cy="1968648"/>
+            <a:off x="1091586" y="6022609"/>
+            <a:ext cx="13798987" cy="1968648"/>
           </a:xfrm>
         </p:spPr>
         <p:txBody>
@@ -1264,7 +1275,7 @@
           <a:lstStyle>
             <a:lvl1pPr marL="0" indent="0">
               <a:buNone/>
-              <a:defRPr sz="2835">
+              <a:defRPr sz="3149">
                 <a:solidFill>
                   <a:schemeClr val="tx1">
                     <a:tint val="75000"/>
@@ -1272,7 +1283,17 @@
                 </a:solidFill>
               </a:defRPr>
             </a:lvl1pPr>
-            <a:lvl2pPr marL="539999" indent="0">
+            <a:lvl2pPr marL="599938" indent="0">
+              <a:buNone/>
+              <a:defRPr sz="2624">
+                <a:solidFill>
+                  <a:schemeClr val="tx1">
+                    <a:tint val="75000"/>
+                  </a:schemeClr>
+                </a:solidFill>
+              </a:defRPr>
+            </a:lvl2pPr>
+            <a:lvl3pPr marL="1199876" indent="0">
               <a:buNone/>
               <a:defRPr sz="2362">
                 <a:solidFill>
@@ -1281,20 +1302,10 @@
                   </a:schemeClr>
                 </a:solidFill>
               </a:defRPr>
-            </a:lvl2pPr>
-            <a:lvl3pPr marL="1079998" indent="0">
+            </a:lvl3pPr>
+            <a:lvl4pPr marL="1799814" indent="0">
               <a:buNone/>
-              <a:defRPr sz="2126">
-                <a:solidFill>
-                  <a:schemeClr val="tx1">
-                    <a:tint val="75000"/>
-                  </a:schemeClr>
-                </a:solidFill>
-              </a:defRPr>
-            </a:lvl3pPr>
-            <a:lvl4pPr marL="1619997" indent="0">
-              <a:buNone/>
-              <a:defRPr sz="1890">
+              <a:defRPr sz="2100">
                 <a:solidFill>
                   <a:schemeClr val="tx1">
                     <a:tint val="75000"/>
@@ -1302,9 +1313,9 @@
                 </a:solidFill>
               </a:defRPr>
             </a:lvl4pPr>
-            <a:lvl5pPr marL="2159996" indent="0">
+            <a:lvl5pPr marL="2399751" indent="0">
               <a:buNone/>
-              <a:defRPr sz="1890">
+              <a:defRPr sz="2100">
                 <a:solidFill>
                   <a:schemeClr val="tx1">
                     <a:tint val="75000"/>
@@ -1312,9 +1323,9 @@
                 </a:solidFill>
               </a:defRPr>
             </a:lvl5pPr>
-            <a:lvl6pPr marL="2699995" indent="0">
+            <a:lvl6pPr marL="2999689" indent="0">
               <a:buNone/>
-              <a:defRPr sz="1890">
+              <a:defRPr sz="2100">
                 <a:solidFill>
                   <a:schemeClr val="tx1">
                     <a:tint val="75000"/>
@@ -1322,9 +1333,9 @@
                 </a:solidFill>
               </a:defRPr>
             </a:lvl6pPr>
-            <a:lvl7pPr marL="3239994" indent="0">
+            <a:lvl7pPr marL="3599627" indent="0">
               <a:buNone/>
-              <a:defRPr sz="1890">
+              <a:defRPr sz="2100">
                 <a:solidFill>
                   <a:schemeClr val="tx1">
                     <a:tint val="75000"/>
@@ -1332,9 +1343,9 @@
                 </a:solidFill>
               </a:defRPr>
             </a:lvl7pPr>
-            <a:lvl8pPr marL="3779992" indent="0">
+            <a:lvl8pPr marL="4199565" indent="0">
               <a:buNone/>
-              <a:defRPr sz="1890">
+              <a:defRPr sz="2100">
                 <a:solidFill>
                   <a:schemeClr val="tx1">
                     <a:tint val="75000"/>
@@ -1342,9 +1353,9 @@
                 </a:solidFill>
               </a:defRPr>
             </a:lvl8pPr>
-            <a:lvl9pPr marL="4319991" indent="0">
+            <a:lvl9pPr marL="4799503" indent="0">
               <a:buNone/>
-              <a:defRPr sz="1890">
+              <a:defRPr sz="2100">
                 <a:solidFill>
                   <a:schemeClr val="tx1">
                     <a:tint val="75000"/>
@@ -1357,7 +1368,7 @@
             <a:pPr lvl="0"/>
             <a:r>
               <a:rPr lang="es-ES" smtClean="0"/>
-              <a:t>Haga clic para modificar el estilo de texto del patrón</a:t>
+              <a:t>Editar el estilo de texto del patrón</a:t>
             </a:r>
           </a:p>
         </p:txBody>
@@ -1378,8 +1389,8 @@
           <a:lstStyle/>
           <a:p>
             <a:fld id="{C764DE79-268F-4C1A-8933-263129D2AF90}" type="datetimeFigureOut">
-              <a:rPr lang="en-US" dirty="0"/>
-              <a:t>7/12/15</a:t>
+              <a:rPr lang="en-US" smtClean="0"/>
+              <a:t>12/10/2015</a:t>
             </a:fld>
             <a:endParaRPr lang="en-US" dirty="0"/>
           </a:p>
@@ -1420,8 +1431,8 @@
           <a:lstStyle/>
           <a:p>
             <a:fld id="{48F63A3B-78C7-47BE-AE5E-E10140E04643}" type="slidenum">
-              <a:rPr lang="en-US" dirty="0"/>
-              <a:t>‹Nr.›</a:t>
+              <a:rPr lang="en-US" smtClean="0"/>
+              <a:t>‹Nº›</a:t>
             </a:fld>
             <a:endParaRPr lang="en-US" dirty="0"/>
           </a:p>
@@ -1430,7 +1441,7 @@
     </p:spTree>
     <p:extLst>
       <p:ext uri="{BB962C8B-B14F-4D97-AF65-F5344CB8AC3E}">
-        <p14:creationId xmlns:p14="http://schemas.microsoft.com/office/powerpoint/2010/main" val="4277946952"/>
+        <p14:creationId xmlns:p14="http://schemas.microsoft.com/office/powerpoint/2010/main" val="1865713432"/>
       </p:ext>
     </p:extLst>
   </p:cSld>
@@ -1492,8 +1503,8 @@
         </p:nvSpPr>
         <p:spPr>
           <a:xfrm>
-            <a:off x="1249988" y="2395710"/>
-            <a:ext cx="7727197" cy="5710124"/>
+            <a:off x="1099919" y="2395710"/>
+            <a:ext cx="6799501" cy="5710124"/>
           </a:xfrm>
         </p:spPr>
         <p:txBody>
@@ -1503,7 +1514,7 @@
             <a:pPr lvl="0"/>
             <a:r>
               <a:rPr lang="es-ES" smtClean="0"/>
-              <a:t>Haga clic para modificar el estilo de texto del patrón</a:t>
+              <a:t>Editar el estilo de texto del patrón</a:t>
             </a:r>
           </a:p>
           <a:p>
@@ -1549,8 +1560,8 @@
         </p:nvSpPr>
         <p:spPr>
           <a:xfrm>
-            <a:off x="9204455" y="2395710"/>
-            <a:ext cx="7727197" cy="5710124"/>
+            <a:off x="8099405" y="2395710"/>
+            <a:ext cx="6799501" cy="5710124"/>
           </a:xfrm>
         </p:spPr>
         <p:txBody>
@@ -1560,7 +1571,7 @@
             <a:pPr lvl="0"/>
             <a:r>
               <a:rPr lang="es-ES" smtClean="0"/>
-              <a:t>Haga clic para modificar el estilo de texto del patrón</a:t>
+              <a:t>Editar el estilo de texto del patrón</a:t>
             </a:r>
           </a:p>
           <a:p>
@@ -1610,8 +1621,8 @@
           <a:lstStyle/>
           <a:p>
             <a:fld id="{C764DE79-268F-4C1A-8933-263129D2AF90}" type="datetimeFigureOut">
-              <a:rPr lang="en-US" dirty="0"/>
-              <a:t>7/12/15</a:t>
+              <a:rPr lang="en-US" smtClean="0"/>
+              <a:t>12/10/2015</a:t>
             </a:fld>
             <a:endParaRPr lang="en-US" dirty="0"/>
           </a:p>
@@ -1652,8 +1663,8 @@
           <a:lstStyle/>
           <a:p>
             <a:fld id="{48F63A3B-78C7-47BE-AE5E-E10140E04643}" type="slidenum">
-              <a:rPr lang="en-US" dirty="0"/>
-              <a:t>‹Nr.›</a:t>
+              <a:rPr lang="en-US" smtClean="0"/>
+              <a:t>‹Nº›</a:t>
             </a:fld>
             <a:endParaRPr lang="en-US" dirty="0"/>
           </a:p>
@@ -1662,7 +1673,7 @@
     </p:spTree>
     <p:extLst>
       <p:ext uri="{BB962C8B-B14F-4D97-AF65-F5344CB8AC3E}">
-        <p14:creationId xmlns:p14="http://schemas.microsoft.com/office/powerpoint/2010/main" val="2738790902"/>
+        <p14:creationId xmlns:p14="http://schemas.microsoft.com/office/powerpoint/2010/main" val="3331424419"/>
       </p:ext>
     </p:extLst>
   </p:cSld>
@@ -1701,8 +1712,8 @@
         </p:nvSpPr>
         <p:spPr>
           <a:xfrm>
-            <a:off x="1252356" y="479145"/>
-            <a:ext cx="15681663" cy="1739495"/>
+            <a:off x="1102003" y="479143"/>
+            <a:ext cx="13798987" cy="1739495"/>
           </a:xfrm>
         </p:spPr>
         <p:txBody>
@@ -1729,8 +1740,8 @@
         </p:nvSpPr>
         <p:spPr>
           <a:xfrm>
-            <a:off x="1252357" y="2206137"/>
-            <a:ext cx="7691685" cy="1081194"/>
+            <a:off x="1102004" y="2206137"/>
+            <a:ext cx="6768252" cy="1081194"/>
           </a:xfrm>
         </p:spPr>
         <p:txBody>
@@ -1738,46 +1749,46 @@
           <a:lstStyle>
             <a:lvl1pPr marL="0" indent="0">
               <a:buNone/>
-              <a:defRPr sz="2835" b="1"/>
+              <a:defRPr sz="3149" b="1"/>
             </a:lvl1pPr>
-            <a:lvl2pPr marL="539999" indent="0">
+            <a:lvl2pPr marL="599938" indent="0">
+              <a:buNone/>
+              <a:defRPr sz="2624" b="1"/>
+            </a:lvl2pPr>
+            <a:lvl3pPr marL="1199876" indent="0">
               <a:buNone/>
               <a:defRPr sz="2362" b="1"/>
-            </a:lvl2pPr>
-            <a:lvl3pPr marL="1079998" indent="0">
+            </a:lvl3pPr>
+            <a:lvl4pPr marL="1799814" indent="0">
               <a:buNone/>
-              <a:defRPr sz="2126" b="1"/>
-            </a:lvl3pPr>
-            <a:lvl4pPr marL="1619997" indent="0">
+              <a:defRPr sz="2100" b="1"/>
+            </a:lvl4pPr>
+            <a:lvl5pPr marL="2399751" indent="0">
               <a:buNone/>
-              <a:defRPr sz="1890" b="1"/>
-            </a:lvl4pPr>
-            <a:lvl5pPr marL="2159996" indent="0">
+              <a:defRPr sz="2100" b="1"/>
+            </a:lvl5pPr>
+            <a:lvl6pPr marL="2999689" indent="0">
               <a:buNone/>
-              <a:defRPr sz="1890" b="1"/>
-            </a:lvl5pPr>
-            <a:lvl6pPr marL="2699995" indent="0">
+              <a:defRPr sz="2100" b="1"/>
+            </a:lvl6pPr>
+            <a:lvl7pPr marL="3599627" indent="0">
               <a:buNone/>
-              <a:defRPr sz="1890" b="1"/>
-            </a:lvl6pPr>
-            <a:lvl7pPr marL="3239994" indent="0">
+              <a:defRPr sz="2100" b="1"/>
+            </a:lvl7pPr>
+            <a:lvl8pPr marL="4199565" indent="0">
               <a:buNone/>
-              <a:defRPr sz="1890" b="1"/>
-            </a:lvl7pPr>
-            <a:lvl8pPr marL="3779992" indent="0">
+              <a:defRPr sz="2100" b="1"/>
+            </a:lvl8pPr>
+            <a:lvl9pPr marL="4799503" indent="0">
               <a:buNone/>
-              <a:defRPr sz="1890" b="1"/>
-            </a:lvl8pPr>
-            <a:lvl9pPr marL="4319991" indent="0">
-              <a:buNone/>
-              <a:defRPr sz="1890" b="1"/>
+              <a:defRPr sz="2100" b="1"/>
             </a:lvl9pPr>
           </a:lstStyle>
           <a:p>
             <a:pPr lvl="0"/>
             <a:r>
               <a:rPr lang="es-ES" smtClean="0"/>
-              <a:t>Haga clic para modificar el estilo de texto del patrón</a:t>
+              <a:t>Editar el estilo de texto del patrón</a:t>
             </a:r>
           </a:p>
         </p:txBody>
@@ -1794,8 +1805,8 @@
         </p:nvSpPr>
         <p:spPr>
           <a:xfrm>
-            <a:off x="1252357" y="3287333"/>
-            <a:ext cx="7691685" cy="4835169"/>
+            <a:off x="1102004" y="3287331"/>
+            <a:ext cx="6768252" cy="4835169"/>
           </a:xfrm>
         </p:spPr>
         <p:txBody>
@@ -1805,7 +1816,7 @@
             <a:pPr lvl="0"/>
             <a:r>
               <a:rPr lang="es-ES" smtClean="0"/>
-              <a:t>Haga clic para modificar el estilo de texto del patrón</a:t>
+              <a:t>Editar el estilo de texto del patrón</a:t>
             </a:r>
           </a:p>
           <a:p>
@@ -1851,8 +1862,8 @@
         </p:nvSpPr>
         <p:spPr>
           <a:xfrm>
-            <a:off x="9204454" y="2206137"/>
-            <a:ext cx="7729565" cy="1081194"/>
+            <a:off x="8099405" y="2206137"/>
+            <a:ext cx="6801584" cy="1081194"/>
           </a:xfrm>
         </p:spPr>
         <p:txBody>
@@ -1860,46 +1871,46 @@
           <a:lstStyle>
             <a:lvl1pPr marL="0" indent="0">
               <a:buNone/>
-              <a:defRPr sz="2835" b="1"/>
+              <a:defRPr sz="3149" b="1"/>
             </a:lvl1pPr>
-            <a:lvl2pPr marL="539999" indent="0">
+            <a:lvl2pPr marL="599938" indent="0">
+              <a:buNone/>
+              <a:defRPr sz="2624" b="1"/>
+            </a:lvl2pPr>
+            <a:lvl3pPr marL="1199876" indent="0">
               <a:buNone/>
               <a:defRPr sz="2362" b="1"/>
-            </a:lvl2pPr>
-            <a:lvl3pPr marL="1079998" indent="0">
+            </a:lvl3pPr>
+            <a:lvl4pPr marL="1799814" indent="0">
               <a:buNone/>
-              <a:defRPr sz="2126" b="1"/>
-            </a:lvl3pPr>
-            <a:lvl4pPr marL="1619997" indent="0">
+              <a:defRPr sz="2100" b="1"/>
+            </a:lvl4pPr>
+            <a:lvl5pPr marL="2399751" indent="0">
               <a:buNone/>
-              <a:defRPr sz="1890" b="1"/>
-            </a:lvl4pPr>
-            <a:lvl5pPr marL="2159996" indent="0">
+              <a:defRPr sz="2100" b="1"/>
+            </a:lvl5pPr>
+            <a:lvl6pPr marL="2999689" indent="0">
               <a:buNone/>
-              <a:defRPr sz="1890" b="1"/>
-            </a:lvl5pPr>
-            <a:lvl6pPr marL="2699995" indent="0">
+              <a:defRPr sz="2100" b="1"/>
+            </a:lvl6pPr>
+            <a:lvl7pPr marL="3599627" indent="0">
               <a:buNone/>
-              <a:defRPr sz="1890" b="1"/>
-            </a:lvl6pPr>
-            <a:lvl7pPr marL="3239994" indent="0">
+              <a:defRPr sz="2100" b="1"/>
+            </a:lvl7pPr>
+            <a:lvl8pPr marL="4199565" indent="0">
               <a:buNone/>
-              <a:defRPr sz="1890" b="1"/>
-            </a:lvl7pPr>
-            <a:lvl8pPr marL="3779992" indent="0">
+              <a:defRPr sz="2100" b="1"/>
+            </a:lvl8pPr>
+            <a:lvl9pPr marL="4799503" indent="0">
               <a:buNone/>
-              <a:defRPr sz="1890" b="1"/>
-            </a:lvl8pPr>
-            <a:lvl9pPr marL="4319991" indent="0">
-              <a:buNone/>
-              <a:defRPr sz="1890" b="1"/>
+              <a:defRPr sz="2100" b="1"/>
             </a:lvl9pPr>
           </a:lstStyle>
           <a:p>
             <a:pPr lvl="0"/>
             <a:r>
               <a:rPr lang="es-ES" smtClean="0"/>
-              <a:t>Haga clic para modificar el estilo de texto del patrón</a:t>
+              <a:t>Editar el estilo de texto del patrón</a:t>
             </a:r>
           </a:p>
         </p:txBody>
@@ -1916,8 +1927,8 @@
         </p:nvSpPr>
         <p:spPr>
           <a:xfrm>
-            <a:off x="9204454" y="3287333"/>
-            <a:ext cx="7729565" cy="4835169"/>
+            <a:off x="8099405" y="3287331"/>
+            <a:ext cx="6801584" cy="4835169"/>
           </a:xfrm>
         </p:spPr>
         <p:txBody>
@@ -1927,7 +1938,7 @@
             <a:pPr lvl="0"/>
             <a:r>
               <a:rPr lang="es-ES" smtClean="0"/>
-              <a:t>Haga clic para modificar el estilo de texto del patrón</a:t>
+              <a:t>Editar el estilo de texto del patrón</a:t>
             </a:r>
           </a:p>
           <a:p>
@@ -1977,8 +1988,8 @@
           <a:lstStyle/>
           <a:p>
             <a:fld id="{C764DE79-268F-4C1A-8933-263129D2AF90}" type="datetimeFigureOut">
-              <a:rPr lang="en-US" dirty="0"/>
-              <a:t>7/12/15</a:t>
+              <a:rPr lang="en-US" smtClean="0"/>
+              <a:t>12/10/2015</a:t>
             </a:fld>
             <a:endParaRPr lang="en-US" dirty="0"/>
           </a:p>
@@ -2019,8 +2030,8 @@
           <a:lstStyle/>
           <a:p>
             <a:fld id="{48F63A3B-78C7-47BE-AE5E-E10140E04643}" type="slidenum">
-              <a:rPr lang="en-US" dirty="0"/>
-              <a:t>‹Nr.›</a:t>
+              <a:rPr lang="en-US" smtClean="0"/>
+              <a:t>‹Nº›</a:t>
             </a:fld>
             <a:endParaRPr lang="en-US" dirty="0"/>
           </a:p>
@@ -2029,7 +2040,7 @@
     </p:spTree>
     <p:extLst>
       <p:ext uri="{BB962C8B-B14F-4D97-AF65-F5344CB8AC3E}">
-        <p14:creationId xmlns:p14="http://schemas.microsoft.com/office/powerpoint/2010/main" val="3256052139"/>
+        <p14:creationId xmlns:p14="http://schemas.microsoft.com/office/powerpoint/2010/main" val="2570788482"/>
       </p:ext>
     </p:extLst>
   </p:cSld>
@@ -2095,8 +2106,8 @@
           <a:lstStyle/>
           <a:p>
             <a:fld id="{C764DE79-268F-4C1A-8933-263129D2AF90}" type="datetimeFigureOut">
-              <a:rPr lang="en-US" dirty="0"/>
-              <a:t>7/12/15</a:t>
+              <a:rPr lang="en-US" smtClean="0"/>
+              <a:t>12/10/2015</a:t>
             </a:fld>
             <a:endParaRPr lang="en-US" dirty="0"/>
           </a:p>
@@ -2137,8 +2148,8 @@
           <a:lstStyle/>
           <a:p>
             <a:fld id="{48F63A3B-78C7-47BE-AE5E-E10140E04643}" type="slidenum">
-              <a:rPr lang="en-US" dirty="0"/>
-              <a:t>‹Nr.›</a:t>
+              <a:rPr lang="en-US" smtClean="0"/>
+              <a:t>‹Nº›</a:t>
             </a:fld>
             <a:endParaRPr lang="en-US" dirty="0"/>
           </a:p>
@@ -2147,7 +2158,7 @@
     </p:spTree>
     <p:extLst>
       <p:ext uri="{BB962C8B-B14F-4D97-AF65-F5344CB8AC3E}">
-        <p14:creationId xmlns:p14="http://schemas.microsoft.com/office/powerpoint/2010/main" val="2351768061"/>
+        <p14:creationId xmlns:p14="http://schemas.microsoft.com/office/powerpoint/2010/main" val="1073992104"/>
       </p:ext>
     </p:extLst>
   </p:cSld>
@@ -2191,7 +2202,7 @@
           <a:p>
             <a:fld id="{5001C876-01F7-4317-94B9-1AE222133113}" type="datetimeFigureOut">
               <a:rPr lang="es-ES" smtClean="0"/>
-              <a:t>7/12/15</a:t>
+              <a:t>10/12/2015</a:t>
             </a:fld>
             <a:endParaRPr lang="es-ES"/>
           </a:p>
@@ -2233,7 +2244,7 @@
           <a:p>
             <a:fld id="{58140F73-F5A2-4B82-A2FA-BF1850CF1309}" type="slidenum">
               <a:rPr lang="es-ES" smtClean="0"/>
-              <a:t>‹Nr.›</a:t>
+              <a:t>‹Nº›</a:t>
             </a:fld>
             <a:endParaRPr lang="es-ES"/>
           </a:p>
@@ -2242,7 +2253,7 @@
     </p:spTree>
     <p:extLst>
       <p:ext uri="{BB962C8B-B14F-4D97-AF65-F5344CB8AC3E}">
-        <p14:creationId xmlns:p14="http://schemas.microsoft.com/office/powerpoint/2010/main" val="3747386585"/>
+        <p14:creationId xmlns:p14="http://schemas.microsoft.com/office/powerpoint/2010/main" val="2655831188"/>
       </p:ext>
     </p:extLst>
   </p:cSld>
@@ -2281,15 +2292,15 @@
         </p:nvSpPr>
         <p:spPr>
           <a:xfrm>
-            <a:off x="1252357" y="599969"/>
-            <a:ext cx="5864051" cy="2099892"/>
+            <a:off x="1102004" y="599969"/>
+            <a:ext cx="5160037" cy="2099892"/>
           </a:xfrm>
         </p:spPr>
         <p:txBody>
           <a:bodyPr anchor="b"/>
           <a:lstStyle>
             <a:lvl1pPr>
-              <a:defRPr sz="3780"/>
+              <a:defRPr sz="4199"/>
             </a:lvl1pPr>
           </a:lstStyle>
           <a:p>
@@ -2313,46 +2324,46 @@
         </p:nvSpPr>
         <p:spPr>
           <a:xfrm>
-            <a:off x="7729565" y="1295769"/>
-            <a:ext cx="9204454" cy="6395505"/>
+            <a:off x="6801585" y="1295767"/>
+            <a:ext cx="8099405" cy="6395505"/>
           </a:xfrm>
         </p:spPr>
         <p:txBody>
           <a:bodyPr/>
           <a:lstStyle>
             <a:lvl1pPr>
-              <a:defRPr sz="3780"/>
+              <a:defRPr sz="4199"/>
             </a:lvl1pPr>
             <a:lvl2pPr>
-              <a:defRPr sz="3307"/>
+              <a:defRPr sz="3674"/>
             </a:lvl2pPr>
             <a:lvl3pPr>
-              <a:defRPr sz="2835"/>
+              <a:defRPr sz="3149"/>
             </a:lvl3pPr>
             <a:lvl4pPr>
-              <a:defRPr sz="2362"/>
+              <a:defRPr sz="2624"/>
             </a:lvl4pPr>
             <a:lvl5pPr>
-              <a:defRPr sz="2362"/>
+              <a:defRPr sz="2624"/>
             </a:lvl5pPr>
             <a:lvl6pPr>
-              <a:defRPr sz="2362"/>
+              <a:defRPr sz="2624"/>
             </a:lvl6pPr>
             <a:lvl7pPr>
-              <a:defRPr sz="2362"/>
+              <a:defRPr sz="2624"/>
             </a:lvl7pPr>
             <a:lvl8pPr>
-              <a:defRPr sz="2362"/>
+              <a:defRPr sz="2624"/>
             </a:lvl8pPr>
             <a:lvl9pPr>
-              <a:defRPr sz="2362"/>
+              <a:defRPr sz="2624"/>
             </a:lvl9pPr>
           </a:lstStyle>
           <a:p>
             <a:pPr lvl="0"/>
             <a:r>
               <a:rPr lang="es-ES" smtClean="0"/>
-              <a:t>Haga clic para modificar el estilo de texto del patrón</a:t>
+              <a:t>Editar el estilo de texto del patrón</a:t>
             </a:r>
           </a:p>
           <a:p>
@@ -2398,8 +2409,8 @@
         </p:nvSpPr>
         <p:spPr>
           <a:xfrm>
-            <a:off x="1252357" y="2699864"/>
-            <a:ext cx="5864051" cy="5001827"/>
+            <a:off x="1102004" y="2699862"/>
+            <a:ext cx="5160037" cy="5001827"/>
           </a:xfrm>
         </p:spPr>
         <p:txBody>
@@ -2407,46 +2418,46 @@
           <a:lstStyle>
             <a:lvl1pPr marL="0" indent="0">
               <a:buNone/>
-              <a:defRPr sz="1890"/>
+              <a:defRPr sz="2100"/>
             </a:lvl1pPr>
-            <a:lvl2pPr marL="539999" indent="0">
+            <a:lvl2pPr marL="599938" indent="0">
               <a:buNone/>
-              <a:defRPr sz="1654"/>
+              <a:defRPr sz="1837"/>
             </a:lvl2pPr>
-            <a:lvl3pPr marL="1079998" indent="0">
+            <a:lvl3pPr marL="1199876" indent="0">
               <a:buNone/>
-              <a:defRPr sz="1417"/>
+              <a:defRPr sz="1575"/>
             </a:lvl3pPr>
-            <a:lvl4pPr marL="1619997" indent="0">
+            <a:lvl4pPr marL="1799814" indent="0">
               <a:buNone/>
-              <a:defRPr sz="1181"/>
+              <a:defRPr sz="1312"/>
             </a:lvl4pPr>
-            <a:lvl5pPr marL="2159996" indent="0">
+            <a:lvl5pPr marL="2399751" indent="0">
               <a:buNone/>
-              <a:defRPr sz="1181"/>
+              <a:defRPr sz="1312"/>
             </a:lvl5pPr>
-            <a:lvl6pPr marL="2699995" indent="0">
+            <a:lvl6pPr marL="2999689" indent="0">
               <a:buNone/>
-              <a:defRPr sz="1181"/>
+              <a:defRPr sz="1312"/>
             </a:lvl6pPr>
-            <a:lvl7pPr marL="3239994" indent="0">
+            <a:lvl7pPr marL="3599627" indent="0">
               <a:buNone/>
-              <a:defRPr sz="1181"/>
+              <a:defRPr sz="1312"/>
             </a:lvl7pPr>
-            <a:lvl8pPr marL="3779992" indent="0">
+            <a:lvl8pPr marL="4199565" indent="0">
               <a:buNone/>
-              <a:defRPr sz="1181"/>
+              <a:defRPr sz="1312"/>
             </a:lvl8pPr>
-            <a:lvl9pPr marL="4319991" indent="0">
+            <a:lvl9pPr marL="4799503" indent="0">
               <a:buNone/>
-              <a:defRPr sz="1181"/>
+              <a:defRPr sz="1312"/>
             </a:lvl9pPr>
           </a:lstStyle>
           <a:p>
             <a:pPr lvl="0"/>
             <a:r>
               <a:rPr lang="es-ES" smtClean="0"/>
-              <a:t>Haga clic para modificar el estilo de texto del patrón</a:t>
+              <a:t>Editar el estilo de texto del patrón</a:t>
             </a:r>
           </a:p>
         </p:txBody>
@@ -2467,8 +2478,8 @@
           <a:lstStyle/>
           <a:p>
             <a:fld id="{C764DE79-268F-4C1A-8933-263129D2AF90}" type="datetimeFigureOut">
-              <a:rPr lang="en-US" dirty="0"/>
-              <a:t>7/12/15</a:t>
+              <a:rPr lang="en-US" smtClean="0"/>
+              <a:t>12/10/2015</a:t>
             </a:fld>
             <a:endParaRPr lang="en-US" dirty="0"/>
           </a:p>
@@ -2509,8 +2520,8 @@
           <a:lstStyle/>
           <a:p>
             <a:fld id="{48F63A3B-78C7-47BE-AE5E-E10140E04643}" type="slidenum">
-              <a:rPr lang="en-US" dirty="0"/>
-              <a:t>‹Nr.›</a:t>
+              <a:rPr lang="en-US" smtClean="0"/>
+              <a:t>‹Nº›</a:t>
             </a:fld>
             <a:endParaRPr lang="en-US" dirty="0"/>
           </a:p>
@@ -2519,7 +2530,7 @@
     </p:spTree>
     <p:extLst>
       <p:ext uri="{BB962C8B-B14F-4D97-AF65-F5344CB8AC3E}">
-        <p14:creationId xmlns:p14="http://schemas.microsoft.com/office/powerpoint/2010/main" val="4278334214"/>
+        <p14:creationId xmlns:p14="http://schemas.microsoft.com/office/powerpoint/2010/main" val="2855162017"/>
       </p:ext>
     </p:extLst>
   </p:cSld>
@@ -2558,15 +2569,15 @@
         </p:nvSpPr>
         <p:spPr>
           <a:xfrm>
-            <a:off x="1252357" y="599969"/>
-            <a:ext cx="5864051" cy="2099892"/>
+            <a:off x="1102004" y="599969"/>
+            <a:ext cx="5160037" cy="2099892"/>
           </a:xfrm>
         </p:spPr>
         <p:txBody>
           <a:bodyPr anchor="b"/>
           <a:lstStyle>
             <a:lvl1pPr>
-              <a:defRPr sz="3780"/>
+              <a:defRPr sz="4199"/>
             </a:lvl1pPr>
           </a:lstStyle>
           <a:p>
@@ -2590,8 +2601,8 @@
         </p:nvSpPr>
         <p:spPr>
           <a:xfrm>
-            <a:off x="7729565" y="1295769"/>
-            <a:ext cx="9204454" cy="6395505"/>
+            <a:off x="6801585" y="1295767"/>
+            <a:ext cx="8099405" cy="6395505"/>
           </a:xfrm>
         </p:spPr>
         <p:txBody>
@@ -2599,39 +2610,39 @@
           <a:lstStyle>
             <a:lvl1pPr marL="0" indent="0">
               <a:buNone/>
-              <a:defRPr sz="3780"/>
+              <a:defRPr sz="4199"/>
             </a:lvl1pPr>
-            <a:lvl2pPr marL="539999" indent="0">
+            <a:lvl2pPr marL="599938" indent="0">
               <a:buNone/>
-              <a:defRPr sz="3307"/>
+              <a:defRPr sz="3674"/>
             </a:lvl2pPr>
-            <a:lvl3pPr marL="1079998" indent="0">
+            <a:lvl3pPr marL="1199876" indent="0">
               <a:buNone/>
-              <a:defRPr sz="2835"/>
+              <a:defRPr sz="3149"/>
             </a:lvl3pPr>
-            <a:lvl4pPr marL="1619997" indent="0">
+            <a:lvl4pPr marL="1799814" indent="0">
               <a:buNone/>
-              <a:defRPr sz="2362"/>
+              <a:defRPr sz="2624"/>
             </a:lvl4pPr>
-            <a:lvl5pPr marL="2159996" indent="0">
+            <a:lvl5pPr marL="2399751" indent="0">
               <a:buNone/>
-              <a:defRPr sz="2362"/>
+              <a:defRPr sz="2624"/>
             </a:lvl5pPr>
-            <a:lvl6pPr marL="2699995" indent="0">
+            <a:lvl6pPr marL="2999689" indent="0">
               <a:buNone/>
-              <a:defRPr sz="2362"/>
+              <a:defRPr sz="2624"/>
             </a:lvl6pPr>
-            <a:lvl7pPr marL="3239994" indent="0">
+            <a:lvl7pPr marL="3599627" indent="0">
               <a:buNone/>
-              <a:defRPr sz="2362"/>
+              <a:defRPr sz="2624"/>
             </a:lvl7pPr>
-            <a:lvl8pPr marL="3779992" indent="0">
+            <a:lvl8pPr marL="4199565" indent="0">
               <a:buNone/>
-              <a:defRPr sz="2362"/>
+              <a:defRPr sz="2624"/>
             </a:lvl8pPr>
-            <a:lvl9pPr marL="4319991" indent="0">
+            <a:lvl9pPr marL="4799503" indent="0">
               <a:buNone/>
-              <a:defRPr sz="2362"/>
+              <a:defRPr sz="2624"/>
             </a:lvl9pPr>
           </a:lstStyle>
           <a:p>
@@ -2655,8 +2666,8 @@
         </p:nvSpPr>
         <p:spPr>
           <a:xfrm>
-            <a:off x="1252357" y="2699864"/>
-            <a:ext cx="5864051" cy="5001827"/>
+            <a:off x="1102004" y="2699862"/>
+            <a:ext cx="5160037" cy="5001827"/>
           </a:xfrm>
         </p:spPr>
         <p:txBody>
@@ -2664,46 +2675,46 @@
           <a:lstStyle>
             <a:lvl1pPr marL="0" indent="0">
               <a:buNone/>
-              <a:defRPr sz="1890"/>
+              <a:defRPr sz="2100"/>
             </a:lvl1pPr>
-            <a:lvl2pPr marL="539999" indent="0">
+            <a:lvl2pPr marL="599938" indent="0">
               <a:buNone/>
-              <a:defRPr sz="1654"/>
+              <a:defRPr sz="1837"/>
             </a:lvl2pPr>
-            <a:lvl3pPr marL="1079998" indent="0">
+            <a:lvl3pPr marL="1199876" indent="0">
               <a:buNone/>
-              <a:defRPr sz="1417"/>
+              <a:defRPr sz="1575"/>
             </a:lvl3pPr>
-            <a:lvl4pPr marL="1619997" indent="0">
+            <a:lvl4pPr marL="1799814" indent="0">
               <a:buNone/>
-              <a:defRPr sz="1181"/>
+              <a:defRPr sz="1312"/>
             </a:lvl4pPr>
-            <a:lvl5pPr marL="2159996" indent="0">
+            <a:lvl5pPr marL="2399751" indent="0">
               <a:buNone/>
-              <a:defRPr sz="1181"/>
+              <a:defRPr sz="1312"/>
             </a:lvl5pPr>
-            <a:lvl6pPr marL="2699995" indent="0">
+            <a:lvl6pPr marL="2999689" indent="0">
               <a:buNone/>
-              <a:defRPr sz="1181"/>
+              <a:defRPr sz="1312"/>
             </a:lvl6pPr>
-            <a:lvl7pPr marL="3239994" indent="0">
+            <a:lvl7pPr marL="3599627" indent="0">
               <a:buNone/>
-              <a:defRPr sz="1181"/>
+              <a:defRPr sz="1312"/>
             </a:lvl7pPr>
-            <a:lvl8pPr marL="3779992" indent="0">
+            <a:lvl8pPr marL="4199565" indent="0">
               <a:buNone/>
-              <a:defRPr sz="1181"/>
+              <a:defRPr sz="1312"/>
             </a:lvl8pPr>
-            <a:lvl9pPr marL="4319991" indent="0">
+            <a:lvl9pPr marL="4799503" indent="0">
               <a:buNone/>
-              <a:defRPr sz="1181"/>
+              <a:defRPr sz="1312"/>
             </a:lvl9pPr>
           </a:lstStyle>
           <a:p>
             <a:pPr lvl="0"/>
             <a:r>
               <a:rPr lang="es-ES" smtClean="0"/>
-              <a:t>Haga clic para modificar el estilo de texto del patrón</a:t>
+              <a:t>Editar el estilo de texto del patrón</a:t>
             </a:r>
           </a:p>
         </p:txBody>
@@ -2724,8 +2735,8 @@
           <a:lstStyle/>
           <a:p>
             <a:fld id="{C764DE79-268F-4C1A-8933-263129D2AF90}" type="datetimeFigureOut">
-              <a:rPr lang="en-US" dirty="0"/>
-              <a:t>7/12/15</a:t>
+              <a:rPr lang="en-US" smtClean="0"/>
+              <a:t>12/10/2015</a:t>
             </a:fld>
             <a:endParaRPr lang="en-US" dirty="0"/>
           </a:p>
@@ -2766,8 +2777,8 @@
           <a:lstStyle/>
           <a:p>
             <a:fld id="{48F63A3B-78C7-47BE-AE5E-E10140E04643}" type="slidenum">
-              <a:rPr lang="en-US" dirty="0"/>
-              <a:t>‹Nr.›</a:t>
+              <a:rPr lang="en-US" smtClean="0"/>
+              <a:t>‹Nº›</a:t>
             </a:fld>
             <a:endParaRPr lang="en-US" dirty="0"/>
           </a:p>
@@ -2776,7 +2787,7 @@
     </p:spTree>
     <p:extLst>
       <p:ext uri="{BB962C8B-B14F-4D97-AF65-F5344CB8AC3E}">
-        <p14:creationId xmlns:p14="http://schemas.microsoft.com/office/powerpoint/2010/main" val="3177704065"/>
+        <p14:creationId xmlns:p14="http://schemas.microsoft.com/office/powerpoint/2010/main" val="1683266638"/>
       </p:ext>
     </p:extLst>
   </p:cSld>
@@ -2820,8 +2831,8 @@
         </p:nvSpPr>
         <p:spPr>
           <a:xfrm>
-            <a:off x="1249988" y="479145"/>
-            <a:ext cx="15681663" cy="1739495"/>
+            <a:off x="1099919" y="479143"/>
+            <a:ext cx="13798987" cy="1739495"/>
           </a:xfrm>
           <a:prstGeom prst="rect">
             <a:avLst/>
@@ -2853,8 +2864,8 @@
         </p:nvSpPr>
         <p:spPr>
           <a:xfrm>
-            <a:off x="1249988" y="2395710"/>
-            <a:ext cx="15681663" cy="5710124"/>
+            <a:off x="1099919" y="2395710"/>
+            <a:ext cx="13798987" cy="5710124"/>
           </a:xfrm>
           <a:prstGeom prst="rect">
             <a:avLst/>
@@ -2869,7 +2880,7 @@
             <a:pPr lvl="0"/>
             <a:r>
               <a:rPr lang="es-ES" smtClean="0"/>
-              <a:t>Haga clic para modificar el estilo de texto del patrón</a:t>
+              <a:t>Editar el estilo de texto del patrón</a:t>
             </a:r>
           </a:p>
           <a:p>
@@ -2915,8 +2926,8 @@
         </p:nvSpPr>
         <p:spPr>
           <a:xfrm>
-            <a:off x="1249988" y="8341239"/>
-            <a:ext cx="4090868" cy="479142"/>
+            <a:off x="1099919" y="8341239"/>
+            <a:ext cx="3599736" cy="479142"/>
           </a:xfrm>
           <a:prstGeom prst="rect">
             <a:avLst/>
@@ -2926,7 +2937,7 @@
           <a:bodyPr vert="horz" lIns="91440" tIns="45720" rIns="91440" bIns="45720" rtlCol="0" anchor="ctr"/>
           <a:lstStyle>
             <a:lvl1pPr algn="l">
-              <a:defRPr sz="1417">
+              <a:defRPr sz="1575">
                 <a:solidFill>
                   <a:schemeClr val="tx1">
                     <a:tint val="75000"/>
@@ -2937,8 +2948,8 @@
           </a:lstStyle>
           <a:p>
             <a:fld id="{C764DE79-268F-4C1A-8933-263129D2AF90}" type="datetimeFigureOut">
-              <a:rPr lang="en-US" dirty="0"/>
-              <a:t>7/12/15</a:t>
+              <a:rPr lang="en-US" smtClean="0"/>
+              <a:t>12/10/2015</a:t>
             </a:fld>
             <a:endParaRPr lang="en-US" dirty="0"/>
           </a:p>
@@ -2956,8 +2967,8 @@
         </p:nvSpPr>
         <p:spPr>
           <a:xfrm>
-            <a:off x="6022669" y="8341239"/>
-            <a:ext cx="6136303" cy="479142"/>
+            <a:off x="5299611" y="8341239"/>
+            <a:ext cx="5399603" cy="479142"/>
           </a:xfrm>
           <a:prstGeom prst="rect">
             <a:avLst/>
@@ -2967,7 +2978,7 @@
           <a:bodyPr vert="horz" lIns="91440" tIns="45720" rIns="91440" bIns="45720" rtlCol="0" anchor="ctr"/>
           <a:lstStyle>
             <a:lvl1pPr algn="ctr">
-              <a:defRPr sz="1417">
+              <a:defRPr sz="1575">
                 <a:solidFill>
                   <a:schemeClr val="tx1">
                     <a:tint val="75000"/>
@@ -2993,8 +3004,8 @@
         </p:nvSpPr>
         <p:spPr>
           <a:xfrm>
-            <a:off x="12840782" y="8341239"/>
-            <a:ext cx="4090868" cy="479142"/>
+            <a:off x="11299170" y="8341239"/>
+            <a:ext cx="3599736" cy="479142"/>
           </a:xfrm>
           <a:prstGeom prst="rect">
             <a:avLst/>
@@ -3004,7 +3015,7 @@
           <a:bodyPr vert="horz" lIns="91440" tIns="45720" rIns="91440" bIns="45720" rtlCol="0" anchor="ctr"/>
           <a:lstStyle>
             <a:lvl1pPr algn="r">
-              <a:defRPr sz="1417">
+              <a:defRPr sz="1575">
                 <a:solidFill>
                   <a:schemeClr val="tx1">
                     <a:tint val="75000"/>
@@ -3015,8 +3026,8 @@
           </a:lstStyle>
           <a:p>
             <a:fld id="{48F63A3B-78C7-47BE-AE5E-E10140E04643}" type="slidenum">
-              <a:rPr lang="en-US" dirty="0"/>
-              <a:t>‹Nr.›</a:t>
+              <a:rPr lang="en-US" smtClean="0"/>
+              <a:t>‹Nº›</a:t>
             </a:fld>
             <a:endParaRPr lang="en-US" dirty="0"/>
           </a:p>
@@ -3030,8 +3041,8 @@
         </p:nvSpPr>
         <p:spPr>
           <a:xfrm rot="16200000">
-            <a:off x="-1000315" y="2287761"/>
-            <a:ext cx="3121367" cy="276999"/>
+            <a:off x="-890454" y="2298925"/>
+            <a:ext cx="2767104" cy="254685"/>
           </a:xfrm>
           <a:prstGeom prst="rect">
             <a:avLst/>
@@ -3046,7 +3057,7 @@
           <a:p>
             <a:pPr algn="ctr"/>
             <a:r>
-              <a:rPr lang="es-ES" sz="1200" dirty="0" smtClean="0">
+              <a:rPr lang="es-ES" sz="1055" dirty="0" smtClean="0">
                 <a:solidFill>
                   <a:schemeClr val="bg2">
                     <a:lumMod val="90000"/>
@@ -3057,7 +3068,7 @@
               </a:rPr>
               <a:t>© Editorial Planeta Colombiana S.A., 2015.</a:t>
             </a:r>
-            <a:endParaRPr lang="es-ES" sz="1200" dirty="0">
+            <a:endParaRPr lang="es-ES" sz="1055" dirty="0">
               <a:solidFill>
                 <a:schemeClr val="bg2">
                   <a:lumMod val="90000"/>
@@ -3090,9 +3101,9 @@
           </a:stretch>
         </p:blipFill>
         <p:spPr>
-          <a:xfrm rot="16200000">
-            <a:off x="440990" y="197341"/>
-            <a:ext cx="238757" cy="361767"/>
+          <a:xfrm>
+            <a:off x="373718" y="219058"/>
+            <a:ext cx="182889" cy="182889"/>
           </a:xfrm>
           <a:prstGeom prst="rect">
             <a:avLst/>
@@ -3102,23 +3113,23 @@
     </p:spTree>
     <p:extLst>
       <p:ext uri="{BB962C8B-B14F-4D97-AF65-F5344CB8AC3E}">
-        <p14:creationId xmlns:p14="http://schemas.microsoft.com/office/powerpoint/2010/main" val="3739264170"/>
+        <p14:creationId xmlns:p14="http://schemas.microsoft.com/office/powerpoint/2010/main" val="2314950368"/>
       </p:ext>
     </p:extLst>
   </p:cSld>
   <p:clrMap bg1="lt1" tx1="dk1" bg2="lt2" tx2="dk2" accent1="accent1" accent2="accent2" accent3="accent3" accent4="accent4" accent5="accent5" accent6="accent6" hlink="hlink" folHlink="folHlink"/>
   <p:sldLayoutIdLst>
-    <p:sldLayoutId id="2147483673" r:id="rId1"/>
-    <p:sldLayoutId id="2147483674" r:id="rId2"/>
-    <p:sldLayoutId id="2147483675" r:id="rId3"/>
-    <p:sldLayoutId id="2147483676" r:id="rId4"/>
-    <p:sldLayoutId id="2147483677" r:id="rId5"/>
-    <p:sldLayoutId id="2147483678" r:id="rId6"/>
-    <p:sldLayoutId id="2147483679" r:id="rId7"/>
-    <p:sldLayoutId id="2147483680" r:id="rId8"/>
-    <p:sldLayoutId id="2147483681" r:id="rId9"/>
-    <p:sldLayoutId id="2147483682" r:id="rId10"/>
-    <p:sldLayoutId id="2147483683" r:id="rId11"/>
+    <p:sldLayoutId id="2147483685" r:id="rId1"/>
+    <p:sldLayoutId id="2147483686" r:id="rId2"/>
+    <p:sldLayoutId id="2147483687" r:id="rId3"/>
+    <p:sldLayoutId id="2147483688" r:id="rId4"/>
+    <p:sldLayoutId id="2147483689" r:id="rId5"/>
+    <p:sldLayoutId id="2147483690" r:id="rId6"/>
+    <p:sldLayoutId id="2147483691" r:id="rId7"/>
+    <p:sldLayoutId id="2147483692" r:id="rId8"/>
+    <p:sldLayoutId id="2147483693" r:id="rId9"/>
+    <p:sldLayoutId id="2147483694" r:id="rId10"/>
+    <p:sldLayoutId id="2147483695" r:id="rId11"/>
     <p:sldLayoutId id="2147483661" r:id="rId12"/>
     <p:sldLayoutId id="2147483662" r:id="rId13"/>
     <p:sldLayoutId id="2147483663" r:id="rId14"/>
@@ -3132,7 +3143,7 @@
   </p:sldLayoutIdLst>
   <p:txStyles>
     <p:titleStyle>
-      <a:lvl1pPr algn="l" defTabSz="1079998" rtl="0" eaLnBrk="1" latinLnBrk="0" hangingPunct="1">
+      <a:lvl1pPr algn="l" defTabSz="1199876" rtl="0" eaLnBrk="1" latinLnBrk="0" hangingPunct="1">
         <a:lnSpc>
           <a:spcPct val="90000"/>
         </a:lnSpc>
@@ -3140,7 +3151,7 @@
           <a:spcPct val="0"/>
         </a:spcBef>
         <a:buNone/>
-        <a:defRPr sz="5197" kern="1200">
+        <a:defRPr sz="5774" kern="1200">
           <a:solidFill>
             <a:schemeClr val="tx1"/>
           </a:solidFill>
@@ -3151,16 +3162,16 @@
       </a:lvl1pPr>
     </p:titleStyle>
     <p:bodyStyle>
-      <a:lvl1pPr marL="269999" indent="-269999" algn="l" defTabSz="1079998" rtl="0" eaLnBrk="1" latinLnBrk="0" hangingPunct="1">
+      <a:lvl1pPr marL="299969" indent="-299969" algn="l" defTabSz="1199876" rtl="0" eaLnBrk="1" latinLnBrk="0" hangingPunct="1">
         <a:lnSpc>
           <a:spcPct val="90000"/>
         </a:lnSpc>
         <a:spcBef>
-          <a:spcPts val="1181"/>
+          <a:spcPts val="1312"/>
         </a:spcBef>
         <a:buFont typeface="Arial" panose="020B0604020202020204" pitchFamily="34" charset="0"/>
         <a:buChar char="•"/>
-        <a:defRPr sz="3307" kern="1200">
+        <a:defRPr sz="3674" kern="1200">
           <a:solidFill>
             <a:schemeClr val="tx1"/>
           </a:solidFill>
@@ -3169,16 +3180,16 @@
           <a:cs typeface="+mn-cs"/>
         </a:defRPr>
       </a:lvl1pPr>
-      <a:lvl2pPr marL="809998" indent="-269999" algn="l" defTabSz="1079998" rtl="0" eaLnBrk="1" latinLnBrk="0" hangingPunct="1">
+      <a:lvl2pPr marL="899907" indent="-299969" algn="l" defTabSz="1199876" rtl="0" eaLnBrk="1" latinLnBrk="0" hangingPunct="1">
         <a:lnSpc>
           <a:spcPct val="90000"/>
         </a:lnSpc>
         <a:spcBef>
-          <a:spcPts val="591"/>
+          <a:spcPts val="656"/>
         </a:spcBef>
         <a:buFont typeface="Arial" panose="020B0604020202020204" pitchFamily="34" charset="0"/>
         <a:buChar char="•"/>
-        <a:defRPr sz="2835" kern="1200">
+        <a:defRPr sz="3149" kern="1200">
           <a:solidFill>
             <a:schemeClr val="tx1"/>
           </a:solidFill>
@@ -3187,12 +3198,30 @@
           <a:cs typeface="+mn-cs"/>
         </a:defRPr>
       </a:lvl2pPr>
-      <a:lvl3pPr marL="1349997" indent="-269999" algn="l" defTabSz="1079998" rtl="0" eaLnBrk="1" latinLnBrk="0" hangingPunct="1">
+      <a:lvl3pPr marL="1499845" indent="-299969" algn="l" defTabSz="1199876" rtl="0" eaLnBrk="1" latinLnBrk="0" hangingPunct="1">
         <a:lnSpc>
           <a:spcPct val="90000"/>
         </a:lnSpc>
         <a:spcBef>
-          <a:spcPts val="591"/>
+          <a:spcPts val="656"/>
+        </a:spcBef>
+        <a:buFont typeface="Arial" panose="020B0604020202020204" pitchFamily="34" charset="0"/>
+        <a:buChar char="•"/>
+        <a:defRPr sz="2624" kern="1200">
+          <a:solidFill>
+            <a:schemeClr val="tx1"/>
+          </a:solidFill>
+          <a:latin typeface="+mn-lt"/>
+          <a:ea typeface="+mn-ea"/>
+          <a:cs typeface="+mn-cs"/>
+        </a:defRPr>
+      </a:lvl3pPr>
+      <a:lvl4pPr marL="2099782" indent="-299969" algn="l" defTabSz="1199876" rtl="0" eaLnBrk="1" latinLnBrk="0" hangingPunct="1">
+        <a:lnSpc>
+          <a:spcPct val="90000"/>
+        </a:lnSpc>
+        <a:spcBef>
+          <a:spcPts val="656"/>
         </a:spcBef>
         <a:buFont typeface="Arial" panose="020B0604020202020204" pitchFamily="34" charset="0"/>
         <a:buChar char="•"/>
@@ -3204,35 +3233,17 @@
           <a:ea typeface="+mn-ea"/>
           <a:cs typeface="+mn-cs"/>
         </a:defRPr>
-      </a:lvl3pPr>
-      <a:lvl4pPr marL="1889996" indent="-269999" algn="l" defTabSz="1079998" rtl="0" eaLnBrk="1" latinLnBrk="0" hangingPunct="1">
+      </a:lvl4pPr>
+      <a:lvl5pPr marL="2699720" indent="-299969" algn="l" defTabSz="1199876" rtl="0" eaLnBrk="1" latinLnBrk="0" hangingPunct="1">
         <a:lnSpc>
           <a:spcPct val="90000"/>
         </a:lnSpc>
         <a:spcBef>
-          <a:spcPts val="591"/>
+          <a:spcPts val="656"/>
         </a:spcBef>
         <a:buFont typeface="Arial" panose="020B0604020202020204" pitchFamily="34" charset="0"/>
         <a:buChar char="•"/>
-        <a:defRPr sz="2126" kern="1200">
-          <a:solidFill>
-            <a:schemeClr val="tx1"/>
-          </a:solidFill>
-          <a:latin typeface="+mn-lt"/>
-          <a:ea typeface="+mn-ea"/>
-          <a:cs typeface="+mn-cs"/>
-        </a:defRPr>
-      </a:lvl4pPr>
-      <a:lvl5pPr marL="2429995" indent="-269999" algn="l" defTabSz="1079998" rtl="0" eaLnBrk="1" latinLnBrk="0" hangingPunct="1">
-        <a:lnSpc>
-          <a:spcPct val="90000"/>
-        </a:lnSpc>
-        <a:spcBef>
-          <a:spcPts val="591"/>
-        </a:spcBef>
-        <a:buFont typeface="Arial" panose="020B0604020202020204" pitchFamily="34" charset="0"/>
-        <a:buChar char="•"/>
-        <a:defRPr sz="2126" kern="1200">
+        <a:defRPr sz="2362" kern="1200">
           <a:solidFill>
             <a:schemeClr val="tx1"/>
           </a:solidFill>
@@ -3241,16 +3252,16 @@
           <a:cs typeface="+mn-cs"/>
         </a:defRPr>
       </a:lvl5pPr>
-      <a:lvl6pPr marL="2969994" indent="-269999" algn="l" defTabSz="1079998" rtl="0" eaLnBrk="1" latinLnBrk="0" hangingPunct="1">
+      <a:lvl6pPr marL="3299658" indent="-299969" algn="l" defTabSz="1199876" rtl="0" eaLnBrk="1" latinLnBrk="0" hangingPunct="1">
         <a:lnSpc>
           <a:spcPct val="90000"/>
         </a:lnSpc>
         <a:spcBef>
-          <a:spcPts val="591"/>
+          <a:spcPts val="656"/>
         </a:spcBef>
         <a:buFont typeface="Arial" panose="020B0604020202020204" pitchFamily="34" charset="0"/>
         <a:buChar char="•"/>
-        <a:defRPr sz="2126" kern="1200">
+        <a:defRPr sz="2362" kern="1200">
           <a:solidFill>
             <a:schemeClr val="tx1"/>
           </a:solidFill>
@@ -3259,16 +3270,16 @@
           <a:cs typeface="+mn-cs"/>
         </a:defRPr>
       </a:lvl6pPr>
-      <a:lvl7pPr marL="3509993" indent="-269999" algn="l" defTabSz="1079998" rtl="0" eaLnBrk="1" latinLnBrk="0" hangingPunct="1">
+      <a:lvl7pPr marL="3899596" indent="-299969" algn="l" defTabSz="1199876" rtl="0" eaLnBrk="1" latinLnBrk="0" hangingPunct="1">
         <a:lnSpc>
           <a:spcPct val="90000"/>
         </a:lnSpc>
         <a:spcBef>
-          <a:spcPts val="591"/>
+          <a:spcPts val="656"/>
         </a:spcBef>
         <a:buFont typeface="Arial" panose="020B0604020202020204" pitchFamily="34" charset="0"/>
         <a:buChar char="•"/>
-        <a:defRPr sz="2126" kern="1200">
+        <a:defRPr sz="2362" kern="1200">
           <a:solidFill>
             <a:schemeClr val="tx1"/>
           </a:solidFill>
@@ -3277,16 +3288,16 @@
           <a:cs typeface="+mn-cs"/>
         </a:defRPr>
       </a:lvl7pPr>
-      <a:lvl8pPr marL="4049992" indent="-269999" algn="l" defTabSz="1079998" rtl="0" eaLnBrk="1" latinLnBrk="0" hangingPunct="1">
+      <a:lvl8pPr marL="4499534" indent="-299969" algn="l" defTabSz="1199876" rtl="0" eaLnBrk="1" latinLnBrk="0" hangingPunct="1">
         <a:lnSpc>
           <a:spcPct val="90000"/>
         </a:lnSpc>
         <a:spcBef>
-          <a:spcPts val="591"/>
+          <a:spcPts val="656"/>
         </a:spcBef>
         <a:buFont typeface="Arial" panose="020B0604020202020204" pitchFamily="34" charset="0"/>
         <a:buChar char="•"/>
-        <a:defRPr sz="2126" kern="1200">
+        <a:defRPr sz="2362" kern="1200">
           <a:solidFill>
             <a:schemeClr val="tx1"/>
           </a:solidFill>
@@ -3295,16 +3306,16 @@
           <a:cs typeface="+mn-cs"/>
         </a:defRPr>
       </a:lvl8pPr>
-      <a:lvl9pPr marL="4589991" indent="-269999" algn="l" defTabSz="1079998" rtl="0" eaLnBrk="1" latinLnBrk="0" hangingPunct="1">
+      <a:lvl9pPr marL="5099472" indent="-299969" algn="l" defTabSz="1199876" rtl="0" eaLnBrk="1" latinLnBrk="0" hangingPunct="1">
         <a:lnSpc>
           <a:spcPct val="90000"/>
         </a:lnSpc>
         <a:spcBef>
-          <a:spcPts val="591"/>
+          <a:spcPts val="656"/>
         </a:spcBef>
         <a:buFont typeface="Arial" panose="020B0604020202020204" pitchFamily="34" charset="0"/>
         <a:buChar char="•"/>
-        <a:defRPr sz="2126" kern="1200">
+        <a:defRPr sz="2362" kern="1200">
           <a:solidFill>
             <a:schemeClr val="tx1"/>
           </a:solidFill>
@@ -3318,8 +3329,8 @@
       <a:defPPr>
         <a:defRPr lang="en-US"/>
       </a:defPPr>
-      <a:lvl1pPr marL="0" algn="l" defTabSz="1079998" rtl="0" eaLnBrk="1" latinLnBrk="0" hangingPunct="1">
-        <a:defRPr sz="2126" kern="1200">
+      <a:lvl1pPr marL="0" algn="l" defTabSz="1199876" rtl="0" eaLnBrk="1" latinLnBrk="0" hangingPunct="1">
+        <a:defRPr sz="2362" kern="1200">
           <a:solidFill>
             <a:schemeClr val="tx1"/>
           </a:solidFill>
@@ -3328,8 +3339,8 @@
           <a:cs typeface="+mn-cs"/>
         </a:defRPr>
       </a:lvl1pPr>
-      <a:lvl2pPr marL="539999" algn="l" defTabSz="1079998" rtl="0" eaLnBrk="1" latinLnBrk="0" hangingPunct="1">
-        <a:defRPr sz="2126" kern="1200">
+      <a:lvl2pPr marL="599938" algn="l" defTabSz="1199876" rtl="0" eaLnBrk="1" latinLnBrk="0" hangingPunct="1">
+        <a:defRPr sz="2362" kern="1200">
           <a:solidFill>
             <a:schemeClr val="tx1"/>
           </a:solidFill>
@@ -3338,8 +3349,8 @@
           <a:cs typeface="+mn-cs"/>
         </a:defRPr>
       </a:lvl2pPr>
-      <a:lvl3pPr marL="1079998" algn="l" defTabSz="1079998" rtl="0" eaLnBrk="1" latinLnBrk="0" hangingPunct="1">
-        <a:defRPr sz="2126" kern="1200">
+      <a:lvl3pPr marL="1199876" algn="l" defTabSz="1199876" rtl="0" eaLnBrk="1" latinLnBrk="0" hangingPunct="1">
+        <a:defRPr sz="2362" kern="1200">
           <a:solidFill>
             <a:schemeClr val="tx1"/>
           </a:solidFill>
@@ -3348,8 +3359,8 @@
           <a:cs typeface="+mn-cs"/>
         </a:defRPr>
       </a:lvl3pPr>
-      <a:lvl4pPr marL="1619997" algn="l" defTabSz="1079998" rtl="0" eaLnBrk="1" latinLnBrk="0" hangingPunct="1">
-        <a:defRPr sz="2126" kern="1200">
+      <a:lvl4pPr marL="1799814" algn="l" defTabSz="1199876" rtl="0" eaLnBrk="1" latinLnBrk="0" hangingPunct="1">
+        <a:defRPr sz="2362" kern="1200">
           <a:solidFill>
             <a:schemeClr val="tx1"/>
           </a:solidFill>
@@ -3358,8 +3369,8 @@
           <a:cs typeface="+mn-cs"/>
         </a:defRPr>
       </a:lvl4pPr>
-      <a:lvl5pPr marL="2159996" algn="l" defTabSz="1079998" rtl="0" eaLnBrk="1" latinLnBrk="0" hangingPunct="1">
-        <a:defRPr sz="2126" kern="1200">
+      <a:lvl5pPr marL="2399751" algn="l" defTabSz="1199876" rtl="0" eaLnBrk="1" latinLnBrk="0" hangingPunct="1">
+        <a:defRPr sz="2362" kern="1200">
           <a:solidFill>
             <a:schemeClr val="tx1"/>
           </a:solidFill>
@@ -3368,8 +3379,8 @@
           <a:cs typeface="+mn-cs"/>
         </a:defRPr>
       </a:lvl5pPr>
-      <a:lvl6pPr marL="2699995" algn="l" defTabSz="1079998" rtl="0" eaLnBrk="1" latinLnBrk="0" hangingPunct="1">
-        <a:defRPr sz="2126" kern="1200">
+      <a:lvl6pPr marL="2999689" algn="l" defTabSz="1199876" rtl="0" eaLnBrk="1" latinLnBrk="0" hangingPunct="1">
+        <a:defRPr sz="2362" kern="1200">
           <a:solidFill>
             <a:schemeClr val="tx1"/>
           </a:solidFill>
@@ -3378,8 +3389,8 @@
           <a:cs typeface="+mn-cs"/>
         </a:defRPr>
       </a:lvl6pPr>
-      <a:lvl7pPr marL="3239994" algn="l" defTabSz="1079998" rtl="0" eaLnBrk="1" latinLnBrk="0" hangingPunct="1">
-        <a:defRPr sz="2126" kern="1200">
+      <a:lvl7pPr marL="3599627" algn="l" defTabSz="1199876" rtl="0" eaLnBrk="1" latinLnBrk="0" hangingPunct="1">
+        <a:defRPr sz="2362" kern="1200">
           <a:solidFill>
             <a:schemeClr val="tx1"/>
           </a:solidFill>
@@ -3388,8 +3399,8 @@
           <a:cs typeface="+mn-cs"/>
         </a:defRPr>
       </a:lvl7pPr>
-      <a:lvl8pPr marL="3779992" algn="l" defTabSz="1079998" rtl="0" eaLnBrk="1" latinLnBrk="0" hangingPunct="1">
-        <a:defRPr sz="2126" kern="1200">
+      <a:lvl8pPr marL="4199565" algn="l" defTabSz="1199876" rtl="0" eaLnBrk="1" latinLnBrk="0" hangingPunct="1">
+        <a:defRPr sz="2362" kern="1200">
           <a:solidFill>
             <a:schemeClr val="tx1"/>
           </a:solidFill>
@@ -3398,8 +3409,8 @@
           <a:cs typeface="+mn-cs"/>
         </a:defRPr>
       </a:lvl8pPr>
-      <a:lvl9pPr marL="4319991" algn="l" defTabSz="1079998" rtl="0" eaLnBrk="1" latinLnBrk="0" hangingPunct="1">
-        <a:defRPr sz="2126" kern="1200">
+      <a:lvl9pPr marL="4799503" algn="l" defTabSz="1199876" rtl="0" eaLnBrk="1" latinLnBrk="0" hangingPunct="1">
+        <a:defRPr sz="2362" kern="1200">
           <a:solidFill>
             <a:schemeClr val="tx1"/>
           </a:solidFill>
@@ -3438,8 +3449,8 @@
         </p:nvSpPr>
         <p:spPr>
           <a:xfrm>
-            <a:off x="4330429" y="329071"/>
-            <a:ext cx="5679731" cy="352691"/>
+            <a:off x="4856543" y="1674647"/>
+            <a:ext cx="4997847" cy="310348"/>
           </a:xfrm>
           <a:prstGeom prst="rect">
             <a:avLst/>
@@ -3473,13 +3484,13 @@
           <a:p>
             <a:pPr algn="ctr"/>
             <a:r>
-              <a:rPr lang="es-ES" sz="1600" dirty="0" smtClean="0">
+              <a:rPr lang="es-ES" sz="1409" dirty="0">
                 <a:latin typeface="Arial" panose="020B0604020202020204" pitchFamily="34" charset="0"/>
                 <a:cs typeface="Arial" panose="020B0604020202020204" pitchFamily="34" charset="0"/>
               </a:rPr>
               <a:t>Las rectas y los ángulos</a:t>
             </a:r>
-            <a:endParaRPr lang="es-ES" sz="1600" dirty="0">
+            <a:endParaRPr lang="es-ES" sz="1409" dirty="0">
               <a:latin typeface="Arial" panose="020B0604020202020204" pitchFamily="34" charset="0"/>
               <a:cs typeface="Arial" panose="020B0604020202020204" pitchFamily="34" charset="0"/>
             </a:endParaRPr>
@@ -3494,8 +3505,8 @@
         </p:nvSpPr>
         <p:spPr>
           <a:xfrm>
-            <a:off x="3457109" y="1295031"/>
-            <a:ext cx="1381776" cy="439782"/>
+            <a:off x="4088074" y="2524637"/>
+            <a:ext cx="1215887" cy="386983"/>
           </a:xfrm>
           <a:prstGeom prst="rect">
             <a:avLst/>
@@ -3536,13 +3547,13 @@
           <a:p>
             <a:pPr algn="ctr"/>
             <a:r>
-              <a:rPr lang="es-ES" sz="1200" b="1" dirty="0" smtClean="0">
+              <a:rPr lang="es-ES" sz="1055" b="1" dirty="0">
                 <a:latin typeface="Arial" panose="020B0604020202020204" pitchFamily="34" charset="0"/>
                 <a:cs typeface="Arial" panose="020B0604020202020204" pitchFamily="34" charset="0"/>
               </a:rPr>
               <a:t>Elementos básicos</a:t>
             </a:r>
-            <a:endParaRPr lang="es-ES" sz="1200" b="1" dirty="0">
+            <a:endParaRPr lang="es-ES" sz="1055" b="1" dirty="0">
               <a:latin typeface="Arial" panose="020B0604020202020204" pitchFamily="34" charset="0"/>
               <a:cs typeface="Arial" panose="020B0604020202020204" pitchFamily="34" charset="0"/>
             </a:endParaRPr>
@@ -3560,8 +3571,8 @@
         </p:nvCxnSpPr>
         <p:spPr>
           <a:xfrm rot="5400000">
-            <a:off x="5352512" y="-522753"/>
-            <a:ext cx="613269" cy="3022298"/>
+            <a:off x="5755918" y="925083"/>
+            <a:ext cx="539642" cy="2659453"/>
           </a:xfrm>
           <a:prstGeom prst="bentConnector3">
             <a:avLst>
@@ -3597,8 +3608,8 @@
         </p:nvSpPr>
         <p:spPr>
           <a:xfrm>
-            <a:off x="2069568" y="2546021"/>
-            <a:ext cx="828000" cy="357473"/>
+            <a:off x="2867110" y="3625433"/>
+            <a:ext cx="728594" cy="314556"/>
           </a:xfrm>
           <a:prstGeom prst="rect">
             <a:avLst/>
@@ -3634,7 +3645,7 @@
           <a:p>
             <a:pPr algn="ctr"/>
             <a:r>
-              <a:rPr lang="es-ES" sz="1050" dirty="0" smtClean="0">
+              <a:rPr lang="es-ES" sz="924" dirty="0">
                 <a:solidFill>
                   <a:schemeClr val="bg1"/>
                 </a:solidFill>
@@ -3643,7 +3654,7 @@
               </a:rPr>
               <a:t>recta</a:t>
             </a:r>
-            <a:endParaRPr lang="es-ES" sz="1050" dirty="0">
+            <a:endParaRPr lang="es-ES" sz="924" dirty="0">
               <a:solidFill>
                 <a:schemeClr val="bg1"/>
               </a:solidFill>
@@ -3664,8 +3675,8 @@
         </p:nvCxnSpPr>
         <p:spPr>
           <a:xfrm rot="5400000">
-            <a:off x="2910179" y="1308203"/>
-            <a:ext cx="811208" cy="1664429"/>
+            <a:off x="3606803" y="2536223"/>
+            <a:ext cx="713818" cy="1464605"/>
           </a:xfrm>
           <a:prstGeom prst="bentConnector3">
             <a:avLst>
@@ -3701,8 +3712,8 @@
         </p:nvSpPr>
         <p:spPr>
           <a:xfrm>
-            <a:off x="41465" y="5425855"/>
-            <a:ext cx="900000" cy="324000"/>
+            <a:off x="1082495" y="6159525"/>
+            <a:ext cx="791949" cy="285103"/>
           </a:xfrm>
           <a:prstGeom prst="rect">
             <a:avLst/>
@@ -3736,7 +3747,7 @@
           <a:p>
             <a:pPr algn="ctr"/>
             <a:r>
-              <a:rPr lang="es-ES" sz="900" dirty="0">
+              <a:rPr lang="es-ES" sz="793" dirty="0">
                 <a:solidFill>
                   <a:schemeClr val="tx1"/>
                 </a:solidFill>
@@ -3756,8 +3767,8 @@
         </p:nvSpPr>
         <p:spPr>
           <a:xfrm>
-            <a:off x="4114958" y="2546021"/>
-            <a:ext cx="828000" cy="357473"/>
+            <a:off x="4666939" y="3625439"/>
+            <a:ext cx="728594" cy="314556"/>
           </a:xfrm>
           <a:prstGeom prst="rect">
             <a:avLst/>
@@ -3793,7 +3804,7 @@
           <a:p>
             <a:pPr algn="ctr"/>
             <a:r>
-              <a:rPr lang="es-ES" sz="1050" dirty="0" smtClean="0">
+              <a:rPr lang="es-ES" sz="924" dirty="0">
                 <a:solidFill>
                   <a:schemeClr val="bg1"/>
                 </a:solidFill>
@@ -3802,7 +3813,7 @@
               </a:rPr>
               <a:t>segmento</a:t>
             </a:r>
-            <a:endParaRPr lang="es-ES" sz="1050" dirty="0">
+            <a:endParaRPr lang="es-ES" sz="924" dirty="0">
               <a:solidFill>
                 <a:schemeClr val="bg1"/>
               </a:solidFill>
@@ -3820,8 +3831,8 @@
         </p:nvSpPr>
         <p:spPr>
           <a:xfrm>
-            <a:off x="1298460" y="3916687"/>
-            <a:ext cx="1171158" cy="230832"/>
+            <a:off x="2188580" y="4831540"/>
+            <a:ext cx="1030554" cy="214354"/>
           </a:xfrm>
           <a:prstGeom prst="rect">
             <a:avLst/>
@@ -3836,13 +3847,13 @@
           <a:p>
             <a:pPr algn="ctr"/>
             <a:r>
-              <a:rPr lang="es-ES" sz="900" dirty="0" smtClean="0">
+              <a:rPr lang="es-ES" sz="793" dirty="0">
                 <a:latin typeface="Arial" panose="020B0604020202020204" pitchFamily="34" charset="0"/>
                 <a:cs typeface="Arial" panose="020B0604020202020204" pitchFamily="34" charset="0"/>
               </a:rPr>
               <a:t>se clasifican</a:t>
             </a:r>
-            <a:endParaRPr lang="es-ES" sz="900" dirty="0">
+            <a:endParaRPr lang="es-ES" sz="793" dirty="0">
               <a:latin typeface="Arial" panose="020B0604020202020204" pitchFamily="34" charset="0"/>
               <a:cs typeface="Arial" panose="020B0604020202020204" pitchFamily="34" charset="0"/>
             </a:endParaRPr>
@@ -3860,8 +3871,8 @@
         </p:nvCxnSpPr>
         <p:spPr>
           <a:xfrm rot="16200000" flipH="1">
-            <a:off x="3932873" y="1949936"/>
-            <a:ext cx="811208" cy="380961"/>
+            <a:off x="4506716" y="3100917"/>
+            <a:ext cx="713818" cy="335224"/>
           </a:xfrm>
           <a:prstGeom prst="bentConnector3">
             <a:avLst>
@@ -3900,8 +3911,8 @@
         </p:nvCxnSpPr>
         <p:spPr>
           <a:xfrm rot="16200000" flipH="1">
-            <a:off x="9024017" y="-1171961"/>
-            <a:ext cx="588335" cy="4295779"/>
+            <a:off x="8986638" y="353816"/>
+            <a:ext cx="517701" cy="3780046"/>
           </a:xfrm>
           <a:prstGeom prst="bentConnector3">
             <a:avLst>
@@ -3937,8 +3948,8 @@
         </p:nvSpPr>
         <p:spPr>
           <a:xfrm>
-            <a:off x="6959" y="5984519"/>
-            <a:ext cx="964921" cy="544052"/>
+            <a:off x="1052132" y="6651120"/>
+            <a:ext cx="849077" cy="478734"/>
           </a:xfrm>
           <a:prstGeom prst="rect">
             <a:avLst/>
@@ -3972,7 +3983,7 @@
           <a:p>
             <a:pPr algn="ctr"/>
             <a:r>
-              <a:rPr lang="es-ES" sz="900" dirty="0" smtClean="0">
+              <a:rPr lang="es-ES" sz="793" dirty="0">
                 <a:solidFill>
                   <a:schemeClr val="tx1"/>
                 </a:solidFill>
@@ -3981,7 +3992,7 @@
               </a:rPr>
               <a:t>coinciden exactamente en todos sus puntos</a:t>
             </a:r>
-            <a:endParaRPr lang="es-ES" sz="900" dirty="0">
+            <a:endParaRPr lang="es-ES" sz="793" dirty="0">
               <a:solidFill>
                 <a:schemeClr val="tx1"/>
               </a:solidFill>
@@ -4002,8 +4013,8 @@
         </p:nvCxnSpPr>
         <p:spPr>
           <a:xfrm flipV="1">
-            <a:off x="489420" y="5749855"/>
-            <a:ext cx="2045" cy="234664"/>
+            <a:off x="1476669" y="6444628"/>
+            <a:ext cx="1799" cy="206490"/>
           </a:xfrm>
           <a:prstGeom prst="line">
             <a:avLst/>
@@ -4037,8 +4048,8 @@
         </p:nvSpPr>
         <p:spPr>
           <a:xfrm>
-            <a:off x="4168958" y="3489996"/>
-            <a:ext cx="720000" cy="315719"/>
+            <a:off x="4714456" y="4456084"/>
+            <a:ext cx="633560" cy="277815"/>
           </a:xfrm>
           <a:prstGeom prst="rect">
             <a:avLst/>
@@ -4074,7 +4085,7 @@
           <a:p>
             <a:pPr algn="ctr"/>
             <a:r>
-              <a:rPr lang="es-ES" sz="900" dirty="0" smtClean="0">
+              <a:rPr lang="es-ES" sz="793" dirty="0">
                 <a:solidFill>
                   <a:schemeClr val="tx1"/>
                 </a:solidFill>
@@ -4083,7 +4094,7 @@
               </a:rPr>
               <a:t>mediatriz</a:t>
             </a:r>
-            <a:endParaRPr lang="es-ES" sz="900" dirty="0">
+            <a:endParaRPr lang="es-ES" sz="793" dirty="0">
               <a:solidFill>
                 <a:schemeClr val="tx1"/>
               </a:solidFill>
@@ -4101,8 +4112,8 @@
         </p:nvSpPr>
         <p:spPr>
           <a:xfrm>
-            <a:off x="4141649" y="3110783"/>
-            <a:ext cx="774618" cy="230832"/>
+            <a:off x="4690428" y="4122396"/>
+            <a:ext cx="681621" cy="214354"/>
           </a:xfrm>
           <a:prstGeom prst="rect">
             <a:avLst/>
@@ -4117,13 +4128,13 @@
           <a:p>
             <a:pPr algn="ctr"/>
             <a:r>
-              <a:rPr lang="es-ES" sz="900" dirty="0" smtClean="0">
+              <a:rPr lang="es-ES" sz="793" dirty="0">
                 <a:latin typeface="Arial" panose="020B0604020202020204" pitchFamily="34" charset="0"/>
                 <a:cs typeface="Arial" panose="020B0604020202020204" pitchFamily="34" charset="0"/>
               </a:rPr>
               <a:t>tiene</a:t>
             </a:r>
-            <a:endParaRPr lang="es-ES" sz="900" dirty="0">
+            <a:endParaRPr lang="es-ES" sz="793" dirty="0">
               <a:latin typeface="Arial" panose="020B0604020202020204" pitchFamily="34" charset="0"/>
               <a:cs typeface="Arial" panose="020B0604020202020204" pitchFamily="34" charset="0"/>
             </a:endParaRPr>
@@ -4140,9 +4151,9 @@
           <p:nvPr/>
         </p:nvCxnSpPr>
         <p:spPr>
-          <a:xfrm flipV="1">
-            <a:off x="4528958" y="2903494"/>
-            <a:ext cx="0" cy="207289"/>
+          <a:xfrm flipH="1" flipV="1">
+            <a:off x="5031236" y="3939995"/>
+            <a:ext cx="3" cy="182401"/>
           </a:xfrm>
           <a:prstGeom prst="line">
             <a:avLst/>
@@ -4179,8 +4190,8 @@
         </p:nvCxnSpPr>
         <p:spPr>
           <a:xfrm flipV="1">
-            <a:off x="4528958" y="3341615"/>
-            <a:ext cx="0" cy="148381"/>
+            <a:off x="5031236" y="4336750"/>
+            <a:ext cx="3" cy="119334"/>
           </a:xfrm>
           <a:prstGeom prst="line">
             <a:avLst/>
@@ -4214,8 +4225,8 @@
         </p:nvSpPr>
         <p:spPr>
           <a:xfrm>
-            <a:off x="4114958" y="3977228"/>
-            <a:ext cx="828000" cy="840520"/>
+            <a:off x="4666938" y="4884820"/>
+            <a:ext cx="749147" cy="739612"/>
           </a:xfrm>
           <a:prstGeom prst="rect">
             <a:avLst/>
@@ -4249,7 +4260,7 @@
           <a:p>
             <a:pPr algn="ctr"/>
             <a:r>
-              <a:rPr lang="es-ES" sz="900" dirty="0" smtClean="0">
+              <a:rPr lang="es-ES" sz="793" dirty="0">
                 <a:solidFill>
                   <a:schemeClr val="tx1"/>
                 </a:solidFill>
@@ -4258,7 +4269,7 @@
               </a:rPr>
               <a:t>divide al segmento en dos segmentos congruentes</a:t>
             </a:r>
-            <a:endParaRPr lang="es-ES" sz="900" dirty="0">
+            <a:endParaRPr lang="es-ES" sz="793" dirty="0">
               <a:solidFill>
                 <a:schemeClr val="tx1"/>
               </a:solidFill>
@@ -4278,9 +4289,9 @@
           <p:nvPr/>
         </p:nvCxnSpPr>
         <p:spPr>
-          <a:xfrm flipV="1">
-            <a:off x="4528958" y="3805715"/>
-            <a:ext cx="0" cy="171513"/>
+          <a:xfrm flipH="1" flipV="1">
+            <a:off x="5031236" y="4733899"/>
+            <a:ext cx="10276" cy="150921"/>
           </a:xfrm>
           <a:prstGeom prst="line">
             <a:avLst/>
@@ -4314,8 +4325,8 @@
         </p:nvSpPr>
         <p:spPr>
           <a:xfrm>
-            <a:off x="10778497" y="1270097"/>
-            <a:ext cx="1375154" cy="439782"/>
+            <a:off x="10530491" y="2502698"/>
+            <a:ext cx="1210058" cy="386983"/>
           </a:xfrm>
           <a:prstGeom prst="rect">
             <a:avLst/>
@@ -4356,13 +4367,13 @@
           <a:p>
             <a:pPr algn="ctr"/>
             <a:r>
-              <a:rPr lang="es-ES" sz="1200" b="1" dirty="0" smtClean="0">
+              <a:rPr lang="es-ES" sz="1055" b="1" dirty="0">
                 <a:latin typeface="Arial" panose="020B0604020202020204" pitchFamily="34" charset="0"/>
                 <a:cs typeface="Arial" panose="020B0604020202020204" pitchFamily="34" charset="0"/>
               </a:rPr>
               <a:t>Ángulos</a:t>
             </a:r>
-            <a:endParaRPr lang="es-ES" sz="1200" b="1" dirty="0">
+            <a:endParaRPr lang="es-ES" sz="1055" b="1" dirty="0">
               <a:latin typeface="Arial" panose="020B0604020202020204" pitchFamily="34" charset="0"/>
               <a:cs typeface="Arial" panose="020B0604020202020204" pitchFamily="34" charset="0"/>
             </a:endParaRPr>
@@ -4377,8 +4388,8 @@
         </p:nvSpPr>
         <p:spPr>
           <a:xfrm>
-            <a:off x="9844964" y="1959340"/>
-            <a:ext cx="3243532" cy="597982"/>
+            <a:off x="9709034" y="3109185"/>
+            <a:ext cx="2854126" cy="526191"/>
           </a:xfrm>
           <a:prstGeom prst="rect">
             <a:avLst/>
@@ -4414,7 +4425,7 @@
           <a:p>
             <a:pPr algn="ctr"/>
             <a:r>
-              <a:rPr lang="es-ES" sz="1050" dirty="0" smtClean="0">
+              <a:rPr lang="es-ES" sz="924" dirty="0">
                 <a:solidFill>
                   <a:schemeClr val="bg1"/>
                 </a:solidFill>
@@ -4423,7 +4434,7 @@
               </a:rPr>
               <a:t>dos semirrectas con el vértice en común delimitan la porción del plano llamado ángulo</a:t>
             </a:r>
-            <a:endParaRPr lang="es-ES" sz="1050" dirty="0">
+            <a:endParaRPr lang="es-ES" sz="924" dirty="0">
               <a:solidFill>
                 <a:schemeClr val="bg1"/>
               </a:solidFill>
@@ -4444,8 +4455,8 @@
         </p:nvCxnSpPr>
         <p:spPr>
           <a:xfrm flipH="1" flipV="1">
-            <a:off x="11466074" y="1709879"/>
-            <a:ext cx="656" cy="249461"/>
+            <a:off x="11135511" y="2889684"/>
+            <a:ext cx="577" cy="219512"/>
           </a:xfrm>
           <a:prstGeom prst="line">
             <a:avLst/>
@@ -4479,8 +4490,8 @@
         </p:nvSpPr>
         <p:spPr>
           <a:xfrm>
-            <a:off x="5880070" y="3217790"/>
-            <a:ext cx="614157" cy="264651"/>
+            <a:off x="6220150" y="4216553"/>
+            <a:ext cx="540424" cy="232879"/>
           </a:xfrm>
           <a:prstGeom prst="rect">
             <a:avLst/>
@@ -4516,14 +4527,14 @@
           <a:p>
             <a:pPr algn="ctr"/>
             <a:r>
-              <a:rPr lang="es-ES_tradnl" sz="900" dirty="0"/>
+              <a:rPr lang="es-ES_tradnl" sz="793" dirty="0"/>
               <a:t>s</a:t>
             </a:r>
             <a:r>
-              <a:rPr lang="es-ES_tradnl" sz="900" dirty="0" smtClean="0"/>
+              <a:rPr lang="es-ES_tradnl" sz="793" dirty="0"/>
               <a:t>uma</a:t>
             </a:r>
-            <a:endParaRPr lang="es-CO" sz="900" dirty="0"/>
+            <a:endParaRPr lang="es-CO" sz="793" dirty="0"/>
           </a:p>
         </p:txBody>
       </p:sp>
@@ -4538,8 +4549,8 @@
         </p:nvCxnSpPr>
         <p:spPr>
           <a:xfrm rot="5400000">
-            <a:off x="8219890" y="3118939"/>
-            <a:ext cx="487768" cy="1194788"/>
+            <a:off x="8284722" y="4135236"/>
+            <a:ext cx="429213" cy="1040020"/>
           </a:xfrm>
           <a:prstGeom prst="bentConnector3">
             <a:avLst>
@@ -4578,8 +4589,8 @@
         </p:nvCxnSpPr>
         <p:spPr>
           <a:xfrm rot="16200000" flipH="1">
-            <a:off x="8221381" y="2368011"/>
-            <a:ext cx="171436" cy="1508138"/>
+            <a:off x="8285988" y="3474411"/>
+            <a:ext cx="139614" cy="1327086"/>
           </a:xfrm>
           <a:prstGeom prst="bentConnector3">
             <a:avLst>
@@ -4618,8 +4629,8 @@
         </p:nvCxnSpPr>
         <p:spPr>
           <a:xfrm rot="5400000">
-            <a:off x="9385776" y="724576"/>
-            <a:ext cx="248208" cy="3913700"/>
+            <a:off x="9304967" y="2022662"/>
+            <a:ext cx="218417" cy="3443845"/>
           </a:xfrm>
           <a:prstGeom prst="bentConnector3">
             <a:avLst>
@@ -4655,8 +4666,8 @@
         </p:nvSpPr>
         <p:spPr>
           <a:xfrm>
-            <a:off x="5129771" y="3979267"/>
-            <a:ext cx="996441" cy="272026"/>
+            <a:off x="5559929" y="4886616"/>
+            <a:ext cx="876812" cy="239369"/>
           </a:xfrm>
           <a:prstGeom prst="rect">
             <a:avLst/>
@@ -4690,7 +4701,7 @@
           <a:p>
             <a:pPr algn="ctr"/>
             <a:r>
-              <a:rPr lang="es-ES" sz="900" dirty="0" smtClean="0">
+              <a:rPr lang="es-ES" sz="793" dirty="0">
                 <a:solidFill>
                   <a:schemeClr val="tx1"/>
                 </a:solidFill>
@@ -4699,7 +4710,7 @@
               </a:rPr>
               <a:t>suplementarios</a:t>
             </a:r>
-            <a:endParaRPr lang="es-ES" sz="900" dirty="0">
+            <a:endParaRPr lang="es-ES" sz="793" dirty="0">
               <a:solidFill>
                 <a:schemeClr val="tx1"/>
               </a:solidFill>
@@ -4720,8 +4731,8 @@
         </p:nvCxnSpPr>
         <p:spPr>
           <a:xfrm flipV="1">
-            <a:off x="7850365" y="4232243"/>
-            <a:ext cx="16015" cy="143565"/>
+            <a:off x="7953890" y="5109222"/>
+            <a:ext cx="25428" cy="126321"/>
           </a:xfrm>
           <a:prstGeom prst="line">
             <a:avLst/>
@@ -4757,9 +4768,9 @@
           <p:nvPr/>
         </p:nvCxnSpPr>
         <p:spPr>
-          <a:xfrm flipV="1">
-            <a:off x="8788400" y="4251293"/>
-            <a:ext cx="9500" cy="125510"/>
+          <a:xfrm flipH="1" flipV="1">
+            <a:off x="8787668" y="5125983"/>
+            <a:ext cx="8279" cy="110446"/>
           </a:xfrm>
           <a:prstGeom prst="line">
             <a:avLst/>
@@ -4793,8 +4804,8 @@
         </p:nvSpPr>
         <p:spPr>
           <a:xfrm>
-            <a:off x="958832" y="2546021"/>
-            <a:ext cx="828000" cy="357473"/>
+            <a:off x="1889724" y="3625433"/>
+            <a:ext cx="728594" cy="314556"/>
           </a:xfrm>
           <a:prstGeom prst="rect">
             <a:avLst/>
@@ -4830,7 +4841,7 @@
           <a:p>
             <a:pPr algn="ctr"/>
             <a:r>
-              <a:rPr lang="es-ES" sz="1050" dirty="0" smtClean="0">
+              <a:rPr lang="es-ES" sz="924" dirty="0">
                 <a:solidFill>
                   <a:schemeClr val="bg1"/>
                 </a:solidFill>
@@ -4839,7 +4850,7 @@
               </a:rPr>
               <a:t>punto</a:t>
             </a:r>
-            <a:endParaRPr lang="es-ES" sz="1050" dirty="0">
+            <a:endParaRPr lang="es-ES" sz="924" dirty="0">
               <a:solidFill>
                 <a:schemeClr val="bg1"/>
               </a:solidFill>
@@ -4857,8 +4868,8 @@
         </p:nvSpPr>
         <p:spPr>
           <a:xfrm>
-            <a:off x="3146107" y="2546021"/>
-            <a:ext cx="828000" cy="357473"/>
+            <a:off x="3814406" y="3625439"/>
+            <a:ext cx="737274" cy="314556"/>
           </a:xfrm>
           <a:prstGeom prst="rect">
             <a:avLst/>
@@ -4894,7 +4905,7 @@
           <a:p>
             <a:pPr algn="ctr"/>
             <a:r>
-              <a:rPr lang="es-ES" sz="1050" dirty="0" smtClean="0">
+              <a:rPr lang="es-ES" sz="924" dirty="0">
                 <a:solidFill>
                   <a:schemeClr val="bg1"/>
                 </a:solidFill>
@@ -4903,7 +4914,7 @@
               </a:rPr>
               <a:t>semirrecta</a:t>
             </a:r>
-            <a:endParaRPr lang="es-ES" sz="1050" dirty="0">
+            <a:endParaRPr lang="es-ES" sz="924" dirty="0">
               <a:solidFill>
                 <a:schemeClr val="bg1"/>
               </a:solidFill>
@@ -4924,8 +4935,8 @@
         </p:nvCxnSpPr>
         <p:spPr>
           <a:xfrm rot="5400000">
-            <a:off x="3448448" y="1846472"/>
-            <a:ext cx="811208" cy="587890"/>
+            <a:off x="4082622" y="3012042"/>
+            <a:ext cx="713819" cy="512975"/>
           </a:xfrm>
           <a:prstGeom prst="bentConnector3">
             <a:avLst>
@@ -4964,8 +4975,8 @@
         </p:nvCxnSpPr>
         <p:spPr>
           <a:xfrm rot="5400000">
-            <a:off x="2354811" y="752835"/>
-            <a:ext cx="811208" cy="2775165"/>
+            <a:off x="3118109" y="2047529"/>
+            <a:ext cx="713818" cy="2441990"/>
           </a:xfrm>
           <a:prstGeom prst="bentConnector3">
             <a:avLst>
@@ -5001,8 +5012,8 @@
         </p:nvSpPr>
         <p:spPr>
           <a:xfrm>
-            <a:off x="2095373" y="3091661"/>
-            <a:ext cx="774618" cy="230832"/>
+            <a:off x="2889818" y="4105563"/>
+            <a:ext cx="681621" cy="214354"/>
           </a:xfrm>
           <a:prstGeom prst="rect">
             <a:avLst/>
@@ -5017,13 +5028,13 @@
           <a:p>
             <a:pPr algn="ctr"/>
             <a:r>
-              <a:rPr lang="es-ES" sz="900" dirty="0" smtClean="0">
+              <a:rPr lang="es-ES" sz="793" dirty="0">
                 <a:latin typeface="Arial" panose="020B0604020202020204" pitchFamily="34" charset="0"/>
                 <a:cs typeface="Arial" panose="020B0604020202020204" pitchFamily="34" charset="0"/>
               </a:rPr>
               <a:t>cuando</a:t>
             </a:r>
-            <a:endParaRPr lang="es-ES" sz="900" dirty="0">
+            <a:endParaRPr lang="es-ES" sz="793" dirty="0">
               <a:latin typeface="Arial" panose="020B0604020202020204" pitchFamily="34" charset="0"/>
               <a:cs typeface="Arial" panose="020B0604020202020204" pitchFamily="34" charset="0"/>
             </a:endParaRPr>
@@ -5041,8 +5052,8 @@
         </p:nvCxnSpPr>
         <p:spPr>
           <a:xfrm rot="5400000">
-            <a:off x="2118702" y="3546823"/>
-            <a:ext cx="135201" cy="604526"/>
+            <a:off x="2910348" y="4506083"/>
+            <a:ext cx="118966" cy="531948"/>
           </a:xfrm>
           <a:prstGeom prst="bentConnector3">
             <a:avLst>
@@ -5081,8 +5092,8 @@
         </p:nvCxnSpPr>
         <p:spPr>
           <a:xfrm rot="16200000" flipH="1">
-            <a:off x="2806819" y="3463232"/>
-            <a:ext cx="156630" cy="793138"/>
+            <a:off x="3515852" y="4432527"/>
+            <a:ext cx="137825" cy="697918"/>
           </a:xfrm>
           <a:prstGeom prst="bentConnector3">
             <a:avLst>
@@ -5118,8 +5129,8 @@
         </p:nvSpPr>
         <p:spPr>
           <a:xfrm>
-            <a:off x="1126991" y="5425855"/>
-            <a:ext cx="900000" cy="324000"/>
+            <a:off x="2037696" y="6159525"/>
+            <a:ext cx="791949" cy="285103"/>
           </a:xfrm>
           <a:prstGeom prst="rect">
             <a:avLst/>
@@ -5153,7 +5164,7 @@
           <a:p>
             <a:pPr algn="ctr"/>
             <a:r>
-              <a:rPr lang="es-ES" sz="900" dirty="0">
+              <a:rPr lang="es-ES" sz="793" dirty="0">
                 <a:solidFill>
                   <a:schemeClr val="tx1"/>
                 </a:solidFill>
@@ -5173,8 +5184,8 @@
         </p:nvSpPr>
         <p:spPr>
           <a:xfrm>
-            <a:off x="2128511" y="5425855"/>
-            <a:ext cx="900000" cy="324000"/>
+            <a:off x="2918978" y="6159525"/>
+            <a:ext cx="791949" cy="285103"/>
           </a:xfrm>
           <a:prstGeom prst="rect">
             <a:avLst/>
@@ -5208,7 +5219,7 @@
           <a:p>
             <a:pPr algn="ctr"/>
             <a:r>
-              <a:rPr lang="es-ES" sz="900" dirty="0">
+              <a:rPr lang="es-ES" sz="793" dirty="0">
                 <a:solidFill>
                   <a:schemeClr val="tx1"/>
                 </a:solidFill>
@@ -5228,8 +5239,8 @@
         </p:nvSpPr>
         <p:spPr>
           <a:xfrm>
-            <a:off x="3169741" y="5443533"/>
-            <a:ext cx="1008000" cy="324000"/>
+            <a:off x="3835207" y="6175085"/>
+            <a:ext cx="919673" cy="285103"/>
           </a:xfrm>
           <a:prstGeom prst="rect">
             <a:avLst/>
@@ -5263,7 +5274,7 @@
           <a:p>
             <a:pPr algn="ctr"/>
             <a:r>
-              <a:rPr lang="es-ES" sz="900" dirty="0">
+              <a:rPr lang="es-ES" sz="793" dirty="0">
                 <a:solidFill>
                   <a:schemeClr val="tx1"/>
                 </a:solidFill>
@@ -5283,8 +5294,8 @@
         </p:nvSpPr>
         <p:spPr>
           <a:xfrm>
-            <a:off x="1094531" y="5967896"/>
-            <a:ext cx="964921" cy="544052"/>
+            <a:off x="2009134" y="6636493"/>
+            <a:ext cx="849077" cy="478734"/>
           </a:xfrm>
           <a:prstGeom prst="rect">
             <a:avLst/>
@@ -5318,7 +5329,7 @@
           <a:p>
             <a:pPr algn="ctr"/>
             <a:r>
-              <a:rPr lang="es-ES" sz="900" dirty="0" smtClean="0">
+              <a:rPr lang="es-ES" sz="793" dirty="0">
                 <a:solidFill>
                   <a:schemeClr val="tx1"/>
                 </a:solidFill>
@@ -5327,7 +5338,7 @@
               </a:rPr>
               <a:t>se cortan en un solo punto</a:t>
             </a:r>
-            <a:endParaRPr lang="es-ES" sz="900" dirty="0">
+            <a:endParaRPr lang="es-ES" sz="793" dirty="0">
               <a:solidFill>
                 <a:schemeClr val="tx1"/>
               </a:solidFill>
@@ -5345,8 +5356,8 @@
         </p:nvSpPr>
         <p:spPr>
           <a:xfrm>
-            <a:off x="2101952" y="5974495"/>
-            <a:ext cx="964921" cy="544052"/>
+            <a:off x="2895608" y="6642300"/>
+            <a:ext cx="849077" cy="478734"/>
           </a:xfrm>
           <a:prstGeom prst="rect">
             <a:avLst/>
@@ -5380,7 +5391,7 @@
           <a:p>
             <a:pPr algn="ctr"/>
             <a:r>
-              <a:rPr lang="es-ES" sz="900" dirty="0" smtClean="0">
+              <a:rPr lang="es-ES" sz="793" dirty="0">
                 <a:solidFill>
                   <a:schemeClr val="tx1"/>
                 </a:solidFill>
@@ -5389,7 +5400,7 @@
               </a:rPr>
               <a:t>no se cortan </a:t>
             </a:r>
-            <a:endParaRPr lang="es-ES" sz="900" dirty="0">
+            <a:endParaRPr lang="es-ES" sz="793" dirty="0">
               <a:solidFill>
                 <a:schemeClr val="tx1"/>
               </a:solidFill>
@@ -5407,8 +5418,8 @@
         </p:nvSpPr>
         <p:spPr>
           <a:xfrm>
-            <a:off x="3191280" y="5939359"/>
-            <a:ext cx="964921" cy="544052"/>
+            <a:off x="3854162" y="6611387"/>
+            <a:ext cx="849077" cy="478734"/>
           </a:xfrm>
           <a:prstGeom prst="rect">
             <a:avLst/>
@@ -5442,7 +5453,7 @@
           <a:p>
             <a:pPr algn="ctr"/>
             <a:r>
-              <a:rPr lang="es-ES" sz="900" dirty="0" smtClean="0">
+              <a:rPr lang="es-ES" sz="793" dirty="0">
                 <a:solidFill>
                   <a:schemeClr val="tx1"/>
                 </a:solidFill>
@@ -5451,7 +5462,7 @@
               </a:rPr>
               <a:t>se cortan formando un ángulo recto</a:t>
             </a:r>
-            <a:endParaRPr lang="es-ES" sz="900" dirty="0">
+            <a:endParaRPr lang="es-ES" sz="793" dirty="0">
               <a:solidFill>
                 <a:schemeClr val="tx1"/>
               </a:solidFill>
@@ -5472,8 +5483,8 @@
         </p:nvCxnSpPr>
         <p:spPr>
           <a:xfrm flipH="1" flipV="1">
-            <a:off x="1576991" y="5749855"/>
-            <a:ext cx="1" cy="218041"/>
+            <a:off x="2433671" y="6444628"/>
+            <a:ext cx="2" cy="191863"/>
           </a:xfrm>
           <a:prstGeom prst="line">
             <a:avLst/>
@@ -5510,8 +5521,8 @@
         </p:nvCxnSpPr>
         <p:spPr>
           <a:xfrm flipH="1" flipV="1">
-            <a:off x="2578511" y="5749855"/>
-            <a:ext cx="5902" cy="224640"/>
+            <a:off x="3314953" y="6444628"/>
+            <a:ext cx="5193" cy="197671"/>
           </a:xfrm>
           <a:prstGeom prst="line">
             <a:avLst/>
@@ -5548,8 +5559,8 @@
         </p:nvCxnSpPr>
         <p:spPr>
           <a:xfrm flipV="1">
-            <a:off x="3673741" y="5767533"/>
-            <a:ext cx="0" cy="171826"/>
+            <a:off x="4278701" y="6460188"/>
+            <a:ext cx="16343" cy="151199"/>
           </a:xfrm>
           <a:prstGeom prst="line">
             <a:avLst/>
@@ -5586,8 +5597,8 @@
         </p:nvCxnSpPr>
         <p:spPr>
           <a:xfrm rot="5400000">
-            <a:off x="548584" y="4090400"/>
-            <a:ext cx="1278336" cy="1392574"/>
+            <a:off x="1534349" y="4990016"/>
+            <a:ext cx="1113631" cy="1225387"/>
           </a:xfrm>
           <a:prstGeom prst="bentConnector3">
             <a:avLst>
@@ -5626,8 +5637,8 @@
         </p:nvCxnSpPr>
         <p:spPr>
           <a:xfrm rot="5400000">
-            <a:off x="1091347" y="4633163"/>
-            <a:ext cx="1278336" cy="307048"/>
+            <a:off x="2011949" y="5467616"/>
+            <a:ext cx="1113631" cy="270186"/>
           </a:xfrm>
           <a:prstGeom prst="bentConnector3">
             <a:avLst>
@@ -5666,8 +5677,8 @@
         </p:nvCxnSpPr>
         <p:spPr>
           <a:xfrm rot="16200000" flipH="1">
-            <a:off x="1592107" y="4439451"/>
-            <a:ext cx="1278336" cy="694472"/>
+            <a:off x="2452590" y="5297161"/>
+            <a:ext cx="1113631" cy="611096"/>
           </a:xfrm>
           <a:prstGeom prst="bentConnector3">
             <a:avLst>
@@ -5706,8 +5717,8 @@
         </p:nvCxnSpPr>
         <p:spPr>
           <a:xfrm rot="16200000" flipH="1">
-            <a:off x="2130883" y="3900675"/>
-            <a:ext cx="1296014" cy="1789702"/>
+            <a:off x="2934855" y="4814895"/>
+            <a:ext cx="1129191" cy="1591187"/>
           </a:xfrm>
           <a:prstGeom prst="bentConnector3">
             <a:avLst>
@@ -5743,8 +5754,8 @@
         </p:nvSpPr>
         <p:spPr>
           <a:xfrm>
-            <a:off x="1895922" y="3465767"/>
-            <a:ext cx="1185285" cy="315719"/>
+            <a:off x="2714313" y="4434759"/>
+            <a:ext cx="1042984" cy="277815"/>
           </a:xfrm>
           <a:prstGeom prst="rect">
             <a:avLst/>
@@ -5780,7 +5791,7 @@
           <a:p>
             <a:pPr algn="ctr"/>
             <a:r>
-              <a:rPr lang="es-ES" sz="900" dirty="0" smtClean="0">
+              <a:rPr lang="es-ES" sz="793" dirty="0">
                 <a:solidFill>
                   <a:schemeClr val="tx1"/>
                 </a:solidFill>
@@ -5789,7 +5800,7 @@
               </a:rPr>
               <a:t>dos rectas se cruzan</a:t>
             </a:r>
-            <a:endParaRPr lang="es-ES" sz="900" dirty="0">
+            <a:endParaRPr lang="es-ES" sz="793" dirty="0">
               <a:solidFill>
                 <a:schemeClr val="tx1"/>
               </a:solidFill>
@@ -5810,8 +5821,8 @@
         </p:nvCxnSpPr>
         <p:spPr>
           <a:xfrm flipV="1">
-            <a:off x="2482682" y="2903494"/>
-            <a:ext cx="886" cy="188167"/>
+            <a:off x="3230629" y="3939989"/>
+            <a:ext cx="778" cy="165574"/>
           </a:xfrm>
           <a:prstGeom prst="line">
             <a:avLst/>
@@ -5848,8 +5859,8 @@
         </p:nvCxnSpPr>
         <p:spPr>
           <a:xfrm flipH="1" flipV="1">
-            <a:off x="2482682" y="3322493"/>
-            <a:ext cx="5883" cy="143274"/>
+            <a:off x="3230629" y="4319917"/>
+            <a:ext cx="5176" cy="114842"/>
           </a:xfrm>
           <a:prstGeom prst="line">
             <a:avLst/>
@@ -5883,8 +5894,8 @@
         </p:nvSpPr>
         <p:spPr>
           <a:xfrm>
-            <a:off x="2696124" y="3938116"/>
-            <a:ext cx="1171158" cy="230832"/>
+            <a:off x="3418446" y="4850399"/>
+            <a:ext cx="1030554" cy="214354"/>
           </a:xfrm>
           <a:prstGeom prst="rect">
             <a:avLst/>
@@ -5899,13 +5910,13 @@
           <a:p>
             <a:pPr algn="ctr"/>
             <a:r>
-              <a:rPr lang="es-ES" sz="900" dirty="0" smtClean="0">
+              <a:rPr lang="es-ES" sz="793" dirty="0">
                 <a:latin typeface="Arial" panose="020B0604020202020204" pitchFamily="34" charset="0"/>
                 <a:cs typeface="Arial" panose="020B0604020202020204" pitchFamily="34" charset="0"/>
               </a:rPr>
               <a:t>forman</a:t>
             </a:r>
-            <a:endParaRPr lang="es-ES" sz="900" dirty="0">
+            <a:endParaRPr lang="es-ES" sz="793" dirty="0">
               <a:latin typeface="Arial" panose="020B0604020202020204" pitchFamily="34" charset="0"/>
               <a:cs typeface="Arial" panose="020B0604020202020204" pitchFamily="34" charset="0"/>
             </a:endParaRPr>
@@ -5920,8 +5931,8 @@
         </p:nvSpPr>
         <p:spPr>
           <a:xfrm>
-            <a:off x="2779137" y="4286713"/>
-            <a:ext cx="1008000" cy="324000"/>
+            <a:off x="3491493" y="5157144"/>
+            <a:ext cx="886983" cy="285103"/>
           </a:xfrm>
           <a:prstGeom prst="rect">
             <a:avLst/>
@@ -5955,7 +5966,7 @@
           <a:p>
             <a:pPr algn="ctr"/>
             <a:r>
-              <a:rPr lang="es-ES" sz="900" dirty="0" smtClean="0">
+              <a:rPr lang="es-ES" sz="793" dirty="0">
                 <a:solidFill>
                   <a:schemeClr val="tx1"/>
                 </a:solidFill>
@@ -5964,7 +5975,7 @@
               </a:rPr>
               <a:t>un plano</a:t>
             </a:r>
-            <a:endParaRPr lang="es-ES" sz="900" dirty="0">
+            <a:endParaRPr lang="es-ES" sz="793" dirty="0">
               <a:solidFill>
                 <a:schemeClr val="tx1"/>
               </a:solidFill>
@@ -5985,8 +5996,8 @@
         </p:nvCxnSpPr>
         <p:spPr>
           <a:xfrm flipH="1" flipV="1">
-            <a:off x="3281703" y="4168948"/>
-            <a:ext cx="1434" cy="117765"/>
+            <a:off x="3933723" y="5064753"/>
+            <a:ext cx="1262" cy="92391"/>
           </a:xfrm>
           <a:prstGeom prst="line">
             <a:avLst/>
@@ -6020,8 +6031,8 @@
         </p:nvSpPr>
         <p:spPr>
           <a:xfrm>
-            <a:off x="6806005" y="2805530"/>
-            <a:ext cx="1494050" cy="230832"/>
+            <a:off x="7034911" y="3853793"/>
+            <a:ext cx="1314681" cy="214354"/>
           </a:xfrm>
           <a:prstGeom prst="rect">
             <a:avLst/>
@@ -6036,13 +6047,13 @@
           <a:p>
             <a:pPr algn="ctr"/>
             <a:r>
-              <a:rPr lang="es-ES" sz="900" dirty="0" smtClean="0">
+              <a:rPr lang="es-ES" sz="793" dirty="0">
                 <a:latin typeface="Arial" panose="020B0604020202020204" pitchFamily="34" charset="0"/>
                 <a:cs typeface="Arial" panose="020B0604020202020204" pitchFamily="34" charset="0"/>
               </a:rPr>
               <a:t>se relacionan según</a:t>
             </a:r>
-            <a:endParaRPr lang="es-ES" sz="900" dirty="0">
+            <a:endParaRPr lang="es-ES" sz="793" dirty="0">
               <a:latin typeface="Arial" panose="020B0604020202020204" pitchFamily="34" charset="0"/>
               <a:cs typeface="Arial" panose="020B0604020202020204" pitchFamily="34" charset="0"/>
             </a:endParaRPr>
@@ -6057,8 +6068,8 @@
         </p:nvSpPr>
         <p:spPr>
           <a:xfrm>
-            <a:off x="6216559" y="3980263"/>
-            <a:ext cx="1080000" cy="290080"/>
+            <a:off x="6516232" y="4887493"/>
+            <a:ext cx="950340" cy="255253"/>
           </a:xfrm>
           <a:prstGeom prst="rect">
             <a:avLst/>
@@ -6092,7 +6103,7 @@
           <a:p>
             <a:pPr algn="ctr"/>
             <a:r>
-              <a:rPr lang="es-ES" sz="900" dirty="0" smtClean="0">
+              <a:rPr lang="es-ES" sz="793" dirty="0">
                 <a:solidFill>
                   <a:schemeClr val="tx1"/>
                 </a:solidFill>
@@ -6101,7 +6112,7 @@
               </a:rPr>
               <a:t>complementarios</a:t>
             </a:r>
-            <a:endParaRPr lang="es-ES" sz="900" dirty="0">
+            <a:endParaRPr lang="es-ES" sz="793" dirty="0">
               <a:solidFill>
                 <a:schemeClr val="tx1"/>
               </a:solidFill>
@@ -6122,8 +6133,8 @@
         </p:nvCxnSpPr>
         <p:spPr>
           <a:xfrm rot="5400000">
-            <a:off x="6779376" y="2444136"/>
-            <a:ext cx="181428" cy="1365881"/>
+            <a:off x="7017104" y="3541405"/>
+            <a:ext cx="148406" cy="1201890"/>
           </a:xfrm>
           <a:prstGeom prst="bentConnector3">
             <a:avLst>
@@ -6162,8 +6173,8 @@
         </p:nvCxnSpPr>
         <p:spPr>
           <a:xfrm rot="5400000">
-            <a:off x="5659158" y="3451276"/>
-            <a:ext cx="496826" cy="559157"/>
+            <a:off x="6025749" y="4422016"/>
+            <a:ext cx="437179" cy="492027"/>
           </a:xfrm>
           <a:prstGeom prst="bentConnector3">
             <a:avLst>
@@ -6202,8 +6213,8 @@
         </p:nvCxnSpPr>
         <p:spPr>
           <a:xfrm rot="16200000" flipH="1">
-            <a:off x="6222943" y="3446647"/>
-            <a:ext cx="497822" cy="569410"/>
+            <a:off x="6521850" y="4417940"/>
+            <a:ext cx="438056" cy="501050"/>
           </a:xfrm>
           <a:prstGeom prst="bentConnector3">
             <a:avLst>
@@ -6239,8 +6250,8 @@
         </p:nvSpPr>
         <p:spPr>
           <a:xfrm>
-            <a:off x="5129771" y="4473688"/>
-            <a:ext cx="996441" cy="272026"/>
+            <a:off x="5559929" y="5321678"/>
+            <a:ext cx="876812" cy="239369"/>
           </a:xfrm>
           <a:prstGeom prst="rect">
             <a:avLst/>
@@ -6274,7 +6285,7 @@
           <a:p>
             <a:pPr algn="ctr"/>
             <a:r>
-              <a:rPr lang="es-ES" sz="900" dirty="0" smtClean="0">
+              <a:rPr lang="es-ES" sz="793" dirty="0">
                 <a:solidFill>
                   <a:schemeClr val="tx1"/>
                 </a:solidFill>
@@ -6283,7 +6294,7 @@
               </a:rPr>
               <a:t>suman 180°</a:t>
             </a:r>
-            <a:endParaRPr lang="es-ES" sz="900" dirty="0">
+            <a:endParaRPr lang="es-ES" sz="793" dirty="0">
               <a:solidFill>
                 <a:schemeClr val="tx1"/>
               </a:solidFill>
@@ -6301,8 +6312,8 @@
         </p:nvSpPr>
         <p:spPr>
           <a:xfrm>
-            <a:off x="10374939" y="3606334"/>
-            <a:ext cx="576000" cy="444966"/>
+            <a:off x="10175374" y="4527311"/>
+            <a:ext cx="515144" cy="576504"/>
           </a:xfrm>
           <a:prstGeom prst="rect">
             <a:avLst/>
@@ -6336,7 +6347,7 @@
           <a:p>
             <a:pPr algn="ctr"/>
             <a:r>
-              <a:rPr lang="es-ES" sz="900" dirty="0">
+              <a:rPr lang="es-ES" sz="793" dirty="0">
                 <a:solidFill>
                   <a:schemeClr val="tx1"/>
                 </a:solidFill>
@@ -6346,7 +6357,7 @@
               <a:t>m</a:t>
             </a:r>
             <a:r>
-              <a:rPr lang="es-ES" sz="900" dirty="0" smtClean="0">
+              <a:rPr lang="es-ES" sz="793" dirty="0">
                 <a:solidFill>
                   <a:schemeClr val="tx1"/>
                 </a:solidFill>
@@ -6356,7 +6367,7 @@
               <a:t>edida </a:t>
             </a:r>
             <a:r>
-              <a:rPr lang="es-ES" sz="900" dirty="0">
+              <a:rPr lang="es-ES" sz="793" dirty="0">
                 <a:solidFill>
                   <a:schemeClr val="tx1"/>
                 </a:solidFill>
@@ -6366,7 +6377,7 @@
               <a:t>m</a:t>
             </a:r>
             <a:r>
-              <a:rPr lang="es-ES" sz="900" dirty="0" smtClean="0">
+              <a:rPr lang="es-ES" sz="793" dirty="0">
                 <a:solidFill>
                   <a:schemeClr val="tx1"/>
                 </a:solidFill>
@@ -6375,7 +6386,7 @@
               </a:rPr>
               <a:t>enos de 90°</a:t>
             </a:r>
-            <a:endParaRPr lang="es-ES" sz="900" dirty="0">
+            <a:endParaRPr lang="es-ES" sz="793" dirty="0">
               <a:solidFill>
                 <a:schemeClr val="tx1"/>
               </a:solidFill>
@@ -6396,8 +6407,8 @@
         </p:nvCxnSpPr>
         <p:spPr>
           <a:xfrm flipV="1">
-            <a:off x="5627992" y="4251293"/>
-            <a:ext cx="0" cy="222395"/>
+            <a:off x="5998326" y="5125985"/>
+            <a:ext cx="0" cy="195695"/>
           </a:xfrm>
           <a:prstGeom prst="line">
             <a:avLst/>
@@ -6433,9 +6444,9 @@
           <p:nvPr/>
         </p:nvCxnSpPr>
         <p:spPr>
-          <a:xfrm flipV="1">
-            <a:off x="10662939" y="3454818"/>
-            <a:ext cx="1847" cy="151516"/>
+          <a:xfrm flipH="1" flipV="1">
+            <a:off x="10430433" y="4425124"/>
+            <a:ext cx="2513" cy="102187"/>
           </a:xfrm>
           <a:prstGeom prst="line">
             <a:avLst/>
@@ -6469,8 +6480,8 @@
         </p:nvSpPr>
         <p:spPr>
           <a:xfrm>
-            <a:off x="8754089" y="3207798"/>
-            <a:ext cx="614157" cy="264651"/>
+            <a:off x="8749126" y="4207761"/>
+            <a:ext cx="540424" cy="232879"/>
           </a:xfrm>
           <a:prstGeom prst="rect">
             <a:avLst/>
@@ -6506,10 +6517,10 @@
           <a:p>
             <a:pPr algn="ctr"/>
             <a:r>
-              <a:rPr lang="es-ES_tradnl" sz="900" dirty="0" smtClean="0"/>
+              <a:rPr lang="es-ES_tradnl" sz="793" dirty="0"/>
               <a:t>posición</a:t>
             </a:r>
-            <a:endParaRPr lang="es-CO" sz="900" dirty="0"/>
+            <a:endParaRPr lang="es-CO" sz="793" dirty="0"/>
           </a:p>
         </p:txBody>
       </p:sp>
@@ -6521,8 +6532,8 @@
         </p:nvSpPr>
         <p:spPr>
           <a:xfrm>
-            <a:off x="7434380" y="3960217"/>
-            <a:ext cx="864000" cy="272026"/>
+            <a:off x="7587847" y="4869853"/>
+            <a:ext cx="782942" cy="239369"/>
           </a:xfrm>
           <a:prstGeom prst="rect">
             <a:avLst/>
@@ -6556,7 +6567,7 @@
           <a:p>
             <a:pPr algn="ctr"/>
             <a:r>
-              <a:rPr lang="es-ES" sz="900" dirty="0" smtClean="0">
+              <a:rPr lang="es-ES" sz="793" dirty="0">
                 <a:solidFill>
                   <a:schemeClr val="tx1"/>
                 </a:solidFill>
@@ -6565,7 +6576,7 @@
               </a:rPr>
               <a:t>consecutivos</a:t>
             </a:r>
-            <a:endParaRPr lang="es-ES" sz="900" dirty="0">
+            <a:endParaRPr lang="es-ES" sz="793" dirty="0">
               <a:solidFill>
                 <a:schemeClr val="tx1"/>
               </a:solidFill>
@@ -6583,8 +6594,8 @@
         </p:nvSpPr>
         <p:spPr>
           <a:xfrm>
-            <a:off x="8365900" y="3961213"/>
-            <a:ext cx="864000" cy="290080"/>
+            <a:off x="8407532" y="4870730"/>
+            <a:ext cx="760272" cy="255253"/>
           </a:xfrm>
           <a:prstGeom prst="rect">
             <a:avLst/>
@@ -6618,7 +6629,7 @@
           <a:p>
             <a:pPr algn="ctr"/>
             <a:r>
-              <a:rPr lang="es-ES" sz="900" dirty="0" smtClean="0">
+              <a:rPr lang="es-ES" sz="793" dirty="0">
                 <a:solidFill>
                   <a:schemeClr val="tx1"/>
                 </a:solidFill>
@@ -6627,7 +6638,7 @@
               </a:rPr>
               <a:t>adyacentes</a:t>
             </a:r>
-            <a:endParaRPr lang="es-ES" sz="900" dirty="0">
+            <a:endParaRPr lang="es-ES" sz="793" dirty="0">
               <a:solidFill>
                 <a:schemeClr val="tx1"/>
               </a:solidFill>
@@ -6645,8 +6656,8 @@
         </p:nvSpPr>
         <p:spPr>
           <a:xfrm>
-            <a:off x="7458430" y="4375808"/>
-            <a:ext cx="783870" cy="927444"/>
+            <a:off x="7609009" y="5235543"/>
+            <a:ext cx="689762" cy="816099"/>
           </a:xfrm>
           <a:prstGeom prst="rect">
             <a:avLst/>
@@ -6680,7 +6691,7 @@
           <a:p>
             <a:pPr algn="ctr"/>
             <a:r>
-              <a:rPr lang="es-ES" sz="900" dirty="0">
+              <a:rPr lang="es-ES" sz="793" dirty="0">
                 <a:solidFill>
                   <a:schemeClr val="tx1"/>
                 </a:solidFill>
@@ -6690,7 +6701,7 @@
               <a:t>t</a:t>
             </a:r>
             <a:r>
-              <a:rPr lang="es-ES" sz="900" dirty="0" smtClean="0">
+              <a:rPr lang="es-ES" sz="793" dirty="0">
                 <a:solidFill>
                   <a:schemeClr val="tx1"/>
                 </a:solidFill>
@@ -6699,7 +6710,7 @@
               </a:rPr>
               <a:t>ienen el vértice y comparten un lado</a:t>
             </a:r>
-            <a:endParaRPr lang="es-ES" sz="900" dirty="0">
+            <a:endParaRPr lang="es-ES" sz="793" dirty="0">
               <a:solidFill>
                 <a:schemeClr val="tx1"/>
               </a:solidFill>
@@ -6717,8 +6728,8 @@
         </p:nvSpPr>
         <p:spPr>
           <a:xfrm>
-            <a:off x="8305800" y="4376803"/>
-            <a:ext cx="965200" cy="943463"/>
+            <a:off x="8354646" y="5236429"/>
+            <a:ext cx="882602" cy="830195"/>
           </a:xfrm>
           <a:prstGeom prst="rect">
             <a:avLst/>
@@ -6752,7 +6763,7 @@
           <a:p>
             <a:pPr algn="ctr"/>
             <a:r>
-              <a:rPr lang="es-ES" sz="900" dirty="0">
+              <a:rPr lang="es-ES" sz="793" dirty="0">
                 <a:solidFill>
                   <a:schemeClr val="tx1"/>
                 </a:solidFill>
@@ -6762,7 +6773,7 @@
               <a:t>s</a:t>
             </a:r>
             <a:r>
-              <a:rPr lang="es-ES" sz="900" dirty="0" smtClean="0">
+              <a:rPr lang="es-ES" sz="793" dirty="0">
                 <a:solidFill>
                   <a:schemeClr val="tx1"/>
                 </a:solidFill>
@@ -6771,7 +6782,7 @@
               </a:rPr>
               <a:t>on consecutivos y suplementarios</a:t>
             </a:r>
-            <a:endParaRPr lang="es-ES" sz="900" dirty="0">
+            <a:endParaRPr lang="es-ES" sz="793" dirty="0">
               <a:solidFill>
                 <a:schemeClr val="tx1"/>
               </a:solidFill>
@@ -6792,8 +6803,8 @@
         </p:nvCxnSpPr>
         <p:spPr>
           <a:xfrm rot="5400000">
-            <a:off x="8685152" y="3585197"/>
-            <a:ext cx="488764" cy="263268"/>
+            <a:off x="8688462" y="4539849"/>
+            <a:ext cx="430086" cy="231661"/>
           </a:xfrm>
           <a:prstGeom prst="bentConnector3">
             <a:avLst>
@@ -6832,8 +6843,8 @@
         </p:nvCxnSpPr>
         <p:spPr>
           <a:xfrm rot="16200000" flipH="1">
-            <a:off x="9153197" y="3380419"/>
-            <a:ext cx="495592" cy="679651"/>
+            <a:off x="9100315" y="4359658"/>
+            <a:ext cx="436094" cy="598054"/>
           </a:xfrm>
           <a:prstGeom prst="bentConnector3">
             <a:avLst>
@@ -6872,8 +6883,8 @@
         </p:nvCxnSpPr>
         <p:spPr>
           <a:xfrm flipH="1" flipV="1">
-            <a:off x="9740819" y="4258121"/>
-            <a:ext cx="3836" cy="125510"/>
+            <a:off x="9617383" y="5131984"/>
+            <a:ext cx="3375" cy="110442"/>
           </a:xfrm>
           <a:prstGeom prst="line">
             <a:avLst/>
@@ -6907,8 +6918,8 @@
         </p:nvSpPr>
         <p:spPr>
           <a:xfrm>
-            <a:off x="9308819" y="3968041"/>
-            <a:ext cx="864000" cy="290080"/>
+            <a:off x="9237248" y="4876739"/>
+            <a:ext cx="760272" cy="255253"/>
           </a:xfrm>
           <a:prstGeom prst="rect">
             <a:avLst/>
@@ -6942,7 +6953,7 @@
           <a:p>
             <a:pPr algn="ctr"/>
             <a:r>
-              <a:rPr lang="es-ES" sz="900" dirty="0" smtClean="0">
+              <a:rPr lang="es-ES" sz="793" dirty="0">
                 <a:solidFill>
                   <a:schemeClr val="tx1"/>
                 </a:solidFill>
@@ -6951,7 +6962,7 @@
               </a:rPr>
               <a:t>opuestos por el vértice</a:t>
             </a:r>
-            <a:endParaRPr lang="es-ES" sz="900" dirty="0">
+            <a:endParaRPr lang="es-ES" sz="793" dirty="0">
               <a:solidFill>
                 <a:schemeClr val="tx1"/>
               </a:solidFill>
@@ -6969,8 +6980,8 @@
         </p:nvSpPr>
         <p:spPr>
           <a:xfrm>
-            <a:off x="9342368" y="4383631"/>
-            <a:ext cx="804573" cy="936635"/>
+            <a:off x="9266778" y="5242437"/>
+            <a:ext cx="707979" cy="824186"/>
           </a:xfrm>
           <a:prstGeom prst="rect">
             <a:avLst/>
@@ -7004,7 +7015,7 @@
           <a:p>
             <a:pPr algn="ctr"/>
             <a:r>
-              <a:rPr lang="es-ES" sz="900" dirty="0">
+              <a:rPr lang="es-ES" sz="793" dirty="0">
                 <a:solidFill>
                   <a:schemeClr val="tx1"/>
                 </a:solidFill>
@@ -7014,7 +7025,7 @@
               <a:t>s</a:t>
             </a:r>
             <a:r>
-              <a:rPr lang="es-ES" sz="900" dirty="0" smtClean="0">
+              <a:rPr lang="es-ES" sz="793" dirty="0">
                 <a:solidFill>
                   <a:schemeClr val="tx1"/>
                 </a:solidFill>
@@ -7023,7 +7034,7 @@
               </a:rPr>
               <a:t>e forman con dos rectas que se cruzan</a:t>
             </a:r>
-            <a:endParaRPr lang="es-ES" sz="900" dirty="0">
+            <a:endParaRPr lang="es-ES" sz="793" dirty="0">
               <a:solidFill>
                 <a:schemeClr val="tx1"/>
               </a:solidFill>
@@ -7041,8 +7052,8 @@
         </p:nvSpPr>
         <p:spPr>
           <a:xfrm>
-            <a:off x="10727656" y="2765536"/>
-            <a:ext cx="1494050" cy="230832"/>
+            <a:off x="10485744" y="3818600"/>
+            <a:ext cx="1314681" cy="214354"/>
           </a:xfrm>
           <a:prstGeom prst="rect">
             <a:avLst/>
@@ -7057,13 +7068,13 @@
           <a:p>
             <a:pPr algn="ctr"/>
             <a:r>
-              <a:rPr lang="es-ES" sz="900" dirty="0" smtClean="0">
+              <a:rPr lang="es-ES" sz="793" dirty="0">
                 <a:latin typeface="Arial" panose="020B0604020202020204" pitchFamily="34" charset="0"/>
                 <a:cs typeface="Arial" panose="020B0604020202020204" pitchFamily="34" charset="0"/>
               </a:rPr>
               <a:t>se clasifican </a:t>
             </a:r>
-            <a:endParaRPr lang="es-ES" sz="900" dirty="0">
+            <a:endParaRPr lang="es-ES" sz="793" dirty="0">
               <a:latin typeface="Arial" panose="020B0604020202020204" pitchFamily="34" charset="0"/>
               <a:cs typeface="Arial" panose="020B0604020202020204" pitchFamily="34" charset="0"/>
             </a:endParaRPr>
@@ -7081,8 +7092,8 @@
         </p:nvCxnSpPr>
         <p:spPr>
           <a:xfrm rot="16200000" flipH="1">
-            <a:off x="11366598" y="2657453"/>
-            <a:ext cx="208214" cy="7951"/>
+            <a:off x="11047979" y="3723494"/>
+            <a:ext cx="183224" cy="6988"/>
           </a:xfrm>
           <a:prstGeom prst="bentConnector3">
             <a:avLst>
@@ -7118,8 +7129,8 @@
         </p:nvSpPr>
         <p:spPr>
           <a:xfrm>
-            <a:off x="10357707" y="3190167"/>
-            <a:ext cx="614157" cy="264651"/>
+            <a:off x="10160221" y="4192245"/>
+            <a:ext cx="540424" cy="232879"/>
           </a:xfrm>
           <a:prstGeom prst="rect">
             <a:avLst/>
@@ -7155,10 +7166,10 @@
           <a:p>
             <a:pPr algn="ctr"/>
             <a:r>
-              <a:rPr lang="es-ES_tradnl" sz="900" dirty="0" smtClean="0"/>
+              <a:rPr lang="es-ES_tradnl" sz="793" dirty="0"/>
               <a:t>agudo</a:t>
             </a:r>
-            <a:endParaRPr lang="es-CO" sz="900" dirty="0"/>
+            <a:endParaRPr lang="es-CO" sz="793" dirty="0"/>
           </a:p>
         </p:txBody>
       </p:sp>
@@ -7170,8 +7181,8 @@
         </p:nvSpPr>
         <p:spPr>
           <a:xfrm>
-            <a:off x="11045487" y="3190167"/>
-            <a:ext cx="614157" cy="264651"/>
+            <a:off x="10765429" y="4192245"/>
+            <a:ext cx="540424" cy="232879"/>
           </a:xfrm>
           <a:prstGeom prst="rect">
             <a:avLst/>
@@ -7207,10 +7218,10 @@
           <a:p>
             <a:pPr algn="ctr"/>
             <a:r>
-              <a:rPr lang="es-ES_tradnl" sz="900" dirty="0" smtClean="0"/>
+              <a:rPr lang="es-ES_tradnl" sz="793" dirty="0"/>
               <a:t>recto</a:t>
             </a:r>
-            <a:endParaRPr lang="es-CO" sz="900" dirty="0"/>
+            <a:endParaRPr lang="es-CO" sz="793" dirty="0"/>
           </a:p>
         </p:txBody>
       </p:sp>
@@ -7222,8 +7233,8 @@
         </p:nvSpPr>
         <p:spPr>
           <a:xfrm>
-            <a:off x="11727524" y="3190167"/>
-            <a:ext cx="614157" cy="264651"/>
+            <a:off x="11365582" y="4192245"/>
+            <a:ext cx="540424" cy="232879"/>
           </a:xfrm>
           <a:prstGeom prst="rect">
             <a:avLst/>
@@ -7259,10 +7270,10 @@
           <a:p>
             <a:pPr algn="ctr"/>
             <a:r>
-              <a:rPr lang="es-ES_tradnl" sz="900" dirty="0" smtClean="0"/>
+              <a:rPr lang="es-ES_tradnl" sz="793" dirty="0"/>
               <a:t>obtuso</a:t>
             </a:r>
-            <a:endParaRPr lang="es-CO" sz="900" dirty="0"/>
+            <a:endParaRPr lang="es-CO" sz="793" dirty="0"/>
           </a:p>
         </p:txBody>
       </p:sp>
@@ -7274,8 +7285,8 @@
         </p:nvSpPr>
         <p:spPr>
           <a:xfrm>
-            <a:off x="13066556" y="3191723"/>
-            <a:ext cx="614157" cy="264651"/>
+            <a:off x="12543856" y="4193615"/>
+            <a:ext cx="540424" cy="232879"/>
           </a:xfrm>
           <a:prstGeom prst="rect">
             <a:avLst/>
@@ -7311,10 +7322,10 @@
           <a:p>
             <a:pPr algn="ctr"/>
             <a:r>
-              <a:rPr lang="es-ES_tradnl" sz="900" dirty="0" smtClean="0"/>
+              <a:rPr lang="es-ES_tradnl" sz="793" dirty="0"/>
               <a:t>cóncavo</a:t>
             </a:r>
-            <a:endParaRPr lang="es-CO" sz="900" dirty="0"/>
+            <a:endParaRPr lang="es-CO" sz="793" dirty="0"/>
           </a:p>
         </p:txBody>
       </p:sp>
@@ -7326,8 +7337,8 @@
         </p:nvSpPr>
         <p:spPr>
           <a:xfrm>
-            <a:off x="12400078" y="3195327"/>
-            <a:ext cx="614157" cy="264651"/>
+            <a:off x="11957392" y="4196788"/>
+            <a:ext cx="540424" cy="232879"/>
           </a:xfrm>
           <a:prstGeom prst="rect">
             <a:avLst/>
@@ -7363,10 +7374,10 @@
           <a:p>
             <a:pPr algn="ctr"/>
             <a:r>
-              <a:rPr lang="es-ES_tradnl" sz="900" dirty="0" smtClean="0"/>
+              <a:rPr lang="es-ES_tradnl" sz="793" dirty="0"/>
               <a:t>convexo</a:t>
             </a:r>
-            <a:endParaRPr lang="es-CO" sz="900" dirty="0"/>
+            <a:endParaRPr lang="es-CO" sz="793" dirty="0"/>
           </a:p>
         </p:txBody>
       </p:sp>
@@ -7378,8 +7389,8 @@
         </p:nvSpPr>
         <p:spPr>
           <a:xfrm>
-            <a:off x="11066392" y="3585814"/>
-            <a:ext cx="576000" cy="452786"/>
+            <a:off x="10783814" y="4527310"/>
+            <a:ext cx="519186" cy="576505"/>
           </a:xfrm>
           <a:prstGeom prst="rect">
             <a:avLst/>
@@ -7413,7 +7424,7 @@
           <a:p>
             <a:pPr algn="ctr"/>
             <a:r>
-              <a:rPr lang="es-ES" sz="900" dirty="0">
+              <a:rPr lang="es-ES" sz="793" dirty="0">
                 <a:solidFill>
                   <a:schemeClr val="tx1"/>
                 </a:solidFill>
@@ -7423,7 +7434,7 @@
               <a:t>m</a:t>
             </a:r>
             <a:r>
-              <a:rPr lang="es-ES" sz="900" dirty="0" smtClean="0">
+              <a:rPr lang="es-ES" sz="793" dirty="0">
                 <a:solidFill>
                   <a:schemeClr val="tx1"/>
                 </a:solidFill>
@@ -7432,7 +7443,7 @@
               </a:rPr>
               <a:t>edida  90°</a:t>
             </a:r>
-            <a:endParaRPr lang="es-ES" sz="900" dirty="0">
+            <a:endParaRPr lang="es-ES" sz="793" dirty="0">
               <a:solidFill>
                 <a:schemeClr val="tx1"/>
               </a:solidFill>
@@ -7453,8 +7464,8 @@
         </p:nvCxnSpPr>
         <p:spPr>
           <a:xfrm flipH="1" flipV="1">
-            <a:off x="11352566" y="3454818"/>
-            <a:ext cx="1826" cy="130996"/>
+            <a:off x="11035641" y="4425124"/>
+            <a:ext cx="7766" cy="102186"/>
           </a:xfrm>
           <a:prstGeom prst="line">
             <a:avLst/>
@@ -7488,8 +7499,8 @@
         </p:nvSpPr>
         <p:spPr>
           <a:xfrm>
-            <a:off x="11746602" y="3570946"/>
-            <a:ext cx="576000" cy="480353"/>
+            <a:off x="11382361" y="4527310"/>
+            <a:ext cx="512204" cy="576505"/>
           </a:xfrm>
           <a:prstGeom prst="rect">
             <a:avLst/>
@@ -7523,7 +7534,7 @@
           <a:p>
             <a:pPr algn="ctr"/>
             <a:r>
-              <a:rPr lang="es-ES" sz="900" dirty="0">
+              <a:rPr lang="es-ES" sz="793" dirty="0">
                 <a:solidFill>
                   <a:schemeClr val="tx1"/>
                 </a:solidFill>
@@ -7533,7 +7544,7 @@
               <a:t>m</a:t>
             </a:r>
             <a:r>
-              <a:rPr lang="es-ES" sz="900" dirty="0" smtClean="0">
+              <a:rPr lang="es-ES" sz="793" dirty="0">
                 <a:solidFill>
                   <a:schemeClr val="tx1"/>
                 </a:solidFill>
@@ -7542,7 +7553,7 @@
               </a:rPr>
               <a:t>edida mas de 90°</a:t>
             </a:r>
-            <a:endParaRPr lang="es-ES" sz="900" dirty="0">
+            <a:endParaRPr lang="es-ES" sz="793" dirty="0">
               <a:solidFill>
                 <a:schemeClr val="tx1"/>
               </a:solidFill>
@@ -7562,9 +7573,9 @@
           <p:nvPr/>
         </p:nvCxnSpPr>
         <p:spPr>
-          <a:xfrm flipV="1">
-            <a:off x="12034602" y="3454818"/>
-            <a:ext cx="1" cy="116128"/>
+          <a:xfrm flipH="1" flipV="1">
+            <a:off x="11635794" y="4425124"/>
+            <a:ext cx="2669" cy="102186"/>
           </a:xfrm>
           <a:prstGeom prst="line">
             <a:avLst/>
@@ -7598,8 +7609,8 @@
         </p:nvSpPr>
         <p:spPr>
           <a:xfrm>
-            <a:off x="13087461" y="3570946"/>
-            <a:ext cx="576000" cy="655151"/>
+            <a:off x="12562242" y="4527319"/>
+            <a:ext cx="544158" cy="576496"/>
           </a:xfrm>
           <a:prstGeom prst="rect">
             <a:avLst/>
@@ -7633,7 +7644,7 @@
           <a:p>
             <a:pPr algn="ctr"/>
             <a:r>
-              <a:rPr lang="es-ES" sz="900" dirty="0" smtClean="0">
+              <a:rPr lang="es-ES" sz="793" dirty="0">
                 <a:solidFill>
                   <a:schemeClr val="tx1"/>
                 </a:solidFill>
@@ -7642,7 +7653,7 @@
               </a:rPr>
               <a:t>medida entre  180° y 360°</a:t>
             </a:r>
-            <a:endParaRPr lang="es-ES" sz="900" dirty="0">
+            <a:endParaRPr lang="es-ES" sz="793" dirty="0">
               <a:solidFill>
                 <a:schemeClr val="tx1"/>
               </a:solidFill>
@@ -7663,8 +7674,8 @@
         </p:nvCxnSpPr>
         <p:spPr>
           <a:xfrm flipH="1" flipV="1">
-            <a:off x="13373635" y="3456374"/>
-            <a:ext cx="1826" cy="114572"/>
+            <a:off x="12814068" y="4426494"/>
+            <a:ext cx="20253" cy="100825"/>
           </a:xfrm>
           <a:prstGeom prst="line">
             <a:avLst/>
@@ -7698,8 +7709,8 @@
         </p:nvSpPr>
         <p:spPr>
           <a:xfrm>
-            <a:off x="12420983" y="3579453"/>
-            <a:ext cx="576000" cy="655151"/>
+            <a:off x="11975778" y="4527310"/>
+            <a:ext cx="522037" cy="583990"/>
           </a:xfrm>
           <a:prstGeom prst="rect">
             <a:avLst/>
@@ -7733,7 +7744,7 @@
           <a:p>
             <a:pPr algn="ctr"/>
             <a:r>
-              <a:rPr lang="es-ES" sz="900" dirty="0" smtClean="0">
+              <a:rPr lang="es-ES" sz="793" dirty="0">
                 <a:solidFill>
                   <a:schemeClr val="tx1"/>
                 </a:solidFill>
@@ -7742,7 +7753,7 @@
               </a:rPr>
               <a:t>medida entre  0° y 180°</a:t>
             </a:r>
-            <a:endParaRPr lang="es-ES" sz="900" dirty="0">
+            <a:endParaRPr lang="es-ES" sz="793" dirty="0">
               <a:solidFill>
                 <a:schemeClr val="tx1"/>
               </a:solidFill>
@@ -7763,8 +7774,8 @@
         </p:nvCxnSpPr>
         <p:spPr>
           <a:xfrm flipH="1" flipV="1">
-            <a:off x="12707157" y="3459978"/>
-            <a:ext cx="1826" cy="119475"/>
+            <a:off x="12227604" y="4429667"/>
+            <a:ext cx="9193" cy="97643"/>
           </a:xfrm>
           <a:prstGeom prst="line">
             <a:avLst/>
@@ -7801,8 +7812,8 @@
         </p:nvCxnSpPr>
         <p:spPr>
           <a:xfrm rot="5400000" flipH="1" flipV="1">
-            <a:off x="10972834" y="2688321"/>
-            <a:ext cx="193799" cy="809895"/>
+            <a:off x="10707114" y="3756274"/>
+            <a:ext cx="159291" cy="712652"/>
           </a:xfrm>
           <a:prstGeom prst="bentConnector3">
             <a:avLst>
@@ -7841,8 +7852,8 @@
         </p:nvCxnSpPr>
         <p:spPr>
           <a:xfrm rot="5400000" flipH="1" flipV="1">
-            <a:off x="11316724" y="3032211"/>
-            <a:ext cx="193799" cy="122115"/>
+            <a:off x="11009718" y="4058878"/>
+            <a:ext cx="159291" cy="107444"/>
           </a:xfrm>
           <a:prstGeom prst="bentConnector3">
             <a:avLst>
@@ -7881,8 +7892,8 @@
         </p:nvCxnSpPr>
         <p:spPr>
           <a:xfrm rot="16200000" flipV="1">
-            <a:off x="11657743" y="2813307"/>
-            <a:ext cx="193799" cy="559922"/>
+            <a:off x="11309795" y="3866245"/>
+            <a:ext cx="159291" cy="492709"/>
           </a:xfrm>
           <a:prstGeom prst="bentConnector3">
             <a:avLst>
@@ -7921,8 +7932,8 @@
         </p:nvCxnSpPr>
         <p:spPr>
           <a:xfrm rot="16200000" flipV="1">
-            <a:off x="11991440" y="2479610"/>
-            <a:ext cx="198959" cy="1232476"/>
+            <a:off x="11603428" y="3572611"/>
+            <a:ext cx="163834" cy="1084519"/>
           </a:xfrm>
           <a:prstGeom prst="bentConnector3">
             <a:avLst>
@@ -7961,8 +7972,8 @@
         </p:nvCxnSpPr>
         <p:spPr>
           <a:xfrm rot="16200000" flipV="1">
-            <a:off x="12326481" y="2144569"/>
-            <a:ext cx="195355" cy="1898954"/>
+            <a:off x="11898247" y="3277793"/>
+            <a:ext cx="160661" cy="1670983"/>
           </a:xfrm>
           <a:prstGeom prst="bentConnector3">
             <a:avLst>
@@ -7998,8 +8009,8 @@
         </p:nvCxnSpPr>
         <p:spPr>
           <a:xfrm rot="16200000" flipV="1">
-            <a:off x="13099529" y="937223"/>
-            <a:ext cx="218984" cy="3459182"/>
+            <a:off x="12572865" y="2209781"/>
+            <a:ext cx="192695" cy="3043887"/>
           </a:xfrm>
           <a:prstGeom prst="bentConnector3">
             <a:avLst>
@@ -8035,8 +8046,8 @@
         </p:nvSpPr>
         <p:spPr>
           <a:xfrm>
-            <a:off x="14200228" y="3189710"/>
-            <a:ext cx="1185285" cy="315719"/>
+            <a:off x="13541415" y="4191850"/>
+            <a:ext cx="1042984" cy="277815"/>
           </a:xfrm>
           <a:prstGeom prst="rect">
             <a:avLst/>
@@ -8072,7 +8083,7 @@
           <a:p>
             <a:pPr algn="ctr"/>
             <a:r>
-              <a:rPr lang="es-ES" sz="900" dirty="0" smtClean="0">
+              <a:rPr lang="es-ES" sz="793" dirty="0">
                 <a:solidFill>
                   <a:schemeClr val="tx1"/>
                 </a:solidFill>
@@ -8081,7 +8092,7 @@
               </a:rPr>
               <a:t>bisectriz</a:t>
             </a:r>
-            <a:endParaRPr lang="es-ES" sz="900" dirty="0">
+            <a:endParaRPr lang="es-ES" sz="793" dirty="0">
               <a:solidFill>
                 <a:schemeClr val="tx1"/>
               </a:solidFill>
@@ -8099,8 +8110,8 @@
         </p:nvSpPr>
         <p:spPr>
           <a:xfrm>
-            <a:off x="14484335" y="2805530"/>
-            <a:ext cx="774618" cy="230832"/>
+            <a:off x="13791413" y="3853790"/>
+            <a:ext cx="681621" cy="214354"/>
           </a:xfrm>
           <a:prstGeom prst="rect">
             <a:avLst/>
@@ -8115,13 +8126,13 @@
           <a:p>
             <a:pPr algn="ctr"/>
             <a:r>
-              <a:rPr lang="es-ES" sz="900" dirty="0" smtClean="0">
+              <a:rPr lang="es-ES" sz="793" dirty="0">
                 <a:latin typeface="Arial" panose="020B0604020202020204" pitchFamily="34" charset="0"/>
                 <a:cs typeface="Arial" panose="020B0604020202020204" pitchFamily="34" charset="0"/>
               </a:rPr>
               <a:t>tiene</a:t>
             </a:r>
-            <a:endParaRPr lang="es-ES" sz="900" dirty="0">
+            <a:endParaRPr lang="es-ES" sz="793" dirty="0">
               <a:latin typeface="Arial" panose="020B0604020202020204" pitchFamily="34" charset="0"/>
               <a:cs typeface="Arial" panose="020B0604020202020204" pitchFamily="34" charset="0"/>
             </a:endParaRPr>
@@ -8138,8 +8149,8 @@
         </p:nvCxnSpPr>
         <p:spPr>
           <a:xfrm flipV="1">
-            <a:off x="14792871" y="3036362"/>
-            <a:ext cx="2573" cy="153348"/>
+            <a:off x="14062913" y="4056911"/>
+            <a:ext cx="2264" cy="134939"/>
           </a:xfrm>
           <a:prstGeom prst="line">
             <a:avLst/>
@@ -8173,8 +8184,8 @@
         </p:nvSpPr>
         <p:spPr>
           <a:xfrm>
-            <a:off x="14201514" y="3647855"/>
-            <a:ext cx="1185285" cy="840520"/>
+            <a:off x="13542547" y="4594991"/>
+            <a:ext cx="1042984" cy="739612"/>
           </a:xfrm>
           <a:prstGeom prst="rect">
             <a:avLst/>
@@ -8208,7 +8219,7 @@
           <a:p>
             <a:pPr algn="ctr"/>
             <a:r>
-              <a:rPr lang="es-ES" sz="900" dirty="0" smtClean="0">
+              <a:rPr lang="es-ES" sz="793" dirty="0">
                 <a:solidFill>
                   <a:schemeClr val="tx1"/>
                 </a:solidFill>
@@ -8217,7 +8228,7 @@
               </a:rPr>
               <a:t>divide al ángulo en dos ángulos congruentes</a:t>
             </a:r>
-            <a:endParaRPr lang="es-ES" sz="900" dirty="0">
+            <a:endParaRPr lang="es-ES" sz="793" dirty="0">
               <a:solidFill>
                 <a:schemeClr val="tx1"/>
               </a:solidFill>
@@ -8238,8 +8249,8 @@
         </p:nvCxnSpPr>
         <p:spPr>
           <a:xfrm flipH="1" flipV="1">
-            <a:off x="14792871" y="3505429"/>
-            <a:ext cx="1286" cy="142426"/>
+            <a:off x="14062906" y="4469662"/>
+            <a:ext cx="1132" cy="125328"/>
           </a:xfrm>
           <a:prstGeom prst="line">
             <a:avLst/>
@@ -8273,8 +8284,8 @@
         </p:nvSpPr>
         <p:spPr>
           <a:xfrm>
-            <a:off x="6266023" y="4471025"/>
-            <a:ext cx="996441" cy="272026"/>
+            <a:off x="6559768" y="5319336"/>
+            <a:ext cx="876812" cy="239369"/>
           </a:xfrm>
           <a:prstGeom prst="rect">
             <a:avLst/>
@@ -8308,7 +8319,7 @@
           <a:p>
             <a:pPr algn="ctr"/>
             <a:r>
-              <a:rPr lang="es-ES" sz="900" dirty="0" smtClean="0">
+              <a:rPr lang="es-ES" sz="793" dirty="0">
                 <a:solidFill>
                   <a:schemeClr val="tx1"/>
                 </a:solidFill>
@@ -8317,7 +8328,7 @@
               </a:rPr>
               <a:t>suman 90°</a:t>
             </a:r>
-            <a:endParaRPr lang="es-ES" sz="900" dirty="0">
+            <a:endParaRPr lang="es-ES" sz="793" dirty="0">
               <a:solidFill>
                 <a:schemeClr val="tx1"/>
               </a:solidFill>
@@ -8338,8 +8349,8 @@
         </p:nvCxnSpPr>
         <p:spPr>
           <a:xfrm flipH="1" flipV="1">
-            <a:off x="6756559" y="4270343"/>
-            <a:ext cx="7685" cy="200682"/>
+            <a:off x="6991412" y="5142739"/>
+            <a:ext cx="6762" cy="176589"/>
           </a:xfrm>
           <a:prstGeom prst="line">
             <a:avLst/>
@@ -8378,7 +8389,7 @@
   <p:timing>
     <p:tnLst>
       <p:par>
-        <p:cTn xmlns:p14="http://schemas.microsoft.com/office/powerpoint/2010/main" id="1" dur="indefinite" restart="never" nodeType="tmRoot"/>
+        <p:cTn id="1" dur="indefinite" restart="never" nodeType="tmRoot"/>
       </p:par>
     </p:tnLst>
   </p:timing>
@@ -8428,12 +8439,12 @@
     </a:clrScheme>
     <a:fontScheme name="Tema de Office">
       <a:majorFont>
-        <a:latin typeface="Calibri Light"/>
+        <a:latin typeface="Calibri Light" panose="020F0302020204030204"/>
         <a:ea typeface=""/>
         <a:cs typeface=""/>
-        <a:font script="Jpan" typeface="ＭＳ Ｐゴシック"/>
+        <a:font script="Jpan" typeface="游ゴシック Light"/>
         <a:font script="Hang" typeface="맑은 고딕"/>
-        <a:font script="Hans" typeface="宋体"/>
+        <a:font script="Hans" typeface="等线 Light"/>
         <a:font script="Hant" typeface="新細明體"/>
         <a:font script="Arab" typeface="Times New Roman"/>
         <a:font script="Hebr" typeface="Times New Roman"/>
@@ -8463,12 +8474,12 @@
         <a:font script="Geor" typeface="Sylfaen"/>
       </a:majorFont>
       <a:minorFont>
-        <a:latin typeface="Calibri"/>
+        <a:latin typeface="Calibri" panose="020F0502020204030204"/>
         <a:ea typeface=""/>
         <a:cs typeface=""/>
-        <a:font script="Jpan" typeface="ＭＳ Ｐゴシック"/>
+        <a:font script="Jpan" typeface="游ゴシック"/>
         <a:font script="Hang" typeface="맑은 고딕"/>
-        <a:font script="Hans" typeface="宋体"/>
+        <a:font script="Hans" typeface="等线"/>
         <a:font script="Hant" typeface="新細明體"/>
         <a:font script="Arab" typeface="Arial"/>
         <a:font script="Hebr" typeface="Arial"/>
@@ -8640,7 +8651,7 @@
   <a:extraClrSchemeLst/>
   <a:extLst>
     <a:ext uri="{05A4C25C-085E-4340-85A3-A5531E510DB2}">
-      <thm15:themeFamily xmlns:thm15="http://schemas.microsoft.com/office/thememl/2012/main" xmlns="" name="Office Theme" id="{62F939B6-93AF-4DB8-9C6B-D6C7DFDC589F}" vid="{4A3C46E8-61CC-4603-A589-7422A47A8E4A}"/>
+      <thm15:themeFamily xmlns:thm15="http://schemas.microsoft.com/office/thememl/2012/main" name="Office Theme" id="{62F939B6-93AF-4DB8-9C6B-D6C7DFDC589F}" vid="{4A3C46E8-61CC-4603-A589-7422A47A8E4A}"/>
     </a:ext>
   </a:extLst>
 </a:theme>

--- a/fuentes/contenidos/grado06/guion10/MA_06_10_CO_MapaConceptual.pptx
+++ b/fuentes/contenidos/grado06/guion10/MA_06_10_CO_MapaConceptual.pptx
@@ -254,7 +254,7 @@
           <a:p>
             <a:fld id="{C764DE79-268F-4C1A-8933-263129D2AF90}" type="datetimeFigureOut">
               <a:rPr lang="en-US" smtClean="0"/>
-              <a:t>12/10/2015</a:t>
+              <a:t>12/14/2015</a:t>
             </a:fld>
             <a:endParaRPr lang="en-US" dirty="0"/>
           </a:p>
@@ -424,7 +424,7 @@
           <a:p>
             <a:fld id="{C764DE79-268F-4C1A-8933-263129D2AF90}" type="datetimeFigureOut">
               <a:rPr lang="en-US" smtClean="0"/>
-              <a:t>12/10/2015</a:t>
+              <a:t>12/14/2015</a:t>
             </a:fld>
             <a:endParaRPr lang="en-US" dirty="0"/>
           </a:p>
@@ -604,7 +604,7 @@
           <a:p>
             <a:fld id="{C764DE79-268F-4C1A-8933-263129D2AF90}" type="datetimeFigureOut">
               <a:rPr lang="en-US" smtClean="0"/>
-              <a:t>12/10/2015</a:t>
+              <a:t>12/14/2015</a:t>
             </a:fld>
             <a:endParaRPr lang="en-US" dirty="0"/>
           </a:p>
@@ -1070,7 +1070,7 @@
           <a:p>
             <a:fld id="{C764DE79-268F-4C1A-8933-263129D2AF90}" type="datetimeFigureOut">
               <a:rPr lang="en-US" smtClean="0"/>
-              <a:t>12/10/2015</a:t>
+              <a:t>12/14/2015</a:t>
             </a:fld>
             <a:endParaRPr lang="en-US" dirty="0"/>
           </a:p>
@@ -1390,7 +1390,7 @@
           <a:p>
             <a:fld id="{C764DE79-268F-4C1A-8933-263129D2AF90}" type="datetimeFigureOut">
               <a:rPr lang="en-US" smtClean="0"/>
-              <a:t>12/10/2015</a:t>
+              <a:t>12/14/2015</a:t>
             </a:fld>
             <a:endParaRPr lang="en-US" dirty="0"/>
           </a:p>
@@ -1622,7 +1622,7 @@
           <a:p>
             <a:fld id="{C764DE79-268F-4C1A-8933-263129D2AF90}" type="datetimeFigureOut">
               <a:rPr lang="en-US" smtClean="0"/>
-              <a:t>12/10/2015</a:t>
+              <a:t>12/14/2015</a:t>
             </a:fld>
             <a:endParaRPr lang="en-US" dirty="0"/>
           </a:p>
@@ -1989,7 +1989,7 @@
           <a:p>
             <a:fld id="{C764DE79-268F-4C1A-8933-263129D2AF90}" type="datetimeFigureOut">
               <a:rPr lang="en-US" smtClean="0"/>
-              <a:t>12/10/2015</a:t>
+              <a:t>12/14/2015</a:t>
             </a:fld>
             <a:endParaRPr lang="en-US" dirty="0"/>
           </a:p>
@@ -2107,7 +2107,7 @@
           <a:p>
             <a:fld id="{C764DE79-268F-4C1A-8933-263129D2AF90}" type="datetimeFigureOut">
               <a:rPr lang="en-US" smtClean="0"/>
-              <a:t>12/10/2015</a:t>
+              <a:t>12/14/2015</a:t>
             </a:fld>
             <a:endParaRPr lang="en-US" dirty="0"/>
           </a:p>
@@ -2202,7 +2202,7 @@
           <a:p>
             <a:fld id="{5001C876-01F7-4317-94B9-1AE222133113}" type="datetimeFigureOut">
               <a:rPr lang="es-ES" smtClean="0"/>
-              <a:t>10/12/2015</a:t>
+              <a:t>14/12/2015</a:t>
             </a:fld>
             <a:endParaRPr lang="es-ES"/>
           </a:p>
@@ -2479,7 +2479,7 @@
           <a:p>
             <a:fld id="{C764DE79-268F-4C1A-8933-263129D2AF90}" type="datetimeFigureOut">
               <a:rPr lang="en-US" smtClean="0"/>
-              <a:t>12/10/2015</a:t>
+              <a:t>12/14/2015</a:t>
             </a:fld>
             <a:endParaRPr lang="en-US" dirty="0"/>
           </a:p>
@@ -2736,7 +2736,7 @@
           <a:p>
             <a:fld id="{C764DE79-268F-4C1A-8933-263129D2AF90}" type="datetimeFigureOut">
               <a:rPr lang="en-US" smtClean="0"/>
-              <a:t>12/10/2015</a:t>
+              <a:t>12/14/2015</a:t>
             </a:fld>
             <a:endParaRPr lang="en-US" dirty="0"/>
           </a:p>
@@ -2949,7 +2949,7 @@
           <a:p>
             <a:fld id="{C764DE79-268F-4C1A-8933-263129D2AF90}" type="datetimeFigureOut">
               <a:rPr lang="en-US" smtClean="0"/>
-              <a:t>12/10/2015</a:t>
+              <a:t>12/14/2015</a:t>
             </a:fld>
             <a:endParaRPr lang="en-US" dirty="0"/>
           </a:p>
@@ -3449,7 +3449,7 @@
         </p:nvSpPr>
         <p:spPr>
           <a:xfrm>
-            <a:off x="4856543" y="1674647"/>
+            <a:off x="4863625" y="872437"/>
             <a:ext cx="4997847" cy="310348"/>
           </a:xfrm>
           <a:prstGeom prst="rect">
@@ -3484,16 +3484,12 @@
           <a:p>
             <a:pPr algn="ctr"/>
             <a:r>
-              <a:rPr lang="es-ES" sz="1409" dirty="0">
+              <a:rPr lang="es-ES" sz="1600" dirty="0">
                 <a:latin typeface="Arial" panose="020B0604020202020204" pitchFamily="34" charset="0"/>
                 <a:cs typeface="Arial" panose="020B0604020202020204" pitchFamily="34" charset="0"/>
               </a:rPr>
               <a:t>Las rectas y los ángulos</a:t>
             </a:r>
-            <a:endParaRPr lang="es-ES" sz="1409" dirty="0">
-              <a:latin typeface="Arial" panose="020B0604020202020204" pitchFamily="34" charset="0"/>
-              <a:cs typeface="Arial" panose="020B0604020202020204" pitchFamily="34" charset="0"/>
-            </a:endParaRPr>
           </a:p>
         </p:txBody>
       </p:sp>
@@ -3505,7 +3501,7 @@
         </p:nvSpPr>
         <p:spPr>
           <a:xfrm>
-            <a:off x="4088074" y="2524637"/>
+            <a:off x="2102487" y="1929307"/>
             <a:ext cx="1215887" cy="386983"/>
           </a:xfrm>
           <a:prstGeom prst="rect">
@@ -3547,37 +3543,28 @@
           <a:p>
             <a:pPr algn="ctr"/>
             <a:r>
-              <a:rPr lang="es-ES" sz="1055" b="1" dirty="0">
+              <a:rPr lang="es-ES" sz="1200" b="1" dirty="0">
                 <a:latin typeface="Arial" panose="020B0604020202020204" pitchFamily="34" charset="0"/>
                 <a:cs typeface="Arial" panose="020B0604020202020204" pitchFamily="34" charset="0"/>
               </a:rPr>
               <a:t>Elementos básicos</a:t>
             </a:r>
-            <a:endParaRPr lang="es-ES" sz="1055" b="1" dirty="0">
-              <a:latin typeface="Arial" panose="020B0604020202020204" pitchFamily="34" charset="0"/>
-              <a:cs typeface="Arial" panose="020B0604020202020204" pitchFamily="34" charset="0"/>
-            </a:endParaRPr>
           </a:p>
         </p:txBody>
       </p:sp>
       <p:cxnSp>
         <p:nvCxnSpPr>
           <p:cNvPr id="379" name="Conector angular 580"/>
-          <p:cNvCxnSpPr>
-            <a:stCxn id="377" idx="2"/>
-            <a:endCxn id="378" idx="0"/>
-          </p:cNvCxnSpPr>
+          <p:cNvCxnSpPr/>
           <p:nvPr/>
         </p:nvCxnSpPr>
         <p:spPr>
-          <a:xfrm rot="5400000">
-            <a:off x="5755918" y="925083"/>
-            <a:ext cx="539642" cy="2659453"/>
-          </a:xfrm>
-          <a:prstGeom prst="bentConnector3">
-            <a:avLst>
-              <a:gd name="adj1" fmla="val 50000"/>
-            </a:avLst>
+          <a:xfrm rot="10800000" flipV="1">
+            <a:off x="2733912" y="1576654"/>
+            <a:ext cx="4652120" cy="368933"/>
+          </a:xfrm>
+          <a:prstGeom prst="bentConnector2">
+            <a:avLst/>
           </a:prstGeom>
           <a:ln w="12700">
             <a:solidFill>
@@ -3608,7 +3595,7 @@
         </p:nvSpPr>
         <p:spPr>
           <a:xfrm>
-            <a:off x="2867110" y="3625433"/>
+            <a:off x="2888617" y="3625433"/>
             <a:ext cx="728594" cy="314556"/>
           </a:xfrm>
           <a:prstGeom prst="rect">
@@ -3645,7 +3632,7 @@
           <a:p>
             <a:pPr algn="ctr"/>
             <a:r>
-              <a:rPr lang="es-ES" sz="924" dirty="0">
+              <a:rPr lang="es-ES" sz="1000" dirty="0">
                 <a:solidFill>
                   <a:schemeClr val="bg1"/>
                 </a:solidFill>
@@ -3654,13 +3641,6 @@
               </a:rPr>
               <a:t>recta</a:t>
             </a:r>
-            <a:endParaRPr lang="es-ES" sz="924" dirty="0">
-              <a:solidFill>
-                <a:schemeClr val="bg1"/>
-              </a:solidFill>
-              <a:latin typeface="Arial" panose="020B0604020202020204" pitchFamily="34" charset="0"/>
-              <a:cs typeface="Arial" panose="020B0604020202020204" pitchFamily="34" charset="0"/>
-            </a:endParaRPr>
           </a:p>
         </p:txBody>
       </p:sp>
@@ -3674,9 +3654,9 @@
           <p:nvPr/>
         </p:nvCxnSpPr>
         <p:spPr>
-          <a:xfrm rot="5400000">
-            <a:off x="3606803" y="2536223"/>
-            <a:ext cx="713818" cy="1464605"/>
+          <a:xfrm rot="16200000" flipH="1">
+            <a:off x="2327101" y="2699619"/>
+            <a:ext cx="1309143" cy="542483"/>
           </a:xfrm>
           <a:prstGeom prst="bentConnector3">
             <a:avLst>
@@ -3712,7 +3692,7 @@
         </p:nvSpPr>
         <p:spPr>
           <a:xfrm>
-            <a:off x="1082495" y="6159525"/>
+            <a:off x="4084754" y="6988927"/>
             <a:ext cx="791949" cy="285103"/>
           </a:xfrm>
           <a:prstGeom prst="rect">
@@ -3767,8 +3747,8 @@
         </p:nvSpPr>
         <p:spPr>
           <a:xfrm>
-            <a:off x="4666939" y="3625439"/>
-            <a:ext cx="728594" cy="314556"/>
+            <a:off x="4977597" y="3616949"/>
+            <a:ext cx="849094" cy="314556"/>
           </a:xfrm>
           <a:prstGeom prst="rect">
             <a:avLst/>
@@ -3803,6 +3783,454 @@
           <a:lstStyle/>
           <a:p>
             <a:pPr algn="ctr"/>
+            <a:r>
+              <a:rPr lang="es-ES" sz="1000" dirty="0">
+                <a:solidFill>
+                  <a:schemeClr val="bg1"/>
+                </a:solidFill>
+                <a:latin typeface="Arial" panose="020B0604020202020204" pitchFamily="34" charset="0"/>
+                <a:cs typeface="Arial" panose="020B0604020202020204" pitchFamily="34" charset="0"/>
+              </a:rPr>
+              <a:t>segmento</a:t>
+            </a:r>
+          </a:p>
+        </p:txBody>
+      </p:sp>
+      <p:sp>
+        <p:nvSpPr>
+          <p:cNvPr id="384" name="CuadroTexto 617" descr="Conector entre nodos" title="conector"/>
+          <p:cNvSpPr txBox="1"/>
+          <p:nvPr/>
+        </p:nvSpPr>
+        <p:spPr>
+          <a:xfrm>
+            <a:off x="2710984" y="6268591"/>
+            <a:ext cx="1030554" cy="214354"/>
+          </a:xfrm>
+          <a:prstGeom prst="rect">
+            <a:avLst/>
+          </a:prstGeom>
+          <a:noFill/>
+        </p:spPr>
+        <p:txBody>
+          <a:bodyPr wrap="square" rtlCol="0">
+            <a:spAutoFit/>
+          </a:bodyPr>
+          <a:lstStyle/>
+          <a:p>
+            <a:pPr algn="ctr"/>
+            <a:r>
+              <a:rPr lang="es-ES" sz="793" dirty="0">
+                <a:latin typeface="Arial" panose="020B0604020202020204" pitchFamily="34" charset="0"/>
+                <a:cs typeface="Arial" panose="020B0604020202020204" pitchFamily="34" charset="0"/>
+              </a:rPr>
+              <a:t>se </a:t>
+            </a:r>
+            <a:r>
+              <a:rPr lang="es-ES" sz="793" dirty="0" smtClean="0">
+                <a:latin typeface="Arial" panose="020B0604020202020204" pitchFamily="34" charset="0"/>
+                <a:cs typeface="Arial" panose="020B0604020202020204" pitchFamily="34" charset="0"/>
+              </a:rPr>
+              <a:t>clasifican en </a:t>
+            </a:r>
+            <a:endParaRPr lang="es-ES" sz="793" dirty="0">
+              <a:latin typeface="Arial" panose="020B0604020202020204" pitchFamily="34" charset="0"/>
+              <a:cs typeface="Arial" panose="020B0604020202020204" pitchFamily="34" charset="0"/>
+            </a:endParaRPr>
+          </a:p>
+        </p:txBody>
+      </p:sp>
+      <p:cxnSp>
+        <p:nvCxnSpPr>
+          <p:cNvPr id="385" name="Conector angular 620"/>
+          <p:cNvCxnSpPr>
+            <a:stCxn id="378" idx="2"/>
+            <a:endCxn id="383" idx="0"/>
+          </p:cNvCxnSpPr>
+          <p:nvPr/>
+        </p:nvCxnSpPr>
+        <p:spPr>
+          <a:xfrm rot="16200000" flipH="1">
+            <a:off x="3405958" y="1620762"/>
+            <a:ext cx="1300659" cy="2691713"/>
+          </a:xfrm>
+          <a:prstGeom prst="bentConnector3">
+            <a:avLst>
+              <a:gd name="adj1" fmla="val 50000"/>
+            </a:avLst>
+          </a:prstGeom>
+          <a:ln w="12700">
+            <a:solidFill>
+              <a:schemeClr val="tx1"/>
+            </a:solidFill>
+          </a:ln>
+        </p:spPr>
+        <p:style>
+          <a:lnRef idx="1">
+            <a:schemeClr val="accent1"/>
+          </a:lnRef>
+          <a:fillRef idx="0">
+            <a:schemeClr val="accent1"/>
+          </a:fillRef>
+          <a:effectRef idx="0">
+            <a:schemeClr val="accent1"/>
+          </a:effectRef>
+          <a:fontRef idx="minor">
+            <a:schemeClr val="tx1"/>
+          </a:fontRef>
+        </p:style>
+      </p:cxnSp>
+      <p:cxnSp>
+        <p:nvCxnSpPr>
+          <p:cNvPr id="386" name="Conector angular 693"/>
+          <p:cNvCxnSpPr>
+            <a:endCxn id="395" idx="0"/>
+          </p:cNvCxnSpPr>
+          <p:nvPr/>
+        </p:nvCxnSpPr>
+        <p:spPr>
+          <a:xfrm>
+            <a:off x="7235624" y="1596832"/>
+            <a:ext cx="4966282" cy="270978"/>
+          </a:xfrm>
+          <a:prstGeom prst="bentConnector2">
+            <a:avLst/>
+          </a:prstGeom>
+          <a:ln w="12700">
+            <a:solidFill>
+              <a:schemeClr val="tx1"/>
+            </a:solidFill>
+          </a:ln>
+        </p:spPr>
+        <p:style>
+          <a:lnRef idx="1">
+            <a:schemeClr val="accent1"/>
+          </a:lnRef>
+          <a:fillRef idx="0">
+            <a:schemeClr val="accent1"/>
+          </a:fillRef>
+          <a:effectRef idx="0">
+            <a:schemeClr val="accent1"/>
+          </a:effectRef>
+          <a:fontRef idx="minor">
+            <a:schemeClr val="tx1"/>
+          </a:fontRef>
+        </p:style>
+      </p:cxnSp>
+      <p:cxnSp>
+        <p:nvCxnSpPr>
+          <p:cNvPr id="388" name="Conector recto 155"/>
+          <p:cNvCxnSpPr/>
+          <p:nvPr/>
+        </p:nvCxnSpPr>
+        <p:spPr>
+          <a:xfrm flipV="1">
+            <a:off x="2466587" y="6754450"/>
+            <a:ext cx="1799" cy="206490"/>
+          </a:xfrm>
+          <a:prstGeom prst="line">
+            <a:avLst/>
+          </a:prstGeom>
+          <a:ln w="12700">
+            <a:solidFill>
+              <a:schemeClr val="tx1"/>
+            </a:solidFill>
+          </a:ln>
+        </p:spPr>
+        <p:style>
+          <a:lnRef idx="1">
+            <a:schemeClr val="accent1"/>
+          </a:lnRef>
+          <a:fillRef idx="0">
+            <a:schemeClr val="accent1"/>
+          </a:fillRef>
+          <a:effectRef idx="0">
+            <a:schemeClr val="accent1"/>
+          </a:effectRef>
+          <a:fontRef idx="minor">
+            <a:schemeClr val="tx1"/>
+          </a:fontRef>
+        </p:style>
+      </p:cxnSp>
+      <p:sp>
+        <p:nvSpPr>
+          <p:cNvPr id="389" name="Rectángulo 160" descr="Nodo de tercer nivel" title="Nodo03"/>
+          <p:cNvSpPr/>
+          <p:nvPr/>
+        </p:nvSpPr>
+        <p:spPr>
+          <a:xfrm>
+            <a:off x="5148443" y="5644507"/>
+            <a:ext cx="699767" cy="524020"/>
+          </a:xfrm>
+          <a:prstGeom prst="rect">
+            <a:avLst/>
+          </a:prstGeom>
+          <a:solidFill>
+            <a:schemeClr val="bg2">
+              <a:lumMod val="90000"/>
+            </a:schemeClr>
+          </a:solidFill>
+          <a:ln>
+            <a:solidFill>
+              <a:schemeClr val="tx1"/>
+            </a:solidFill>
+          </a:ln>
+        </p:spPr>
+        <p:style>
+          <a:lnRef idx="2">
+            <a:schemeClr val="accent6"/>
+          </a:lnRef>
+          <a:fillRef idx="1">
+            <a:schemeClr val="lt1"/>
+          </a:fillRef>
+          <a:effectRef idx="0">
+            <a:schemeClr val="accent6"/>
+          </a:effectRef>
+          <a:fontRef idx="minor">
+            <a:schemeClr val="dk1"/>
+          </a:fontRef>
+        </p:style>
+        <p:txBody>
+          <a:bodyPr rtlCol="0" anchor="ctr"/>
+          <a:lstStyle/>
+          <a:p>
+            <a:pPr algn="ctr"/>
+            <a:r>
+              <a:rPr lang="es-ES" sz="793" dirty="0" smtClean="0">
+                <a:solidFill>
+                  <a:schemeClr val="tx1"/>
+                </a:solidFill>
+                <a:latin typeface="Arial" panose="020B0604020202020204" pitchFamily="34" charset="0"/>
+                <a:cs typeface="Arial" panose="020B0604020202020204" pitchFamily="34" charset="0"/>
+              </a:rPr>
+              <a:t>trazar la mediatriz de un segmento</a:t>
+            </a:r>
+            <a:endParaRPr lang="es-ES" sz="793" dirty="0">
+              <a:solidFill>
+                <a:schemeClr val="tx1"/>
+              </a:solidFill>
+              <a:latin typeface="Arial" panose="020B0604020202020204" pitchFamily="34" charset="0"/>
+              <a:cs typeface="Arial" panose="020B0604020202020204" pitchFamily="34" charset="0"/>
+            </a:endParaRPr>
+          </a:p>
+        </p:txBody>
+      </p:sp>
+      <p:sp>
+        <p:nvSpPr>
+          <p:cNvPr id="393" name="Rectángulo 168" descr="Nodo de tercer nivel" title="Nodo03"/>
+          <p:cNvSpPr/>
+          <p:nvPr/>
+        </p:nvSpPr>
+        <p:spPr>
+          <a:xfrm>
+            <a:off x="5121715" y="6985119"/>
+            <a:ext cx="749147" cy="739612"/>
+          </a:xfrm>
+          <a:prstGeom prst="rect">
+            <a:avLst/>
+          </a:prstGeom>
+          <a:solidFill>
+            <a:schemeClr val="bg1"/>
+          </a:solidFill>
+          <a:ln>
+            <a:solidFill>
+              <a:schemeClr val="tx1"/>
+            </a:solidFill>
+          </a:ln>
+        </p:spPr>
+        <p:style>
+          <a:lnRef idx="2">
+            <a:schemeClr val="accent6"/>
+          </a:lnRef>
+          <a:fillRef idx="1">
+            <a:schemeClr val="lt1"/>
+          </a:fillRef>
+          <a:effectRef idx="0">
+            <a:schemeClr val="accent6"/>
+          </a:effectRef>
+          <a:fontRef idx="minor">
+            <a:schemeClr val="dk1"/>
+          </a:fontRef>
+        </p:style>
+        <p:txBody>
+          <a:bodyPr rtlCol="0" anchor="ctr"/>
+          <a:lstStyle/>
+          <a:p>
+            <a:pPr algn="ctr"/>
+            <a:r>
+              <a:rPr lang="es-ES" sz="793" dirty="0" smtClean="0">
+                <a:solidFill>
+                  <a:schemeClr val="tx1"/>
+                </a:solidFill>
+                <a:latin typeface="Arial" panose="020B0604020202020204" pitchFamily="34" charset="0"/>
+                <a:cs typeface="Arial" panose="020B0604020202020204" pitchFamily="34" charset="0"/>
+              </a:rPr>
+              <a:t>dividir un </a:t>
+            </a:r>
+            <a:r>
+              <a:rPr lang="es-ES" sz="793" dirty="0">
+                <a:solidFill>
+                  <a:schemeClr val="tx1"/>
+                </a:solidFill>
+                <a:latin typeface="Arial" panose="020B0604020202020204" pitchFamily="34" charset="0"/>
+                <a:cs typeface="Arial" panose="020B0604020202020204" pitchFamily="34" charset="0"/>
+              </a:rPr>
+              <a:t>segmento en dos segmentos congruentes</a:t>
+            </a:r>
+          </a:p>
+        </p:txBody>
+      </p:sp>
+      <p:cxnSp>
+        <p:nvCxnSpPr>
+          <p:cNvPr id="394" name="Conector recto 169"/>
+          <p:cNvCxnSpPr>
+            <a:stCxn id="393" idx="0"/>
+          </p:cNvCxnSpPr>
+          <p:nvPr/>
+        </p:nvCxnSpPr>
+        <p:spPr>
+          <a:xfrm flipV="1">
+            <a:off x="5496289" y="6517528"/>
+            <a:ext cx="4223" cy="467591"/>
+          </a:xfrm>
+          <a:prstGeom prst="line">
+            <a:avLst/>
+          </a:prstGeom>
+          <a:ln w="12700">
+            <a:solidFill>
+              <a:schemeClr val="tx1"/>
+            </a:solidFill>
+          </a:ln>
+        </p:spPr>
+        <p:style>
+          <a:lnRef idx="1">
+            <a:schemeClr val="accent1"/>
+          </a:lnRef>
+          <a:fillRef idx="0">
+            <a:schemeClr val="accent1"/>
+          </a:fillRef>
+          <a:effectRef idx="0">
+            <a:schemeClr val="accent1"/>
+          </a:effectRef>
+          <a:fontRef idx="minor">
+            <a:schemeClr val="tx1"/>
+          </a:fontRef>
+        </p:style>
+      </p:cxnSp>
+      <p:sp>
+        <p:nvSpPr>
+          <p:cNvPr id="395" name="Rectángulo 209" descr="Nodo de primer nivel" title="Nodo01"/>
+          <p:cNvSpPr/>
+          <p:nvPr/>
+        </p:nvSpPr>
+        <p:spPr>
+          <a:xfrm>
+            <a:off x="11596877" y="1867810"/>
+            <a:ext cx="1210058" cy="386983"/>
+          </a:xfrm>
+          <a:prstGeom prst="rect">
+            <a:avLst/>
+          </a:prstGeom>
+          <a:solidFill>
+            <a:schemeClr val="bg1"/>
+          </a:solidFill>
+          <a:ln>
+            <a:solidFill>
+              <a:schemeClr val="tx1"/>
+            </a:solidFill>
+          </a:ln>
+          <a:effectLst>
+            <a:outerShdw blurRad="50800" dist="38100" dir="2700000" algn="tl" rotWithShape="0">
+              <a:prstClr val="black">
+                <a:alpha val="40000"/>
+              </a:prstClr>
+            </a:outerShdw>
+          </a:effectLst>
+        </p:spPr>
+        <p:style>
+          <a:lnRef idx="2">
+            <a:schemeClr val="accent6"/>
+          </a:lnRef>
+          <a:fillRef idx="1">
+            <a:schemeClr val="lt1"/>
+          </a:fillRef>
+          <a:effectRef idx="0">
+            <a:schemeClr val="accent6"/>
+          </a:effectRef>
+          <a:fontRef idx="minor">
+            <a:schemeClr val="dk1"/>
+          </a:fontRef>
+        </p:style>
+        <p:txBody>
+          <a:bodyPr rtlCol="0" anchor="ctr"/>
+          <a:lstStyle/>
+          <a:p>
+            <a:pPr algn="ctr"/>
+            <a:r>
+              <a:rPr lang="es-ES" sz="1200" b="1" dirty="0">
+                <a:latin typeface="Arial" panose="020B0604020202020204" pitchFamily="34" charset="0"/>
+                <a:cs typeface="Arial" panose="020B0604020202020204" pitchFamily="34" charset="0"/>
+              </a:rPr>
+              <a:t>Ángulos</a:t>
+            </a:r>
+          </a:p>
+        </p:txBody>
+      </p:sp>
+      <p:sp>
+        <p:nvSpPr>
+          <p:cNvPr id="396" name="Rectángulo 210" descr="Nodo de segundo nivel" title="Nodo02"/>
+          <p:cNvSpPr/>
+          <p:nvPr/>
+        </p:nvSpPr>
+        <p:spPr>
+          <a:xfrm>
+            <a:off x="9763538" y="2933469"/>
+            <a:ext cx="2854126" cy="526191"/>
+          </a:xfrm>
+          <a:prstGeom prst="rect">
+            <a:avLst/>
+          </a:prstGeom>
+          <a:solidFill>
+            <a:schemeClr val="bg2">
+              <a:lumMod val="50000"/>
+            </a:schemeClr>
+          </a:solidFill>
+          <a:ln>
+            <a:solidFill>
+              <a:schemeClr val="tx1"/>
+            </a:solidFill>
+          </a:ln>
+        </p:spPr>
+        <p:style>
+          <a:lnRef idx="2">
+            <a:schemeClr val="accent6"/>
+          </a:lnRef>
+          <a:fillRef idx="1">
+            <a:schemeClr val="lt1"/>
+          </a:fillRef>
+          <a:effectRef idx="0">
+            <a:schemeClr val="accent6"/>
+          </a:effectRef>
+          <a:fontRef idx="minor">
+            <a:schemeClr val="dk1"/>
+          </a:fontRef>
+        </p:style>
+        <p:txBody>
+          <a:bodyPr rtlCol="0" anchor="ctr"/>
+          <a:lstStyle/>
+          <a:p>
+            <a:pPr algn="ctr"/>
+            <a:r>
+              <a:rPr lang="es-ES" sz="924" dirty="0" smtClean="0">
+                <a:solidFill>
+                  <a:schemeClr val="bg1"/>
+                </a:solidFill>
+                <a:latin typeface="Arial" panose="020B0604020202020204" pitchFamily="34" charset="0"/>
+                <a:cs typeface="Arial" panose="020B0604020202020204" pitchFamily="34" charset="0"/>
+              </a:rPr>
+              <a:t>la figura geométrica formada por dos </a:t>
+            </a:r>
             <a:r>
               <a:rPr lang="es-ES" sz="924" dirty="0">
                 <a:solidFill>
@@ -3811,7 +4239,37 @@
                 <a:latin typeface="Arial" panose="020B0604020202020204" pitchFamily="34" charset="0"/>
                 <a:cs typeface="Arial" panose="020B0604020202020204" pitchFamily="34" charset="0"/>
               </a:rPr>
-              <a:t>segmento</a:t>
+              <a:t>semirrectas con el vértice en común </a:t>
+            </a:r>
+            <a:r>
+              <a:rPr lang="es-ES" sz="924" dirty="0" smtClean="0">
+                <a:solidFill>
+                  <a:schemeClr val="bg1"/>
+                </a:solidFill>
+                <a:latin typeface="Arial" panose="020B0604020202020204" pitchFamily="34" charset="0"/>
+                <a:cs typeface="Arial" panose="020B0604020202020204" pitchFamily="34" charset="0"/>
+              </a:rPr>
+              <a:t>que delimitan </a:t>
+            </a:r>
+            <a:r>
+              <a:rPr lang="es-ES" sz="924" dirty="0">
+                <a:solidFill>
+                  <a:schemeClr val="bg1"/>
+                </a:solidFill>
+                <a:latin typeface="Arial" panose="020B0604020202020204" pitchFamily="34" charset="0"/>
+                <a:cs typeface="Arial" panose="020B0604020202020204" pitchFamily="34" charset="0"/>
+              </a:rPr>
+              <a:t>la porción del </a:t>
+            </a:r>
+            <a:r>
+              <a:rPr lang="es-ES" sz="924" dirty="0" smtClean="0">
+                <a:solidFill>
+                  <a:schemeClr val="bg1"/>
+                </a:solidFill>
+                <a:latin typeface="Arial" panose="020B0604020202020204" pitchFamily="34" charset="0"/>
+                <a:cs typeface="Arial" panose="020B0604020202020204" pitchFamily="34" charset="0"/>
+              </a:rPr>
+              <a:t>plano</a:t>
             </a:r>
             <a:endParaRPr lang="es-ES" sz="924" dirty="0">
               <a:solidFill>
@@ -3823,16 +4281,1302 @@
           </a:p>
         </p:txBody>
       </p:sp>
-      <p:sp>
-        <p:nvSpPr>
-          <p:cNvPr id="384" name="CuadroTexto 617" descr="Conector entre nodos" title="conector"/>
+      <p:cxnSp>
+        <p:nvCxnSpPr>
+          <p:cNvPr id="399" name="Conector angular 61"/>
+          <p:cNvCxnSpPr/>
+          <p:nvPr/>
+        </p:nvCxnSpPr>
+        <p:spPr>
+          <a:xfrm rot="16200000" flipV="1">
+            <a:off x="14107030" y="5156736"/>
+            <a:ext cx="793079" cy="3369"/>
+          </a:xfrm>
+          <a:prstGeom prst="bentConnector3">
+            <a:avLst>
+              <a:gd name="adj1" fmla="val 50000"/>
+            </a:avLst>
+          </a:prstGeom>
+          <a:ln w="12700">
+            <a:solidFill>
+              <a:schemeClr val="tx1"/>
+            </a:solidFill>
+          </a:ln>
+        </p:spPr>
+        <p:style>
+          <a:lnRef idx="1">
+            <a:schemeClr val="accent1"/>
+          </a:lnRef>
+          <a:fillRef idx="0">
+            <a:schemeClr val="accent1"/>
+          </a:fillRef>
+          <a:effectRef idx="0">
+            <a:schemeClr val="accent1"/>
+          </a:effectRef>
+          <a:fontRef idx="minor">
+            <a:schemeClr val="tx1"/>
+          </a:fontRef>
+        </p:style>
+      </p:cxnSp>
+      <p:cxnSp>
+        <p:nvCxnSpPr>
+          <p:cNvPr id="400" name="Conector angular 64"/>
+          <p:cNvCxnSpPr/>
+          <p:nvPr/>
+        </p:nvCxnSpPr>
+        <p:spPr>
+          <a:xfrm>
+            <a:off x="8972490" y="4948051"/>
+            <a:ext cx="1372380" cy="174141"/>
+          </a:xfrm>
+          <a:prstGeom prst="bentConnector3">
+            <a:avLst>
+              <a:gd name="adj1" fmla="val 100220"/>
+            </a:avLst>
+          </a:prstGeom>
+          <a:ln w="12700">
+            <a:solidFill>
+              <a:schemeClr val="tx1"/>
+            </a:solidFill>
+          </a:ln>
+        </p:spPr>
+        <p:style>
+          <a:lnRef idx="1">
+            <a:schemeClr val="accent1"/>
+          </a:lnRef>
+          <a:fillRef idx="0">
+            <a:schemeClr val="accent1"/>
+          </a:fillRef>
+          <a:effectRef idx="0">
+            <a:schemeClr val="accent1"/>
+          </a:effectRef>
+          <a:fontRef idx="minor">
+            <a:schemeClr val="tx1"/>
+          </a:fontRef>
+        </p:style>
+      </p:cxnSp>
+      <p:cxnSp>
+        <p:nvCxnSpPr>
+          <p:cNvPr id="401" name="Conector angular 67"/>
+          <p:cNvCxnSpPr/>
+          <p:nvPr/>
+        </p:nvCxnSpPr>
+        <p:spPr>
+          <a:xfrm rot="16200000" flipV="1">
+            <a:off x="12064451" y="4624960"/>
+            <a:ext cx="19623" cy="1205627"/>
+          </a:xfrm>
+          <a:prstGeom prst="bentConnector3">
+            <a:avLst>
+              <a:gd name="adj1" fmla="val 1264959"/>
+            </a:avLst>
+          </a:prstGeom>
+          <a:ln w="12700">
+            <a:solidFill>
+              <a:schemeClr val="tx1"/>
+            </a:solidFill>
+          </a:ln>
+        </p:spPr>
+        <p:style>
+          <a:lnRef idx="1">
+            <a:schemeClr val="accent1"/>
+          </a:lnRef>
+          <a:fillRef idx="0">
+            <a:schemeClr val="accent1"/>
+          </a:fillRef>
+          <a:effectRef idx="0">
+            <a:schemeClr val="accent1"/>
+          </a:effectRef>
+          <a:fontRef idx="minor">
+            <a:schemeClr val="tx1"/>
+          </a:fontRef>
+        </p:style>
+      </p:cxnSp>
+      <p:sp>
+        <p:nvSpPr>
+          <p:cNvPr id="402" name="Rectángulo 76" descr="Nodo de cuarto nivel&#10;" title="Nodo04"/>
+          <p:cNvSpPr/>
+          <p:nvPr/>
+        </p:nvSpPr>
+        <p:spPr>
+          <a:xfrm>
+            <a:off x="11033043" y="5152310"/>
+            <a:ext cx="876812" cy="239369"/>
+          </a:xfrm>
+          <a:prstGeom prst="rect">
+            <a:avLst/>
+          </a:prstGeom>
+          <a:solidFill>
+            <a:schemeClr val="bg1"/>
+          </a:solidFill>
+          <a:ln>
+            <a:solidFill>
+              <a:schemeClr val="tx1"/>
+            </a:solidFill>
+          </a:ln>
+        </p:spPr>
+        <p:style>
+          <a:lnRef idx="2">
+            <a:schemeClr val="accent6"/>
+          </a:lnRef>
+          <a:fillRef idx="1">
+            <a:schemeClr val="lt1"/>
+          </a:fillRef>
+          <a:effectRef idx="0">
+            <a:schemeClr val="accent6"/>
+          </a:effectRef>
+          <a:fontRef idx="minor">
+            <a:schemeClr val="dk1"/>
+          </a:fontRef>
+        </p:style>
+        <p:txBody>
+          <a:bodyPr rtlCol="0" anchor="ctr"/>
+          <a:lstStyle/>
+          <a:p>
+            <a:pPr algn="ctr"/>
+            <a:r>
+              <a:rPr lang="es-ES" sz="793" dirty="0">
+                <a:solidFill>
+                  <a:schemeClr val="tx1"/>
+                </a:solidFill>
+                <a:latin typeface="Arial" panose="020B0604020202020204" pitchFamily="34" charset="0"/>
+                <a:cs typeface="Arial" panose="020B0604020202020204" pitchFamily="34" charset="0"/>
+              </a:rPr>
+              <a:t>suplementarios</a:t>
+            </a:r>
+          </a:p>
+        </p:txBody>
+      </p:sp>
+      <p:sp>
+        <p:nvSpPr>
+          <p:cNvPr id="405" name="Rectángulo 582" descr="Nodo de segundo nivel" title="Nodo02"/>
+          <p:cNvSpPr/>
+          <p:nvPr/>
+        </p:nvSpPr>
+        <p:spPr>
+          <a:xfrm>
+            <a:off x="1889724" y="3625433"/>
+            <a:ext cx="728594" cy="314556"/>
+          </a:xfrm>
+          <a:prstGeom prst="rect">
+            <a:avLst/>
+          </a:prstGeom>
+          <a:solidFill>
+            <a:schemeClr val="bg2">
+              <a:lumMod val="50000"/>
+            </a:schemeClr>
+          </a:solidFill>
+          <a:ln>
+            <a:solidFill>
+              <a:schemeClr val="tx1"/>
+            </a:solidFill>
+          </a:ln>
+        </p:spPr>
+        <p:style>
+          <a:lnRef idx="2">
+            <a:schemeClr val="accent6"/>
+          </a:lnRef>
+          <a:fillRef idx="1">
+            <a:schemeClr val="lt1"/>
+          </a:fillRef>
+          <a:effectRef idx="0">
+            <a:schemeClr val="accent6"/>
+          </a:effectRef>
+          <a:fontRef idx="minor">
+            <a:schemeClr val="dk1"/>
+          </a:fontRef>
+        </p:style>
+        <p:txBody>
+          <a:bodyPr rtlCol="0" anchor="ctr"/>
+          <a:lstStyle/>
+          <a:p>
+            <a:pPr algn="ctr"/>
+            <a:r>
+              <a:rPr lang="es-ES" sz="1000" dirty="0" smtClean="0">
+                <a:solidFill>
+                  <a:schemeClr val="bg1"/>
+                </a:solidFill>
+                <a:latin typeface="Arial" panose="020B0604020202020204" pitchFamily="34" charset="0"/>
+                <a:cs typeface="Arial" panose="020B0604020202020204" pitchFamily="34" charset="0"/>
+              </a:rPr>
+              <a:t>plano</a:t>
+            </a:r>
+            <a:endParaRPr lang="es-ES" sz="1000" dirty="0">
+              <a:solidFill>
+                <a:schemeClr val="bg1"/>
+              </a:solidFill>
+              <a:latin typeface="Arial" panose="020B0604020202020204" pitchFamily="34" charset="0"/>
+              <a:cs typeface="Arial" panose="020B0604020202020204" pitchFamily="34" charset="0"/>
+            </a:endParaRPr>
+          </a:p>
+        </p:txBody>
+      </p:sp>
+      <p:sp>
+        <p:nvSpPr>
+          <p:cNvPr id="406" name="Rectángulo 611" descr="Nodo de segundo nivel" title="Nodo02"/>
+          <p:cNvSpPr/>
+          <p:nvPr/>
+        </p:nvSpPr>
+        <p:spPr>
+          <a:xfrm>
+            <a:off x="3863838" y="3617801"/>
+            <a:ext cx="792286" cy="314556"/>
+          </a:xfrm>
+          <a:prstGeom prst="rect">
+            <a:avLst/>
+          </a:prstGeom>
+          <a:solidFill>
+            <a:schemeClr val="bg2">
+              <a:lumMod val="50000"/>
+            </a:schemeClr>
+          </a:solidFill>
+          <a:ln>
+            <a:solidFill>
+              <a:schemeClr val="tx1"/>
+            </a:solidFill>
+          </a:ln>
+        </p:spPr>
+        <p:style>
+          <a:lnRef idx="2">
+            <a:schemeClr val="accent6"/>
+          </a:lnRef>
+          <a:fillRef idx="1">
+            <a:schemeClr val="lt1"/>
+          </a:fillRef>
+          <a:effectRef idx="0">
+            <a:schemeClr val="accent6"/>
+          </a:effectRef>
+          <a:fontRef idx="minor">
+            <a:schemeClr val="dk1"/>
+          </a:fontRef>
+        </p:style>
+        <p:txBody>
+          <a:bodyPr rtlCol="0" anchor="ctr"/>
+          <a:lstStyle/>
+          <a:p>
+            <a:pPr algn="ctr"/>
+            <a:r>
+              <a:rPr lang="es-ES" sz="1000" dirty="0">
+                <a:solidFill>
+                  <a:schemeClr val="bg1"/>
+                </a:solidFill>
+                <a:latin typeface="Arial" panose="020B0604020202020204" pitchFamily="34" charset="0"/>
+                <a:cs typeface="Arial" panose="020B0604020202020204" pitchFamily="34" charset="0"/>
+              </a:rPr>
+              <a:t>semirrecta</a:t>
+            </a:r>
+          </a:p>
+        </p:txBody>
+      </p:sp>
+      <p:cxnSp>
+        <p:nvCxnSpPr>
+          <p:cNvPr id="407" name="Conector angular 620"/>
+          <p:cNvCxnSpPr>
+            <a:stCxn id="378" idx="2"/>
+            <a:endCxn id="406" idx="0"/>
+          </p:cNvCxnSpPr>
+          <p:nvPr/>
+        </p:nvCxnSpPr>
+        <p:spPr>
+          <a:xfrm rot="16200000" flipH="1">
+            <a:off x="2834451" y="2192270"/>
+            <a:ext cx="1301511" cy="1549550"/>
+          </a:xfrm>
+          <a:prstGeom prst="bentConnector3">
+            <a:avLst>
+              <a:gd name="adj1" fmla="val 50000"/>
+            </a:avLst>
+          </a:prstGeom>
+          <a:ln w="12700">
+            <a:solidFill>
+              <a:schemeClr val="tx1"/>
+            </a:solidFill>
+          </a:ln>
+        </p:spPr>
+        <p:style>
+          <a:lnRef idx="1">
+            <a:schemeClr val="accent1"/>
+          </a:lnRef>
+          <a:fillRef idx="0">
+            <a:schemeClr val="accent1"/>
+          </a:fillRef>
+          <a:effectRef idx="0">
+            <a:schemeClr val="accent1"/>
+          </a:effectRef>
+          <a:fontRef idx="minor">
+            <a:schemeClr val="tx1"/>
+          </a:fontRef>
+        </p:style>
+      </p:cxnSp>
+      <p:cxnSp>
+        <p:nvCxnSpPr>
+          <p:cNvPr id="408" name="Conector angular 620"/>
+          <p:cNvCxnSpPr>
+            <a:stCxn id="378" idx="2"/>
+            <a:endCxn id="405" idx="0"/>
+          </p:cNvCxnSpPr>
+          <p:nvPr/>
+        </p:nvCxnSpPr>
+        <p:spPr>
+          <a:xfrm rot="5400000">
+            <a:off x="1827655" y="2742656"/>
+            <a:ext cx="1309143" cy="456410"/>
+          </a:xfrm>
+          <a:prstGeom prst="bentConnector3">
+            <a:avLst>
+              <a:gd name="adj1" fmla="val 50000"/>
+            </a:avLst>
+          </a:prstGeom>
+          <a:ln w="12700">
+            <a:solidFill>
+              <a:schemeClr val="tx1"/>
+            </a:solidFill>
+          </a:ln>
+        </p:spPr>
+        <p:style>
+          <a:lnRef idx="1">
+            <a:schemeClr val="accent1"/>
+          </a:lnRef>
+          <a:fillRef idx="0">
+            <a:schemeClr val="accent1"/>
+          </a:fillRef>
+          <a:effectRef idx="0">
+            <a:schemeClr val="accent1"/>
+          </a:effectRef>
+          <a:fontRef idx="minor">
+            <a:schemeClr val="tx1"/>
+          </a:fontRef>
+        </p:style>
+      </p:cxnSp>
+      <p:sp>
+        <p:nvSpPr>
+          <p:cNvPr id="409" name="CuadroTexto 617" descr="Conector entre nodos" title="conector"/>
           <p:cNvSpPr txBox="1"/>
           <p:nvPr/>
         </p:nvSpPr>
         <p:spPr>
           <a:xfrm>
-            <a:off x="2188580" y="4831540"/>
-            <a:ext cx="1030554" cy="214354"/>
+            <a:off x="2906896" y="4509661"/>
+            <a:ext cx="681621" cy="336374"/>
+          </a:xfrm>
+          <a:prstGeom prst="rect">
+            <a:avLst/>
+          </a:prstGeom>
+          <a:noFill/>
+        </p:spPr>
+        <p:txBody>
+          <a:bodyPr wrap="square" rtlCol="0">
+            <a:spAutoFit/>
+          </a:bodyPr>
+          <a:lstStyle/>
+          <a:p>
+            <a:pPr algn="ctr"/>
+            <a:r>
+              <a:rPr lang="es-ES" sz="793" dirty="0" smtClean="0">
+                <a:latin typeface="Arial" panose="020B0604020202020204" pitchFamily="34" charset="0"/>
+                <a:cs typeface="Arial" panose="020B0604020202020204" pitchFamily="34" charset="0"/>
+              </a:rPr>
+              <a:t>se representa</a:t>
+            </a:r>
+            <a:endParaRPr lang="es-ES" sz="793" dirty="0">
+              <a:latin typeface="Arial" panose="020B0604020202020204" pitchFamily="34" charset="0"/>
+              <a:cs typeface="Arial" panose="020B0604020202020204" pitchFamily="34" charset="0"/>
+            </a:endParaRPr>
+          </a:p>
+        </p:txBody>
+      </p:sp>
+      <p:sp>
+        <p:nvSpPr>
+          <p:cNvPr id="412" name="Rectángulo 584" descr="Nodo de tercer nivel" title="Nodo03"/>
+          <p:cNvSpPr/>
+          <p:nvPr/>
+        </p:nvSpPr>
+        <p:spPr>
+          <a:xfrm>
+            <a:off x="2031255" y="6977513"/>
+            <a:ext cx="791949" cy="285103"/>
+          </a:xfrm>
+          <a:prstGeom prst="rect">
+            <a:avLst/>
+          </a:prstGeom>
+          <a:solidFill>
+            <a:schemeClr val="bg1"/>
+          </a:solidFill>
+          <a:ln>
+            <a:solidFill>
+              <a:schemeClr val="tx1"/>
+            </a:solidFill>
+          </a:ln>
+        </p:spPr>
+        <p:style>
+          <a:lnRef idx="2">
+            <a:schemeClr val="accent6"/>
+          </a:lnRef>
+          <a:fillRef idx="1">
+            <a:schemeClr val="lt1"/>
+          </a:fillRef>
+          <a:effectRef idx="0">
+            <a:schemeClr val="accent6"/>
+          </a:effectRef>
+          <a:fontRef idx="minor">
+            <a:schemeClr val="dk1"/>
+          </a:fontRef>
+        </p:style>
+        <p:txBody>
+          <a:bodyPr rtlCol="0" anchor="ctr"/>
+          <a:lstStyle/>
+          <a:p>
+            <a:pPr algn="ctr"/>
+            <a:r>
+              <a:rPr lang="es-ES" sz="793" dirty="0">
+                <a:solidFill>
+                  <a:schemeClr val="tx1"/>
+                </a:solidFill>
+                <a:latin typeface="Arial" panose="020B0604020202020204" pitchFamily="34" charset="0"/>
+                <a:cs typeface="Arial" panose="020B0604020202020204" pitchFamily="34" charset="0"/>
+              </a:rPr>
+              <a:t>secantes</a:t>
+            </a:r>
+          </a:p>
+        </p:txBody>
+      </p:sp>
+      <p:sp>
+        <p:nvSpPr>
+          <p:cNvPr id="413" name="Rectángulo 584" descr="Nodo de tercer nivel" title="Nodo03"/>
+          <p:cNvSpPr/>
+          <p:nvPr/>
+        </p:nvSpPr>
+        <p:spPr>
+          <a:xfrm>
+            <a:off x="1008956" y="6977512"/>
+            <a:ext cx="791949" cy="285103"/>
+          </a:xfrm>
+          <a:prstGeom prst="rect">
+            <a:avLst/>
+          </a:prstGeom>
+          <a:solidFill>
+            <a:schemeClr val="bg1"/>
+          </a:solidFill>
+          <a:ln>
+            <a:solidFill>
+              <a:schemeClr val="tx1"/>
+            </a:solidFill>
+          </a:ln>
+        </p:spPr>
+        <p:style>
+          <a:lnRef idx="2">
+            <a:schemeClr val="accent6"/>
+          </a:lnRef>
+          <a:fillRef idx="1">
+            <a:schemeClr val="lt1"/>
+          </a:fillRef>
+          <a:effectRef idx="0">
+            <a:schemeClr val="accent6"/>
+          </a:effectRef>
+          <a:fontRef idx="minor">
+            <a:schemeClr val="dk1"/>
+          </a:fontRef>
+        </p:style>
+        <p:txBody>
+          <a:bodyPr rtlCol="0" anchor="ctr"/>
+          <a:lstStyle/>
+          <a:p>
+            <a:pPr algn="ctr"/>
+            <a:r>
+              <a:rPr lang="es-ES" sz="793" dirty="0">
+                <a:solidFill>
+                  <a:schemeClr val="tx1"/>
+                </a:solidFill>
+                <a:latin typeface="Arial" panose="020B0604020202020204" pitchFamily="34" charset="0"/>
+                <a:cs typeface="Arial" panose="020B0604020202020204" pitchFamily="34" charset="0"/>
+              </a:rPr>
+              <a:t>paralelas</a:t>
+            </a:r>
+          </a:p>
+        </p:txBody>
+      </p:sp>
+      <p:sp>
+        <p:nvSpPr>
+          <p:cNvPr id="414" name="Rectángulo 584" descr="Nodo de tercer nivel" title="Nodo03"/>
+          <p:cNvSpPr/>
+          <p:nvPr/>
+        </p:nvSpPr>
+        <p:spPr>
+          <a:xfrm>
+            <a:off x="3016041" y="6983801"/>
+            <a:ext cx="919673" cy="285103"/>
+          </a:xfrm>
+          <a:prstGeom prst="rect">
+            <a:avLst/>
+          </a:prstGeom>
+          <a:solidFill>
+            <a:schemeClr val="bg1"/>
+          </a:solidFill>
+          <a:ln>
+            <a:solidFill>
+              <a:schemeClr val="tx1"/>
+            </a:solidFill>
+          </a:ln>
+        </p:spPr>
+        <p:style>
+          <a:lnRef idx="2">
+            <a:schemeClr val="accent6"/>
+          </a:lnRef>
+          <a:fillRef idx="1">
+            <a:schemeClr val="lt1"/>
+          </a:fillRef>
+          <a:effectRef idx="0">
+            <a:schemeClr val="accent6"/>
+          </a:effectRef>
+          <a:fontRef idx="minor">
+            <a:schemeClr val="dk1"/>
+          </a:fontRef>
+        </p:style>
+        <p:txBody>
+          <a:bodyPr rtlCol="0" anchor="ctr"/>
+          <a:lstStyle/>
+          <a:p>
+            <a:pPr algn="ctr"/>
+            <a:r>
+              <a:rPr lang="es-ES" sz="793" dirty="0">
+                <a:solidFill>
+                  <a:schemeClr val="tx1"/>
+                </a:solidFill>
+                <a:latin typeface="Arial" panose="020B0604020202020204" pitchFamily="34" charset="0"/>
+                <a:cs typeface="Arial" panose="020B0604020202020204" pitchFamily="34" charset="0"/>
+              </a:rPr>
+              <a:t>perpendiculares</a:t>
+            </a:r>
+          </a:p>
+        </p:txBody>
+      </p:sp>
+      <p:sp>
+        <p:nvSpPr>
+          <p:cNvPr id="416" name="Rectángulo 153" descr="Nodo de cuarto nivel&#10;" title="Nodo04"/>
+          <p:cNvSpPr/>
+          <p:nvPr/>
+        </p:nvSpPr>
+        <p:spPr>
+          <a:xfrm>
+            <a:off x="973508" y="7952919"/>
+            <a:ext cx="849077" cy="478734"/>
+          </a:xfrm>
+          <a:prstGeom prst="rect">
+            <a:avLst/>
+          </a:prstGeom>
+          <a:solidFill>
+            <a:schemeClr val="bg1"/>
+          </a:solidFill>
+          <a:ln>
+            <a:solidFill>
+              <a:schemeClr val="tx1"/>
+            </a:solidFill>
+          </a:ln>
+        </p:spPr>
+        <p:style>
+          <a:lnRef idx="2">
+            <a:schemeClr val="accent6"/>
+          </a:lnRef>
+          <a:fillRef idx="1">
+            <a:schemeClr val="lt1"/>
+          </a:fillRef>
+          <a:effectRef idx="0">
+            <a:schemeClr val="accent6"/>
+          </a:effectRef>
+          <a:fontRef idx="minor">
+            <a:schemeClr val="dk1"/>
+          </a:fontRef>
+        </p:style>
+        <p:txBody>
+          <a:bodyPr rtlCol="0" anchor="ctr"/>
+          <a:lstStyle/>
+          <a:p>
+            <a:pPr algn="ctr"/>
+            <a:r>
+              <a:rPr lang="es-ES" sz="793" dirty="0" smtClean="0">
+                <a:solidFill>
+                  <a:schemeClr val="tx1"/>
+                </a:solidFill>
+                <a:latin typeface="Arial" panose="020B0604020202020204" pitchFamily="34" charset="0"/>
+                <a:cs typeface="Arial" panose="020B0604020202020204" pitchFamily="34" charset="0"/>
+              </a:rPr>
+              <a:t>rectas que no tienen puntos en común</a:t>
+            </a:r>
+            <a:endParaRPr lang="es-ES" sz="793" dirty="0">
+              <a:solidFill>
+                <a:schemeClr val="tx1"/>
+              </a:solidFill>
+              <a:latin typeface="Arial" panose="020B0604020202020204" pitchFamily="34" charset="0"/>
+              <a:cs typeface="Arial" panose="020B0604020202020204" pitchFamily="34" charset="0"/>
+            </a:endParaRPr>
+          </a:p>
+        </p:txBody>
+      </p:sp>
+      <p:cxnSp>
+        <p:nvCxnSpPr>
+          <p:cNvPr id="424" name="Conector angular 583"/>
+          <p:cNvCxnSpPr>
+            <a:endCxn id="414" idx="0"/>
+          </p:cNvCxnSpPr>
+          <p:nvPr/>
+        </p:nvCxnSpPr>
+        <p:spPr>
+          <a:xfrm>
+            <a:off x="1433323" y="6746843"/>
+            <a:ext cx="2042555" cy="236958"/>
+          </a:xfrm>
+          <a:prstGeom prst="bentConnector2">
+            <a:avLst/>
+          </a:prstGeom>
+          <a:ln w="12700">
+            <a:solidFill>
+              <a:schemeClr val="tx1"/>
+            </a:solidFill>
+          </a:ln>
+        </p:spPr>
+        <p:style>
+          <a:lnRef idx="1">
+            <a:schemeClr val="accent1"/>
+          </a:lnRef>
+          <a:fillRef idx="0">
+            <a:schemeClr val="accent1"/>
+          </a:fillRef>
+          <a:effectRef idx="0">
+            <a:schemeClr val="accent1"/>
+          </a:effectRef>
+          <a:fontRef idx="minor">
+            <a:schemeClr val="tx1"/>
+          </a:fontRef>
+        </p:style>
+      </p:cxnSp>
+      <p:cxnSp>
+        <p:nvCxnSpPr>
+          <p:cNvPr id="426" name="Conector recto 162"/>
+          <p:cNvCxnSpPr>
+            <a:stCxn id="409" idx="0"/>
+            <a:endCxn id="380" idx="2"/>
+          </p:cNvCxnSpPr>
+          <p:nvPr/>
+        </p:nvCxnSpPr>
+        <p:spPr>
+          <a:xfrm flipV="1">
+            <a:off x="3247707" y="3939989"/>
+            <a:ext cx="5207" cy="569672"/>
+          </a:xfrm>
+          <a:prstGeom prst="line">
+            <a:avLst/>
+          </a:prstGeom>
+          <a:ln w="12700">
+            <a:solidFill>
+              <a:schemeClr val="tx1"/>
+            </a:solidFill>
+          </a:ln>
+        </p:spPr>
+        <p:style>
+          <a:lnRef idx="1">
+            <a:schemeClr val="accent1"/>
+          </a:lnRef>
+          <a:fillRef idx="0">
+            <a:schemeClr val="accent1"/>
+          </a:fillRef>
+          <a:effectRef idx="0">
+            <a:schemeClr val="accent1"/>
+          </a:effectRef>
+          <a:fontRef idx="minor">
+            <a:schemeClr val="tx1"/>
+          </a:fontRef>
+        </p:style>
+      </p:cxnSp>
+      <p:sp>
+        <p:nvSpPr>
+          <p:cNvPr id="432" name="Rectángulo 76" descr="Nodo de cuarto nivel&#10;" title="Nodo04"/>
+          <p:cNvSpPr/>
+          <p:nvPr/>
+        </p:nvSpPr>
+        <p:spPr>
+          <a:xfrm>
+            <a:off x="12201906" y="5171933"/>
+            <a:ext cx="950340" cy="255253"/>
+          </a:xfrm>
+          <a:prstGeom prst="rect">
+            <a:avLst/>
+          </a:prstGeom>
+          <a:solidFill>
+            <a:schemeClr val="bg1"/>
+          </a:solidFill>
+          <a:ln>
+            <a:solidFill>
+              <a:schemeClr val="tx1"/>
+            </a:solidFill>
+          </a:ln>
+        </p:spPr>
+        <p:style>
+          <a:lnRef idx="2">
+            <a:schemeClr val="accent6"/>
+          </a:lnRef>
+          <a:fillRef idx="1">
+            <a:schemeClr val="lt1"/>
+          </a:fillRef>
+          <a:effectRef idx="0">
+            <a:schemeClr val="accent6"/>
+          </a:effectRef>
+          <a:fontRef idx="minor">
+            <a:schemeClr val="dk1"/>
+          </a:fontRef>
+        </p:style>
+        <p:txBody>
+          <a:bodyPr rtlCol="0" anchor="ctr"/>
+          <a:lstStyle/>
+          <a:p>
+            <a:pPr algn="ctr"/>
+            <a:r>
+              <a:rPr lang="es-ES" sz="793" dirty="0">
+                <a:solidFill>
+                  <a:schemeClr val="tx1"/>
+                </a:solidFill>
+                <a:latin typeface="Arial" panose="020B0604020202020204" pitchFamily="34" charset="0"/>
+                <a:cs typeface="Arial" panose="020B0604020202020204" pitchFamily="34" charset="0"/>
+              </a:rPr>
+              <a:t>complementarios</a:t>
+            </a:r>
+          </a:p>
+        </p:txBody>
+      </p:sp>
+      <p:sp>
+        <p:nvSpPr>
+          <p:cNvPr id="436" name="Rectángulo 76" descr="Nodo de cuarto nivel&#10;" title="Nodo04"/>
+          <p:cNvSpPr/>
+          <p:nvPr/>
+        </p:nvSpPr>
+        <p:spPr>
+          <a:xfrm>
+            <a:off x="11046592" y="5858731"/>
+            <a:ext cx="863263" cy="502177"/>
+          </a:xfrm>
+          <a:prstGeom prst="rect">
+            <a:avLst/>
+          </a:prstGeom>
+          <a:solidFill>
+            <a:schemeClr val="bg1"/>
+          </a:solidFill>
+          <a:ln>
+            <a:solidFill>
+              <a:schemeClr val="tx1"/>
+            </a:solidFill>
+          </a:ln>
+        </p:spPr>
+        <p:style>
+          <a:lnRef idx="2">
+            <a:schemeClr val="accent6"/>
+          </a:lnRef>
+          <a:fillRef idx="1">
+            <a:schemeClr val="lt1"/>
+          </a:fillRef>
+          <a:effectRef idx="0">
+            <a:schemeClr val="accent6"/>
+          </a:effectRef>
+          <a:fontRef idx="minor">
+            <a:schemeClr val="dk1"/>
+          </a:fontRef>
+        </p:style>
+        <p:txBody>
+          <a:bodyPr rtlCol="0" anchor="ctr"/>
+          <a:lstStyle/>
+          <a:p>
+            <a:pPr algn="ctr"/>
+            <a:r>
+              <a:rPr lang="es-ES" sz="793" dirty="0" smtClean="0">
+                <a:solidFill>
+                  <a:schemeClr val="tx1"/>
+                </a:solidFill>
+                <a:latin typeface="Arial" panose="020B0604020202020204" pitchFamily="34" charset="0"/>
+                <a:cs typeface="Arial" panose="020B0604020202020204" pitchFamily="34" charset="0"/>
+              </a:rPr>
+              <a:t>cuya suma de sus medidas es igual a </a:t>
+            </a:r>
+            <a:r>
+              <a:rPr lang="es-ES" sz="793" dirty="0">
+                <a:solidFill>
+                  <a:schemeClr val="tx1"/>
+                </a:solidFill>
+                <a:latin typeface="Arial" panose="020B0604020202020204" pitchFamily="34" charset="0"/>
+                <a:cs typeface="Arial" panose="020B0604020202020204" pitchFamily="34" charset="0"/>
+              </a:rPr>
+              <a:t>180°</a:t>
+            </a:r>
+          </a:p>
+        </p:txBody>
+      </p:sp>
+      <p:sp>
+        <p:nvSpPr>
+          <p:cNvPr id="437" name="Rectángulo 76" descr="Nodo de cuarto nivel&#10;" title="Nodo04"/>
+          <p:cNvSpPr/>
+          <p:nvPr/>
+        </p:nvSpPr>
+        <p:spPr>
+          <a:xfrm>
+            <a:off x="6193982" y="5649032"/>
+            <a:ext cx="708449" cy="459163"/>
+          </a:xfrm>
+          <a:prstGeom prst="rect">
+            <a:avLst/>
+          </a:prstGeom>
+          <a:solidFill>
+            <a:schemeClr val="bg1"/>
+          </a:solidFill>
+          <a:ln>
+            <a:solidFill>
+              <a:schemeClr val="tx1"/>
+            </a:solidFill>
+          </a:ln>
+        </p:spPr>
+        <p:style>
+          <a:lnRef idx="2">
+            <a:schemeClr val="accent6"/>
+          </a:lnRef>
+          <a:fillRef idx="1">
+            <a:schemeClr val="lt1"/>
+          </a:fillRef>
+          <a:effectRef idx="0">
+            <a:schemeClr val="accent6"/>
+          </a:effectRef>
+          <a:fontRef idx="minor">
+            <a:schemeClr val="dk1"/>
+          </a:fontRef>
+        </p:style>
+        <p:txBody>
+          <a:bodyPr rtlCol="0" anchor="ctr"/>
+          <a:lstStyle/>
+          <a:p>
+            <a:pPr algn="ctr"/>
+            <a:r>
+              <a:rPr lang="es-ES" sz="793" dirty="0" smtClean="0">
+                <a:solidFill>
+                  <a:schemeClr val="tx1"/>
+                </a:solidFill>
+                <a:latin typeface="Arial" panose="020B0604020202020204" pitchFamily="34" charset="0"/>
+                <a:cs typeface="Arial" panose="020B0604020202020204" pitchFamily="34" charset="0"/>
+              </a:rPr>
+              <a:t>su medida es menos de 90</a:t>
+            </a:r>
+            <a:r>
+              <a:rPr lang="es-ES" sz="793" dirty="0">
+                <a:solidFill>
+                  <a:schemeClr val="tx1"/>
+                </a:solidFill>
+                <a:latin typeface="Arial" panose="020B0604020202020204" pitchFamily="34" charset="0"/>
+                <a:cs typeface="Arial" panose="020B0604020202020204" pitchFamily="34" charset="0"/>
+              </a:rPr>
+              <a:t>°</a:t>
+            </a:r>
+          </a:p>
+        </p:txBody>
+      </p:sp>
+      <p:cxnSp>
+        <p:nvCxnSpPr>
+          <p:cNvPr id="439" name="Conector recto 163"/>
+          <p:cNvCxnSpPr>
+            <a:stCxn id="437" idx="0"/>
+            <a:endCxn id="452" idx="2"/>
+          </p:cNvCxnSpPr>
+          <p:nvPr/>
+        </p:nvCxnSpPr>
+        <p:spPr>
+          <a:xfrm flipV="1">
+            <a:off x="6548207" y="5365151"/>
+            <a:ext cx="6063" cy="283881"/>
+          </a:xfrm>
+          <a:prstGeom prst="line">
+            <a:avLst/>
+          </a:prstGeom>
+          <a:ln w="12700">
+            <a:solidFill>
+              <a:schemeClr val="tx1"/>
+            </a:solidFill>
+          </a:ln>
+        </p:spPr>
+        <p:style>
+          <a:lnRef idx="1">
+            <a:schemeClr val="accent1"/>
+          </a:lnRef>
+          <a:fillRef idx="0">
+            <a:schemeClr val="accent1"/>
+          </a:fillRef>
+          <a:effectRef idx="0">
+            <a:schemeClr val="accent1"/>
+          </a:effectRef>
+          <a:fontRef idx="minor">
+            <a:schemeClr val="tx1"/>
+          </a:fontRef>
+        </p:style>
+      </p:cxnSp>
+      <p:sp>
+        <p:nvSpPr>
+          <p:cNvPr id="441" name="Rectángulo 76" descr="Nodo de cuarto nivel&#10;" title="Nodo04"/>
+          <p:cNvSpPr/>
+          <p:nvPr/>
+        </p:nvSpPr>
+        <p:spPr>
+          <a:xfrm>
+            <a:off x="13333324" y="5146702"/>
+            <a:ext cx="782942" cy="239369"/>
+          </a:xfrm>
+          <a:prstGeom prst="rect">
+            <a:avLst/>
+          </a:prstGeom>
+          <a:solidFill>
+            <a:schemeClr val="bg1"/>
+          </a:solidFill>
+          <a:ln>
+            <a:solidFill>
+              <a:schemeClr val="tx1"/>
+            </a:solidFill>
+          </a:ln>
+        </p:spPr>
+        <p:style>
+          <a:lnRef idx="2">
+            <a:schemeClr val="accent6"/>
+          </a:lnRef>
+          <a:fillRef idx="1">
+            <a:schemeClr val="lt1"/>
+          </a:fillRef>
+          <a:effectRef idx="0">
+            <a:schemeClr val="accent6"/>
+          </a:effectRef>
+          <a:fontRef idx="minor">
+            <a:schemeClr val="dk1"/>
+          </a:fontRef>
+        </p:style>
+        <p:txBody>
+          <a:bodyPr rtlCol="0" anchor="ctr"/>
+          <a:lstStyle/>
+          <a:p>
+            <a:pPr algn="ctr"/>
+            <a:r>
+              <a:rPr lang="es-ES" sz="793" dirty="0">
+                <a:solidFill>
+                  <a:schemeClr val="tx1"/>
+                </a:solidFill>
+                <a:latin typeface="Arial" panose="020B0604020202020204" pitchFamily="34" charset="0"/>
+                <a:cs typeface="Arial" panose="020B0604020202020204" pitchFamily="34" charset="0"/>
+              </a:rPr>
+              <a:t>consecutivos</a:t>
+            </a:r>
+          </a:p>
+        </p:txBody>
+      </p:sp>
+      <p:sp>
+        <p:nvSpPr>
+          <p:cNvPr id="442" name="Rectángulo 76" descr="Nodo de cuarto nivel&#10;" title="Nodo04"/>
+          <p:cNvSpPr/>
+          <p:nvPr/>
+        </p:nvSpPr>
+        <p:spPr>
+          <a:xfrm>
+            <a:off x="14205460" y="5559833"/>
+            <a:ext cx="760272" cy="255253"/>
+          </a:xfrm>
+          <a:prstGeom prst="rect">
+            <a:avLst/>
+          </a:prstGeom>
+          <a:solidFill>
+            <a:schemeClr val="bg1"/>
+          </a:solidFill>
+          <a:ln>
+            <a:solidFill>
+              <a:schemeClr val="tx1"/>
+            </a:solidFill>
+          </a:ln>
+        </p:spPr>
+        <p:style>
+          <a:lnRef idx="2">
+            <a:schemeClr val="accent6"/>
+          </a:lnRef>
+          <a:fillRef idx="1">
+            <a:schemeClr val="lt1"/>
+          </a:fillRef>
+          <a:effectRef idx="0">
+            <a:schemeClr val="accent6"/>
+          </a:effectRef>
+          <a:fontRef idx="minor">
+            <a:schemeClr val="dk1"/>
+          </a:fontRef>
+        </p:style>
+        <p:txBody>
+          <a:bodyPr rtlCol="0" anchor="ctr"/>
+          <a:lstStyle/>
+          <a:p>
+            <a:pPr algn="ctr"/>
+            <a:r>
+              <a:rPr lang="es-ES" sz="793" dirty="0">
+                <a:solidFill>
+                  <a:schemeClr val="tx1"/>
+                </a:solidFill>
+                <a:latin typeface="Arial" panose="020B0604020202020204" pitchFamily="34" charset="0"/>
+                <a:cs typeface="Arial" panose="020B0604020202020204" pitchFamily="34" charset="0"/>
+              </a:rPr>
+              <a:t>adyacentes</a:t>
+            </a:r>
+          </a:p>
+        </p:txBody>
+      </p:sp>
+      <p:sp>
+        <p:nvSpPr>
+          <p:cNvPr id="443" name="Rectángulo 76" descr="Nodo de cuarto nivel&#10;" title="Nodo04"/>
+          <p:cNvSpPr/>
+          <p:nvPr/>
+        </p:nvSpPr>
+        <p:spPr>
+          <a:xfrm>
+            <a:off x="13302617" y="6066148"/>
+            <a:ext cx="689762" cy="816099"/>
+          </a:xfrm>
+          <a:prstGeom prst="rect">
+            <a:avLst/>
+          </a:prstGeom>
+          <a:solidFill>
+            <a:schemeClr val="bg1"/>
+          </a:solidFill>
+          <a:ln>
+            <a:solidFill>
+              <a:schemeClr val="tx1"/>
+            </a:solidFill>
+          </a:ln>
+        </p:spPr>
+        <p:style>
+          <a:lnRef idx="2">
+            <a:schemeClr val="accent6"/>
+          </a:lnRef>
+          <a:fillRef idx="1">
+            <a:schemeClr val="lt1"/>
+          </a:fillRef>
+          <a:effectRef idx="0">
+            <a:schemeClr val="accent6"/>
+          </a:effectRef>
+          <a:fontRef idx="minor">
+            <a:schemeClr val="dk1"/>
+          </a:fontRef>
+        </p:style>
+        <p:txBody>
+          <a:bodyPr rtlCol="0" anchor="ctr"/>
+          <a:lstStyle/>
+          <a:p>
+            <a:pPr algn="ctr"/>
+            <a:r>
+              <a:rPr lang="es-ES" sz="793" dirty="0" smtClean="0">
+                <a:solidFill>
+                  <a:schemeClr val="tx1"/>
+                </a:solidFill>
+                <a:latin typeface="Arial" panose="020B0604020202020204" pitchFamily="34" charset="0"/>
+                <a:cs typeface="Arial" panose="020B0604020202020204" pitchFamily="34" charset="0"/>
+              </a:rPr>
+              <a:t>aquellos que tiene el mismo vértice </a:t>
+            </a:r>
+            <a:r>
+              <a:rPr lang="es-ES" sz="793" dirty="0">
+                <a:solidFill>
+                  <a:schemeClr val="tx1"/>
+                </a:solidFill>
+                <a:latin typeface="Arial" panose="020B0604020202020204" pitchFamily="34" charset="0"/>
+                <a:cs typeface="Arial" panose="020B0604020202020204" pitchFamily="34" charset="0"/>
+              </a:rPr>
+              <a:t>y comparten un lado</a:t>
+            </a:r>
+          </a:p>
+        </p:txBody>
+      </p:sp>
+      <p:sp>
+        <p:nvSpPr>
+          <p:cNvPr id="444" name="Rectángulo 76" descr="Nodo de cuarto nivel&#10;" title="Nodo04"/>
+          <p:cNvSpPr/>
+          <p:nvPr/>
+        </p:nvSpPr>
+        <p:spPr>
+          <a:xfrm>
+            <a:off x="14044443" y="6921472"/>
+            <a:ext cx="932449" cy="724401"/>
+          </a:xfrm>
+          <a:prstGeom prst="rect">
+            <a:avLst/>
+          </a:prstGeom>
+          <a:solidFill>
+            <a:schemeClr val="bg1"/>
+          </a:solidFill>
+          <a:ln>
+            <a:solidFill>
+              <a:schemeClr val="tx1"/>
+            </a:solidFill>
+          </a:ln>
+        </p:spPr>
+        <p:style>
+          <a:lnRef idx="2">
+            <a:schemeClr val="accent6"/>
+          </a:lnRef>
+          <a:fillRef idx="1">
+            <a:schemeClr val="lt1"/>
+          </a:fillRef>
+          <a:effectRef idx="0">
+            <a:schemeClr val="accent6"/>
+          </a:effectRef>
+          <a:fontRef idx="minor">
+            <a:schemeClr val="dk1"/>
+          </a:fontRef>
+        </p:style>
+        <p:txBody>
+          <a:bodyPr rtlCol="0" anchor="ctr"/>
+          <a:lstStyle/>
+          <a:p>
+            <a:pPr algn="ctr"/>
+            <a:r>
+              <a:rPr lang="es-ES" sz="793" dirty="0" smtClean="0">
+                <a:solidFill>
+                  <a:schemeClr val="tx1"/>
+                </a:solidFill>
+                <a:latin typeface="Arial" panose="020B0604020202020204" pitchFamily="34" charset="0"/>
+                <a:cs typeface="Arial" panose="020B0604020202020204" pitchFamily="34" charset="0"/>
+              </a:rPr>
+              <a:t>los ángulos que son  </a:t>
+            </a:r>
+            <a:r>
+              <a:rPr lang="es-ES" sz="793" dirty="0">
+                <a:solidFill>
+                  <a:schemeClr val="tx1"/>
+                </a:solidFill>
+                <a:latin typeface="Arial" panose="020B0604020202020204" pitchFamily="34" charset="0"/>
+                <a:cs typeface="Arial" panose="020B0604020202020204" pitchFamily="34" charset="0"/>
+              </a:rPr>
+              <a:t>consecutivos y suplementarios</a:t>
+            </a:r>
+          </a:p>
+        </p:txBody>
+      </p:sp>
+      <p:sp>
+        <p:nvSpPr>
+          <p:cNvPr id="448" name="Rectángulo 76" descr="Nodo de cuarto nivel&#10;" title="Nodo04"/>
+          <p:cNvSpPr/>
+          <p:nvPr/>
+        </p:nvSpPr>
+        <p:spPr>
+          <a:xfrm>
+            <a:off x="15040537" y="5152717"/>
+            <a:ext cx="760272" cy="255253"/>
+          </a:xfrm>
+          <a:prstGeom prst="rect">
+            <a:avLst/>
+          </a:prstGeom>
+          <a:solidFill>
+            <a:schemeClr val="bg1"/>
+          </a:solidFill>
+          <a:ln>
+            <a:solidFill>
+              <a:schemeClr val="tx1"/>
+            </a:solidFill>
+          </a:ln>
+        </p:spPr>
+        <p:style>
+          <a:lnRef idx="2">
+            <a:schemeClr val="accent6"/>
+          </a:lnRef>
+          <a:fillRef idx="1">
+            <a:schemeClr val="lt1"/>
+          </a:fillRef>
+          <a:effectRef idx="0">
+            <a:schemeClr val="accent6"/>
+          </a:effectRef>
+          <a:fontRef idx="minor">
+            <a:schemeClr val="dk1"/>
+          </a:fontRef>
+        </p:style>
+        <p:txBody>
+          <a:bodyPr rtlCol="0" anchor="ctr"/>
+          <a:lstStyle/>
+          <a:p>
+            <a:pPr algn="ctr"/>
+            <a:r>
+              <a:rPr lang="es-ES" sz="793" dirty="0">
+                <a:solidFill>
+                  <a:schemeClr val="tx1"/>
+                </a:solidFill>
+                <a:latin typeface="Arial" panose="020B0604020202020204" pitchFamily="34" charset="0"/>
+                <a:cs typeface="Arial" panose="020B0604020202020204" pitchFamily="34" charset="0"/>
+              </a:rPr>
+              <a:t>opuestos por el vértice</a:t>
+            </a:r>
+          </a:p>
+        </p:txBody>
+      </p:sp>
+      <p:sp>
+        <p:nvSpPr>
+          <p:cNvPr id="449" name="Rectángulo 76" descr="Nodo de cuarto nivel&#10;" title="Nodo04"/>
+          <p:cNvSpPr/>
+          <p:nvPr/>
+        </p:nvSpPr>
+        <p:spPr>
+          <a:xfrm>
+            <a:off x="15059098" y="7550295"/>
+            <a:ext cx="939727" cy="1007789"/>
+          </a:xfrm>
+          <a:prstGeom prst="rect">
+            <a:avLst/>
+          </a:prstGeom>
+          <a:solidFill>
+            <a:schemeClr val="bg1"/>
+          </a:solidFill>
+          <a:ln>
+            <a:solidFill>
+              <a:schemeClr val="tx1"/>
+            </a:solidFill>
+          </a:ln>
+        </p:spPr>
+        <p:style>
+          <a:lnRef idx="2">
+            <a:schemeClr val="accent6"/>
+          </a:lnRef>
+          <a:fillRef idx="1">
+            <a:schemeClr val="lt1"/>
+          </a:fillRef>
+          <a:effectRef idx="0">
+            <a:schemeClr val="accent6"/>
+          </a:effectRef>
+          <a:fontRef idx="minor">
+            <a:schemeClr val="dk1"/>
+          </a:fontRef>
+        </p:style>
+        <p:txBody>
+          <a:bodyPr rtlCol="0" anchor="ctr"/>
+          <a:lstStyle/>
+          <a:p>
+            <a:pPr algn="ctr"/>
+            <a:r>
+              <a:rPr lang="es-ES" sz="793" dirty="0" smtClean="0">
+                <a:solidFill>
+                  <a:schemeClr val="tx1"/>
+                </a:solidFill>
+                <a:latin typeface="Arial" panose="020B0604020202020204" pitchFamily="34" charset="0"/>
+                <a:cs typeface="Arial" panose="020B0604020202020204" pitchFamily="34" charset="0"/>
+              </a:rPr>
+              <a:t>los ángulos que tienen el mismo vértice y sus lados son semirrectas opuestas entre sí</a:t>
+            </a:r>
+            <a:endParaRPr lang="es-ES" sz="793" dirty="0">
+              <a:solidFill>
+                <a:schemeClr val="tx1"/>
+              </a:solidFill>
+              <a:latin typeface="Arial" panose="020B0604020202020204" pitchFamily="34" charset="0"/>
+              <a:cs typeface="Arial" panose="020B0604020202020204" pitchFamily="34" charset="0"/>
+            </a:endParaRPr>
+          </a:p>
+        </p:txBody>
+      </p:sp>
+      <p:sp>
+        <p:nvSpPr>
+          <p:cNvPr id="450" name="CuadroTexto 161" descr="Conector entre nodos" title="conector"/>
+          <p:cNvSpPr txBox="1"/>
+          <p:nvPr/>
+        </p:nvSpPr>
+        <p:spPr>
+          <a:xfrm>
+            <a:off x="10485744" y="3559094"/>
+            <a:ext cx="1314681" cy="214354"/>
           </a:xfrm>
           <a:prstGeom prst="rect">
             <a:avLst/>
@@ -3851,7 +5595,14 @@
                 <a:latin typeface="Arial" panose="020B0604020202020204" pitchFamily="34" charset="0"/>
                 <a:cs typeface="Arial" panose="020B0604020202020204" pitchFamily="34" charset="0"/>
               </a:rPr>
-              <a:t>se clasifican</a:t>
+              <a:t>se </a:t>
+            </a:r>
+            <a:r>
+              <a:rPr lang="es-ES" sz="793" dirty="0" smtClean="0">
+                <a:latin typeface="Arial" panose="020B0604020202020204" pitchFamily="34" charset="0"/>
+                <a:cs typeface="Arial" panose="020B0604020202020204" pitchFamily="34" charset="0"/>
+              </a:rPr>
+              <a:t>clasifican  </a:t>
             </a:r>
             <a:endParaRPr lang="es-ES" sz="793" dirty="0">
               <a:latin typeface="Arial" panose="020B0604020202020204" pitchFamily="34" charset="0"/>
@@ -3860,24 +5611,677 @@
           </a:p>
         </p:txBody>
       </p:sp>
+      <p:sp>
+        <p:nvSpPr>
+          <p:cNvPr id="452" name="Rectángulo 218" descr="Nodo de tercer nivel" title="Nodo03"/>
+          <p:cNvSpPr/>
+          <p:nvPr/>
+        </p:nvSpPr>
+        <p:spPr>
+          <a:xfrm>
+            <a:off x="6284058" y="5132272"/>
+            <a:ext cx="540424" cy="232879"/>
+          </a:xfrm>
+          <a:prstGeom prst="rect">
+            <a:avLst/>
+          </a:prstGeom>
+          <a:noFill/>
+          <a:ln>
+            <a:solidFill>
+              <a:schemeClr val="tx1"/>
+            </a:solidFill>
+          </a:ln>
+        </p:spPr>
+        <p:style>
+          <a:lnRef idx="2">
+            <a:schemeClr val="accent6"/>
+          </a:lnRef>
+          <a:fillRef idx="1">
+            <a:schemeClr val="lt1"/>
+          </a:fillRef>
+          <a:effectRef idx="0">
+            <a:schemeClr val="accent6"/>
+          </a:effectRef>
+          <a:fontRef idx="minor">
+            <a:schemeClr val="dk1"/>
+          </a:fontRef>
+        </p:style>
+        <p:txBody>
+          <a:bodyPr rtlCol="0" anchor="ctr"/>
+          <a:lstStyle/>
+          <a:p>
+            <a:pPr algn="ctr"/>
+            <a:r>
+              <a:rPr lang="es-ES_tradnl" sz="793" dirty="0"/>
+              <a:t>agudo</a:t>
+            </a:r>
+            <a:endParaRPr lang="es-CO" sz="793" dirty="0"/>
+          </a:p>
+        </p:txBody>
+      </p:sp>
+      <p:sp>
+        <p:nvSpPr>
+          <p:cNvPr id="453" name="Rectángulo 218" descr="Nodo de tercer nivel" title="Nodo03"/>
+          <p:cNvSpPr/>
+          <p:nvPr/>
+        </p:nvSpPr>
+        <p:spPr>
+          <a:xfrm>
+            <a:off x="7031823" y="6317250"/>
+            <a:ext cx="540424" cy="232879"/>
+          </a:xfrm>
+          <a:prstGeom prst="rect">
+            <a:avLst/>
+          </a:prstGeom>
+          <a:noFill/>
+          <a:ln>
+            <a:solidFill>
+              <a:schemeClr val="tx1"/>
+            </a:solidFill>
+          </a:ln>
+        </p:spPr>
+        <p:style>
+          <a:lnRef idx="2">
+            <a:schemeClr val="accent6"/>
+          </a:lnRef>
+          <a:fillRef idx="1">
+            <a:schemeClr val="lt1"/>
+          </a:fillRef>
+          <a:effectRef idx="0">
+            <a:schemeClr val="accent6"/>
+          </a:effectRef>
+          <a:fontRef idx="minor">
+            <a:schemeClr val="dk1"/>
+          </a:fontRef>
+        </p:style>
+        <p:txBody>
+          <a:bodyPr rtlCol="0" anchor="ctr"/>
+          <a:lstStyle/>
+          <a:p>
+            <a:pPr algn="ctr"/>
+            <a:r>
+              <a:rPr lang="es-ES_tradnl" sz="793" dirty="0"/>
+              <a:t>recto</a:t>
+            </a:r>
+            <a:endParaRPr lang="es-CO" sz="793" dirty="0"/>
+          </a:p>
+        </p:txBody>
+      </p:sp>
+      <p:sp>
+        <p:nvSpPr>
+          <p:cNvPr id="454" name="Rectángulo 218" descr="Nodo de tercer nivel" title="Nodo03"/>
+          <p:cNvSpPr/>
+          <p:nvPr/>
+        </p:nvSpPr>
+        <p:spPr>
+          <a:xfrm>
+            <a:off x="7737864" y="5125479"/>
+            <a:ext cx="540424" cy="232879"/>
+          </a:xfrm>
+          <a:prstGeom prst="rect">
+            <a:avLst/>
+          </a:prstGeom>
+          <a:noFill/>
+          <a:ln>
+            <a:solidFill>
+              <a:schemeClr val="tx1"/>
+            </a:solidFill>
+          </a:ln>
+        </p:spPr>
+        <p:style>
+          <a:lnRef idx="2">
+            <a:schemeClr val="accent6"/>
+          </a:lnRef>
+          <a:fillRef idx="1">
+            <a:schemeClr val="lt1"/>
+          </a:fillRef>
+          <a:effectRef idx="0">
+            <a:schemeClr val="accent6"/>
+          </a:effectRef>
+          <a:fontRef idx="minor">
+            <a:schemeClr val="dk1"/>
+          </a:fontRef>
+        </p:style>
+        <p:txBody>
+          <a:bodyPr rtlCol="0" anchor="ctr"/>
+          <a:lstStyle/>
+          <a:p>
+            <a:pPr algn="ctr"/>
+            <a:r>
+              <a:rPr lang="es-ES_tradnl" sz="793" dirty="0"/>
+              <a:t>obtuso</a:t>
+            </a:r>
+            <a:endParaRPr lang="es-CO" sz="793" dirty="0"/>
+          </a:p>
+        </p:txBody>
+      </p:sp>
+      <p:sp>
+        <p:nvSpPr>
+          <p:cNvPr id="455" name="Rectángulo 218" descr="Nodo de tercer nivel" title="Nodo03"/>
+          <p:cNvSpPr/>
+          <p:nvPr/>
+        </p:nvSpPr>
+        <p:spPr>
+          <a:xfrm>
+            <a:off x="10195773" y="5145441"/>
+            <a:ext cx="540424" cy="232879"/>
+          </a:xfrm>
+          <a:prstGeom prst="rect">
+            <a:avLst/>
+          </a:prstGeom>
+          <a:noFill/>
+          <a:ln>
+            <a:solidFill>
+              <a:schemeClr val="tx1"/>
+            </a:solidFill>
+          </a:ln>
+        </p:spPr>
+        <p:style>
+          <a:lnRef idx="2">
+            <a:schemeClr val="accent6"/>
+          </a:lnRef>
+          <a:fillRef idx="1">
+            <a:schemeClr val="lt1"/>
+          </a:fillRef>
+          <a:effectRef idx="0">
+            <a:schemeClr val="accent6"/>
+          </a:effectRef>
+          <a:fontRef idx="minor">
+            <a:schemeClr val="dk1"/>
+          </a:fontRef>
+        </p:style>
+        <p:txBody>
+          <a:bodyPr rtlCol="0" anchor="ctr"/>
+          <a:lstStyle/>
+          <a:p>
+            <a:pPr algn="ctr"/>
+            <a:r>
+              <a:rPr lang="es-ES_tradnl" sz="793" dirty="0"/>
+              <a:t>cóncavo</a:t>
+            </a:r>
+            <a:endParaRPr lang="es-CO" sz="793" dirty="0"/>
+          </a:p>
+        </p:txBody>
+      </p:sp>
+      <p:sp>
+        <p:nvSpPr>
+          <p:cNvPr id="456" name="Rectángulo 218" descr="Nodo de tercer nivel" title="Nodo03"/>
+          <p:cNvSpPr/>
+          <p:nvPr/>
+        </p:nvSpPr>
+        <p:spPr>
+          <a:xfrm>
+            <a:off x="9280462" y="5150279"/>
+            <a:ext cx="540424" cy="232879"/>
+          </a:xfrm>
+          <a:prstGeom prst="rect">
+            <a:avLst/>
+          </a:prstGeom>
+          <a:noFill/>
+          <a:ln>
+            <a:solidFill>
+              <a:schemeClr val="tx1"/>
+            </a:solidFill>
+          </a:ln>
+        </p:spPr>
+        <p:style>
+          <a:lnRef idx="2">
+            <a:schemeClr val="accent6"/>
+          </a:lnRef>
+          <a:fillRef idx="1">
+            <a:schemeClr val="lt1"/>
+          </a:fillRef>
+          <a:effectRef idx="0">
+            <a:schemeClr val="accent6"/>
+          </a:effectRef>
+          <a:fontRef idx="minor">
+            <a:schemeClr val="dk1"/>
+          </a:fontRef>
+        </p:style>
+        <p:txBody>
+          <a:bodyPr rtlCol="0" anchor="ctr"/>
+          <a:lstStyle/>
+          <a:p>
+            <a:pPr algn="ctr"/>
+            <a:r>
+              <a:rPr lang="es-ES_tradnl" sz="793" dirty="0"/>
+              <a:t>convexo</a:t>
+            </a:r>
+            <a:endParaRPr lang="es-CO" sz="793" dirty="0"/>
+          </a:p>
+        </p:txBody>
+      </p:sp>
+      <p:sp>
+        <p:nvSpPr>
+          <p:cNvPr id="475" name="Rectángulo 76" descr="Nodo de cuarto nivel&#10;" title="Nodo04"/>
+          <p:cNvSpPr/>
+          <p:nvPr/>
+        </p:nvSpPr>
+        <p:spPr>
+          <a:xfrm>
+            <a:off x="6973183" y="6983213"/>
+            <a:ext cx="654214" cy="459891"/>
+          </a:xfrm>
+          <a:prstGeom prst="rect">
+            <a:avLst/>
+          </a:prstGeom>
+          <a:solidFill>
+            <a:schemeClr val="bg1"/>
+          </a:solidFill>
+          <a:ln>
+            <a:solidFill>
+              <a:schemeClr val="tx1"/>
+            </a:solidFill>
+          </a:ln>
+        </p:spPr>
+        <p:style>
+          <a:lnRef idx="2">
+            <a:schemeClr val="accent6"/>
+          </a:lnRef>
+          <a:fillRef idx="1">
+            <a:schemeClr val="lt1"/>
+          </a:fillRef>
+          <a:effectRef idx="0">
+            <a:schemeClr val="accent6"/>
+          </a:effectRef>
+          <a:fontRef idx="minor">
+            <a:schemeClr val="dk1"/>
+          </a:fontRef>
+        </p:style>
+        <p:txBody>
+          <a:bodyPr rtlCol="0" anchor="ctr"/>
+          <a:lstStyle/>
+          <a:p>
+            <a:pPr algn="ctr"/>
+            <a:r>
+              <a:rPr lang="es-ES" sz="793" dirty="0">
+                <a:solidFill>
+                  <a:schemeClr val="tx1"/>
+                </a:solidFill>
+                <a:latin typeface="Arial" panose="020B0604020202020204" pitchFamily="34" charset="0"/>
+                <a:cs typeface="Arial" panose="020B0604020202020204" pitchFamily="34" charset="0"/>
+              </a:rPr>
+              <a:t>su medida es </a:t>
+            </a:r>
+            <a:r>
+              <a:rPr lang="es-ES" sz="793" dirty="0" smtClean="0">
+                <a:solidFill>
+                  <a:schemeClr val="tx1"/>
+                </a:solidFill>
+                <a:latin typeface="Arial" panose="020B0604020202020204" pitchFamily="34" charset="0"/>
+                <a:cs typeface="Arial" panose="020B0604020202020204" pitchFamily="34" charset="0"/>
+              </a:rPr>
+              <a:t>igual a </a:t>
+            </a:r>
+            <a:r>
+              <a:rPr lang="es-ES" sz="793" dirty="0">
+                <a:solidFill>
+                  <a:schemeClr val="tx1"/>
+                </a:solidFill>
+                <a:latin typeface="Arial" panose="020B0604020202020204" pitchFamily="34" charset="0"/>
+                <a:cs typeface="Arial" panose="020B0604020202020204" pitchFamily="34" charset="0"/>
+              </a:rPr>
+              <a:t>90°</a:t>
+            </a:r>
+            <a:endParaRPr lang="es-ES" sz="793" dirty="0">
+              <a:solidFill>
+                <a:schemeClr val="tx1"/>
+              </a:solidFill>
+              <a:latin typeface="Arial" panose="020B0604020202020204" pitchFamily="34" charset="0"/>
+              <a:cs typeface="Arial" panose="020B0604020202020204" pitchFamily="34" charset="0"/>
+            </a:endParaRPr>
+          </a:p>
+        </p:txBody>
+      </p:sp>
       <p:cxnSp>
         <p:nvCxnSpPr>
-          <p:cNvPr id="385" name="Conector angular 620"/>
+          <p:cNvPr id="476" name="Conector recto 163"/>
           <p:cNvCxnSpPr>
-            <a:stCxn id="378" idx="2"/>
-            <a:endCxn id="383" idx="0"/>
+            <a:stCxn id="475" idx="0"/>
+            <a:endCxn id="453" idx="2"/>
           </p:cNvCxnSpPr>
           <p:nvPr/>
         </p:nvCxnSpPr>
         <p:spPr>
-          <a:xfrm rot="16200000" flipH="1">
-            <a:off x="4506716" y="3100917"/>
-            <a:ext cx="713818" cy="335224"/>
-          </a:xfrm>
-          <a:prstGeom prst="bentConnector3">
-            <a:avLst>
-              <a:gd name="adj1" fmla="val 50000"/>
-            </a:avLst>
+          <a:xfrm flipV="1">
+            <a:off x="7300290" y="6550129"/>
+            <a:ext cx="1745" cy="433084"/>
+          </a:xfrm>
+          <a:prstGeom prst="line">
+            <a:avLst/>
+          </a:prstGeom>
+          <a:ln w="12700">
+            <a:solidFill>
+              <a:schemeClr val="tx1"/>
+            </a:solidFill>
+          </a:ln>
+        </p:spPr>
+        <p:style>
+          <a:lnRef idx="1">
+            <a:schemeClr val="accent1"/>
+          </a:lnRef>
+          <a:fillRef idx="0">
+            <a:schemeClr val="accent1"/>
+          </a:fillRef>
+          <a:effectRef idx="0">
+            <a:schemeClr val="accent1"/>
+          </a:effectRef>
+          <a:fontRef idx="minor">
+            <a:schemeClr val="tx1"/>
+          </a:fontRef>
+        </p:style>
+      </p:cxnSp>
+      <p:sp>
+        <p:nvSpPr>
+          <p:cNvPr id="479" name="Rectángulo 76" descr="Nodo de cuarto nivel&#10;" title="Nodo04"/>
+          <p:cNvSpPr/>
+          <p:nvPr/>
+        </p:nvSpPr>
+        <p:spPr>
+          <a:xfrm>
+            <a:off x="7616100" y="5595345"/>
+            <a:ext cx="783952" cy="576505"/>
+          </a:xfrm>
+          <a:prstGeom prst="rect">
+            <a:avLst/>
+          </a:prstGeom>
+          <a:solidFill>
+            <a:schemeClr val="bg1"/>
+          </a:solidFill>
+          <a:ln>
+            <a:solidFill>
+              <a:schemeClr val="tx1"/>
+            </a:solidFill>
+          </a:ln>
+        </p:spPr>
+        <p:style>
+          <a:lnRef idx="2">
+            <a:schemeClr val="accent6"/>
+          </a:lnRef>
+          <a:fillRef idx="1">
+            <a:schemeClr val="lt1"/>
+          </a:fillRef>
+          <a:effectRef idx="0">
+            <a:schemeClr val="accent6"/>
+          </a:effectRef>
+          <a:fontRef idx="minor">
+            <a:schemeClr val="dk1"/>
+          </a:fontRef>
+        </p:style>
+        <p:txBody>
+          <a:bodyPr rtlCol="0" anchor="ctr"/>
+          <a:lstStyle/>
+          <a:p>
+            <a:pPr algn="ctr"/>
+            <a:r>
+              <a:rPr lang="es-ES" sz="793" dirty="0">
+                <a:solidFill>
+                  <a:schemeClr val="tx1"/>
+                </a:solidFill>
+                <a:latin typeface="Arial" panose="020B0604020202020204" pitchFamily="34" charset="0"/>
+                <a:cs typeface="Arial" panose="020B0604020202020204" pitchFamily="34" charset="0"/>
+              </a:rPr>
+              <a:t>su medida es </a:t>
+            </a:r>
+            <a:r>
+              <a:rPr lang="es-ES" sz="793" dirty="0" smtClean="0">
+                <a:solidFill>
+                  <a:schemeClr val="tx1"/>
+                </a:solidFill>
+                <a:latin typeface="Arial" panose="020B0604020202020204" pitchFamily="34" charset="0"/>
+                <a:cs typeface="Arial" panose="020B0604020202020204" pitchFamily="34" charset="0"/>
+              </a:rPr>
+              <a:t>mayor </a:t>
+            </a:r>
+            <a:r>
+              <a:rPr lang="es-ES" sz="793" dirty="0">
+                <a:solidFill>
+                  <a:schemeClr val="tx1"/>
+                </a:solidFill>
+                <a:latin typeface="Arial" panose="020B0604020202020204" pitchFamily="34" charset="0"/>
+                <a:cs typeface="Arial" panose="020B0604020202020204" pitchFamily="34" charset="0"/>
+              </a:rPr>
+              <a:t>de 90</a:t>
+            </a:r>
+            <a:r>
+              <a:rPr lang="es-ES" sz="793" dirty="0" smtClean="0">
+                <a:solidFill>
+                  <a:schemeClr val="tx1"/>
+                </a:solidFill>
+                <a:latin typeface="Arial" panose="020B0604020202020204" pitchFamily="34" charset="0"/>
+                <a:cs typeface="Arial" panose="020B0604020202020204" pitchFamily="34" charset="0"/>
+              </a:rPr>
+              <a:t>° y menor de 180°</a:t>
+            </a:r>
+            <a:endParaRPr lang="es-ES" sz="793" dirty="0">
+              <a:solidFill>
+                <a:schemeClr val="tx1"/>
+              </a:solidFill>
+              <a:latin typeface="Arial" panose="020B0604020202020204" pitchFamily="34" charset="0"/>
+              <a:cs typeface="Arial" panose="020B0604020202020204" pitchFamily="34" charset="0"/>
+            </a:endParaRPr>
+          </a:p>
+        </p:txBody>
+      </p:sp>
+      <p:cxnSp>
+        <p:nvCxnSpPr>
+          <p:cNvPr id="480" name="Conector recto 163"/>
+          <p:cNvCxnSpPr>
+            <a:stCxn id="479" idx="0"/>
+            <a:endCxn id="454" idx="2"/>
+          </p:cNvCxnSpPr>
+          <p:nvPr/>
+        </p:nvCxnSpPr>
+        <p:spPr>
+          <a:xfrm flipV="1">
+            <a:off x="8008076" y="5358358"/>
+            <a:ext cx="0" cy="236987"/>
+          </a:xfrm>
+          <a:prstGeom prst="line">
+            <a:avLst/>
+          </a:prstGeom>
+          <a:ln w="12700">
+            <a:solidFill>
+              <a:schemeClr val="tx1"/>
+            </a:solidFill>
+          </a:ln>
+        </p:spPr>
+        <p:style>
+          <a:lnRef idx="1">
+            <a:schemeClr val="accent1"/>
+          </a:lnRef>
+          <a:fillRef idx="0">
+            <a:schemeClr val="accent1"/>
+          </a:fillRef>
+          <a:effectRef idx="0">
+            <a:schemeClr val="accent1"/>
+          </a:effectRef>
+          <a:fontRef idx="minor">
+            <a:schemeClr val="tx1"/>
+          </a:fontRef>
+        </p:style>
+      </p:cxnSp>
+      <p:sp>
+        <p:nvSpPr>
+          <p:cNvPr id="483" name="Rectángulo 76" descr="Nodo de cuarto nivel&#10;" title="Nodo04"/>
+          <p:cNvSpPr/>
+          <p:nvPr/>
+        </p:nvSpPr>
+        <p:spPr>
+          <a:xfrm>
+            <a:off x="10112742" y="5659158"/>
+            <a:ext cx="711061" cy="576496"/>
+          </a:xfrm>
+          <a:prstGeom prst="rect">
+            <a:avLst/>
+          </a:prstGeom>
+          <a:solidFill>
+            <a:schemeClr val="bg1"/>
+          </a:solidFill>
+          <a:ln>
+            <a:solidFill>
+              <a:schemeClr val="tx1"/>
+            </a:solidFill>
+          </a:ln>
+        </p:spPr>
+        <p:style>
+          <a:lnRef idx="2">
+            <a:schemeClr val="accent6"/>
+          </a:lnRef>
+          <a:fillRef idx="1">
+            <a:schemeClr val="lt1"/>
+          </a:fillRef>
+          <a:effectRef idx="0">
+            <a:schemeClr val="accent6"/>
+          </a:effectRef>
+          <a:fontRef idx="minor">
+            <a:schemeClr val="dk1"/>
+          </a:fontRef>
+        </p:style>
+        <p:txBody>
+          <a:bodyPr rtlCol="0" anchor="ctr"/>
+          <a:lstStyle/>
+          <a:p>
+            <a:pPr algn="ctr"/>
+            <a:r>
+              <a:rPr lang="es-ES" sz="793" dirty="0" smtClean="0">
+                <a:solidFill>
+                  <a:schemeClr val="tx1"/>
+                </a:solidFill>
+                <a:latin typeface="Arial" panose="020B0604020202020204" pitchFamily="34" charset="0"/>
+                <a:cs typeface="Arial" panose="020B0604020202020204" pitchFamily="34" charset="0"/>
+              </a:rPr>
+              <a:t>su medida está </a:t>
+            </a:r>
+            <a:r>
+              <a:rPr lang="es-ES" sz="793" dirty="0">
+                <a:solidFill>
+                  <a:schemeClr val="tx1"/>
+                </a:solidFill>
+                <a:latin typeface="Arial" panose="020B0604020202020204" pitchFamily="34" charset="0"/>
+                <a:cs typeface="Arial" panose="020B0604020202020204" pitchFamily="34" charset="0"/>
+              </a:rPr>
+              <a:t>entre  180° y 360°</a:t>
+            </a:r>
+          </a:p>
+        </p:txBody>
+      </p:sp>
+      <p:cxnSp>
+        <p:nvCxnSpPr>
+          <p:cNvPr id="484" name="Conector recto 163"/>
+          <p:cNvCxnSpPr/>
+          <p:nvPr/>
+        </p:nvCxnSpPr>
+        <p:spPr>
+          <a:xfrm flipH="1" flipV="1">
+            <a:off x="10384118" y="5386071"/>
+            <a:ext cx="2288" cy="280838"/>
+          </a:xfrm>
+          <a:prstGeom prst="line">
+            <a:avLst/>
+          </a:prstGeom>
+          <a:ln w="12700">
+            <a:solidFill>
+              <a:schemeClr val="tx1"/>
+            </a:solidFill>
+          </a:ln>
+        </p:spPr>
+        <p:style>
+          <a:lnRef idx="1">
+            <a:schemeClr val="accent1"/>
+          </a:lnRef>
+          <a:fillRef idx="0">
+            <a:schemeClr val="accent1"/>
+          </a:fillRef>
+          <a:effectRef idx="0">
+            <a:schemeClr val="accent1"/>
+          </a:effectRef>
+          <a:fontRef idx="minor">
+            <a:schemeClr val="tx1"/>
+          </a:fontRef>
+        </p:style>
+      </p:cxnSp>
+      <p:sp>
+        <p:nvSpPr>
+          <p:cNvPr id="491" name="Rectángulo 76" descr="Nodo de cuarto nivel&#10;" title="Nodo04"/>
+          <p:cNvSpPr/>
+          <p:nvPr/>
+        </p:nvSpPr>
+        <p:spPr>
+          <a:xfrm>
+            <a:off x="9190664" y="5687460"/>
+            <a:ext cx="721550" cy="583990"/>
+          </a:xfrm>
+          <a:prstGeom prst="rect">
+            <a:avLst/>
+          </a:prstGeom>
+          <a:solidFill>
+            <a:schemeClr val="bg1"/>
+          </a:solidFill>
+          <a:ln>
+            <a:solidFill>
+              <a:schemeClr val="tx1"/>
+            </a:solidFill>
+          </a:ln>
+        </p:spPr>
+        <p:style>
+          <a:lnRef idx="2">
+            <a:schemeClr val="accent6"/>
+          </a:lnRef>
+          <a:fillRef idx="1">
+            <a:schemeClr val="lt1"/>
+          </a:fillRef>
+          <a:effectRef idx="0">
+            <a:schemeClr val="accent6"/>
+          </a:effectRef>
+          <a:fontRef idx="minor">
+            <a:schemeClr val="dk1"/>
+          </a:fontRef>
+        </p:style>
+        <p:txBody>
+          <a:bodyPr rtlCol="0" anchor="ctr"/>
+          <a:lstStyle/>
+          <a:p>
+            <a:pPr algn="ctr"/>
+            <a:r>
+              <a:rPr lang="es-ES" sz="793" dirty="0" smtClean="0">
+                <a:solidFill>
+                  <a:schemeClr val="tx1"/>
+                </a:solidFill>
+                <a:latin typeface="Arial" panose="020B0604020202020204" pitchFamily="34" charset="0"/>
+                <a:cs typeface="Arial" panose="020B0604020202020204" pitchFamily="34" charset="0"/>
+              </a:rPr>
+              <a:t>su medida está  </a:t>
+            </a:r>
+            <a:r>
+              <a:rPr lang="es-ES" sz="793" dirty="0">
+                <a:solidFill>
+                  <a:schemeClr val="tx1"/>
+                </a:solidFill>
+                <a:latin typeface="Arial" panose="020B0604020202020204" pitchFamily="34" charset="0"/>
+                <a:cs typeface="Arial" panose="020B0604020202020204" pitchFamily="34" charset="0"/>
+              </a:rPr>
+              <a:t>entre  0° y 180°</a:t>
+            </a:r>
+          </a:p>
+        </p:txBody>
+      </p:sp>
+      <p:cxnSp>
+        <p:nvCxnSpPr>
+          <p:cNvPr id="495" name="Conector recto 163"/>
+          <p:cNvCxnSpPr>
+            <a:stCxn id="491" idx="0"/>
+            <a:endCxn id="456" idx="2"/>
+          </p:cNvCxnSpPr>
+          <p:nvPr/>
+        </p:nvCxnSpPr>
+        <p:spPr>
+          <a:xfrm flipH="1" flipV="1">
+            <a:off x="9550674" y="5383158"/>
+            <a:ext cx="765" cy="304302"/>
+          </a:xfrm>
+          <a:prstGeom prst="line">
+            <a:avLst/>
           </a:prstGeom>
           <a:ln w="12700">
             <a:solidFill>
@@ -3902,21 +6306,218 @@
       </p:cxnSp>
       <p:cxnSp>
         <p:nvCxnSpPr>
-          <p:cNvPr id="386" name="Conector angular 693"/>
+          <p:cNvPr id="507" name="Conector angular 67"/>
+          <p:cNvCxnSpPr/>
+          <p:nvPr/>
+        </p:nvCxnSpPr>
+        <p:spPr>
+          <a:xfrm>
+            <a:off x="11175776" y="3825579"/>
+            <a:ext cx="3198205" cy="361895"/>
+          </a:xfrm>
+          <a:prstGeom prst="bentConnector2">
+            <a:avLst/>
+          </a:prstGeom>
+          <a:ln w="12700">
+            <a:solidFill>
+              <a:schemeClr val="tx1"/>
+            </a:solidFill>
+          </a:ln>
+        </p:spPr>
+        <p:style>
+          <a:lnRef idx="1">
+            <a:schemeClr val="accent1"/>
+          </a:lnRef>
+          <a:fillRef idx="0">
+            <a:schemeClr val="accent1"/>
+          </a:fillRef>
+          <a:effectRef idx="0">
+            <a:schemeClr val="accent1"/>
+          </a:effectRef>
+          <a:fontRef idx="minor">
+            <a:schemeClr val="tx1"/>
+          </a:fontRef>
+        </p:style>
+      </p:cxnSp>
+      <p:sp>
+        <p:nvSpPr>
+          <p:cNvPr id="608" name="Rectángulo 160" descr="Nodo de tercer nivel" title="Nodo03"/>
+          <p:cNvSpPr/>
+          <p:nvPr/>
+        </p:nvSpPr>
+        <p:spPr>
+          <a:xfrm>
+            <a:off x="13339363" y="3014735"/>
+            <a:ext cx="1042984" cy="277815"/>
+          </a:xfrm>
+          <a:prstGeom prst="rect">
+            <a:avLst/>
+          </a:prstGeom>
+          <a:solidFill>
+            <a:schemeClr val="bg2">
+              <a:lumMod val="50000"/>
+            </a:schemeClr>
+          </a:solidFill>
+          <a:ln>
+            <a:solidFill>
+              <a:schemeClr val="tx1"/>
+            </a:solidFill>
+          </a:ln>
+        </p:spPr>
+        <p:style>
+          <a:lnRef idx="2">
+            <a:schemeClr val="accent6"/>
+          </a:lnRef>
+          <a:fillRef idx="1">
+            <a:schemeClr val="lt1"/>
+          </a:fillRef>
+          <a:effectRef idx="0">
+            <a:schemeClr val="accent6"/>
+          </a:effectRef>
+          <a:fontRef idx="minor">
+            <a:schemeClr val="dk1"/>
+          </a:fontRef>
+        </p:style>
+        <p:txBody>
+          <a:bodyPr rtlCol="0" anchor="ctr"/>
+          <a:lstStyle/>
+          <a:p>
+            <a:pPr algn="ctr"/>
+            <a:r>
+              <a:rPr lang="es-ES" sz="793" dirty="0" smtClean="0">
+                <a:solidFill>
+                  <a:schemeClr val="bg1"/>
+                </a:solidFill>
+                <a:latin typeface="Arial" panose="020B0604020202020204" pitchFamily="34" charset="0"/>
+                <a:cs typeface="Arial" panose="020B0604020202020204" pitchFamily="34" charset="0"/>
+              </a:rPr>
+              <a:t>la  bisectriz</a:t>
+            </a:r>
+            <a:endParaRPr lang="es-ES" sz="793" dirty="0">
+              <a:solidFill>
+                <a:schemeClr val="bg1"/>
+              </a:solidFill>
+              <a:latin typeface="Arial" panose="020B0604020202020204" pitchFamily="34" charset="0"/>
+              <a:cs typeface="Arial" panose="020B0604020202020204" pitchFamily="34" charset="0"/>
+            </a:endParaRPr>
+          </a:p>
+        </p:txBody>
+      </p:sp>
+      <p:cxnSp>
+        <p:nvCxnSpPr>
+          <p:cNvPr id="611" name="Conector recto 163"/>
           <p:cNvCxnSpPr>
-            <a:stCxn id="377" idx="2"/>
-            <a:endCxn id="395" idx="0"/>
+            <a:stCxn id="608" idx="0"/>
           </p:cNvCxnSpPr>
           <p:nvPr/>
         </p:nvCxnSpPr>
         <p:spPr>
-          <a:xfrm rot="16200000" flipH="1">
-            <a:off x="8986638" y="353816"/>
-            <a:ext cx="517701" cy="3780046"/>
+          <a:xfrm flipV="1">
+            <a:off x="13860861" y="2879796"/>
+            <a:ext cx="2264" cy="134939"/>
+          </a:xfrm>
+          <a:prstGeom prst="line">
+            <a:avLst/>
+          </a:prstGeom>
+          <a:ln w="12700">
+            <a:solidFill>
+              <a:schemeClr val="tx1"/>
+            </a:solidFill>
+          </a:ln>
+        </p:spPr>
+        <p:style>
+          <a:lnRef idx="1">
+            <a:schemeClr val="accent1"/>
+          </a:lnRef>
+          <a:fillRef idx="0">
+            <a:schemeClr val="accent1"/>
+          </a:fillRef>
+          <a:effectRef idx="0">
+            <a:schemeClr val="accent1"/>
+          </a:effectRef>
+          <a:fontRef idx="minor">
+            <a:schemeClr val="tx1"/>
+          </a:fontRef>
+        </p:style>
+      </p:cxnSp>
+      <p:sp>
+        <p:nvSpPr>
+          <p:cNvPr id="136" name="Rectángulo 582" descr="Nodo de segundo nivel" title="Nodo02"/>
+          <p:cNvSpPr/>
+          <p:nvPr/>
+        </p:nvSpPr>
+        <p:spPr>
+          <a:xfrm>
+            <a:off x="826840" y="3614757"/>
+            <a:ext cx="728594" cy="314556"/>
+          </a:xfrm>
+          <a:prstGeom prst="rect">
+            <a:avLst/>
+          </a:prstGeom>
+          <a:solidFill>
+            <a:schemeClr val="bg2">
+              <a:lumMod val="50000"/>
+            </a:schemeClr>
+          </a:solidFill>
+          <a:ln>
+            <a:solidFill>
+              <a:schemeClr val="tx1"/>
+            </a:solidFill>
+          </a:ln>
+        </p:spPr>
+        <p:style>
+          <a:lnRef idx="2">
+            <a:schemeClr val="accent6"/>
+          </a:lnRef>
+          <a:fillRef idx="1">
+            <a:schemeClr val="lt1"/>
+          </a:fillRef>
+          <a:effectRef idx="0">
+            <a:schemeClr val="accent6"/>
+          </a:effectRef>
+          <a:fontRef idx="minor">
+            <a:schemeClr val="dk1"/>
+          </a:fontRef>
+        </p:style>
+        <p:txBody>
+          <a:bodyPr rtlCol="0" anchor="ctr"/>
+          <a:lstStyle/>
+          <a:p>
+            <a:pPr algn="ctr"/>
+            <a:r>
+              <a:rPr lang="es-ES" sz="1000" dirty="0" smtClean="0">
+                <a:solidFill>
+                  <a:schemeClr val="bg1"/>
+                </a:solidFill>
+                <a:latin typeface="Arial" panose="020B0604020202020204" pitchFamily="34" charset="0"/>
+                <a:cs typeface="Arial" panose="020B0604020202020204" pitchFamily="34" charset="0"/>
+              </a:rPr>
+              <a:t>punto</a:t>
+            </a:r>
+            <a:endParaRPr lang="es-ES" sz="1000" dirty="0">
+              <a:solidFill>
+                <a:schemeClr val="bg1"/>
+              </a:solidFill>
+              <a:latin typeface="Arial" panose="020B0604020202020204" pitchFamily="34" charset="0"/>
+              <a:cs typeface="Arial" panose="020B0604020202020204" pitchFamily="34" charset="0"/>
+            </a:endParaRPr>
+          </a:p>
+        </p:txBody>
+      </p:sp>
+      <p:cxnSp>
+        <p:nvCxnSpPr>
+          <p:cNvPr id="137" name="Conector angular 620"/>
+          <p:cNvCxnSpPr/>
+          <p:nvPr/>
+        </p:nvCxnSpPr>
+        <p:spPr>
+          <a:xfrm rot="10800000" flipV="1">
+            <a:off x="1191137" y="2970980"/>
+            <a:ext cx="1060174" cy="639416"/>
           </a:xfrm>
           <a:prstGeom prst="bentConnector3">
             <a:avLst>
-              <a:gd name="adj1" fmla="val 50000"/>
+              <a:gd name="adj1" fmla="val 100206"/>
             </a:avLst>
           </a:prstGeom>
           <a:ln w="12700">
@@ -3942,13 +6543,642 @@
       </p:cxnSp>
       <p:sp>
         <p:nvSpPr>
-          <p:cNvPr id="387" name="Rectángulo 153" descr="Nodo de cuarto nivel&#10;" title="Nodo04"/>
+          <p:cNvPr id="143" name="CuadroTexto 617" descr="Conector entre nodos" title="conector"/>
+          <p:cNvSpPr txBox="1"/>
+          <p:nvPr/>
+        </p:nvSpPr>
+        <p:spPr>
+          <a:xfrm>
+            <a:off x="1862511" y="4105563"/>
+            <a:ext cx="777599" cy="214354"/>
+          </a:xfrm>
+          <a:prstGeom prst="rect">
+            <a:avLst/>
+          </a:prstGeom>
+          <a:noFill/>
+        </p:spPr>
+        <p:txBody>
+          <a:bodyPr wrap="square" rtlCol="0">
+            <a:spAutoFit/>
+          </a:bodyPr>
+          <a:lstStyle/>
+          <a:p>
+            <a:pPr algn="ctr"/>
+            <a:r>
+              <a:rPr lang="es-ES" sz="793" dirty="0">
+                <a:latin typeface="Arial" panose="020B0604020202020204" pitchFamily="34" charset="0"/>
+                <a:cs typeface="Arial" panose="020B0604020202020204" pitchFamily="34" charset="0"/>
+              </a:rPr>
+              <a:t>s</a:t>
+            </a:r>
+            <a:r>
+              <a:rPr lang="es-ES" sz="793" dirty="0" smtClean="0">
+                <a:latin typeface="Arial" panose="020B0604020202020204" pitchFamily="34" charset="0"/>
+                <a:cs typeface="Arial" panose="020B0604020202020204" pitchFamily="34" charset="0"/>
+              </a:rPr>
+              <a:t>e determina</a:t>
+            </a:r>
+            <a:endParaRPr lang="es-ES" sz="793" dirty="0">
+              <a:latin typeface="Arial" panose="020B0604020202020204" pitchFamily="34" charset="0"/>
+              <a:cs typeface="Arial" panose="020B0604020202020204" pitchFamily="34" charset="0"/>
+            </a:endParaRPr>
+          </a:p>
+        </p:txBody>
+      </p:sp>
+      <p:sp>
+        <p:nvSpPr>
+          <p:cNvPr id="147" name="Rectángulo 160" descr="Nodo de tercer nivel" title="Nodo03"/>
           <p:cNvSpPr/>
           <p:nvPr/>
         </p:nvSpPr>
         <p:spPr>
           <a:xfrm>
-            <a:off x="1052132" y="6651120"/>
+            <a:off x="1874984" y="4515860"/>
+            <a:ext cx="711799" cy="418716"/>
+          </a:xfrm>
+          <a:prstGeom prst="rect">
+            <a:avLst/>
+          </a:prstGeom>
+          <a:solidFill>
+            <a:schemeClr val="bg2">
+              <a:lumMod val="90000"/>
+            </a:schemeClr>
+          </a:solidFill>
+          <a:ln>
+            <a:solidFill>
+              <a:schemeClr val="tx1"/>
+            </a:solidFill>
+          </a:ln>
+        </p:spPr>
+        <p:style>
+          <a:lnRef idx="2">
+            <a:schemeClr val="accent6"/>
+          </a:lnRef>
+          <a:fillRef idx="1">
+            <a:schemeClr val="lt1"/>
+          </a:fillRef>
+          <a:effectRef idx="0">
+            <a:schemeClr val="accent6"/>
+          </a:effectRef>
+          <a:fontRef idx="minor">
+            <a:schemeClr val="dk1"/>
+          </a:fontRef>
+        </p:style>
+        <p:txBody>
+          <a:bodyPr rtlCol="0" anchor="ctr"/>
+          <a:lstStyle/>
+          <a:p>
+            <a:pPr algn="ctr"/>
+            <a:r>
+              <a:rPr lang="es-ES" sz="793" dirty="0" smtClean="0">
+                <a:solidFill>
+                  <a:schemeClr val="tx1"/>
+                </a:solidFill>
+                <a:latin typeface="Arial" panose="020B0604020202020204" pitchFamily="34" charset="0"/>
+                <a:cs typeface="Arial" panose="020B0604020202020204" pitchFamily="34" charset="0"/>
+              </a:rPr>
+              <a:t>con tres puntos</a:t>
+            </a:r>
+            <a:endParaRPr lang="es-ES" sz="793" dirty="0">
+              <a:solidFill>
+                <a:schemeClr val="tx1"/>
+              </a:solidFill>
+              <a:latin typeface="Arial" panose="020B0604020202020204" pitchFamily="34" charset="0"/>
+              <a:cs typeface="Arial" panose="020B0604020202020204" pitchFamily="34" charset="0"/>
+            </a:endParaRPr>
+          </a:p>
+        </p:txBody>
+      </p:sp>
+      <p:sp>
+        <p:nvSpPr>
+          <p:cNvPr id="155" name="CuadroTexto 617" descr="Conector entre nodos" title="conector"/>
+          <p:cNvSpPr txBox="1"/>
+          <p:nvPr/>
+        </p:nvSpPr>
+        <p:spPr>
+          <a:xfrm>
+            <a:off x="787686" y="4111656"/>
+            <a:ext cx="777599" cy="214354"/>
+          </a:xfrm>
+          <a:prstGeom prst="rect">
+            <a:avLst/>
+          </a:prstGeom>
+          <a:noFill/>
+        </p:spPr>
+        <p:txBody>
+          <a:bodyPr wrap="square" rtlCol="0">
+            <a:spAutoFit/>
+          </a:bodyPr>
+          <a:lstStyle/>
+          <a:p>
+            <a:pPr algn="ctr"/>
+            <a:r>
+              <a:rPr lang="es-ES" sz="793" dirty="0">
+                <a:latin typeface="Arial" panose="020B0604020202020204" pitchFamily="34" charset="0"/>
+                <a:cs typeface="Arial" panose="020B0604020202020204" pitchFamily="34" charset="0"/>
+              </a:rPr>
+              <a:t>s</a:t>
+            </a:r>
+            <a:r>
+              <a:rPr lang="es-ES" sz="793" dirty="0" smtClean="0">
+                <a:latin typeface="Arial" panose="020B0604020202020204" pitchFamily="34" charset="0"/>
+                <a:cs typeface="Arial" panose="020B0604020202020204" pitchFamily="34" charset="0"/>
+              </a:rPr>
+              <a:t>e nombran</a:t>
+            </a:r>
+            <a:endParaRPr lang="es-ES" sz="793" dirty="0">
+              <a:latin typeface="Arial" panose="020B0604020202020204" pitchFamily="34" charset="0"/>
+              <a:cs typeface="Arial" panose="020B0604020202020204" pitchFamily="34" charset="0"/>
+            </a:endParaRPr>
+          </a:p>
+        </p:txBody>
+      </p:sp>
+      <p:sp>
+        <p:nvSpPr>
+          <p:cNvPr id="156" name="Rectángulo 160" descr="Nodo de tercer nivel" title="Nodo03"/>
+          <p:cNvSpPr/>
+          <p:nvPr/>
+        </p:nvSpPr>
+        <p:spPr>
+          <a:xfrm>
+            <a:off x="723356" y="4514590"/>
+            <a:ext cx="874173" cy="277815"/>
+          </a:xfrm>
+          <a:prstGeom prst="rect">
+            <a:avLst/>
+          </a:prstGeom>
+          <a:solidFill>
+            <a:schemeClr val="bg2">
+              <a:lumMod val="90000"/>
+            </a:schemeClr>
+          </a:solidFill>
+          <a:ln>
+            <a:solidFill>
+              <a:schemeClr val="tx1"/>
+            </a:solidFill>
+          </a:ln>
+        </p:spPr>
+        <p:style>
+          <a:lnRef idx="2">
+            <a:schemeClr val="accent6"/>
+          </a:lnRef>
+          <a:fillRef idx="1">
+            <a:schemeClr val="lt1"/>
+          </a:fillRef>
+          <a:effectRef idx="0">
+            <a:schemeClr val="accent6"/>
+          </a:effectRef>
+          <a:fontRef idx="minor">
+            <a:schemeClr val="dk1"/>
+          </a:fontRef>
+        </p:style>
+        <p:txBody>
+          <a:bodyPr rtlCol="0" anchor="ctr"/>
+          <a:lstStyle/>
+          <a:p>
+            <a:pPr algn="ctr"/>
+            <a:r>
+              <a:rPr lang="es-ES" sz="793" dirty="0" smtClean="0">
+                <a:solidFill>
+                  <a:schemeClr val="tx1"/>
+                </a:solidFill>
+                <a:latin typeface="Arial" panose="020B0604020202020204" pitchFamily="34" charset="0"/>
+                <a:cs typeface="Arial" panose="020B0604020202020204" pitchFamily="34" charset="0"/>
+              </a:rPr>
+              <a:t>con letras mayúsculas</a:t>
+            </a:r>
+            <a:endParaRPr lang="es-ES" sz="793" dirty="0">
+              <a:solidFill>
+                <a:schemeClr val="tx1"/>
+              </a:solidFill>
+              <a:latin typeface="Arial" panose="020B0604020202020204" pitchFamily="34" charset="0"/>
+              <a:cs typeface="Arial" panose="020B0604020202020204" pitchFamily="34" charset="0"/>
+            </a:endParaRPr>
+          </a:p>
+        </p:txBody>
+      </p:sp>
+      <p:sp>
+        <p:nvSpPr>
+          <p:cNvPr id="172" name="Rectángulo 160" descr="Nodo de tercer nivel" title="Nodo03"/>
+          <p:cNvSpPr/>
+          <p:nvPr/>
+        </p:nvSpPr>
+        <p:spPr>
+          <a:xfrm>
+            <a:off x="2866796" y="5241245"/>
+            <a:ext cx="838152" cy="823125"/>
+          </a:xfrm>
+          <a:prstGeom prst="rect">
+            <a:avLst/>
+          </a:prstGeom>
+          <a:solidFill>
+            <a:schemeClr val="bg2">
+              <a:lumMod val="90000"/>
+            </a:schemeClr>
+          </a:solidFill>
+          <a:ln>
+            <a:solidFill>
+              <a:schemeClr val="tx1"/>
+            </a:solidFill>
+          </a:ln>
+        </p:spPr>
+        <p:style>
+          <a:lnRef idx="2">
+            <a:schemeClr val="accent6"/>
+          </a:lnRef>
+          <a:fillRef idx="1">
+            <a:schemeClr val="lt1"/>
+          </a:fillRef>
+          <a:effectRef idx="0">
+            <a:schemeClr val="accent6"/>
+          </a:effectRef>
+          <a:fontRef idx="minor">
+            <a:schemeClr val="dk1"/>
+          </a:fontRef>
+        </p:style>
+        <p:txBody>
+          <a:bodyPr rtlCol="0" anchor="ctr"/>
+          <a:lstStyle/>
+          <a:p>
+            <a:pPr algn="ctr"/>
+            <a:r>
+              <a:rPr lang="es-ES" sz="793" dirty="0" smtClean="0">
+                <a:solidFill>
+                  <a:schemeClr val="tx1"/>
+                </a:solidFill>
+                <a:latin typeface="Arial" panose="020B0604020202020204" pitchFamily="34" charset="0"/>
+                <a:cs typeface="Arial" panose="020B0604020202020204" pitchFamily="34" charset="0"/>
+              </a:rPr>
+              <a:t>con una línea recta que contiene puntas de flechas en sus extremos</a:t>
+            </a:r>
+            <a:endParaRPr lang="es-ES" sz="793" dirty="0">
+              <a:solidFill>
+                <a:schemeClr val="tx1"/>
+              </a:solidFill>
+              <a:latin typeface="Arial" panose="020B0604020202020204" pitchFamily="34" charset="0"/>
+              <a:cs typeface="Arial" panose="020B0604020202020204" pitchFamily="34" charset="0"/>
+            </a:endParaRPr>
+          </a:p>
+        </p:txBody>
+      </p:sp>
+      <p:cxnSp>
+        <p:nvCxnSpPr>
+          <p:cNvPr id="186" name="Conector recto 155"/>
+          <p:cNvCxnSpPr/>
+          <p:nvPr/>
+        </p:nvCxnSpPr>
+        <p:spPr>
+          <a:xfrm flipV="1">
+            <a:off x="1433323" y="6754450"/>
+            <a:ext cx="1799" cy="206490"/>
+          </a:xfrm>
+          <a:prstGeom prst="line">
+            <a:avLst/>
+          </a:prstGeom>
+          <a:ln w="12700">
+            <a:solidFill>
+              <a:schemeClr val="tx1"/>
+            </a:solidFill>
+          </a:ln>
+        </p:spPr>
+        <p:style>
+          <a:lnRef idx="1">
+            <a:schemeClr val="accent1"/>
+          </a:lnRef>
+          <a:fillRef idx="0">
+            <a:schemeClr val="accent1"/>
+          </a:fillRef>
+          <a:effectRef idx="0">
+            <a:schemeClr val="accent1"/>
+          </a:effectRef>
+          <a:fontRef idx="minor">
+            <a:schemeClr val="tx1"/>
+          </a:fontRef>
+        </p:style>
+      </p:cxnSp>
+      <p:cxnSp>
+        <p:nvCxnSpPr>
+          <p:cNvPr id="188" name="Conector angular 583"/>
+          <p:cNvCxnSpPr/>
+          <p:nvPr/>
+        </p:nvCxnSpPr>
+        <p:spPr>
+          <a:xfrm>
+            <a:off x="2586783" y="6748161"/>
+            <a:ext cx="2042555" cy="236958"/>
+          </a:xfrm>
+          <a:prstGeom prst="bentConnector2">
+            <a:avLst/>
+          </a:prstGeom>
+          <a:ln w="12700">
+            <a:solidFill>
+              <a:schemeClr val="tx1"/>
+            </a:solidFill>
+          </a:ln>
+        </p:spPr>
+        <p:style>
+          <a:lnRef idx="1">
+            <a:schemeClr val="accent1"/>
+          </a:lnRef>
+          <a:fillRef idx="0">
+            <a:schemeClr val="accent1"/>
+          </a:fillRef>
+          <a:effectRef idx="0">
+            <a:schemeClr val="accent1"/>
+          </a:effectRef>
+          <a:fontRef idx="minor">
+            <a:schemeClr val="tx1"/>
+          </a:fontRef>
+        </p:style>
+      </p:cxnSp>
+      <p:sp>
+        <p:nvSpPr>
+          <p:cNvPr id="189" name="CuadroTexto 617" descr="Conector entre nodos" title="conector"/>
+          <p:cNvSpPr txBox="1"/>
+          <p:nvPr/>
+        </p:nvSpPr>
+        <p:spPr>
+          <a:xfrm>
+            <a:off x="848966" y="7575626"/>
+            <a:ext cx="1030554" cy="214354"/>
+          </a:xfrm>
+          <a:prstGeom prst="rect">
+            <a:avLst/>
+          </a:prstGeom>
+          <a:noFill/>
+        </p:spPr>
+        <p:txBody>
+          <a:bodyPr wrap="square" rtlCol="0">
+            <a:spAutoFit/>
+          </a:bodyPr>
+          <a:lstStyle/>
+          <a:p>
+            <a:pPr algn="ctr"/>
+            <a:r>
+              <a:rPr lang="es-ES" sz="793" dirty="0">
+                <a:latin typeface="Arial" panose="020B0604020202020204" pitchFamily="34" charset="0"/>
+                <a:cs typeface="Arial" panose="020B0604020202020204" pitchFamily="34" charset="0"/>
+              </a:rPr>
+              <a:t>se </a:t>
+            </a:r>
+            <a:r>
+              <a:rPr lang="es-ES" sz="793" dirty="0" smtClean="0">
+                <a:latin typeface="Arial" panose="020B0604020202020204" pitchFamily="34" charset="0"/>
+                <a:cs typeface="Arial" panose="020B0604020202020204" pitchFamily="34" charset="0"/>
+              </a:rPr>
+              <a:t>definen como </a:t>
+            </a:r>
+            <a:endParaRPr lang="es-ES" sz="793" dirty="0">
+              <a:latin typeface="Arial" panose="020B0604020202020204" pitchFamily="34" charset="0"/>
+              <a:cs typeface="Arial" panose="020B0604020202020204" pitchFamily="34" charset="0"/>
+            </a:endParaRPr>
+          </a:p>
+        </p:txBody>
+      </p:sp>
+      <p:sp>
+        <p:nvSpPr>
+          <p:cNvPr id="190" name="CuadroTexto 617" descr="Conector entre nodos" title="conector"/>
+          <p:cNvSpPr txBox="1"/>
+          <p:nvPr/>
+        </p:nvSpPr>
+        <p:spPr>
+          <a:xfrm>
+            <a:off x="2050608" y="7550295"/>
+            <a:ext cx="798279" cy="214354"/>
+          </a:xfrm>
+          <a:prstGeom prst="rect">
+            <a:avLst/>
+          </a:prstGeom>
+          <a:noFill/>
+        </p:spPr>
+        <p:txBody>
+          <a:bodyPr wrap="square" rtlCol="0">
+            <a:spAutoFit/>
+          </a:bodyPr>
+          <a:lstStyle/>
+          <a:p>
+            <a:pPr algn="ctr"/>
+            <a:r>
+              <a:rPr lang="es-ES" sz="793" dirty="0" smtClean="0">
+                <a:latin typeface="Arial" panose="020B0604020202020204" pitchFamily="34" charset="0"/>
+                <a:cs typeface="Arial" panose="020B0604020202020204" pitchFamily="34" charset="0"/>
+              </a:rPr>
+              <a:t>son</a:t>
+            </a:r>
+            <a:endParaRPr lang="es-ES" sz="793" dirty="0">
+              <a:latin typeface="Arial" panose="020B0604020202020204" pitchFamily="34" charset="0"/>
+              <a:cs typeface="Arial" panose="020B0604020202020204" pitchFamily="34" charset="0"/>
+            </a:endParaRPr>
+          </a:p>
+        </p:txBody>
+      </p:sp>
+      <p:sp>
+        <p:nvSpPr>
+          <p:cNvPr id="191" name="Rectángulo 153" descr="Nodo de cuarto nivel&#10;" title="Nodo04"/>
+          <p:cNvSpPr/>
+          <p:nvPr/>
+        </p:nvSpPr>
+        <p:spPr>
+          <a:xfrm>
+            <a:off x="2070350" y="7956344"/>
+            <a:ext cx="817543" cy="575210"/>
+          </a:xfrm>
+          <a:prstGeom prst="rect">
+            <a:avLst/>
+          </a:prstGeom>
+          <a:solidFill>
+            <a:schemeClr val="bg1"/>
+          </a:solidFill>
+          <a:ln>
+            <a:solidFill>
+              <a:schemeClr val="tx1"/>
+            </a:solidFill>
+          </a:ln>
+        </p:spPr>
+        <p:style>
+          <a:lnRef idx="2">
+            <a:schemeClr val="accent6"/>
+          </a:lnRef>
+          <a:fillRef idx="1">
+            <a:schemeClr val="lt1"/>
+          </a:fillRef>
+          <a:effectRef idx="0">
+            <a:schemeClr val="accent6"/>
+          </a:effectRef>
+          <a:fontRef idx="minor">
+            <a:schemeClr val="dk1"/>
+          </a:fontRef>
+        </p:style>
+        <p:txBody>
+          <a:bodyPr rtlCol="0" anchor="ctr"/>
+          <a:lstStyle/>
+          <a:p>
+            <a:pPr algn="ctr"/>
+            <a:r>
+              <a:rPr lang="es-ES" sz="793" dirty="0" smtClean="0">
+                <a:solidFill>
+                  <a:schemeClr val="tx1"/>
+                </a:solidFill>
+                <a:latin typeface="Arial" panose="020B0604020202020204" pitchFamily="34" charset="0"/>
+                <a:cs typeface="Arial" panose="020B0604020202020204" pitchFamily="34" charset="0"/>
+              </a:rPr>
+              <a:t>aquellas rectas que se intersecan en un punto</a:t>
+            </a:r>
+            <a:endParaRPr lang="es-ES" sz="793" dirty="0">
+              <a:solidFill>
+                <a:schemeClr val="tx1"/>
+              </a:solidFill>
+              <a:latin typeface="Arial" panose="020B0604020202020204" pitchFamily="34" charset="0"/>
+              <a:cs typeface="Arial" panose="020B0604020202020204" pitchFamily="34" charset="0"/>
+            </a:endParaRPr>
+          </a:p>
+        </p:txBody>
+      </p:sp>
+      <p:sp>
+        <p:nvSpPr>
+          <p:cNvPr id="192" name="Rectángulo 153" descr="Nodo de cuarto nivel&#10;" title="Nodo04"/>
+          <p:cNvSpPr/>
+          <p:nvPr/>
+        </p:nvSpPr>
+        <p:spPr>
+          <a:xfrm>
+            <a:off x="3067439" y="7992833"/>
+            <a:ext cx="909910" cy="620612"/>
+          </a:xfrm>
+          <a:prstGeom prst="rect">
+            <a:avLst/>
+          </a:prstGeom>
+          <a:solidFill>
+            <a:schemeClr val="bg1"/>
+          </a:solidFill>
+          <a:ln>
+            <a:solidFill>
+              <a:schemeClr val="tx1"/>
+            </a:solidFill>
+          </a:ln>
+        </p:spPr>
+        <p:style>
+          <a:lnRef idx="2">
+            <a:schemeClr val="accent6"/>
+          </a:lnRef>
+          <a:fillRef idx="1">
+            <a:schemeClr val="lt1"/>
+          </a:fillRef>
+          <a:effectRef idx="0">
+            <a:schemeClr val="accent6"/>
+          </a:effectRef>
+          <a:fontRef idx="minor">
+            <a:schemeClr val="dk1"/>
+          </a:fontRef>
+        </p:style>
+        <p:txBody>
+          <a:bodyPr rtlCol="0" anchor="ctr"/>
+          <a:lstStyle/>
+          <a:p>
+            <a:pPr algn="ctr"/>
+            <a:r>
+              <a:rPr lang="es-ES" sz="793" dirty="0" smtClean="0">
+                <a:solidFill>
+                  <a:schemeClr val="tx1"/>
+                </a:solidFill>
+                <a:latin typeface="Arial" panose="020B0604020202020204" pitchFamily="34" charset="0"/>
+                <a:cs typeface="Arial" panose="020B0604020202020204" pitchFamily="34" charset="0"/>
+              </a:rPr>
+              <a:t>rectas que se intersecan formando cuatro ángulos rectos</a:t>
+            </a:r>
+            <a:endParaRPr lang="es-ES" sz="793" dirty="0">
+              <a:solidFill>
+                <a:schemeClr val="tx1"/>
+              </a:solidFill>
+              <a:latin typeface="Arial" panose="020B0604020202020204" pitchFamily="34" charset="0"/>
+              <a:cs typeface="Arial" panose="020B0604020202020204" pitchFamily="34" charset="0"/>
+            </a:endParaRPr>
+          </a:p>
+        </p:txBody>
+      </p:sp>
+      <p:sp>
+        <p:nvSpPr>
+          <p:cNvPr id="193" name="CuadroTexto 617" descr="Conector entre nodos" title="conector"/>
+          <p:cNvSpPr txBox="1"/>
+          <p:nvPr/>
+        </p:nvSpPr>
+        <p:spPr>
+          <a:xfrm>
+            <a:off x="2991386" y="7584983"/>
+            <a:ext cx="985963" cy="214354"/>
+          </a:xfrm>
+          <a:prstGeom prst="rect">
+            <a:avLst/>
+          </a:prstGeom>
+          <a:noFill/>
+        </p:spPr>
+        <p:txBody>
+          <a:bodyPr wrap="square" rtlCol="0">
+            <a:spAutoFit/>
+          </a:bodyPr>
+          <a:lstStyle/>
+          <a:p>
+            <a:pPr algn="ctr"/>
+            <a:r>
+              <a:rPr lang="es-ES" sz="793" dirty="0" smtClean="0">
+                <a:latin typeface="Arial" panose="020B0604020202020204" pitchFamily="34" charset="0"/>
+                <a:cs typeface="Arial" panose="020B0604020202020204" pitchFamily="34" charset="0"/>
+              </a:rPr>
+              <a:t>son</a:t>
+            </a:r>
+            <a:endParaRPr lang="es-ES" sz="793" dirty="0">
+              <a:latin typeface="Arial" panose="020B0604020202020204" pitchFamily="34" charset="0"/>
+              <a:cs typeface="Arial" panose="020B0604020202020204" pitchFamily="34" charset="0"/>
+            </a:endParaRPr>
+          </a:p>
+        </p:txBody>
+      </p:sp>
+      <p:sp>
+        <p:nvSpPr>
+          <p:cNvPr id="194" name="CuadroTexto 617" descr="Conector entre nodos" title="conector"/>
+          <p:cNvSpPr txBox="1"/>
+          <p:nvPr/>
+        </p:nvSpPr>
+        <p:spPr>
+          <a:xfrm>
+            <a:off x="4162480" y="7575626"/>
+            <a:ext cx="985963" cy="214354"/>
+          </a:xfrm>
+          <a:prstGeom prst="rect">
+            <a:avLst/>
+          </a:prstGeom>
+          <a:noFill/>
+        </p:spPr>
+        <p:txBody>
+          <a:bodyPr wrap="square" rtlCol="0">
+            <a:spAutoFit/>
+          </a:bodyPr>
+          <a:lstStyle/>
+          <a:p>
+            <a:pPr algn="ctr"/>
+            <a:r>
+              <a:rPr lang="es-ES" sz="793" dirty="0" smtClean="0">
+                <a:latin typeface="Arial" panose="020B0604020202020204" pitchFamily="34" charset="0"/>
+                <a:cs typeface="Arial" panose="020B0604020202020204" pitchFamily="34" charset="0"/>
+              </a:rPr>
+              <a:t>aquellas que</a:t>
+            </a:r>
+            <a:endParaRPr lang="es-ES" sz="793" dirty="0">
+              <a:latin typeface="Arial" panose="020B0604020202020204" pitchFamily="34" charset="0"/>
+              <a:cs typeface="Arial" panose="020B0604020202020204" pitchFamily="34" charset="0"/>
+            </a:endParaRPr>
+          </a:p>
+        </p:txBody>
+      </p:sp>
+      <p:sp>
+        <p:nvSpPr>
+          <p:cNvPr id="195" name="Rectángulo 153" descr="Nodo de cuarto nivel&#10;" title="Nodo04"/>
+          <p:cNvSpPr/>
+          <p:nvPr/>
+        </p:nvSpPr>
+        <p:spPr>
+          <a:xfrm>
+            <a:off x="4284001" y="7954145"/>
             <a:ext cx="849077" cy="478734"/>
           </a:xfrm>
           <a:prstGeom prst="rect">
@@ -3992,6 +7222,395 @@
               </a:rPr>
               <a:t>coinciden exactamente en todos sus puntos</a:t>
             </a:r>
+          </a:p>
+        </p:txBody>
+      </p:sp>
+      <p:cxnSp>
+        <p:nvCxnSpPr>
+          <p:cNvPr id="196" name="Conector angular 67"/>
+          <p:cNvCxnSpPr/>
+          <p:nvPr/>
+        </p:nvCxnSpPr>
+        <p:spPr>
+          <a:xfrm rot="16200000" flipH="1">
+            <a:off x="1267580" y="7434718"/>
+            <a:ext cx="331460" cy="26"/>
+          </a:xfrm>
+          <a:prstGeom prst="bentConnector3">
+            <a:avLst>
+              <a:gd name="adj1" fmla="val 50000"/>
+            </a:avLst>
+          </a:prstGeom>
+          <a:ln w="12700">
+            <a:solidFill>
+              <a:schemeClr val="tx1"/>
+            </a:solidFill>
+          </a:ln>
+        </p:spPr>
+        <p:style>
+          <a:lnRef idx="1">
+            <a:schemeClr val="accent1"/>
+          </a:lnRef>
+          <a:fillRef idx="0">
+            <a:schemeClr val="accent1"/>
+          </a:fillRef>
+          <a:effectRef idx="0">
+            <a:schemeClr val="accent1"/>
+          </a:effectRef>
+          <a:fontRef idx="minor">
+            <a:schemeClr val="tx1"/>
+          </a:fontRef>
+        </p:style>
+      </p:cxnSp>
+      <p:cxnSp>
+        <p:nvCxnSpPr>
+          <p:cNvPr id="199" name="Conector angular 67"/>
+          <p:cNvCxnSpPr/>
+          <p:nvPr/>
+        </p:nvCxnSpPr>
+        <p:spPr>
+          <a:xfrm rot="16200000" flipH="1">
+            <a:off x="2288883" y="7419802"/>
+            <a:ext cx="331460" cy="26"/>
+          </a:xfrm>
+          <a:prstGeom prst="bentConnector3">
+            <a:avLst>
+              <a:gd name="adj1" fmla="val 50000"/>
+            </a:avLst>
+          </a:prstGeom>
+          <a:ln w="12700">
+            <a:solidFill>
+              <a:schemeClr val="tx1"/>
+            </a:solidFill>
+          </a:ln>
+        </p:spPr>
+        <p:style>
+          <a:lnRef idx="1">
+            <a:schemeClr val="accent1"/>
+          </a:lnRef>
+          <a:fillRef idx="0">
+            <a:schemeClr val="accent1"/>
+          </a:fillRef>
+          <a:effectRef idx="0">
+            <a:schemeClr val="accent1"/>
+          </a:effectRef>
+          <a:fontRef idx="minor">
+            <a:schemeClr val="tx1"/>
+          </a:fontRef>
+        </p:style>
+      </p:cxnSp>
+      <p:cxnSp>
+        <p:nvCxnSpPr>
+          <p:cNvPr id="200" name="Conector angular 67"/>
+          <p:cNvCxnSpPr/>
+          <p:nvPr/>
+        </p:nvCxnSpPr>
+        <p:spPr>
+          <a:xfrm rot="16200000" flipH="1">
+            <a:off x="3318651" y="7426841"/>
+            <a:ext cx="331460" cy="26"/>
+          </a:xfrm>
+          <a:prstGeom prst="bentConnector3">
+            <a:avLst>
+              <a:gd name="adj1" fmla="val 50000"/>
+            </a:avLst>
+          </a:prstGeom>
+          <a:ln w="12700">
+            <a:solidFill>
+              <a:schemeClr val="tx1"/>
+            </a:solidFill>
+          </a:ln>
+        </p:spPr>
+        <p:style>
+          <a:lnRef idx="1">
+            <a:schemeClr val="accent1"/>
+          </a:lnRef>
+          <a:fillRef idx="0">
+            <a:schemeClr val="accent1"/>
+          </a:fillRef>
+          <a:effectRef idx="0">
+            <a:schemeClr val="accent1"/>
+          </a:effectRef>
+          <a:fontRef idx="minor">
+            <a:schemeClr val="tx1"/>
+          </a:fontRef>
+        </p:style>
+      </p:cxnSp>
+      <p:cxnSp>
+        <p:nvCxnSpPr>
+          <p:cNvPr id="201" name="Conector angular 67"/>
+          <p:cNvCxnSpPr/>
+          <p:nvPr/>
+        </p:nvCxnSpPr>
+        <p:spPr>
+          <a:xfrm rot="16200000" flipH="1">
+            <a:off x="4463043" y="7425748"/>
+            <a:ext cx="331460" cy="26"/>
+          </a:xfrm>
+          <a:prstGeom prst="bentConnector3">
+            <a:avLst>
+              <a:gd name="adj1" fmla="val 50000"/>
+            </a:avLst>
+          </a:prstGeom>
+          <a:ln w="12700">
+            <a:solidFill>
+              <a:schemeClr val="tx1"/>
+            </a:solidFill>
+          </a:ln>
+        </p:spPr>
+        <p:style>
+          <a:lnRef idx="1">
+            <a:schemeClr val="accent1"/>
+          </a:lnRef>
+          <a:fillRef idx="0">
+            <a:schemeClr val="accent1"/>
+          </a:fillRef>
+          <a:effectRef idx="0">
+            <a:schemeClr val="accent1"/>
+          </a:effectRef>
+          <a:fontRef idx="minor">
+            <a:schemeClr val="tx1"/>
+          </a:fontRef>
+        </p:style>
+      </p:cxnSp>
+      <p:cxnSp>
+        <p:nvCxnSpPr>
+          <p:cNvPr id="205" name="Conector recto 163"/>
+          <p:cNvCxnSpPr/>
+          <p:nvPr/>
+        </p:nvCxnSpPr>
+        <p:spPr>
+          <a:xfrm flipV="1">
+            <a:off x="4633630" y="7760065"/>
+            <a:ext cx="0" cy="195695"/>
+          </a:xfrm>
+          <a:prstGeom prst="line">
+            <a:avLst/>
+          </a:prstGeom>
+          <a:ln w="12700">
+            <a:solidFill>
+              <a:schemeClr val="tx1"/>
+            </a:solidFill>
+          </a:ln>
+        </p:spPr>
+        <p:style>
+          <a:lnRef idx="1">
+            <a:schemeClr val="accent1"/>
+          </a:lnRef>
+          <a:fillRef idx="0">
+            <a:schemeClr val="accent1"/>
+          </a:fillRef>
+          <a:effectRef idx="0">
+            <a:schemeClr val="accent1"/>
+          </a:effectRef>
+          <a:fontRef idx="minor">
+            <a:schemeClr val="tx1"/>
+          </a:fontRef>
+        </p:style>
+      </p:cxnSp>
+      <p:cxnSp>
+        <p:nvCxnSpPr>
+          <p:cNvPr id="206" name="Conector recto 163"/>
+          <p:cNvCxnSpPr/>
+          <p:nvPr/>
+        </p:nvCxnSpPr>
+        <p:spPr>
+          <a:xfrm flipV="1">
+            <a:off x="3493482" y="7789980"/>
+            <a:ext cx="0" cy="195695"/>
+          </a:xfrm>
+          <a:prstGeom prst="line">
+            <a:avLst/>
+          </a:prstGeom>
+          <a:ln w="12700">
+            <a:solidFill>
+              <a:schemeClr val="tx1"/>
+            </a:solidFill>
+          </a:ln>
+        </p:spPr>
+        <p:style>
+          <a:lnRef idx="1">
+            <a:schemeClr val="accent1"/>
+          </a:lnRef>
+          <a:fillRef idx="0">
+            <a:schemeClr val="accent1"/>
+          </a:fillRef>
+          <a:effectRef idx="0">
+            <a:schemeClr val="accent1"/>
+          </a:effectRef>
+          <a:fontRef idx="minor">
+            <a:schemeClr val="tx1"/>
+          </a:fontRef>
+        </p:style>
+      </p:cxnSp>
+      <p:cxnSp>
+        <p:nvCxnSpPr>
+          <p:cNvPr id="207" name="Conector recto 163"/>
+          <p:cNvCxnSpPr/>
+          <p:nvPr/>
+        </p:nvCxnSpPr>
+        <p:spPr>
+          <a:xfrm flipV="1">
+            <a:off x="2464836" y="7760065"/>
+            <a:ext cx="0" cy="195695"/>
+          </a:xfrm>
+          <a:prstGeom prst="line">
+            <a:avLst/>
+          </a:prstGeom>
+          <a:ln w="12700">
+            <a:solidFill>
+              <a:schemeClr val="tx1"/>
+            </a:solidFill>
+          </a:ln>
+        </p:spPr>
+        <p:style>
+          <a:lnRef idx="1">
+            <a:schemeClr val="accent1"/>
+          </a:lnRef>
+          <a:fillRef idx="0">
+            <a:schemeClr val="accent1"/>
+          </a:fillRef>
+          <a:effectRef idx="0">
+            <a:schemeClr val="accent1"/>
+          </a:effectRef>
+          <a:fontRef idx="minor">
+            <a:schemeClr val="tx1"/>
+          </a:fontRef>
+        </p:style>
+      </p:cxnSp>
+      <p:cxnSp>
+        <p:nvCxnSpPr>
+          <p:cNvPr id="208" name="Conector recto 163"/>
+          <p:cNvCxnSpPr/>
+          <p:nvPr/>
+        </p:nvCxnSpPr>
+        <p:spPr>
+          <a:xfrm flipV="1">
+            <a:off x="1416911" y="7770927"/>
+            <a:ext cx="0" cy="195695"/>
+          </a:xfrm>
+          <a:prstGeom prst="line">
+            <a:avLst/>
+          </a:prstGeom>
+          <a:ln w="12700">
+            <a:solidFill>
+              <a:schemeClr val="tx1"/>
+            </a:solidFill>
+          </a:ln>
+        </p:spPr>
+        <p:style>
+          <a:lnRef idx="1">
+            <a:schemeClr val="accent1"/>
+          </a:lnRef>
+          <a:fillRef idx="0">
+            <a:schemeClr val="accent1"/>
+          </a:fillRef>
+          <a:effectRef idx="0">
+            <a:schemeClr val="accent1"/>
+          </a:effectRef>
+          <a:fontRef idx="minor">
+            <a:schemeClr val="tx1"/>
+          </a:fontRef>
+        </p:style>
+      </p:cxnSp>
+      <p:sp>
+        <p:nvSpPr>
+          <p:cNvPr id="212" name="CuadroTexto 617" descr="Conector entre nodos" title="conector"/>
+          <p:cNvSpPr txBox="1"/>
+          <p:nvPr/>
+        </p:nvSpPr>
+        <p:spPr>
+          <a:xfrm>
+            <a:off x="3861894" y="4110488"/>
+            <a:ext cx="900997" cy="214354"/>
+          </a:xfrm>
+          <a:prstGeom prst="rect">
+            <a:avLst/>
+          </a:prstGeom>
+          <a:noFill/>
+        </p:spPr>
+        <p:txBody>
+          <a:bodyPr wrap="square" rtlCol="0">
+            <a:spAutoFit/>
+          </a:bodyPr>
+          <a:lstStyle/>
+          <a:p>
+            <a:pPr algn="ctr"/>
+            <a:r>
+              <a:rPr lang="es-ES" sz="793" dirty="0">
+                <a:latin typeface="Arial" panose="020B0604020202020204" pitchFamily="34" charset="0"/>
+                <a:cs typeface="Arial" panose="020B0604020202020204" pitchFamily="34" charset="0"/>
+              </a:rPr>
+              <a:t>s</a:t>
+            </a:r>
+            <a:r>
+              <a:rPr lang="es-ES" sz="793" dirty="0" smtClean="0">
+                <a:latin typeface="Arial" panose="020B0604020202020204" pitchFamily="34" charset="0"/>
+                <a:cs typeface="Arial" panose="020B0604020202020204" pitchFamily="34" charset="0"/>
+              </a:rPr>
+              <a:t>e define como</a:t>
+            </a:r>
+            <a:endParaRPr lang="es-ES" sz="793" dirty="0">
+              <a:latin typeface="Arial" panose="020B0604020202020204" pitchFamily="34" charset="0"/>
+              <a:cs typeface="Arial" panose="020B0604020202020204" pitchFamily="34" charset="0"/>
+            </a:endParaRPr>
+          </a:p>
+        </p:txBody>
+      </p:sp>
+      <p:sp>
+        <p:nvSpPr>
+          <p:cNvPr id="213" name="Rectángulo 160" descr="Nodo de tercer nivel" title="Nodo03"/>
+          <p:cNvSpPr/>
+          <p:nvPr/>
+        </p:nvSpPr>
+        <p:spPr>
+          <a:xfrm>
+            <a:off x="3874424" y="4480212"/>
+            <a:ext cx="869115" cy="563956"/>
+          </a:xfrm>
+          <a:prstGeom prst="rect">
+            <a:avLst/>
+          </a:prstGeom>
+          <a:solidFill>
+            <a:schemeClr val="bg2">
+              <a:lumMod val="90000"/>
+            </a:schemeClr>
+          </a:solidFill>
+          <a:ln>
+            <a:solidFill>
+              <a:schemeClr val="tx1"/>
+            </a:solidFill>
+          </a:ln>
+        </p:spPr>
+        <p:style>
+          <a:lnRef idx="2">
+            <a:schemeClr val="accent6"/>
+          </a:lnRef>
+          <a:fillRef idx="1">
+            <a:schemeClr val="lt1"/>
+          </a:fillRef>
+          <a:effectRef idx="0">
+            <a:schemeClr val="accent6"/>
+          </a:effectRef>
+          <a:fontRef idx="minor">
+            <a:schemeClr val="dk1"/>
+          </a:fontRef>
+        </p:style>
+        <p:txBody>
+          <a:bodyPr rtlCol="0" anchor="ctr"/>
+          <a:lstStyle/>
+          <a:p>
+            <a:pPr algn="ctr"/>
+            <a:r>
+              <a:rPr lang="es-ES" sz="793" dirty="0" smtClean="0">
+                <a:solidFill>
+                  <a:schemeClr val="tx1"/>
+                </a:solidFill>
+                <a:latin typeface="Arial" panose="020B0604020202020204" pitchFamily="34" charset="0"/>
+                <a:cs typeface="Arial" panose="020B0604020202020204" pitchFamily="34" charset="0"/>
+              </a:rPr>
+              <a:t>parte de una recta que tiene punto origen</a:t>
+            </a:r>
             <a:endParaRPr lang="es-ES" sz="793" dirty="0">
               <a:solidFill>
                 <a:schemeClr val="tx1"/>
@@ -4002,54 +7621,53 @@
           </a:p>
         </p:txBody>
       </p:sp>
-      <p:cxnSp>
-        <p:nvCxnSpPr>
-          <p:cNvPr id="388" name="Conector recto 155"/>
-          <p:cNvCxnSpPr>
-            <a:stCxn id="387" idx="0"/>
-            <a:endCxn id="382" idx="2"/>
-          </p:cNvCxnSpPr>
-          <p:nvPr/>
-        </p:nvCxnSpPr>
-        <p:spPr>
-          <a:xfrm flipV="1">
-            <a:off x="1476669" y="6444628"/>
-            <a:ext cx="1799" cy="206490"/>
-          </a:xfrm>
-          <a:prstGeom prst="line">
-            <a:avLst/>
-          </a:prstGeom>
-          <a:ln w="12700">
-            <a:solidFill>
-              <a:schemeClr val="tx1"/>
-            </a:solidFill>
-          </a:ln>
-        </p:spPr>
-        <p:style>
-          <a:lnRef idx="1">
-            <a:schemeClr val="accent1"/>
-          </a:lnRef>
-          <a:fillRef idx="0">
-            <a:schemeClr val="accent1"/>
-          </a:fillRef>
-          <a:effectRef idx="0">
-            <a:schemeClr val="accent1"/>
-          </a:effectRef>
-          <a:fontRef idx="minor">
-            <a:schemeClr val="tx1"/>
-          </a:fontRef>
-        </p:style>
-      </p:cxnSp>
-      <p:sp>
-        <p:nvSpPr>
-          <p:cNvPr id="389" name="Rectángulo 160" descr="Nodo de tercer nivel" title="Nodo03"/>
+      <p:sp>
+        <p:nvSpPr>
+          <p:cNvPr id="214" name="CuadroTexto 617" descr="Conector entre nodos" title="conector"/>
+          <p:cNvSpPr txBox="1"/>
+          <p:nvPr/>
+        </p:nvSpPr>
+        <p:spPr>
+          <a:xfrm>
+            <a:off x="5108038" y="4103865"/>
+            <a:ext cx="571012" cy="214354"/>
+          </a:xfrm>
+          <a:prstGeom prst="rect">
+            <a:avLst/>
+          </a:prstGeom>
+          <a:noFill/>
+        </p:spPr>
+        <p:txBody>
+          <a:bodyPr wrap="square" rtlCol="0">
+            <a:spAutoFit/>
+          </a:bodyPr>
+          <a:lstStyle/>
+          <a:p>
+            <a:pPr algn="ctr"/>
+            <a:r>
+              <a:rPr lang="es-ES" sz="793" dirty="0" smtClean="0">
+                <a:latin typeface="Arial" panose="020B0604020202020204" pitchFamily="34" charset="0"/>
+                <a:cs typeface="Arial" panose="020B0604020202020204" pitchFamily="34" charset="0"/>
+              </a:rPr>
+              <a:t>es</a:t>
+            </a:r>
+            <a:endParaRPr lang="es-ES" sz="793" dirty="0">
+              <a:latin typeface="Arial" panose="020B0604020202020204" pitchFamily="34" charset="0"/>
+              <a:cs typeface="Arial" panose="020B0604020202020204" pitchFamily="34" charset="0"/>
+            </a:endParaRPr>
+          </a:p>
+        </p:txBody>
+      </p:sp>
+      <p:sp>
+        <p:nvSpPr>
+          <p:cNvPr id="215" name="Rectángulo 160" descr="Nodo de tercer nivel" title="Nodo03"/>
           <p:cNvSpPr/>
           <p:nvPr/>
         </p:nvSpPr>
         <p:spPr>
           <a:xfrm>
-            <a:off x="4714456" y="4456084"/>
-            <a:ext cx="633560" cy="277815"/>
+            <a:off x="4942658" y="4456664"/>
+            <a:ext cx="1012624" cy="668814"/>
           </a:xfrm>
           <a:prstGeom prst="rect">
             <a:avLst/>
@@ -4058,6 +7676,835 @@
             <a:schemeClr val="bg2">
               <a:lumMod val="90000"/>
             </a:schemeClr>
+          </a:solidFill>
+          <a:ln>
+            <a:solidFill>
+              <a:schemeClr val="tx1"/>
+            </a:solidFill>
+          </a:ln>
+        </p:spPr>
+        <p:style>
+          <a:lnRef idx="2">
+            <a:schemeClr val="accent6"/>
+          </a:lnRef>
+          <a:fillRef idx="1">
+            <a:schemeClr val="lt1"/>
+          </a:fillRef>
+          <a:effectRef idx="0">
+            <a:schemeClr val="accent6"/>
+          </a:effectRef>
+          <a:fontRef idx="minor">
+            <a:schemeClr val="dk1"/>
+          </a:fontRef>
+        </p:style>
+        <p:txBody>
+          <a:bodyPr rtlCol="0" anchor="ctr"/>
+          <a:lstStyle/>
+          <a:p>
+            <a:pPr algn="ctr"/>
+            <a:r>
+              <a:rPr lang="es-ES" sz="793" dirty="0" smtClean="0">
+                <a:solidFill>
+                  <a:schemeClr val="tx1"/>
+                </a:solidFill>
+                <a:latin typeface="Arial" panose="020B0604020202020204" pitchFamily="34" charset="0"/>
+                <a:cs typeface="Arial" panose="020B0604020202020204" pitchFamily="34" charset="0"/>
+              </a:rPr>
+              <a:t>parte de una recta comprendida entre  dos puntos extremos</a:t>
+            </a:r>
+            <a:endParaRPr lang="es-ES" sz="793" dirty="0">
+              <a:solidFill>
+                <a:schemeClr val="tx1"/>
+              </a:solidFill>
+              <a:latin typeface="Arial" panose="020B0604020202020204" pitchFamily="34" charset="0"/>
+              <a:cs typeface="Arial" panose="020B0604020202020204" pitchFamily="34" charset="0"/>
+            </a:endParaRPr>
+          </a:p>
+        </p:txBody>
+      </p:sp>
+      <p:sp>
+        <p:nvSpPr>
+          <p:cNvPr id="216" name="CuadroTexto 617" descr="Conector entre nodos" title="conector"/>
+          <p:cNvSpPr txBox="1"/>
+          <p:nvPr/>
+        </p:nvSpPr>
+        <p:spPr>
+          <a:xfrm>
+            <a:off x="4981284" y="5271435"/>
+            <a:ext cx="1030554" cy="214354"/>
+          </a:xfrm>
+          <a:prstGeom prst="rect">
+            <a:avLst/>
+          </a:prstGeom>
+          <a:noFill/>
+        </p:spPr>
+        <p:txBody>
+          <a:bodyPr wrap="square" rtlCol="0">
+            <a:spAutoFit/>
+          </a:bodyPr>
+          <a:lstStyle/>
+          <a:p>
+            <a:pPr algn="ctr"/>
+            <a:r>
+              <a:rPr lang="es-ES" sz="793" dirty="0" smtClean="0">
+                <a:latin typeface="Arial" panose="020B0604020202020204" pitchFamily="34" charset="0"/>
+                <a:cs typeface="Arial" panose="020B0604020202020204" pitchFamily="34" charset="0"/>
+              </a:rPr>
+              <a:t>se puede</a:t>
+            </a:r>
+            <a:endParaRPr lang="es-ES" sz="793" dirty="0">
+              <a:latin typeface="Arial" panose="020B0604020202020204" pitchFamily="34" charset="0"/>
+              <a:cs typeface="Arial" panose="020B0604020202020204" pitchFamily="34" charset="0"/>
+            </a:endParaRPr>
+          </a:p>
+        </p:txBody>
+      </p:sp>
+      <p:sp>
+        <p:nvSpPr>
+          <p:cNvPr id="223" name="CuadroTexto 161" descr="Conector entre nodos" title="conector"/>
+          <p:cNvSpPr txBox="1"/>
+          <p:nvPr/>
+        </p:nvSpPr>
+        <p:spPr>
+          <a:xfrm>
+            <a:off x="5059972" y="6329833"/>
+            <a:ext cx="895309" cy="214354"/>
+          </a:xfrm>
+          <a:prstGeom prst="rect">
+            <a:avLst/>
+          </a:prstGeom>
+          <a:noFill/>
+        </p:spPr>
+        <p:txBody>
+          <a:bodyPr wrap="square" rtlCol="0">
+            <a:spAutoFit/>
+          </a:bodyPr>
+          <a:lstStyle/>
+          <a:p>
+            <a:pPr algn="ctr"/>
+            <a:r>
+              <a:rPr lang="es-ES" sz="793" dirty="0" smtClean="0">
+                <a:latin typeface="Arial" panose="020B0604020202020204" pitchFamily="34" charset="0"/>
+                <a:cs typeface="Arial" panose="020B0604020202020204" pitchFamily="34" charset="0"/>
+              </a:rPr>
+              <a:t>que consiste en</a:t>
+            </a:r>
+            <a:endParaRPr lang="es-ES" sz="793" dirty="0">
+              <a:latin typeface="Arial" panose="020B0604020202020204" pitchFamily="34" charset="0"/>
+              <a:cs typeface="Arial" panose="020B0604020202020204" pitchFamily="34" charset="0"/>
+            </a:endParaRPr>
+          </a:p>
+        </p:txBody>
+      </p:sp>
+      <p:cxnSp>
+        <p:nvCxnSpPr>
+          <p:cNvPr id="224" name="Conector recto 163"/>
+          <p:cNvCxnSpPr/>
+          <p:nvPr/>
+        </p:nvCxnSpPr>
+        <p:spPr>
+          <a:xfrm flipV="1">
+            <a:off x="5496410" y="5114003"/>
+            <a:ext cx="0" cy="195695"/>
+          </a:xfrm>
+          <a:prstGeom prst="line">
+            <a:avLst/>
+          </a:prstGeom>
+          <a:ln w="12700">
+            <a:solidFill>
+              <a:schemeClr val="tx1"/>
+            </a:solidFill>
+          </a:ln>
+        </p:spPr>
+        <p:style>
+          <a:lnRef idx="1">
+            <a:schemeClr val="accent1"/>
+          </a:lnRef>
+          <a:fillRef idx="0">
+            <a:schemeClr val="accent1"/>
+          </a:fillRef>
+          <a:effectRef idx="0">
+            <a:schemeClr val="accent1"/>
+          </a:effectRef>
+          <a:fontRef idx="minor">
+            <a:schemeClr val="tx1"/>
+          </a:fontRef>
+        </p:style>
+      </p:cxnSp>
+      <p:cxnSp>
+        <p:nvCxnSpPr>
+          <p:cNvPr id="225" name="Conector recto 163"/>
+          <p:cNvCxnSpPr/>
+          <p:nvPr/>
+        </p:nvCxnSpPr>
+        <p:spPr>
+          <a:xfrm flipV="1">
+            <a:off x="5501630" y="5457113"/>
+            <a:ext cx="0" cy="195695"/>
+          </a:xfrm>
+          <a:prstGeom prst="line">
+            <a:avLst/>
+          </a:prstGeom>
+          <a:ln w="12700">
+            <a:solidFill>
+              <a:schemeClr val="tx1"/>
+            </a:solidFill>
+          </a:ln>
+        </p:spPr>
+        <p:style>
+          <a:lnRef idx="1">
+            <a:schemeClr val="accent1"/>
+          </a:lnRef>
+          <a:fillRef idx="0">
+            <a:schemeClr val="accent1"/>
+          </a:fillRef>
+          <a:effectRef idx="0">
+            <a:schemeClr val="accent1"/>
+          </a:effectRef>
+          <a:fontRef idx="minor">
+            <a:schemeClr val="tx1"/>
+          </a:fontRef>
+        </p:style>
+      </p:cxnSp>
+      <p:cxnSp>
+        <p:nvCxnSpPr>
+          <p:cNvPr id="226" name="Conector recto 163"/>
+          <p:cNvCxnSpPr/>
+          <p:nvPr/>
+        </p:nvCxnSpPr>
+        <p:spPr>
+          <a:xfrm flipV="1">
+            <a:off x="5494052" y="6170743"/>
+            <a:ext cx="0" cy="195695"/>
+          </a:xfrm>
+          <a:prstGeom prst="line">
+            <a:avLst/>
+          </a:prstGeom>
+          <a:ln w="12700">
+            <a:solidFill>
+              <a:schemeClr val="tx1"/>
+            </a:solidFill>
+          </a:ln>
+        </p:spPr>
+        <p:style>
+          <a:lnRef idx="1">
+            <a:schemeClr val="accent1"/>
+          </a:lnRef>
+          <a:fillRef idx="0">
+            <a:schemeClr val="accent1"/>
+          </a:fillRef>
+          <a:effectRef idx="0">
+            <a:schemeClr val="accent1"/>
+          </a:effectRef>
+          <a:fontRef idx="minor">
+            <a:schemeClr val="tx1"/>
+          </a:fontRef>
+        </p:style>
+      </p:cxnSp>
+      <p:cxnSp>
+        <p:nvCxnSpPr>
+          <p:cNvPr id="228" name="Conector recto 163"/>
+          <p:cNvCxnSpPr/>
+          <p:nvPr/>
+        </p:nvCxnSpPr>
+        <p:spPr>
+          <a:xfrm flipV="1">
+            <a:off x="3247706" y="6093472"/>
+            <a:ext cx="0" cy="195695"/>
+          </a:xfrm>
+          <a:prstGeom prst="line">
+            <a:avLst/>
+          </a:prstGeom>
+          <a:ln w="12700">
+            <a:solidFill>
+              <a:schemeClr val="tx1"/>
+            </a:solidFill>
+          </a:ln>
+        </p:spPr>
+        <p:style>
+          <a:lnRef idx="1">
+            <a:schemeClr val="accent1"/>
+          </a:lnRef>
+          <a:fillRef idx="0">
+            <a:schemeClr val="accent1"/>
+          </a:fillRef>
+          <a:effectRef idx="0">
+            <a:schemeClr val="accent1"/>
+          </a:effectRef>
+          <a:fontRef idx="minor">
+            <a:schemeClr val="tx1"/>
+          </a:fontRef>
+        </p:style>
+      </p:cxnSp>
+      <p:cxnSp>
+        <p:nvCxnSpPr>
+          <p:cNvPr id="229" name="Conector recto 163"/>
+          <p:cNvCxnSpPr/>
+          <p:nvPr/>
+        </p:nvCxnSpPr>
+        <p:spPr>
+          <a:xfrm flipH="1" flipV="1">
+            <a:off x="3225800" y="6446340"/>
+            <a:ext cx="461" cy="300503"/>
+          </a:xfrm>
+          <a:prstGeom prst="line">
+            <a:avLst/>
+          </a:prstGeom>
+          <a:ln w="12700">
+            <a:solidFill>
+              <a:schemeClr val="tx1"/>
+            </a:solidFill>
+          </a:ln>
+        </p:spPr>
+        <p:style>
+          <a:lnRef idx="1">
+            <a:schemeClr val="accent1"/>
+          </a:lnRef>
+          <a:fillRef idx="0">
+            <a:schemeClr val="accent1"/>
+          </a:fillRef>
+          <a:effectRef idx="0">
+            <a:schemeClr val="accent1"/>
+          </a:effectRef>
+          <a:fontRef idx="minor">
+            <a:schemeClr val="tx1"/>
+          </a:fontRef>
+        </p:style>
+      </p:cxnSp>
+      <p:cxnSp>
+        <p:nvCxnSpPr>
+          <p:cNvPr id="231" name="Conector recto 163"/>
+          <p:cNvCxnSpPr/>
+          <p:nvPr/>
+        </p:nvCxnSpPr>
+        <p:spPr>
+          <a:xfrm flipV="1">
+            <a:off x="4267559" y="3939989"/>
+            <a:ext cx="0" cy="195695"/>
+          </a:xfrm>
+          <a:prstGeom prst="line">
+            <a:avLst/>
+          </a:prstGeom>
+          <a:ln w="12700">
+            <a:solidFill>
+              <a:schemeClr val="tx1"/>
+            </a:solidFill>
+          </a:ln>
+        </p:spPr>
+        <p:style>
+          <a:lnRef idx="1">
+            <a:schemeClr val="accent1"/>
+          </a:lnRef>
+          <a:fillRef idx="0">
+            <a:schemeClr val="accent1"/>
+          </a:fillRef>
+          <a:effectRef idx="0">
+            <a:schemeClr val="accent1"/>
+          </a:effectRef>
+          <a:fontRef idx="minor">
+            <a:schemeClr val="tx1"/>
+          </a:fontRef>
+        </p:style>
+      </p:cxnSp>
+      <p:cxnSp>
+        <p:nvCxnSpPr>
+          <p:cNvPr id="232" name="Conector recto 163"/>
+          <p:cNvCxnSpPr/>
+          <p:nvPr/>
+        </p:nvCxnSpPr>
+        <p:spPr>
+          <a:xfrm flipV="1">
+            <a:off x="4259981" y="4277359"/>
+            <a:ext cx="0" cy="195695"/>
+          </a:xfrm>
+          <a:prstGeom prst="line">
+            <a:avLst/>
+          </a:prstGeom>
+          <a:ln w="12700">
+            <a:solidFill>
+              <a:schemeClr val="tx1"/>
+            </a:solidFill>
+          </a:ln>
+        </p:spPr>
+        <p:style>
+          <a:lnRef idx="1">
+            <a:schemeClr val="accent1"/>
+          </a:lnRef>
+          <a:fillRef idx="0">
+            <a:schemeClr val="accent1"/>
+          </a:fillRef>
+          <a:effectRef idx="0">
+            <a:schemeClr val="accent1"/>
+          </a:effectRef>
+          <a:fontRef idx="minor">
+            <a:schemeClr val="tx1"/>
+          </a:fontRef>
+        </p:style>
+      </p:cxnSp>
+      <p:cxnSp>
+        <p:nvCxnSpPr>
+          <p:cNvPr id="238" name="Conector recto 162"/>
+          <p:cNvCxnSpPr>
+            <a:endCxn id="409" idx="2"/>
+          </p:cNvCxnSpPr>
+          <p:nvPr/>
+        </p:nvCxnSpPr>
+        <p:spPr>
+          <a:xfrm flipH="1" flipV="1">
+            <a:off x="3247707" y="4846035"/>
+            <a:ext cx="3064" cy="394803"/>
+          </a:xfrm>
+          <a:prstGeom prst="line">
+            <a:avLst/>
+          </a:prstGeom>
+          <a:ln w="12700">
+            <a:solidFill>
+              <a:schemeClr val="tx1"/>
+            </a:solidFill>
+          </a:ln>
+        </p:spPr>
+        <p:style>
+          <a:lnRef idx="1">
+            <a:schemeClr val="accent1"/>
+          </a:lnRef>
+          <a:fillRef idx="0">
+            <a:schemeClr val="accent1"/>
+          </a:fillRef>
+          <a:effectRef idx="0">
+            <a:schemeClr val="accent1"/>
+          </a:effectRef>
+          <a:fontRef idx="minor">
+            <a:schemeClr val="tx1"/>
+          </a:fontRef>
+        </p:style>
+      </p:cxnSp>
+      <p:cxnSp>
+        <p:nvCxnSpPr>
+          <p:cNvPr id="241" name="Conector recto 163"/>
+          <p:cNvCxnSpPr/>
+          <p:nvPr/>
+        </p:nvCxnSpPr>
+        <p:spPr>
+          <a:xfrm flipV="1">
+            <a:off x="5402144" y="3929313"/>
+            <a:ext cx="0" cy="195695"/>
+          </a:xfrm>
+          <a:prstGeom prst="line">
+            <a:avLst/>
+          </a:prstGeom>
+          <a:ln w="12700">
+            <a:solidFill>
+              <a:schemeClr val="tx1"/>
+            </a:solidFill>
+          </a:ln>
+        </p:spPr>
+        <p:style>
+          <a:lnRef idx="1">
+            <a:schemeClr val="accent1"/>
+          </a:lnRef>
+          <a:fillRef idx="0">
+            <a:schemeClr val="accent1"/>
+          </a:fillRef>
+          <a:effectRef idx="0">
+            <a:schemeClr val="accent1"/>
+          </a:effectRef>
+          <a:fontRef idx="minor">
+            <a:schemeClr val="tx1"/>
+          </a:fontRef>
+        </p:style>
+      </p:cxnSp>
+      <p:cxnSp>
+        <p:nvCxnSpPr>
+          <p:cNvPr id="242" name="Conector recto 163"/>
+          <p:cNvCxnSpPr/>
+          <p:nvPr/>
+        </p:nvCxnSpPr>
+        <p:spPr>
+          <a:xfrm flipV="1">
+            <a:off x="5393544" y="4268030"/>
+            <a:ext cx="0" cy="195695"/>
+          </a:xfrm>
+          <a:prstGeom prst="line">
+            <a:avLst/>
+          </a:prstGeom>
+          <a:ln w="12700">
+            <a:solidFill>
+              <a:schemeClr val="tx1"/>
+            </a:solidFill>
+          </a:ln>
+        </p:spPr>
+        <p:style>
+          <a:lnRef idx="1">
+            <a:schemeClr val="accent1"/>
+          </a:lnRef>
+          <a:fillRef idx="0">
+            <a:schemeClr val="accent1"/>
+          </a:fillRef>
+          <a:effectRef idx="0">
+            <a:schemeClr val="accent1"/>
+          </a:effectRef>
+          <a:fontRef idx="minor">
+            <a:schemeClr val="tx1"/>
+          </a:fontRef>
+        </p:style>
+      </p:cxnSp>
+      <p:sp>
+        <p:nvSpPr>
+          <p:cNvPr id="250" name="CuadroTexto 161" descr="Conector entre nodos" title="conector"/>
+          <p:cNvSpPr txBox="1"/>
+          <p:nvPr/>
+        </p:nvSpPr>
+        <p:spPr>
+          <a:xfrm>
+            <a:off x="10485744" y="2597489"/>
+            <a:ext cx="1314681" cy="214354"/>
+          </a:xfrm>
+          <a:prstGeom prst="rect">
+            <a:avLst/>
+          </a:prstGeom>
+          <a:noFill/>
+        </p:spPr>
+        <p:txBody>
+          <a:bodyPr wrap="square" rtlCol="0">
+            <a:spAutoFit/>
+          </a:bodyPr>
+          <a:lstStyle/>
+          <a:p>
+            <a:pPr algn="ctr"/>
+            <a:r>
+              <a:rPr lang="es-ES" sz="793" dirty="0">
+                <a:latin typeface="Arial" panose="020B0604020202020204" pitchFamily="34" charset="0"/>
+                <a:cs typeface="Arial" panose="020B0604020202020204" pitchFamily="34" charset="0"/>
+              </a:rPr>
+              <a:t>se </a:t>
+            </a:r>
+            <a:r>
+              <a:rPr lang="es-ES" sz="793" dirty="0" smtClean="0">
+                <a:latin typeface="Arial" panose="020B0604020202020204" pitchFamily="34" charset="0"/>
+                <a:cs typeface="Arial" panose="020B0604020202020204" pitchFamily="34" charset="0"/>
+              </a:rPr>
+              <a:t>define como</a:t>
+            </a:r>
+            <a:endParaRPr lang="es-ES" sz="793" dirty="0">
+              <a:latin typeface="Arial" panose="020B0604020202020204" pitchFamily="34" charset="0"/>
+              <a:cs typeface="Arial" panose="020B0604020202020204" pitchFamily="34" charset="0"/>
+            </a:endParaRPr>
+          </a:p>
+        </p:txBody>
+      </p:sp>
+      <p:sp>
+        <p:nvSpPr>
+          <p:cNvPr id="290" name="Rectángulo 160" descr="Nodo de tercer nivel" title="Nodo03"/>
+          <p:cNvSpPr/>
+          <p:nvPr/>
+        </p:nvSpPr>
+        <p:spPr>
+          <a:xfrm>
+            <a:off x="7924438" y="4093732"/>
+            <a:ext cx="1042984" cy="277815"/>
+          </a:xfrm>
+          <a:prstGeom prst="rect">
+            <a:avLst/>
+          </a:prstGeom>
+          <a:solidFill>
+            <a:schemeClr val="bg2">
+              <a:lumMod val="90000"/>
+            </a:schemeClr>
+          </a:solidFill>
+          <a:ln>
+            <a:solidFill>
+              <a:schemeClr val="tx1"/>
+            </a:solidFill>
+          </a:ln>
+        </p:spPr>
+        <p:style>
+          <a:lnRef idx="2">
+            <a:schemeClr val="accent6"/>
+          </a:lnRef>
+          <a:fillRef idx="1">
+            <a:schemeClr val="lt1"/>
+          </a:fillRef>
+          <a:effectRef idx="0">
+            <a:schemeClr val="accent6"/>
+          </a:effectRef>
+          <a:fontRef idx="minor">
+            <a:schemeClr val="dk1"/>
+          </a:fontRef>
+        </p:style>
+        <p:txBody>
+          <a:bodyPr rtlCol="0" anchor="ctr"/>
+          <a:lstStyle/>
+          <a:p>
+            <a:pPr algn="ctr"/>
+            <a:r>
+              <a:rPr lang="es-ES" sz="793" dirty="0" smtClean="0">
+                <a:solidFill>
+                  <a:schemeClr val="tx1"/>
+                </a:solidFill>
+                <a:latin typeface="Arial" panose="020B0604020202020204" pitchFamily="34" charset="0"/>
+                <a:cs typeface="Arial" panose="020B0604020202020204" pitchFamily="34" charset="0"/>
+              </a:rPr>
+              <a:t>según su medida </a:t>
+            </a:r>
+            <a:endParaRPr lang="es-ES" sz="793" dirty="0">
+              <a:solidFill>
+                <a:schemeClr val="tx1"/>
+              </a:solidFill>
+              <a:latin typeface="Arial" panose="020B0604020202020204" pitchFamily="34" charset="0"/>
+              <a:cs typeface="Arial" panose="020B0604020202020204" pitchFamily="34" charset="0"/>
+            </a:endParaRPr>
+          </a:p>
+        </p:txBody>
+      </p:sp>
+      <p:sp>
+        <p:nvSpPr>
+          <p:cNvPr id="291" name="Rectángulo 160" descr="Nodo de tercer nivel" title="Nodo03"/>
+          <p:cNvSpPr/>
+          <p:nvPr/>
+        </p:nvSpPr>
+        <p:spPr>
+          <a:xfrm>
+            <a:off x="11431131" y="4157944"/>
+            <a:ext cx="1042984" cy="277815"/>
+          </a:xfrm>
+          <a:prstGeom prst="rect">
+            <a:avLst/>
+          </a:prstGeom>
+          <a:solidFill>
+            <a:schemeClr val="bg2">
+              <a:lumMod val="90000"/>
+            </a:schemeClr>
+          </a:solidFill>
+          <a:ln>
+            <a:solidFill>
+              <a:schemeClr val="tx1"/>
+            </a:solidFill>
+          </a:ln>
+        </p:spPr>
+        <p:style>
+          <a:lnRef idx="2">
+            <a:schemeClr val="accent6"/>
+          </a:lnRef>
+          <a:fillRef idx="1">
+            <a:schemeClr val="lt1"/>
+          </a:fillRef>
+          <a:effectRef idx="0">
+            <a:schemeClr val="accent6"/>
+          </a:effectRef>
+          <a:fontRef idx="minor">
+            <a:schemeClr val="dk1"/>
+          </a:fontRef>
+        </p:style>
+        <p:txBody>
+          <a:bodyPr rtlCol="0" anchor="ctr"/>
+          <a:lstStyle/>
+          <a:p>
+            <a:pPr algn="ctr"/>
+            <a:r>
+              <a:rPr lang="es-ES" sz="793" dirty="0" smtClean="0">
+                <a:solidFill>
+                  <a:schemeClr val="tx1"/>
+                </a:solidFill>
+                <a:latin typeface="Arial" panose="020B0604020202020204" pitchFamily="34" charset="0"/>
+                <a:cs typeface="Arial" panose="020B0604020202020204" pitchFamily="34" charset="0"/>
+              </a:rPr>
+              <a:t>según la suma de sus medidas</a:t>
+            </a:r>
+            <a:endParaRPr lang="es-ES" sz="793" dirty="0">
+              <a:solidFill>
+                <a:schemeClr val="tx1"/>
+              </a:solidFill>
+              <a:latin typeface="Arial" panose="020B0604020202020204" pitchFamily="34" charset="0"/>
+              <a:cs typeface="Arial" panose="020B0604020202020204" pitchFamily="34" charset="0"/>
+            </a:endParaRPr>
+          </a:p>
+        </p:txBody>
+      </p:sp>
+      <p:sp>
+        <p:nvSpPr>
+          <p:cNvPr id="292" name="Rectángulo 160" descr="Nodo de tercer nivel" title="Nodo03"/>
+          <p:cNvSpPr/>
+          <p:nvPr/>
+        </p:nvSpPr>
+        <p:spPr>
+          <a:xfrm>
+            <a:off x="13819797" y="4138462"/>
+            <a:ext cx="1042984" cy="277815"/>
+          </a:xfrm>
+          <a:prstGeom prst="rect">
+            <a:avLst/>
+          </a:prstGeom>
+          <a:solidFill>
+            <a:schemeClr val="bg2">
+              <a:lumMod val="90000"/>
+            </a:schemeClr>
+          </a:solidFill>
+          <a:ln>
+            <a:solidFill>
+              <a:schemeClr val="tx1"/>
+            </a:solidFill>
+          </a:ln>
+        </p:spPr>
+        <p:style>
+          <a:lnRef idx="2">
+            <a:schemeClr val="accent6"/>
+          </a:lnRef>
+          <a:fillRef idx="1">
+            <a:schemeClr val="lt1"/>
+          </a:fillRef>
+          <a:effectRef idx="0">
+            <a:schemeClr val="accent6"/>
+          </a:effectRef>
+          <a:fontRef idx="minor">
+            <a:schemeClr val="dk1"/>
+          </a:fontRef>
+        </p:style>
+        <p:txBody>
+          <a:bodyPr rtlCol="0" anchor="ctr"/>
+          <a:lstStyle/>
+          <a:p>
+            <a:pPr algn="ctr"/>
+            <a:r>
+              <a:rPr lang="es-ES" sz="793" dirty="0" smtClean="0">
+                <a:solidFill>
+                  <a:schemeClr val="tx1"/>
+                </a:solidFill>
+                <a:latin typeface="Arial" panose="020B0604020202020204" pitchFamily="34" charset="0"/>
+                <a:cs typeface="Arial" panose="020B0604020202020204" pitchFamily="34" charset="0"/>
+              </a:rPr>
+              <a:t>según </a:t>
+            </a:r>
+            <a:r>
+              <a:rPr lang="es-ES" sz="793" dirty="0" smtClean="0">
+                <a:solidFill>
+                  <a:schemeClr val="tx1"/>
+                </a:solidFill>
+                <a:latin typeface="Arial" panose="020B0604020202020204" pitchFamily="34" charset="0"/>
+                <a:cs typeface="Arial" panose="020B0604020202020204" pitchFamily="34" charset="0"/>
+              </a:rPr>
+              <a:t>su</a:t>
+            </a:r>
+            <a:r>
+              <a:rPr lang="es-ES" sz="793" dirty="0" smtClean="0">
+                <a:solidFill>
+                  <a:schemeClr val="tx1"/>
+                </a:solidFill>
+                <a:latin typeface="Arial" panose="020B0604020202020204" pitchFamily="34" charset="0"/>
+                <a:cs typeface="Arial" panose="020B0604020202020204" pitchFamily="34" charset="0"/>
+              </a:rPr>
+              <a:t> posición</a:t>
+            </a:r>
+            <a:endParaRPr lang="es-ES" sz="793" dirty="0">
+              <a:solidFill>
+                <a:schemeClr val="tx1"/>
+              </a:solidFill>
+              <a:latin typeface="Arial" panose="020B0604020202020204" pitchFamily="34" charset="0"/>
+              <a:cs typeface="Arial" panose="020B0604020202020204" pitchFamily="34" charset="0"/>
+            </a:endParaRPr>
+          </a:p>
+        </p:txBody>
+      </p:sp>
+      <p:sp>
+        <p:nvSpPr>
+          <p:cNvPr id="294" name="CuadroTexto 161" descr="Conector entre nodos" title="conector"/>
+          <p:cNvSpPr txBox="1"/>
+          <p:nvPr/>
+        </p:nvSpPr>
+        <p:spPr>
+          <a:xfrm>
+            <a:off x="7804020" y="4560741"/>
+            <a:ext cx="1314681" cy="214354"/>
+          </a:xfrm>
+          <a:prstGeom prst="rect">
+            <a:avLst/>
+          </a:prstGeom>
+          <a:noFill/>
+        </p:spPr>
+        <p:txBody>
+          <a:bodyPr wrap="square" rtlCol="0">
+            <a:spAutoFit/>
+          </a:bodyPr>
+          <a:lstStyle/>
+          <a:p>
+            <a:pPr algn="ctr"/>
+            <a:r>
+              <a:rPr lang="es-ES" sz="793" dirty="0" smtClean="0">
+                <a:latin typeface="Arial" panose="020B0604020202020204" pitchFamily="34" charset="0"/>
+                <a:cs typeface="Arial" panose="020B0604020202020204" pitchFamily="34" charset="0"/>
+              </a:rPr>
+              <a:t>se clasifican en</a:t>
+            </a:r>
+            <a:endParaRPr lang="es-ES" sz="793" dirty="0">
+              <a:latin typeface="Arial" panose="020B0604020202020204" pitchFamily="34" charset="0"/>
+              <a:cs typeface="Arial" panose="020B0604020202020204" pitchFamily="34" charset="0"/>
+            </a:endParaRPr>
+          </a:p>
+        </p:txBody>
+      </p:sp>
+      <p:sp>
+        <p:nvSpPr>
+          <p:cNvPr id="317" name="Rectángulo 218" descr="Nodo de tercer nivel" title="Nodo03"/>
+          <p:cNvSpPr/>
+          <p:nvPr/>
+        </p:nvSpPr>
+        <p:spPr>
+          <a:xfrm>
+            <a:off x="8600895" y="6303254"/>
+            <a:ext cx="540424" cy="232879"/>
+          </a:xfrm>
+          <a:prstGeom prst="rect">
+            <a:avLst/>
+          </a:prstGeom>
+          <a:noFill/>
+          <a:ln>
+            <a:solidFill>
+              <a:schemeClr val="tx1"/>
+            </a:solidFill>
+          </a:ln>
+        </p:spPr>
+        <p:style>
+          <a:lnRef idx="2">
+            <a:schemeClr val="accent6"/>
+          </a:lnRef>
+          <a:fillRef idx="1">
+            <a:schemeClr val="lt1"/>
+          </a:fillRef>
+          <a:effectRef idx="0">
+            <a:schemeClr val="accent6"/>
+          </a:effectRef>
+          <a:fontRef idx="minor">
+            <a:schemeClr val="dk1"/>
+          </a:fontRef>
+        </p:style>
+        <p:txBody>
+          <a:bodyPr rtlCol="0" anchor="ctr"/>
+          <a:lstStyle/>
+          <a:p>
+            <a:pPr algn="ctr"/>
+            <a:r>
+              <a:rPr lang="es-ES_tradnl" sz="793" dirty="0" smtClean="0"/>
+              <a:t>llano</a:t>
+            </a:r>
+            <a:endParaRPr lang="es-CO" sz="793" dirty="0"/>
+          </a:p>
+        </p:txBody>
+      </p:sp>
+      <p:sp>
+        <p:nvSpPr>
+          <p:cNvPr id="318" name="Rectángulo 76" descr="Nodo de cuarto nivel&#10;" title="Nodo04"/>
+          <p:cNvSpPr/>
+          <p:nvPr/>
+        </p:nvSpPr>
+        <p:spPr>
+          <a:xfrm>
+            <a:off x="8471053" y="6939681"/>
+            <a:ext cx="800107" cy="503423"/>
+          </a:xfrm>
+          <a:prstGeom prst="rect">
+            <a:avLst/>
+          </a:prstGeom>
+          <a:solidFill>
+            <a:schemeClr val="bg1"/>
           </a:solidFill>
           <a:ln>
             <a:solidFill>
@@ -4092,7 +8539,17 @@
                 <a:latin typeface="Arial" panose="020B0604020202020204" pitchFamily="34" charset="0"/>
                 <a:cs typeface="Arial" panose="020B0604020202020204" pitchFamily="34" charset="0"/>
               </a:rPr>
-              <a:t>mediatriz</a:t>
+              <a:t>su medida es </a:t>
+            </a:r>
+            <a:r>
+              <a:rPr lang="es-ES" sz="793" dirty="0" smtClean="0">
+                <a:solidFill>
+                  <a:schemeClr val="tx1"/>
+                </a:solidFill>
+                <a:latin typeface="Arial" panose="020B0604020202020204" pitchFamily="34" charset="0"/>
+                <a:cs typeface="Arial" panose="020B0604020202020204" pitchFamily="34" charset="0"/>
+              </a:rPr>
+              <a:t>igual a180°</a:t>
             </a:r>
             <a:endParaRPr lang="es-ES" sz="793" dirty="0">
               <a:solidFill>
@@ -4104,16 +8561,198 @@
           </a:p>
         </p:txBody>
       </p:sp>
-      <p:sp>
-        <p:nvSpPr>
-          <p:cNvPr id="390" name="CuadroTexto 161" descr="Conector entre nodos" title="conector"/>
+      <p:cxnSp>
+        <p:nvCxnSpPr>
+          <p:cNvPr id="319" name="Conector recto 163"/>
+          <p:cNvCxnSpPr>
+            <a:stCxn id="318" idx="0"/>
+            <a:endCxn id="317" idx="2"/>
+          </p:cNvCxnSpPr>
+          <p:nvPr/>
+        </p:nvCxnSpPr>
+        <p:spPr>
+          <a:xfrm flipV="1">
+            <a:off x="8871107" y="6536133"/>
+            <a:ext cx="0" cy="403548"/>
+          </a:xfrm>
+          <a:prstGeom prst="line">
+            <a:avLst/>
+          </a:prstGeom>
+          <a:ln w="12700">
+            <a:solidFill>
+              <a:schemeClr val="tx1"/>
+            </a:solidFill>
+          </a:ln>
+        </p:spPr>
+        <p:style>
+          <a:lnRef idx="1">
+            <a:schemeClr val="accent1"/>
+          </a:lnRef>
+          <a:fillRef idx="0">
+            <a:schemeClr val="accent1"/>
+          </a:fillRef>
+          <a:effectRef idx="0">
+            <a:schemeClr val="accent1"/>
+          </a:effectRef>
+          <a:fontRef idx="minor">
+            <a:schemeClr val="tx1"/>
+          </a:fontRef>
+        </p:style>
+      </p:cxnSp>
+      <p:cxnSp>
+        <p:nvCxnSpPr>
+          <p:cNvPr id="341" name="Conector angular 67"/>
+          <p:cNvCxnSpPr/>
+          <p:nvPr/>
+        </p:nvCxnSpPr>
+        <p:spPr>
+          <a:xfrm rot="10800000" flipV="1">
+            <a:off x="6520256" y="4948052"/>
+            <a:ext cx="2477861" cy="177426"/>
+          </a:xfrm>
+          <a:prstGeom prst="bentConnector3">
+            <a:avLst>
+              <a:gd name="adj1" fmla="val 100122"/>
+            </a:avLst>
+          </a:prstGeom>
+          <a:ln w="12700">
+            <a:solidFill>
+              <a:schemeClr val="tx1"/>
+            </a:solidFill>
+          </a:ln>
+        </p:spPr>
+        <p:style>
+          <a:lnRef idx="1">
+            <a:schemeClr val="accent1"/>
+          </a:lnRef>
+          <a:fillRef idx="0">
+            <a:schemeClr val="accent1"/>
+          </a:fillRef>
+          <a:effectRef idx="0">
+            <a:schemeClr val="accent1"/>
+          </a:effectRef>
+          <a:fontRef idx="minor">
+            <a:schemeClr val="tx1"/>
+          </a:fontRef>
+        </p:style>
+      </p:cxnSp>
+      <p:cxnSp>
+        <p:nvCxnSpPr>
+          <p:cNvPr id="342" name="Conector recto 163"/>
+          <p:cNvCxnSpPr/>
+          <p:nvPr/>
+        </p:nvCxnSpPr>
+        <p:spPr>
+          <a:xfrm flipV="1">
+            <a:off x="8400052" y="4382364"/>
+            <a:ext cx="0" cy="195695"/>
+          </a:xfrm>
+          <a:prstGeom prst="line">
+            <a:avLst/>
+          </a:prstGeom>
+          <a:ln w="12700">
+            <a:solidFill>
+              <a:schemeClr val="tx1"/>
+            </a:solidFill>
+          </a:ln>
+        </p:spPr>
+        <p:style>
+          <a:lnRef idx="1">
+            <a:schemeClr val="accent1"/>
+          </a:lnRef>
+          <a:fillRef idx="0">
+            <a:schemeClr val="accent1"/>
+          </a:fillRef>
+          <a:effectRef idx="0">
+            <a:schemeClr val="accent1"/>
+          </a:effectRef>
+          <a:fontRef idx="minor">
+            <a:schemeClr val="tx1"/>
+          </a:fontRef>
+        </p:style>
+      </p:cxnSp>
+      <p:cxnSp>
+        <p:nvCxnSpPr>
+          <p:cNvPr id="347" name="Conector recto 163"/>
+          <p:cNvCxnSpPr>
+            <a:stCxn id="453" idx="0"/>
+          </p:cNvCxnSpPr>
+          <p:nvPr/>
+        </p:nvCxnSpPr>
+        <p:spPr>
+          <a:xfrm flipV="1">
+            <a:off x="7302035" y="4948053"/>
+            <a:ext cx="4318" cy="1369197"/>
+          </a:xfrm>
+          <a:prstGeom prst="line">
+            <a:avLst/>
+          </a:prstGeom>
+          <a:ln w="12700">
+            <a:solidFill>
+              <a:schemeClr val="tx1"/>
+            </a:solidFill>
+          </a:ln>
+        </p:spPr>
+        <p:style>
+          <a:lnRef idx="1">
+            <a:schemeClr val="accent1"/>
+          </a:lnRef>
+          <a:fillRef idx="0">
+            <a:schemeClr val="accent1"/>
+          </a:fillRef>
+          <a:effectRef idx="0">
+            <a:schemeClr val="accent1"/>
+          </a:effectRef>
+          <a:fontRef idx="minor">
+            <a:schemeClr val="tx1"/>
+          </a:fontRef>
+        </p:style>
+      </p:cxnSp>
+      <p:cxnSp>
+        <p:nvCxnSpPr>
+          <p:cNvPr id="349" name="Conector recto 163"/>
+          <p:cNvCxnSpPr/>
+          <p:nvPr/>
+        </p:nvCxnSpPr>
+        <p:spPr>
+          <a:xfrm flipV="1">
+            <a:off x="8847886" y="4934057"/>
+            <a:ext cx="4318" cy="1369197"/>
+          </a:xfrm>
+          <a:prstGeom prst="line">
+            <a:avLst/>
+          </a:prstGeom>
+          <a:ln w="12700">
+            <a:solidFill>
+              <a:schemeClr val="tx1"/>
+            </a:solidFill>
+          </a:ln>
+        </p:spPr>
+        <p:style>
+          <a:lnRef idx="1">
+            <a:schemeClr val="accent1"/>
+          </a:lnRef>
+          <a:fillRef idx="0">
+            <a:schemeClr val="accent1"/>
+          </a:fillRef>
+          <a:effectRef idx="0">
+            <a:schemeClr val="accent1"/>
+          </a:effectRef>
+          <a:fontRef idx="minor">
+            <a:schemeClr val="tx1"/>
+          </a:fontRef>
+        </p:style>
+      </p:cxnSp>
+      <p:sp>
+        <p:nvSpPr>
+          <p:cNvPr id="352" name="CuadroTexto 161" descr="Conector entre nodos" title="conector"/>
           <p:cNvSpPr txBox="1"/>
           <p:nvPr/>
         </p:nvSpPr>
         <p:spPr>
           <a:xfrm>
-            <a:off x="4690428" y="4122396"/>
-            <a:ext cx="681621" cy="214354"/>
+            <a:off x="11260603" y="4620222"/>
+            <a:ext cx="1314681" cy="214354"/>
           </a:xfrm>
           <a:prstGeom prst="rect">
             <a:avLst/>
@@ -4128,11 +8767,11 @@
           <a:p>
             <a:pPr algn="ctr"/>
             <a:r>
-              <a:rPr lang="es-ES" sz="793" dirty="0">
+              <a:rPr lang="es-ES" sz="793" dirty="0" smtClean="0">
                 <a:latin typeface="Arial" panose="020B0604020202020204" pitchFamily="34" charset="0"/>
                 <a:cs typeface="Arial" panose="020B0604020202020204" pitchFamily="34" charset="0"/>
               </a:rPr>
-              <a:t>tiene</a:t>
+              <a:t>se clasifican en</a:t>
             </a:r>
             <a:endParaRPr lang="es-ES" sz="793" dirty="0">
               <a:latin typeface="Arial" panose="020B0604020202020204" pitchFamily="34" charset="0"/>
@@ -4141,92 +8780,90 @@
           </a:p>
         </p:txBody>
       </p:sp>
-      <p:cxnSp>
-        <p:nvCxnSpPr>
-          <p:cNvPr id="391" name="Conector recto 162"/>
-          <p:cNvCxnSpPr>
-            <a:stCxn id="390" idx="0"/>
-            <a:endCxn id="383" idx="2"/>
-          </p:cNvCxnSpPr>
-          <p:nvPr/>
-        </p:nvCxnSpPr>
-        <p:spPr>
-          <a:xfrm flipH="1" flipV="1">
-            <a:off x="5031236" y="3939995"/>
-            <a:ext cx="3" cy="182401"/>
-          </a:xfrm>
-          <a:prstGeom prst="line">
-            <a:avLst/>
-          </a:prstGeom>
-          <a:ln w="12700">
-            <a:solidFill>
-              <a:schemeClr val="tx1"/>
-            </a:solidFill>
-          </a:ln>
-        </p:spPr>
-        <p:style>
-          <a:lnRef idx="1">
-            <a:schemeClr val="accent1"/>
-          </a:lnRef>
-          <a:fillRef idx="0">
-            <a:schemeClr val="accent1"/>
-          </a:fillRef>
-          <a:effectRef idx="0">
-            <a:schemeClr val="accent1"/>
-          </a:effectRef>
-          <a:fontRef idx="minor">
-            <a:schemeClr val="tx1"/>
-          </a:fontRef>
-        </p:style>
-      </p:cxnSp>
-      <p:cxnSp>
-        <p:nvCxnSpPr>
-          <p:cNvPr id="392" name="Conector recto 163"/>
-          <p:cNvCxnSpPr>
-            <a:stCxn id="389" idx="0"/>
-            <a:endCxn id="390" idx="2"/>
-          </p:cNvCxnSpPr>
-          <p:nvPr/>
-        </p:nvCxnSpPr>
-        <p:spPr>
-          <a:xfrm flipV="1">
-            <a:off x="5031236" y="4336750"/>
-            <a:ext cx="3" cy="119334"/>
-          </a:xfrm>
-          <a:prstGeom prst="line">
-            <a:avLst/>
-          </a:prstGeom>
-          <a:ln w="12700">
-            <a:solidFill>
-              <a:schemeClr val="tx1"/>
-            </a:solidFill>
-          </a:ln>
-        </p:spPr>
-        <p:style>
-          <a:lnRef idx="1">
-            <a:schemeClr val="accent1"/>
-          </a:lnRef>
-          <a:fillRef idx="0">
-            <a:schemeClr val="accent1"/>
-          </a:fillRef>
-          <a:effectRef idx="0">
-            <a:schemeClr val="accent1"/>
-          </a:effectRef>
-          <a:fontRef idx="minor">
-            <a:schemeClr val="tx1"/>
-          </a:fontRef>
-        </p:style>
-      </p:cxnSp>
-      <p:sp>
-        <p:nvSpPr>
-          <p:cNvPr id="393" name="Rectángulo 168" descr="Nodo de tercer nivel" title="Nodo03"/>
+      <p:sp>
+        <p:nvSpPr>
+          <p:cNvPr id="355" name="CuadroTexto 161" descr="Conector entre nodos" title="conector"/>
+          <p:cNvSpPr txBox="1"/>
+          <p:nvPr/>
+        </p:nvSpPr>
+        <p:spPr>
+          <a:xfrm>
+            <a:off x="10949587" y="5527468"/>
+            <a:ext cx="1013436" cy="214354"/>
+          </a:xfrm>
+          <a:prstGeom prst="rect">
+            <a:avLst/>
+          </a:prstGeom>
+          <a:noFill/>
+        </p:spPr>
+        <p:txBody>
+          <a:bodyPr wrap="square" rtlCol="0">
+            <a:spAutoFit/>
+          </a:bodyPr>
+          <a:lstStyle/>
+          <a:p>
+            <a:pPr algn="ctr"/>
+            <a:r>
+              <a:rPr lang="es-ES" sz="793" dirty="0" smtClean="0">
+                <a:latin typeface="Arial" panose="020B0604020202020204" pitchFamily="34" charset="0"/>
+                <a:cs typeface="Arial" panose="020B0604020202020204" pitchFamily="34" charset="0"/>
+              </a:rPr>
+              <a:t>son aquellos</a:t>
+            </a:r>
+            <a:endParaRPr lang="es-ES" sz="793" dirty="0">
+              <a:latin typeface="Arial" panose="020B0604020202020204" pitchFamily="34" charset="0"/>
+              <a:cs typeface="Arial" panose="020B0604020202020204" pitchFamily="34" charset="0"/>
+            </a:endParaRPr>
+          </a:p>
+        </p:txBody>
+      </p:sp>
+      <p:sp>
+        <p:nvSpPr>
+          <p:cNvPr id="356" name="CuadroTexto 161" descr="Conector entre nodos" title="conector"/>
+          <p:cNvSpPr txBox="1"/>
+          <p:nvPr/>
+        </p:nvSpPr>
+        <p:spPr>
+          <a:xfrm>
+            <a:off x="12174236" y="5585102"/>
+            <a:ext cx="969800" cy="214354"/>
+          </a:xfrm>
+          <a:prstGeom prst="rect">
+            <a:avLst/>
+          </a:prstGeom>
+          <a:noFill/>
+        </p:spPr>
+        <p:txBody>
+          <a:bodyPr wrap="square" rtlCol="0">
+            <a:spAutoFit/>
+          </a:bodyPr>
+          <a:lstStyle/>
+          <a:p>
+            <a:pPr algn="ctr"/>
+            <a:r>
+              <a:rPr lang="es-ES" sz="793" dirty="0" smtClean="0">
+                <a:latin typeface="Arial" panose="020B0604020202020204" pitchFamily="34" charset="0"/>
+                <a:cs typeface="Arial" panose="020B0604020202020204" pitchFamily="34" charset="0"/>
+              </a:rPr>
+              <a:t>son aquellos</a:t>
+            </a:r>
+            <a:endParaRPr lang="es-ES" sz="793" dirty="0">
+              <a:latin typeface="Arial" panose="020B0604020202020204" pitchFamily="34" charset="0"/>
+              <a:cs typeface="Arial" panose="020B0604020202020204" pitchFamily="34" charset="0"/>
+            </a:endParaRPr>
+          </a:p>
+        </p:txBody>
+      </p:sp>
+      <p:sp>
+        <p:nvSpPr>
+          <p:cNvPr id="357" name="Rectángulo 76" descr="Nodo de cuarto nivel&#10;" title="Nodo04"/>
           <p:cNvSpPr/>
           <p:nvPr/>
         </p:nvSpPr>
         <p:spPr>
           <a:xfrm>
-            <a:off x="4666938" y="4884820"/>
-            <a:ext cx="749147" cy="739612"/>
+            <a:off x="12154928" y="5937587"/>
+            <a:ext cx="863263" cy="502177"/>
           </a:xfrm>
           <a:prstGeom prst="rect">
             <a:avLst/>
@@ -4260,14 +8897,14 @@
           <a:p>
             <a:pPr algn="ctr"/>
             <a:r>
-              <a:rPr lang="es-ES" sz="793" dirty="0">
+              <a:rPr lang="es-ES" sz="793" dirty="0" smtClean="0">
                 <a:solidFill>
                   <a:schemeClr val="tx1"/>
                 </a:solidFill>
                 <a:latin typeface="Arial" panose="020B0604020202020204" pitchFamily="34" charset="0"/>
                 <a:cs typeface="Arial" panose="020B0604020202020204" pitchFamily="34" charset="0"/>
               </a:rPr>
-              <a:t>divide al segmento en dos segmentos congruentes</a:t>
+              <a:t>cuya suma de sus medidas es igual a 90°</a:t>
             </a:r>
             <a:endParaRPr lang="es-ES" sz="793" dirty="0">
               <a:solidFill>
@@ -4279,101 +8916,37 @@
           </a:p>
         </p:txBody>
       </p:sp>
-      <p:cxnSp>
-        <p:nvCxnSpPr>
-          <p:cNvPr id="394" name="Conector recto 169"/>
-          <p:cNvCxnSpPr>
-            <a:stCxn id="393" idx="0"/>
-            <a:endCxn id="389" idx="2"/>
-          </p:cNvCxnSpPr>
-          <p:nvPr/>
-        </p:nvCxnSpPr>
-        <p:spPr>
-          <a:xfrm flipH="1" flipV="1">
-            <a:off x="5031236" y="4733899"/>
-            <a:ext cx="10276" cy="150921"/>
-          </a:xfrm>
-          <a:prstGeom prst="line">
-            <a:avLst/>
-          </a:prstGeom>
-          <a:ln w="12700">
-            <a:solidFill>
-              <a:schemeClr val="tx1"/>
-            </a:solidFill>
-          </a:ln>
-        </p:spPr>
-        <p:style>
-          <a:lnRef idx="1">
-            <a:schemeClr val="accent1"/>
-          </a:lnRef>
-          <a:fillRef idx="0">
-            <a:schemeClr val="accent1"/>
-          </a:fillRef>
-          <a:effectRef idx="0">
-            <a:schemeClr val="accent1"/>
-          </a:effectRef>
-          <a:fontRef idx="minor">
-            <a:schemeClr val="tx1"/>
-          </a:fontRef>
-        </p:style>
-      </p:cxnSp>
-      <p:sp>
-        <p:nvSpPr>
-          <p:cNvPr id="395" name="Rectángulo 209" descr="Nodo de primer nivel" title="Nodo01"/>
-          <p:cNvSpPr/>
+      <p:sp>
+        <p:nvSpPr>
+          <p:cNvPr id="358" name="CuadroTexto 161" descr="Conector entre nodos" title="conector"/>
+          <p:cNvSpPr txBox="1"/>
           <p:nvPr/>
         </p:nvSpPr>
         <p:spPr>
           <a:xfrm>
-            <a:off x="10530491" y="2502698"/>
-            <a:ext cx="1210058" cy="386983"/>
+            <a:off x="13913893" y="4560741"/>
+            <a:ext cx="948888" cy="214354"/>
           </a:xfrm>
           <a:prstGeom prst="rect">
             <a:avLst/>
           </a:prstGeom>
-          <a:solidFill>
-            <a:schemeClr val="bg1"/>
-          </a:solidFill>
-          <a:ln>
-            <a:solidFill>
-              <a:schemeClr val="tx1"/>
-            </a:solidFill>
-          </a:ln>
-          <a:effectLst>
-            <a:outerShdw blurRad="50800" dist="38100" dir="2700000" algn="tl" rotWithShape="0">
-              <a:prstClr val="black">
-                <a:alpha val="40000"/>
-              </a:prstClr>
-            </a:outerShdw>
-          </a:effectLst>
-        </p:spPr>
-        <p:style>
-          <a:lnRef idx="2">
-            <a:schemeClr val="accent6"/>
-          </a:lnRef>
-          <a:fillRef idx="1">
-            <a:schemeClr val="lt1"/>
-          </a:fillRef>
-          <a:effectRef idx="0">
-            <a:schemeClr val="accent6"/>
-          </a:effectRef>
-          <a:fontRef idx="minor">
-            <a:schemeClr val="dk1"/>
-          </a:fontRef>
-        </p:style>
-        <p:txBody>
-          <a:bodyPr rtlCol="0" anchor="ctr"/>
+          <a:noFill/>
+        </p:spPr>
+        <p:txBody>
+          <a:bodyPr wrap="square" rtlCol="0">
+            <a:spAutoFit/>
+          </a:bodyPr>
           <a:lstStyle/>
           <a:p>
             <a:pPr algn="ctr"/>
             <a:r>
-              <a:rPr lang="es-ES" sz="1055" b="1" dirty="0">
+              <a:rPr lang="es-ES" sz="793" dirty="0" smtClean="0">
                 <a:latin typeface="Arial" panose="020B0604020202020204" pitchFamily="34" charset="0"/>
                 <a:cs typeface="Arial" panose="020B0604020202020204" pitchFamily="34" charset="0"/>
               </a:rPr>
-              <a:t>Ángulos</a:t>
-            </a:r>
-            <a:endParaRPr lang="es-ES" sz="1055" b="1" dirty="0">
+              <a:t>se clasifican en</a:t>
+            </a:r>
+            <a:endParaRPr lang="es-ES" sz="793" dirty="0">
               <a:latin typeface="Arial" panose="020B0604020202020204" pitchFamily="34" charset="0"/>
               <a:cs typeface="Arial" panose="020B0604020202020204" pitchFamily="34" charset="0"/>
             </a:endParaRPr>
@@ -4382,81 +8955,125 @@
       </p:sp>
       <p:sp>
         <p:nvSpPr>
-          <p:cNvPr id="396" name="Rectángulo 210" descr="Nodo de segundo nivel" title="Nodo02"/>
-          <p:cNvSpPr/>
+          <p:cNvPr id="364" name="CuadroTexto 161" descr="Conector entre nodos" title="conector"/>
+          <p:cNvSpPr txBox="1"/>
           <p:nvPr/>
         </p:nvSpPr>
         <p:spPr>
           <a:xfrm>
-            <a:off x="9709034" y="3109185"/>
-            <a:ext cx="2854126" cy="526191"/>
+            <a:off x="13465802" y="5650501"/>
+            <a:ext cx="517986" cy="214354"/>
           </a:xfrm>
           <a:prstGeom prst="rect">
             <a:avLst/>
           </a:prstGeom>
-          <a:solidFill>
-            <a:schemeClr val="bg2">
-              <a:lumMod val="50000"/>
-            </a:schemeClr>
-          </a:solidFill>
-          <a:ln>
-            <a:solidFill>
-              <a:schemeClr val="tx1"/>
-            </a:solidFill>
-          </a:ln>
-        </p:spPr>
-        <p:style>
-          <a:lnRef idx="2">
-            <a:schemeClr val="accent6"/>
-          </a:lnRef>
-          <a:fillRef idx="1">
-            <a:schemeClr val="lt1"/>
-          </a:fillRef>
-          <a:effectRef idx="0">
-            <a:schemeClr val="accent6"/>
-          </a:effectRef>
-          <a:fontRef idx="minor">
-            <a:schemeClr val="dk1"/>
-          </a:fontRef>
-        </p:style>
-        <p:txBody>
-          <a:bodyPr rtlCol="0" anchor="ctr"/>
+          <a:noFill/>
+        </p:spPr>
+        <p:txBody>
+          <a:bodyPr wrap="square" rtlCol="0">
+            <a:spAutoFit/>
+          </a:bodyPr>
           <a:lstStyle/>
           <a:p>
             <a:pPr algn="ctr"/>
             <a:r>
-              <a:rPr lang="es-ES" sz="924" dirty="0">
-                <a:solidFill>
-                  <a:schemeClr val="bg1"/>
-                </a:solidFill>
+              <a:rPr lang="es-ES" sz="793" dirty="0" smtClean="0">
                 <a:latin typeface="Arial" panose="020B0604020202020204" pitchFamily="34" charset="0"/>
                 <a:cs typeface="Arial" panose="020B0604020202020204" pitchFamily="34" charset="0"/>
               </a:rPr>
-              <a:t>dos semirrectas con el vértice en común delimitan la porción del plano llamado ángulo</a:t>
-            </a:r>
-            <a:endParaRPr lang="es-ES" sz="924" dirty="0">
-              <a:solidFill>
-                <a:schemeClr val="bg1"/>
-              </a:solidFill>
+              <a:t>son</a:t>
+            </a:r>
+            <a:endParaRPr lang="es-ES" sz="793" dirty="0">
               <a:latin typeface="Arial" panose="020B0604020202020204" pitchFamily="34" charset="0"/>
               <a:cs typeface="Arial" panose="020B0604020202020204" pitchFamily="34" charset="0"/>
             </a:endParaRPr>
           </a:p>
         </p:txBody>
       </p:sp>
+      <p:sp>
+        <p:nvSpPr>
+          <p:cNvPr id="365" name="CuadroTexto 161" descr="Conector entre nodos" title="conector"/>
+          <p:cNvSpPr txBox="1"/>
+          <p:nvPr/>
+        </p:nvSpPr>
+        <p:spPr>
+          <a:xfrm>
+            <a:off x="14101452" y="6081498"/>
+            <a:ext cx="813978" cy="214354"/>
+          </a:xfrm>
+          <a:prstGeom prst="rect">
+            <a:avLst/>
+          </a:prstGeom>
+          <a:noFill/>
+        </p:spPr>
+        <p:txBody>
+          <a:bodyPr wrap="square" rtlCol="0">
+            <a:spAutoFit/>
+          </a:bodyPr>
+          <a:lstStyle/>
+          <a:p>
+            <a:pPr algn="ctr"/>
+            <a:r>
+              <a:rPr lang="es-ES" sz="793" dirty="0" smtClean="0">
+                <a:latin typeface="Arial" panose="020B0604020202020204" pitchFamily="34" charset="0"/>
+                <a:cs typeface="Arial" panose="020B0604020202020204" pitchFamily="34" charset="0"/>
+              </a:rPr>
+              <a:t>corresponden</a:t>
+            </a:r>
+            <a:endParaRPr lang="es-ES" sz="793" dirty="0">
+              <a:latin typeface="Arial" panose="020B0604020202020204" pitchFamily="34" charset="0"/>
+              <a:cs typeface="Arial" panose="020B0604020202020204" pitchFamily="34" charset="0"/>
+            </a:endParaRPr>
+          </a:p>
+        </p:txBody>
+      </p:sp>
+      <p:sp>
+        <p:nvSpPr>
+          <p:cNvPr id="366" name="CuadroTexto 161" descr="Conector entre nodos" title="conector"/>
+          <p:cNvSpPr txBox="1"/>
+          <p:nvPr/>
+        </p:nvSpPr>
+        <p:spPr>
+          <a:xfrm>
+            <a:off x="15269968" y="5927707"/>
+            <a:ext cx="517986" cy="214354"/>
+          </a:xfrm>
+          <a:prstGeom prst="rect">
+            <a:avLst/>
+          </a:prstGeom>
+          <a:noFill/>
+        </p:spPr>
+        <p:txBody>
+          <a:bodyPr wrap="square" rtlCol="0">
+            <a:spAutoFit/>
+          </a:bodyPr>
+          <a:lstStyle/>
+          <a:p>
+            <a:pPr algn="ctr"/>
+            <a:r>
+              <a:rPr lang="es-ES" sz="793" dirty="0" smtClean="0">
+                <a:latin typeface="Arial" panose="020B0604020202020204" pitchFamily="34" charset="0"/>
+                <a:cs typeface="Arial" panose="020B0604020202020204" pitchFamily="34" charset="0"/>
+              </a:rPr>
+              <a:t>son</a:t>
+            </a:r>
+            <a:endParaRPr lang="es-ES" sz="793" dirty="0">
+              <a:latin typeface="Arial" panose="020B0604020202020204" pitchFamily="34" charset="0"/>
+              <a:cs typeface="Arial" panose="020B0604020202020204" pitchFamily="34" charset="0"/>
+            </a:endParaRPr>
+          </a:p>
+        </p:txBody>
+      </p:sp>
       <p:cxnSp>
         <p:nvCxnSpPr>
-          <p:cNvPr id="397" name="Conector recto 211"/>
-          <p:cNvCxnSpPr>
-            <a:stCxn id="396" idx="0"/>
-            <a:endCxn id="395" idx="2"/>
-          </p:cNvCxnSpPr>
+          <p:cNvPr id="368" name="Conector recto 163"/>
+          <p:cNvCxnSpPr/>
           <p:nvPr/>
         </p:nvCxnSpPr>
         <p:spPr>
-          <a:xfrm flipH="1" flipV="1">
-            <a:off x="11135511" y="2889684"/>
-            <a:ext cx="577" cy="219512"/>
+          <a:xfrm flipV="1">
+            <a:off x="11891724" y="3827803"/>
+            <a:ext cx="6063" cy="283881"/>
           </a:xfrm>
           <a:prstGeom prst="line">
             <a:avLst/>
@@ -4482,75 +9099,445 @@
           </a:fontRef>
         </p:style>
       </p:cxnSp>
-      <p:sp>
-        <p:nvSpPr>
-          <p:cNvPr id="398" name="Rectángulo 218" descr="Nodo de tercer nivel" title="Nodo03"/>
-          <p:cNvSpPr/>
-          <p:nvPr/>
-        </p:nvSpPr>
-        <p:spPr>
-          <a:xfrm>
-            <a:off x="6220150" y="4216553"/>
-            <a:ext cx="540424" cy="232879"/>
-          </a:xfrm>
-          <a:prstGeom prst="rect">
-            <a:avLst/>
-          </a:prstGeom>
-          <a:solidFill>
-            <a:schemeClr val="bg2">
-              <a:lumMod val="90000"/>
-            </a:schemeClr>
-          </a:solidFill>
-          <a:ln>
-            <a:solidFill>
-              <a:schemeClr val="tx1"/>
-            </a:solidFill>
-          </a:ln>
-        </p:spPr>
-        <p:style>
-          <a:lnRef idx="2">
-            <a:schemeClr val="accent6"/>
-          </a:lnRef>
-          <a:fillRef idx="1">
-            <a:schemeClr val="lt1"/>
-          </a:fillRef>
-          <a:effectRef idx="0">
-            <a:schemeClr val="accent6"/>
-          </a:effectRef>
-          <a:fontRef idx="minor">
-            <a:schemeClr val="dk1"/>
-          </a:fontRef>
-        </p:style>
-        <p:txBody>
-          <a:bodyPr rtlCol="0" anchor="ctr"/>
-          <a:lstStyle/>
-          <a:p>
-            <a:pPr algn="ctr"/>
-            <a:r>
-              <a:rPr lang="es-ES_tradnl" sz="793" dirty="0"/>
-              <a:t>s</a:t>
-            </a:r>
-            <a:r>
-              <a:rPr lang="es-ES_tradnl" sz="793" dirty="0"/>
-              <a:t>uma</a:t>
-            </a:r>
-            <a:endParaRPr lang="es-CO" sz="793" dirty="0"/>
-          </a:p>
-        </p:txBody>
-      </p:sp>
       <p:cxnSp>
         <p:nvCxnSpPr>
-          <p:cNvPr id="399" name="Conector angular 61"/>
+          <p:cNvPr id="370" name="Conector recto 163"/>
+          <p:cNvCxnSpPr/>
+          <p:nvPr/>
+        </p:nvCxnSpPr>
+        <p:spPr>
+          <a:xfrm flipV="1">
+            <a:off x="14482740" y="4423443"/>
+            <a:ext cx="0" cy="195695"/>
+          </a:xfrm>
+          <a:prstGeom prst="line">
+            <a:avLst/>
+          </a:prstGeom>
+          <a:ln w="12700">
+            <a:solidFill>
+              <a:schemeClr val="tx1"/>
+            </a:solidFill>
+          </a:ln>
+        </p:spPr>
+        <p:style>
+          <a:lnRef idx="1">
+            <a:schemeClr val="accent1"/>
+          </a:lnRef>
+          <a:fillRef idx="0">
+            <a:schemeClr val="accent1"/>
+          </a:fillRef>
+          <a:effectRef idx="0">
+            <a:schemeClr val="accent1"/>
+          </a:effectRef>
+          <a:fontRef idx="minor">
+            <a:schemeClr val="tx1"/>
+          </a:fontRef>
+        </p:style>
+      </p:cxnSp>
+      <p:cxnSp>
+        <p:nvCxnSpPr>
+          <p:cNvPr id="375" name="Conector recto 163"/>
+          <p:cNvCxnSpPr/>
+          <p:nvPr/>
+        </p:nvCxnSpPr>
+        <p:spPr>
+          <a:xfrm flipV="1">
+            <a:off x="8400052" y="4748187"/>
+            <a:ext cx="0" cy="195695"/>
+          </a:xfrm>
+          <a:prstGeom prst="line">
+            <a:avLst/>
+          </a:prstGeom>
+          <a:ln w="12700">
+            <a:solidFill>
+              <a:schemeClr val="tx1"/>
+            </a:solidFill>
+          </a:ln>
+        </p:spPr>
+        <p:style>
+          <a:lnRef idx="1">
+            <a:schemeClr val="accent1"/>
+          </a:lnRef>
+          <a:fillRef idx="0">
+            <a:schemeClr val="accent1"/>
+          </a:fillRef>
+          <a:effectRef idx="0">
+            <a:schemeClr val="accent1"/>
+          </a:effectRef>
+          <a:fontRef idx="minor">
+            <a:schemeClr val="tx1"/>
+          </a:fontRef>
+        </p:style>
+      </p:cxnSp>
+      <p:cxnSp>
+        <p:nvCxnSpPr>
+          <p:cNvPr id="513" name="Conector recto 163"/>
+          <p:cNvCxnSpPr/>
+          <p:nvPr/>
+        </p:nvCxnSpPr>
+        <p:spPr>
+          <a:xfrm flipV="1">
+            <a:off x="12656649" y="5425918"/>
+            <a:ext cx="2264" cy="134939"/>
+          </a:xfrm>
+          <a:prstGeom prst="line">
+            <a:avLst/>
+          </a:prstGeom>
+          <a:ln w="12700">
+            <a:solidFill>
+              <a:schemeClr val="tx1"/>
+            </a:solidFill>
+          </a:ln>
+        </p:spPr>
+        <p:style>
+          <a:lnRef idx="1">
+            <a:schemeClr val="accent1"/>
+          </a:lnRef>
+          <a:fillRef idx="0">
+            <a:schemeClr val="accent1"/>
+          </a:fillRef>
+          <a:effectRef idx="0">
+            <a:schemeClr val="accent1"/>
+          </a:effectRef>
+          <a:fontRef idx="minor">
+            <a:schemeClr val="tx1"/>
+          </a:fontRef>
+        </p:style>
+      </p:cxnSp>
+      <p:cxnSp>
+        <p:nvCxnSpPr>
+          <p:cNvPr id="515" name="Conector recto 163"/>
+          <p:cNvCxnSpPr/>
+          <p:nvPr/>
+        </p:nvCxnSpPr>
+        <p:spPr>
+          <a:xfrm flipV="1">
+            <a:off x="11188337" y="2507165"/>
+            <a:ext cx="2264" cy="134939"/>
+          </a:xfrm>
+          <a:prstGeom prst="line">
+            <a:avLst/>
+          </a:prstGeom>
+          <a:ln w="12700">
+            <a:solidFill>
+              <a:schemeClr val="tx1"/>
+            </a:solidFill>
+          </a:ln>
+        </p:spPr>
+        <p:style>
+          <a:lnRef idx="1">
+            <a:schemeClr val="accent1"/>
+          </a:lnRef>
+          <a:fillRef idx="0">
+            <a:schemeClr val="accent1"/>
+          </a:fillRef>
+          <a:effectRef idx="0">
+            <a:schemeClr val="accent1"/>
+          </a:effectRef>
+          <a:fontRef idx="minor">
+            <a:schemeClr val="tx1"/>
+          </a:fontRef>
+        </p:style>
+      </p:cxnSp>
+      <p:cxnSp>
+        <p:nvCxnSpPr>
+          <p:cNvPr id="516" name="Conector recto 163"/>
+          <p:cNvCxnSpPr/>
+          <p:nvPr/>
+        </p:nvCxnSpPr>
+        <p:spPr>
+          <a:xfrm flipV="1">
+            <a:off x="11170041" y="2781344"/>
+            <a:ext cx="2264" cy="134939"/>
+          </a:xfrm>
+          <a:prstGeom prst="line">
+            <a:avLst/>
+          </a:prstGeom>
+          <a:ln w="12700">
+            <a:solidFill>
+              <a:schemeClr val="tx1"/>
+            </a:solidFill>
+          </a:ln>
+        </p:spPr>
+        <p:style>
+          <a:lnRef idx="1">
+            <a:schemeClr val="accent1"/>
+          </a:lnRef>
+          <a:fillRef idx="0">
+            <a:schemeClr val="accent1"/>
+          </a:fillRef>
+          <a:effectRef idx="0">
+            <a:schemeClr val="accent1"/>
+          </a:effectRef>
+          <a:fontRef idx="minor">
+            <a:schemeClr val="tx1"/>
+          </a:fontRef>
+        </p:style>
+      </p:cxnSp>
+      <p:cxnSp>
+        <p:nvCxnSpPr>
+          <p:cNvPr id="517" name="Conector recto 163"/>
           <p:cNvCxnSpPr>
-            <a:stCxn id="440" idx="2"/>
+            <a:endCxn id="402" idx="2"/>
+          </p:cNvCxnSpPr>
+          <p:nvPr/>
+        </p:nvCxnSpPr>
+        <p:spPr>
+          <a:xfrm flipV="1">
+            <a:off x="11464184" y="5391679"/>
+            <a:ext cx="7265" cy="174365"/>
+          </a:xfrm>
+          <a:prstGeom prst="line">
+            <a:avLst/>
+          </a:prstGeom>
+          <a:ln w="12700">
+            <a:solidFill>
+              <a:schemeClr val="tx1"/>
+            </a:solidFill>
+          </a:ln>
+        </p:spPr>
+        <p:style>
+          <a:lnRef idx="1">
+            <a:schemeClr val="accent1"/>
+          </a:lnRef>
+          <a:fillRef idx="0">
+            <a:schemeClr val="accent1"/>
+          </a:fillRef>
+          <a:effectRef idx="0">
+            <a:schemeClr val="accent1"/>
+          </a:effectRef>
+          <a:fontRef idx="minor">
+            <a:schemeClr val="tx1"/>
+          </a:fontRef>
+        </p:style>
+      </p:cxnSp>
+      <p:cxnSp>
+        <p:nvCxnSpPr>
+          <p:cNvPr id="518" name="Conector recto 163"/>
+          <p:cNvCxnSpPr/>
+          <p:nvPr/>
+        </p:nvCxnSpPr>
+        <p:spPr>
+          <a:xfrm flipV="1">
+            <a:off x="11466674" y="5736205"/>
+            <a:ext cx="2264" cy="134939"/>
+          </a:xfrm>
+          <a:prstGeom prst="line">
+            <a:avLst/>
+          </a:prstGeom>
+          <a:ln w="12700">
+            <a:solidFill>
+              <a:schemeClr val="tx1"/>
+            </a:solidFill>
+          </a:ln>
+        </p:spPr>
+        <p:style>
+          <a:lnRef idx="1">
+            <a:schemeClr val="accent1"/>
+          </a:lnRef>
+          <a:fillRef idx="0">
+            <a:schemeClr val="accent1"/>
+          </a:fillRef>
+          <a:effectRef idx="0">
+            <a:schemeClr val="accent1"/>
+          </a:effectRef>
+          <a:fontRef idx="minor">
+            <a:schemeClr val="tx1"/>
+          </a:fontRef>
+        </p:style>
+      </p:cxnSp>
+      <p:cxnSp>
+        <p:nvCxnSpPr>
+          <p:cNvPr id="519" name="Conector recto 163"/>
+          <p:cNvCxnSpPr/>
+          <p:nvPr/>
+        </p:nvCxnSpPr>
+        <p:spPr>
+          <a:xfrm flipV="1">
+            <a:off x="12653016" y="5773041"/>
+            <a:ext cx="7265" cy="174365"/>
+          </a:xfrm>
+          <a:prstGeom prst="line">
+            <a:avLst/>
+          </a:prstGeom>
+          <a:ln w="12700">
+            <a:solidFill>
+              <a:schemeClr val="tx1"/>
+            </a:solidFill>
+          </a:ln>
+        </p:spPr>
+        <p:style>
+          <a:lnRef idx="1">
+            <a:schemeClr val="accent1"/>
+          </a:lnRef>
+          <a:fillRef idx="0">
+            <a:schemeClr val="accent1"/>
+          </a:fillRef>
+          <a:effectRef idx="0">
+            <a:schemeClr val="accent1"/>
+          </a:effectRef>
+          <a:fontRef idx="minor">
+            <a:schemeClr val="tx1"/>
+          </a:fontRef>
+        </p:style>
+      </p:cxnSp>
+      <p:cxnSp>
+        <p:nvCxnSpPr>
+          <p:cNvPr id="520" name="Conector recto 163"/>
+          <p:cNvCxnSpPr/>
+          <p:nvPr/>
+        </p:nvCxnSpPr>
+        <p:spPr>
+          <a:xfrm flipH="1" flipV="1">
+            <a:off x="13718128" y="5395935"/>
+            <a:ext cx="2288" cy="280838"/>
+          </a:xfrm>
+          <a:prstGeom prst="line">
+            <a:avLst/>
+          </a:prstGeom>
+          <a:ln w="12700">
+            <a:solidFill>
+              <a:schemeClr val="tx1"/>
+            </a:solidFill>
+          </a:ln>
+        </p:spPr>
+        <p:style>
+          <a:lnRef idx="1">
+            <a:schemeClr val="accent1"/>
+          </a:lnRef>
+          <a:fillRef idx="0">
+            <a:schemeClr val="accent1"/>
+          </a:fillRef>
+          <a:effectRef idx="0">
+            <a:schemeClr val="accent1"/>
+          </a:effectRef>
+          <a:fontRef idx="minor">
+            <a:schemeClr val="tx1"/>
+          </a:fontRef>
+        </p:style>
+      </p:cxnSp>
+      <p:cxnSp>
+        <p:nvCxnSpPr>
+          <p:cNvPr id="521" name="Conector recto 163"/>
+          <p:cNvCxnSpPr/>
+          <p:nvPr/>
+        </p:nvCxnSpPr>
+        <p:spPr>
+          <a:xfrm flipV="1">
+            <a:off x="13751817" y="5886751"/>
+            <a:ext cx="7265" cy="174365"/>
+          </a:xfrm>
+          <a:prstGeom prst="line">
+            <a:avLst/>
+          </a:prstGeom>
+          <a:ln w="12700">
+            <a:solidFill>
+              <a:schemeClr val="tx1"/>
+            </a:solidFill>
+          </a:ln>
+        </p:spPr>
+        <p:style>
+          <a:lnRef idx="1">
+            <a:schemeClr val="accent1"/>
+          </a:lnRef>
+          <a:fillRef idx="0">
+            <a:schemeClr val="accent1"/>
+          </a:fillRef>
+          <a:effectRef idx="0">
+            <a:schemeClr val="accent1"/>
+          </a:effectRef>
+          <a:fontRef idx="minor">
+            <a:schemeClr val="tx1"/>
+          </a:fontRef>
+        </p:style>
+      </p:cxnSp>
+      <p:cxnSp>
+        <p:nvCxnSpPr>
+          <p:cNvPr id="523" name="Conector angular 67"/>
+          <p:cNvCxnSpPr/>
+          <p:nvPr/>
+        </p:nvCxnSpPr>
+        <p:spPr>
+          <a:xfrm rot="10800000" flipH="1">
+            <a:off x="8407043" y="3819991"/>
+            <a:ext cx="2768733" cy="274338"/>
+          </a:xfrm>
+          <a:prstGeom prst="bentConnector3">
+            <a:avLst>
+              <a:gd name="adj1" fmla="val 215"/>
+            </a:avLst>
+          </a:prstGeom>
+          <a:ln w="12700">
+            <a:solidFill>
+              <a:schemeClr val="tx1"/>
+            </a:solidFill>
+          </a:ln>
+        </p:spPr>
+        <p:style>
+          <a:lnRef idx="1">
+            <a:schemeClr val="accent1"/>
+          </a:lnRef>
+          <a:fillRef idx="0">
+            <a:schemeClr val="accent1"/>
+          </a:fillRef>
+          <a:effectRef idx="0">
+            <a:schemeClr val="accent1"/>
+          </a:effectRef>
+          <a:fontRef idx="minor">
+            <a:schemeClr val="tx1"/>
+          </a:fontRef>
+        </p:style>
+      </p:cxnSp>
+      <p:cxnSp>
+        <p:nvCxnSpPr>
+          <p:cNvPr id="524" name="Conector angular 67"/>
+          <p:cNvCxnSpPr>
             <a:endCxn id="441" idx="0"/>
           </p:cNvCxnSpPr>
           <p:nvPr/>
         </p:nvCxnSpPr>
         <p:spPr>
-          <a:xfrm rot="5400000">
-            <a:off x="8284722" y="4135236"/>
-            <a:ext cx="429213" cy="1040020"/>
+          <a:xfrm rot="10800000">
+            <a:off x="13724795" y="5146702"/>
+            <a:ext cx="1759536" cy="5608"/>
+          </a:xfrm>
+          <a:prstGeom prst="bentConnector4">
+            <a:avLst>
+              <a:gd name="adj1" fmla="val -719"/>
+              <a:gd name="adj2" fmla="val 4176320"/>
+            </a:avLst>
+          </a:prstGeom>
+          <a:ln w="12700">
+            <a:solidFill>
+              <a:schemeClr val="tx1"/>
+            </a:solidFill>
+          </a:ln>
+        </p:spPr>
+        <p:style>
+          <a:lnRef idx="1">
+            <a:schemeClr val="accent1"/>
+          </a:lnRef>
+          <a:fillRef idx="0">
+            <a:schemeClr val="accent1"/>
+          </a:fillRef>
+          <a:effectRef idx="0">
+            <a:schemeClr val="accent1"/>
+          </a:effectRef>
+          <a:fontRef idx="minor">
+            <a:schemeClr val="tx1"/>
+          </a:fontRef>
+        </p:style>
+      </p:cxnSp>
+      <p:cxnSp>
+        <p:nvCxnSpPr>
+          <p:cNvPr id="525" name="Conector angular 61"/>
+          <p:cNvCxnSpPr/>
+          <p:nvPr/>
+        </p:nvCxnSpPr>
+        <p:spPr>
+          <a:xfrm rot="5400000" flipH="1" flipV="1">
+            <a:off x="14189205" y="6605829"/>
+            <a:ext cx="620599" cy="644"/>
           </a:xfrm>
           <a:prstGeom prst="bentConnector3">
             <a:avLst>
@@ -4580,22 +9567,17 @@
       </p:cxnSp>
       <p:cxnSp>
         <p:nvCxnSpPr>
-          <p:cNvPr id="400" name="Conector angular 64"/>
-          <p:cNvCxnSpPr>
-            <a:stCxn id="431" idx="2"/>
-            <a:endCxn id="440" idx="0"/>
-          </p:cNvCxnSpPr>
+          <p:cNvPr id="527" name="Conector recto 163"/>
+          <p:cNvCxnSpPr/>
           <p:nvPr/>
         </p:nvCxnSpPr>
         <p:spPr>
-          <a:xfrm rot="16200000" flipH="1">
-            <a:off x="8285988" y="3474411"/>
-            <a:ext cx="139614" cy="1327086"/>
-          </a:xfrm>
-          <a:prstGeom prst="bentConnector3">
-            <a:avLst>
-              <a:gd name="adj1" fmla="val 50000"/>
-            </a:avLst>
+          <a:xfrm flipH="1" flipV="1">
+            <a:off x="14507676" y="5739087"/>
+            <a:ext cx="765" cy="304302"/>
+          </a:xfrm>
+          <a:prstGeom prst="line">
+            <a:avLst/>
           </a:prstGeom>
           <a:ln w="12700">
             <a:solidFill>
@@ -4620,119 +9602,14 @@
       </p:cxnSp>
       <p:cxnSp>
         <p:nvCxnSpPr>
-          <p:cNvPr id="401" name="Conector angular 67"/>
-          <p:cNvCxnSpPr>
-            <a:stCxn id="396" idx="2"/>
-            <a:endCxn id="431" idx="0"/>
-          </p:cNvCxnSpPr>
+          <p:cNvPr id="528" name="Conector recto 163"/>
+          <p:cNvCxnSpPr/>
           <p:nvPr/>
         </p:nvCxnSpPr>
         <p:spPr>
-          <a:xfrm rot="5400000">
-            <a:off x="9304967" y="2022662"/>
-            <a:ext cx="218417" cy="3443845"/>
-          </a:xfrm>
-          <a:prstGeom prst="bentConnector3">
-            <a:avLst>
-              <a:gd name="adj1" fmla="val 50000"/>
-            </a:avLst>
-          </a:prstGeom>
-          <a:ln w="12700">
-            <a:solidFill>
-              <a:schemeClr val="tx1"/>
-            </a:solidFill>
-          </a:ln>
-        </p:spPr>
-        <p:style>
-          <a:lnRef idx="1">
-            <a:schemeClr val="accent1"/>
-          </a:lnRef>
-          <a:fillRef idx="0">
-            <a:schemeClr val="accent1"/>
-          </a:fillRef>
-          <a:effectRef idx="0">
-            <a:schemeClr val="accent1"/>
-          </a:effectRef>
-          <a:fontRef idx="minor">
-            <a:schemeClr val="tx1"/>
-          </a:fontRef>
-        </p:style>
-      </p:cxnSp>
-      <p:sp>
-        <p:nvSpPr>
-          <p:cNvPr id="402" name="Rectángulo 76" descr="Nodo de cuarto nivel&#10;" title="Nodo04"/>
-          <p:cNvSpPr/>
-          <p:nvPr/>
-        </p:nvSpPr>
-        <p:spPr>
-          <a:xfrm>
-            <a:off x="5559929" y="4886616"/>
-            <a:ext cx="876812" cy="239369"/>
-          </a:xfrm>
-          <a:prstGeom prst="rect">
-            <a:avLst/>
-          </a:prstGeom>
-          <a:solidFill>
-            <a:schemeClr val="bg1"/>
-          </a:solidFill>
-          <a:ln>
-            <a:solidFill>
-              <a:schemeClr val="tx1"/>
-            </a:solidFill>
-          </a:ln>
-        </p:spPr>
-        <p:style>
-          <a:lnRef idx="2">
-            <a:schemeClr val="accent6"/>
-          </a:lnRef>
-          <a:fillRef idx="1">
-            <a:schemeClr val="lt1"/>
-          </a:fillRef>
-          <a:effectRef idx="0">
-            <a:schemeClr val="accent6"/>
-          </a:effectRef>
-          <a:fontRef idx="minor">
-            <a:schemeClr val="dk1"/>
-          </a:fontRef>
-        </p:style>
-        <p:txBody>
-          <a:bodyPr rtlCol="0" anchor="ctr"/>
-          <a:lstStyle/>
-          <a:p>
-            <a:pPr algn="ctr"/>
-            <a:r>
-              <a:rPr lang="es-ES" sz="793" dirty="0">
-                <a:solidFill>
-                  <a:schemeClr val="tx1"/>
-                </a:solidFill>
-                <a:latin typeface="Arial" panose="020B0604020202020204" pitchFamily="34" charset="0"/>
-                <a:cs typeface="Arial" panose="020B0604020202020204" pitchFamily="34" charset="0"/>
-              </a:rPr>
-              <a:t>suplementarios</a:t>
-            </a:r>
-            <a:endParaRPr lang="es-ES" sz="793" dirty="0">
-              <a:solidFill>
-                <a:schemeClr val="tx1"/>
-              </a:solidFill>
-              <a:latin typeface="Arial" panose="020B0604020202020204" pitchFamily="34" charset="0"/>
-              <a:cs typeface="Arial" panose="020B0604020202020204" pitchFamily="34" charset="0"/>
-            </a:endParaRPr>
-          </a:p>
-        </p:txBody>
-      </p:sp>
-      <p:cxnSp>
-        <p:nvCxnSpPr>
-          <p:cNvPr id="403" name="Conector recto 80"/>
-          <p:cNvCxnSpPr>
-            <a:stCxn id="443" idx="0"/>
-            <a:endCxn id="441" idx="2"/>
-          </p:cNvCxnSpPr>
-          <p:nvPr/>
-        </p:nvCxnSpPr>
-        <p:spPr>
           <a:xfrm flipV="1">
-            <a:off x="7953890" y="5109222"/>
-            <a:ext cx="25428" cy="126321"/>
+            <a:off x="15488609" y="6169289"/>
+            <a:ext cx="4318" cy="1369197"/>
           </a:xfrm>
           <a:prstGeom prst="line">
             <a:avLst/>
@@ -4760,188 +9637,17 @@
       </p:cxnSp>
       <p:cxnSp>
         <p:nvCxnSpPr>
-          <p:cNvPr id="404" name="Conector recto 83"/>
-          <p:cNvCxnSpPr>
-            <a:stCxn id="444" idx="0"/>
-            <a:endCxn id="442" idx="2"/>
-          </p:cNvCxnSpPr>
+          <p:cNvPr id="529" name="Conector recto 163"/>
+          <p:cNvCxnSpPr/>
           <p:nvPr/>
         </p:nvCxnSpPr>
         <p:spPr>
-          <a:xfrm flipH="1" flipV="1">
-            <a:off x="8787668" y="5125983"/>
-            <a:ext cx="8279" cy="110446"/>
+          <a:xfrm flipV="1">
+            <a:off x="15512560" y="5427186"/>
+            <a:ext cx="1745" cy="433084"/>
           </a:xfrm>
           <a:prstGeom prst="line">
             <a:avLst/>
-          </a:prstGeom>
-          <a:ln w="12700">
-            <a:solidFill>
-              <a:schemeClr val="tx1"/>
-            </a:solidFill>
-          </a:ln>
-        </p:spPr>
-        <p:style>
-          <a:lnRef idx="1">
-            <a:schemeClr val="accent1"/>
-          </a:lnRef>
-          <a:fillRef idx="0">
-            <a:schemeClr val="accent1"/>
-          </a:fillRef>
-          <a:effectRef idx="0">
-            <a:schemeClr val="accent1"/>
-          </a:effectRef>
-          <a:fontRef idx="minor">
-            <a:schemeClr val="tx1"/>
-          </a:fontRef>
-        </p:style>
-      </p:cxnSp>
-      <p:sp>
-        <p:nvSpPr>
-          <p:cNvPr id="405" name="Rectángulo 582" descr="Nodo de segundo nivel" title="Nodo02"/>
-          <p:cNvSpPr/>
-          <p:nvPr/>
-        </p:nvSpPr>
-        <p:spPr>
-          <a:xfrm>
-            <a:off x="1889724" y="3625433"/>
-            <a:ext cx="728594" cy="314556"/>
-          </a:xfrm>
-          <a:prstGeom prst="rect">
-            <a:avLst/>
-          </a:prstGeom>
-          <a:solidFill>
-            <a:schemeClr val="bg2">
-              <a:lumMod val="50000"/>
-            </a:schemeClr>
-          </a:solidFill>
-          <a:ln>
-            <a:solidFill>
-              <a:schemeClr val="tx1"/>
-            </a:solidFill>
-          </a:ln>
-        </p:spPr>
-        <p:style>
-          <a:lnRef idx="2">
-            <a:schemeClr val="accent6"/>
-          </a:lnRef>
-          <a:fillRef idx="1">
-            <a:schemeClr val="lt1"/>
-          </a:fillRef>
-          <a:effectRef idx="0">
-            <a:schemeClr val="accent6"/>
-          </a:effectRef>
-          <a:fontRef idx="minor">
-            <a:schemeClr val="dk1"/>
-          </a:fontRef>
-        </p:style>
-        <p:txBody>
-          <a:bodyPr rtlCol="0" anchor="ctr"/>
-          <a:lstStyle/>
-          <a:p>
-            <a:pPr algn="ctr"/>
-            <a:r>
-              <a:rPr lang="es-ES" sz="924" dirty="0">
-                <a:solidFill>
-                  <a:schemeClr val="bg1"/>
-                </a:solidFill>
-                <a:latin typeface="Arial" panose="020B0604020202020204" pitchFamily="34" charset="0"/>
-                <a:cs typeface="Arial" panose="020B0604020202020204" pitchFamily="34" charset="0"/>
-              </a:rPr>
-              <a:t>punto</a:t>
-            </a:r>
-            <a:endParaRPr lang="es-ES" sz="924" dirty="0">
-              <a:solidFill>
-                <a:schemeClr val="bg1"/>
-              </a:solidFill>
-              <a:latin typeface="Arial" panose="020B0604020202020204" pitchFamily="34" charset="0"/>
-              <a:cs typeface="Arial" panose="020B0604020202020204" pitchFamily="34" charset="0"/>
-            </a:endParaRPr>
-          </a:p>
-        </p:txBody>
-      </p:sp>
-      <p:sp>
-        <p:nvSpPr>
-          <p:cNvPr id="406" name="Rectángulo 611" descr="Nodo de segundo nivel" title="Nodo02"/>
-          <p:cNvSpPr/>
-          <p:nvPr/>
-        </p:nvSpPr>
-        <p:spPr>
-          <a:xfrm>
-            <a:off x="3814406" y="3625439"/>
-            <a:ext cx="737274" cy="314556"/>
-          </a:xfrm>
-          <a:prstGeom prst="rect">
-            <a:avLst/>
-          </a:prstGeom>
-          <a:solidFill>
-            <a:schemeClr val="bg2">
-              <a:lumMod val="50000"/>
-            </a:schemeClr>
-          </a:solidFill>
-          <a:ln>
-            <a:solidFill>
-              <a:schemeClr val="tx1"/>
-            </a:solidFill>
-          </a:ln>
-        </p:spPr>
-        <p:style>
-          <a:lnRef idx="2">
-            <a:schemeClr val="accent6"/>
-          </a:lnRef>
-          <a:fillRef idx="1">
-            <a:schemeClr val="lt1"/>
-          </a:fillRef>
-          <a:effectRef idx="0">
-            <a:schemeClr val="accent6"/>
-          </a:effectRef>
-          <a:fontRef idx="minor">
-            <a:schemeClr val="dk1"/>
-          </a:fontRef>
-        </p:style>
-        <p:txBody>
-          <a:bodyPr rtlCol="0" anchor="ctr"/>
-          <a:lstStyle/>
-          <a:p>
-            <a:pPr algn="ctr"/>
-            <a:r>
-              <a:rPr lang="es-ES" sz="924" dirty="0">
-                <a:solidFill>
-                  <a:schemeClr val="bg1"/>
-                </a:solidFill>
-                <a:latin typeface="Arial" panose="020B0604020202020204" pitchFamily="34" charset="0"/>
-                <a:cs typeface="Arial" panose="020B0604020202020204" pitchFamily="34" charset="0"/>
-              </a:rPr>
-              <a:t>semirrecta</a:t>
-            </a:r>
-            <a:endParaRPr lang="es-ES" sz="924" dirty="0">
-              <a:solidFill>
-                <a:schemeClr val="bg1"/>
-              </a:solidFill>
-              <a:latin typeface="Arial" panose="020B0604020202020204" pitchFamily="34" charset="0"/>
-              <a:cs typeface="Arial" panose="020B0604020202020204" pitchFamily="34" charset="0"/>
-            </a:endParaRPr>
-          </a:p>
-        </p:txBody>
-      </p:sp>
-      <p:cxnSp>
-        <p:nvCxnSpPr>
-          <p:cNvPr id="407" name="Conector angular 620"/>
-          <p:cNvCxnSpPr>
-            <a:stCxn id="378" idx="2"/>
-            <a:endCxn id="406" idx="0"/>
-          </p:cNvCxnSpPr>
-          <p:nvPr/>
-        </p:nvCxnSpPr>
-        <p:spPr>
-          <a:xfrm rot="5400000">
-            <a:off x="4082622" y="3012042"/>
-            <a:ext cx="713819" cy="512975"/>
-          </a:xfrm>
-          <a:prstGeom prst="bentConnector3">
-            <a:avLst>
-              <a:gd name="adj1" fmla="val 50000"/>
-            </a:avLst>
           </a:prstGeom>
           <a:ln w="12700">
             <a:solidFill>
@@ -4966,22 +9672,17 @@
       </p:cxnSp>
       <p:cxnSp>
         <p:nvCxnSpPr>
-          <p:cNvPr id="408" name="Conector angular 620"/>
-          <p:cNvCxnSpPr>
-            <a:stCxn id="378" idx="2"/>
-            <a:endCxn id="405" idx="0"/>
-          </p:cNvCxnSpPr>
+          <p:cNvPr id="530" name="Conector angular 67"/>
+          <p:cNvCxnSpPr/>
           <p:nvPr/>
         </p:nvCxnSpPr>
         <p:spPr>
-          <a:xfrm rot="5400000">
-            <a:off x="3118109" y="2047529"/>
-            <a:ext cx="713818" cy="2441990"/>
-          </a:xfrm>
-          <a:prstGeom prst="bentConnector3">
-            <a:avLst>
-              <a:gd name="adj1" fmla="val 50000"/>
-            </a:avLst>
+          <a:xfrm rot="16200000" flipV="1">
+            <a:off x="12454004" y="1230572"/>
+            <a:ext cx="140052" cy="2673650"/>
+          </a:xfrm>
+          <a:prstGeom prst="bentConnector2">
+            <a:avLst/>
           </a:prstGeom>
           <a:ln w="12700">
             <a:solidFill>
@@ -5004,16 +9705,86 @@
           </a:fontRef>
         </p:style>
       </p:cxnSp>
-      <p:sp>
-        <p:nvSpPr>
-          <p:cNvPr id="409" name="CuadroTexto 617" descr="Conector entre nodos" title="conector"/>
+      <p:cxnSp>
+        <p:nvCxnSpPr>
+          <p:cNvPr id="531" name="Conector recto 163"/>
+          <p:cNvCxnSpPr/>
+          <p:nvPr/>
+        </p:nvCxnSpPr>
+        <p:spPr>
+          <a:xfrm flipV="1">
+            <a:off x="11187205" y="3470387"/>
+            <a:ext cx="2264" cy="134939"/>
+          </a:xfrm>
+          <a:prstGeom prst="line">
+            <a:avLst/>
+          </a:prstGeom>
+          <a:ln w="12700">
+            <a:solidFill>
+              <a:schemeClr val="tx1"/>
+            </a:solidFill>
+          </a:ln>
+        </p:spPr>
+        <p:style>
+          <a:lnRef idx="1">
+            <a:schemeClr val="accent1"/>
+          </a:lnRef>
+          <a:fillRef idx="0">
+            <a:schemeClr val="accent1"/>
+          </a:fillRef>
+          <a:effectRef idx="0">
+            <a:schemeClr val="accent1"/>
+          </a:effectRef>
+          <a:fontRef idx="minor">
+            <a:schemeClr val="tx1"/>
+          </a:fontRef>
+        </p:style>
+      </p:cxnSp>
+      <p:cxnSp>
+        <p:nvCxnSpPr>
+          <p:cNvPr id="532" name="Conector recto 163"/>
+          <p:cNvCxnSpPr/>
+          <p:nvPr/>
+        </p:nvCxnSpPr>
+        <p:spPr>
+          <a:xfrm flipV="1">
+            <a:off x="11201047" y="3699655"/>
+            <a:ext cx="2264" cy="134939"/>
+          </a:xfrm>
+          <a:prstGeom prst="line">
+            <a:avLst/>
+          </a:prstGeom>
+          <a:ln w="12700">
+            <a:solidFill>
+              <a:schemeClr val="tx1"/>
+            </a:solidFill>
+          </a:ln>
+        </p:spPr>
+        <p:style>
+          <a:lnRef idx="1">
+            <a:schemeClr val="accent1"/>
+          </a:lnRef>
+          <a:fillRef idx="0">
+            <a:schemeClr val="accent1"/>
+          </a:fillRef>
+          <a:effectRef idx="0">
+            <a:schemeClr val="accent1"/>
+          </a:effectRef>
+          <a:fontRef idx="minor">
+            <a:schemeClr val="tx1"/>
+          </a:fontRef>
+        </p:style>
+      </p:cxnSp>
+      <p:sp>
+        <p:nvSpPr>
+          <p:cNvPr id="533" name="CuadroTexto 161" descr="Conector entre nodos" title="conector"/>
           <p:cNvSpPr txBox="1"/>
           <p:nvPr/>
         </p:nvSpPr>
         <p:spPr>
           <a:xfrm>
-            <a:off x="2889818" y="4105563"/>
-            <a:ext cx="681621" cy="214354"/>
+            <a:off x="13144036" y="2670502"/>
+            <a:ext cx="1314681" cy="214354"/>
           </a:xfrm>
           <a:prstGeom prst="rect">
             <a:avLst/>
@@ -5032,7 +9803,14 @@
                 <a:latin typeface="Arial" panose="020B0604020202020204" pitchFamily="34" charset="0"/>
                 <a:cs typeface="Arial" panose="020B0604020202020204" pitchFamily="34" charset="0"/>
               </a:rPr>
-              <a:t>cuando</a:t>
+              <a:t>p</a:t>
+            </a:r>
+            <a:r>
+              <a:rPr lang="es-ES" sz="793" dirty="0" smtClean="0">
+                <a:latin typeface="Arial" panose="020B0604020202020204" pitchFamily="34" charset="0"/>
+                <a:cs typeface="Arial" panose="020B0604020202020204" pitchFamily="34" charset="0"/>
+              </a:rPr>
+              <a:t>uede trazarse</a:t>
             </a:r>
             <a:endParaRPr lang="es-ES" sz="793" dirty="0">
               <a:latin typeface="Arial" panose="020B0604020202020204" pitchFamily="34" charset="0"/>
@@ -5043,22 +9821,17 @@
       </p:sp>
       <p:cxnSp>
         <p:nvCxnSpPr>
-          <p:cNvPr id="410" name="Conector angular 583"/>
-          <p:cNvCxnSpPr>
-            <a:stCxn id="425" idx="2"/>
-            <a:endCxn id="384" idx="0"/>
-          </p:cNvCxnSpPr>
+          <p:cNvPr id="534" name="Conector recto 163"/>
+          <p:cNvCxnSpPr/>
           <p:nvPr/>
         </p:nvCxnSpPr>
         <p:spPr>
-          <a:xfrm rot="5400000">
-            <a:off x="2910348" y="4506083"/>
-            <a:ext cx="118966" cy="531948"/>
-          </a:xfrm>
-          <a:prstGeom prst="bentConnector3">
-            <a:avLst>
-              <a:gd name="adj1" fmla="val 50000"/>
-            </a:avLst>
+          <a:xfrm flipV="1">
+            <a:off x="11917943" y="4463725"/>
+            <a:ext cx="0" cy="195695"/>
+          </a:xfrm>
+          <a:prstGeom prst="line">
+            <a:avLst/>
           </a:prstGeom>
           <a:ln w="12700">
             <a:solidFill>
@@ -5083,408 +9856,14 @@
       </p:cxnSp>
       <p:cxnSp>
         <p:nvCxnSpPr>
-          <p:cNvPr id="411" name="Conector angular 583"/>
-          <p:cNvCxnSpPr>
-            <a:stCxn id="425" idx="2"/>
-            <a:endCxn id="428" idx="0"/>
-          </p:cNvCxnSpPr>
+          <p:cNvPr id="536" name="Conector recto 163"/>
+          <p:cNvCxnSpPr/>
           <p:nvPr/>
         </p:nvCxnSpPr>
         <p:spPr>
-          <a:xfrm rot="16200000" flipH="1">
-            <a:off x="3515852" y="4432527"/>
-            <a:ext cx="137825" cy="697918"/>
-          </a:xfrm>
-          <a:prstGeom prst="bentConnector3">
-            <a:avLst>
-              <a:gd name="adj1" fmla="val 50000"/>
-            </a:avLst>
-          </a:prstGeom>
-          <a:ln w="12700">
-            <a:solidFill>
-              <a:schemeClr val="tx1"/>
-            </a:solidFill>
-          </a:ln>
-        </p:spPr>
-        <p:style>
-          <a:lnRef idx="1">
-            <a:schemeClr val="accent1"/>
-          </a:lnRef>
-          <a:fillRef idx="0">
-            <a:schemeClr val="accent1"/>
-          </a:fillRef>
-          <a:effectRef idx="0">
-            <a:schemeClr val="accent1"/>
-          </a:effectRef>
-          <a:fontRef idx="minor">
-            <a:schemeClr val="tx1"/>
-          </a:fontRef>
-        </p:style>
-      </p:cxnSp>
-      <p:sp>
-        <p:nvSpPr>
-          <p:cNvPr id="412" name="Rectángulo 584" descr="Nodo de tercer nivel" title="Nodo03"/>
-          <p:cNvSpPr/>
-          <p:nvPr/>
-        </p:nvSpPr>
-        <p:spPr>
-          <a:xfrm>
-            <a:off x="2037696" y="6159525"/>
-            <a:ext cx="791949" cy="285103"/>
-          </a:xfrm>
-          <a:prstGeom prst="rect">
-            <a:avLst/>
-          </a:prstGeom>
-          <a:solidFill>
-            <a:schemeClr val="bg1"/>
-          </a:solidFill>
-          <a:ln>
-            <a:solidFill>
-              <a:schemeClr val="tx1"/>
-            </a:solidFill>
-          </a:ln>
-        </p:spPr>
-        <p:style>
-          <a:lnRef idx="2">
-            <a:schemeClr val="accent6"/>
-          </a:lnRef>
-          <a:fillRef idx="1">
-            <a:schemeClr val="lt1"/>
-          </a:fillRef>
-          <a:effectRef idx="0">
-            <a:schemeClr val="accent6"/>
-          </a:effectRef>
-          <a:fontRef idx="minor">
-            <a:schemeClr val="dk1"/>
-          </a:fontRef>
-        </p:style>
-        <p:txBody>
-          <a:bodyPr rtlCol="0" anchor="ctr"/>
-          <a:lstStyle/>
-          <a:p>
-            <a:pPr algn="ctr"/>
-            <a:r>
-              <a:rPr lang="es-ES" sz="793" dirty="0">
-                <a:solidFill>
-                  <a:schemeClr val="tx1"/>
-                </a:solidFill>
-                <a:latin typeface="Arial" panose="020B0604020202020204" pitchFamily="34" charset="0"/>
-                <a:cs typeface="Arial" panose="020B0604020202020204" pitchFamily="34" charset="0"/>
-              </a:rPr>
-              <a:t>secantes</a:t>
-            </a:r>
-          </a:p>
-        </p:txBody>
-      </p:sp>
-      <p:sp>
-        <p:nvSpPr>
-          <p:cNvPr id="413" name="Rectángulo 584" descr="Nodo de tercer nivel" title="Nodo03"/>
-          <p:cNvSpPr/>
-          <p:nvPr/>
-        </p:nvSpPr>
-        <p:spPr>
-          <a:xfrm>
-            <a:off x="2918978" y="6159525"/>
-            <a:ext cx="791949" cy="285103"/>
-          </a:xfrm>
-          <a:prstGeom prst="rect">
-            <a:avLst/>
-          </a:prstGeom>
-          <a:solidFill>
-            <a:schemeClr val="bg1"/>
-          </a:solidFill>
-          <a:ln>
-            <a:solidFill>
-              <a:schemeClr val="tx1"/>
-            </a:solidFill>
-          </a:ln>
-        </p:spPr>
-        <p:style>
-          <a:lnRef idx="2">
-            <a:schemeClr val="accent6"/>
-          </a:lnRef>
-          <a:fillRef idx="1">
-            <a:schemeClr val="lt1"/>
-          </a:fillRef>
-          <a:effectRef idx="0">
-            <a:schemeClr val="accent6"/>
-          </a:effectRef>
-          <a:fontRef idx="minor">
-            <a:schemeClr val="dk1"/>
-          </a:fontRef>
-        </p:style>
-        <p:txBody>
-          <a:bodyPr rtlCol="0" anchor="ctr"/>
-          <a:lstStyle/>
-          <a:p>
-            <a:pPr algn="ctr"/>
-            <a:r>
-              <a:rPr lang="es-ES" sz="793" dirty="0">
-                <a:solidFill>
-                  <a:schemeClr val="tx1"/>
-                </a:solidFill>
-                <a:latin typeface="Arial" panose="020B0604020202020204" pitchFamily="34" charset="0"/>
-                <a:cs typeface="Arial" panose="020B0604020202020204" pitchFamily="34" charset="0"/>
-              </a:rPr>
-              <a:t>paralelas</a:t>
-            </a:r>
-          </a:p>
-        </p:txBody>
-      </p:sp>
-      <p:sp>
-        <p:nvSpPr>
-          <p:cNvPr id="414" name="Rectángulo 584" descr="Nodo de tercer nivel" title="Nodo03"/>
-          <p:cNvSpPr/>
-          <p:nvPr/>
-        </p:nvSpPr>
-        <p:spPr>
-          <a:xfrm>
-            <a:off x="3835207" y="6175085"/>
-            <a:ext cx="919673" cy="285103"/>
-          </a:xfrm>
-          <a:prstGeom prst="rect">
-            <a:avLst/>
-          </a:prstGeom>
-          <a:solidFill>
-            <a:schemeClr val="bg1"/>
-          </a:solidFill>
-          <a:ln>
-            <a:solidFill>
-              <a:schemeClr val="tx1"/>
-            </a:solidFill>
-          </a:ln>
-        </p:spPr>
-        <p:style>
-          <a:lnRef idx="2">
-            <a:schemeClr val="accent6"/>
-          </a:lnRef>
-          <a:fillRef idx="1">
-            <a:schemeClr val="lt1"/>
-          </a:fillRef>
-          <a:effectRef idx="0">
-            <a:schemeClr val="accent6"/>
-          </a:effectRef>
-          <a:fontRef idx="minor">
-            <a:schemeClr val="dk1"/>
-          </a:fontRef>
-        </p:style>
-        <p:txBody>
-          <a:bodyPr rtlCol="0" anchor="ctr"/>
-          <a:lstStyle/>
-          <a:p>
-            <a:pPr algn="ctr"/>
-            <a:r>
-              <a:rPr lang="es-ES" sz="793" dirty="0">
-                <a:solidFill>
-                  <a:schemeClr val="tx1"/>
-                </a:solidFill>
-                <a:latin typeface="Arial" panose="020B0604020202020204" pitchFamily="34" charset="0"/>
-                <a:cs typeface="Arial" panose="020B0604020202020204" pitchFamily="34" charset="0"/>
-              </a:rPr>
-              <a:t>perpendiculares</a:t>
-            </a:r>
-          </a:p>
-        </p:txBody>
-      </p:sp>
-      <p:sp>
-        <p:nvSpPr>
-          <p:cNvPr id="415" name="Rectángulo 153" descr="Nodo de cuarto nivel&#10;" title="Nodo04"/>
-          <p:cNvSpPr/>
-          <p:nvPr/>
-        </p:nvSpPr>
-        <p:spPr>
-          <a:xfrm>
-            <a:off x="2009134" y="6636493"/>
-            <a:ext cx="849077" cy="478734"/>
-          </a:xfrm>
-          <a:prstGeom prst="rect">
-            <a:avLst/>
-          </a:prstGeom>
-          <a:solidFill>
-            <a:schemeClr val="bg1"/>
-          </a:solidFill>
-          <a:ln>
-            <a:solidFill>
-              <a:schemeClr val="tx1"/>
-            </a:solidFill>
-          </a:ln>
-        </p:spPr>
-        <p:style>
-          <a:lnRef idx="2">
-            <a:schemeClr val="accent6"/>
-          </a:lnRef>
-          <a:fillRef idx="1">
-            <a:schemeClr val="lt1"/>
-          </a:fillRef>
-          <a:effectRef idx="0">
-            <a:schemeClr val="accent6"/>
-          </a:effectRef>
-          <a:fontRef idx="minor">
-            <a:schemeClr val="dk1"/>
-          </a:fontRef>
-        </p:style>
-        <p:txBody>
-          <a:bodyPr rtlCol="0" anchor="ctr"/>
-          <a:lstStyle/>
-          <a:p>
-            <a:pPr algn="ctr"/>
-            <a:r>
-              <a:rPr lang="es-ES" sz="793" dirty="0">
-                <a:solidFill>
-                  <a:schemeClr val="tx1"/>
-                </a:solidFill>
-                <a:latin typeface="Arial" panose="020B0604020202020204" pitchFamily="34" charset="0"/>
-                <a:cs typeface="Arial" panose="020B0604020202020204" pitchFamily="34" charset="0"/>
-              </a:rPr>
-              <a:t>se cortan en un solo punto</a:t>
-            </a:r>
-            <a:endParaRPr lang="es-ES" sz="793" dirty="0">
-              <a:solidFill>
-                <a:schemeClr val="tx1"/>
-              </a:solidFill>
-              <a:latin typeface="Arial" panose="020B0604020202020204" pitchFamily="34" charset="0"/>
-              <a:cs typeface="Arial" panose="020B0604020202020204" pitchFamily="34" charset="0"/>
-            </a:endParaRPr>
-          </a:p>
-        </p:txBody>
-      </p:sp>
-      <p:sp>
-        <p:nvSpPr>
-          <p:cNvPr id="416" name="Rectángulo 153" descr="Nodo de cuarto nivel&#10;" title="Nodo04"/>
-          <p:cNvSpPr/>
-          <p:nvPr/>
-        </p:nvSpPr>
-        <p:spPr>
-          <a:xfrm>
-            <a:off x="2895608" y="6642300"/>
-            <a:ext cx="849077" cy="478734"/>
-          </a:xfrm>
-          <a:prstGeom prst="rect">
-            <a:avLst/>
-          </a:prstGeom>
-          <a:solidFill>
-            <a:schemeClr val="bg1"/>
-          </a:solidFill>
-          <a:ln>
-            <a:solidFill>
-              <a:schemeClr val="tx1"/>
-            </a:solidFill>
-          </a:ln>
-        </p:spPr>
-        <p:style>
-          <a:lnRef idx="2">
-            <a:schemeClr val="accent6"/>
-          </a:lnRef>
-          <a:fillRef idx="1">
-            <a:schemeClr val="lt1"/>
-          </a:fillRef>
-          <a:effectRef idx="0">
-            <a:schemeClr val="accent6"/>
-          </a:effectRef>
-          <a:fontRef idx="minor">
-            <a:schemeClr val="dk1"/>
-          </a:fontRef>
-        </p:style>
-        <p:txBody>
-          <a:bodyPr rtlCol="0" anchor="ctr"/>
-          <a:lstStyle/>
-          <a:p>
-            <a:pPr algn="ctr"/>
-            <a:r>
-              <a:rPr lang="es-ES" sz="793" dirty="0">
-                <a:solidFill>
-                  <a:schemeClr val="tx1"/>
-                </a:solidFill>
-                <a:latin typeface="Arial" panose="020B0604020202020204" pitchFamily="34" charset="0"/>
-                <a:cs typeface="Arial" panose="020B0604020202020204" pitchFamily="34" charset="0"/>
-              </a:rPr>
-              <a:t>no se cortan </a:t>
-            </a:r>
-            <a:endParaRPr lang="es-ES" sz="793" dirty="0">
-              <a:solidFill>
-                <a:schemeClr val="tx1"/>
-              </a:solidFill>
-              <a:latin typeface="Arial" panose="020B0604020202020204" pitchFamily="34" charset="0"/>
-              <a:cs typeface="Arial" panose="020B0604020202020204" pitchFamily="34" charset="0"/>
-            </a:endParaRPr>
-          </a:p>
-        </p:txBody>
-      </p:sp>
-      <p:sp>
-        <p:nvSpPr>
-          <p:cNvPr id="417" name="Rectángulo 153" descr="Nodo de cuarto nivel&#10;" title="Nodo04"/>
-          <p:cNvSpPr/>
-          <p:nvPr/>
-        </p:nvSpPr>
-        <p:spPr>
-          <a:xfrm>
-            <a:off x="3854162" y="6611387"/>
-            <a:ext cx="849077" cy="478734"/>
-          </a:xfrm>
-          <a:prstGeom prst="rect">
-            <a:avLst/>
-          </a:prstGeom>
-          <a:solidFill>
-            <a:schemeClr val="bg1"/>
-          </a:solidFill>
-          <a:ln>
-            <a:solidFill>
-              <a:schemeClr val="tx1"/>
-            </a:solidFill>
-          </a:ln>
-        </p:spPr>
-        <p:style>
-          <a:lnRef idx="2">
-            <a:schemeClr val="accent6"/>
-          </a:lnRef>
-          <a:fillRef idx="1">
-            <a:schemeClr val="lt1"/>
-          </a:fillRef>
-          <a:effectRef idx="0">
-            <a:schemeClr val="accent6"/>
-          </a:effectRef>
-          <a:fontRef idx="minor">
-            <a:schemeClr val="dk1"/>
-          </a:fontRef>
-        </p:style>
-        <p:txBody>
-          <a:bodyPr rtlCol="0" anchor="ctr"/>
-          <a:lstStyle/>
-          <a:p>
-            <a:pPr algn="ctr"/>
-            <a:r>
-              <a:rPr lang="es-ES" sz="793" dirty="0">
-                <a:solidFill>
-                  <a:schemeClr val="tx1"/>
-                </a:solidFill>
-                <a:latin typeface="Arial" panose="020B0604020202020204" pitchFamily="34" charset="0"/>
-                <a:cs typeface="Arial" panose="020B0604020202020204" pitchFamily="34" charset="0"/>
-              </a:rPr>
-              <a:t>se cortan formando un ángulo recto</a:t>
-            </a:r>
-            <a:endParaRPr lang="es-ES" sz="793" dirty="0">
-              <a:solidFill>
-                <a:schemeClr val="tx1"/>
-              </a:solidFill>
-              <a:latin typeface="Arial" panose="020B0604020202020204" pitchFamily="34" charset="0"/>
-              <a:cs typeface="Arial" panose="020B0604020202020204" pitchFamily="34" charset="0"/>
-            </a:endParaRPr>
-          </a:p>
-        </p:txBody>
-      </p:sp>
-      <p:cxnSp>
-        <p:nvCxnSpPr>
-          <p:cNvPr id="418" name="Conector recto 155"/>
-          <p:cNvCxnSpPr>
-            <a:stCxn id="415" idx="0"/>
-            <a:endCxn id="412" idx="2"/>
-          </p:cNvCxnSpPr>
-          <p:nvPr/>
-        </p:nvCxnSpPr>
-        <p:spPr>
-          <a:xfrm flipH="1" flipV="1">
-            <a:off x="2433671" y="6444628"/>
-            <a:ext cx="2" cy="191863"/>
+          <a:xfrm flipV="1">
+            <a:off x="11952623" y="4794711"/>
+            <a:ext cx="0" cy="195695"/>
           </a:xfrm>
           <a:prstGeom prst="line">
             <a:avLst/>
@@ -5512,2845 +9891,14 @@
       </p:cxnSp>
       <p:cxnSp>
         <p:nvCxnSpPr>
-          <p:cNvPr id="419" name="Conector recto 155"/>
-          <p:cNvCxnSpPr>
-            <a:stCxn id="416" idx="0"/>
-            <a:endCxn id="413" idx="2"/>
-          </p:cNvCxnSpPr>
+          <p:cNvPr id="537" name="Conector recto 163"/>
+          <p:cNvCxnSpPr/>
           <p:nvPr/>
         </p:nvCxnSpPr>
         <p:spPr>
-          <a:xfrm flipH="1" flipV="1">
-            <a:off x="3314953" y="6444628"/>
-            <a:ext cx="5193" cy="197671"/>
-          </a:xfrm>
-          <a:prstGeom prst="line">
-            <a:avLst/>
-          </a:prstGeom>
-          <a:ln w="12700">
-            <a:solidFill>
-              <a:schemeClr val="tx1"/>
-            </a:solidFill>
-          </a:ln>
-        </p:spPr>
-        <p:style>
-          <a:lnRef idx="1">
-            <a:schemeClr val="accent1"/>
-          </a:lnRef>
-          <a:fillRef idx="0">
-            <a:schemeClr val="accent1"/>
-          </a:fillRef>
-          <a:effectRef idx="0">
-            <a:schemeClr val="accent1"/>
-          </a:effectRef>
-          <a:fontRef idx="minor">
-            <a:schemeClr val="tx1"/>
-          </a:fontRef>
-        </p:style>
-      </p:cxnSp>
-      <p:cxnSp>
-        <p:nvCxnSpPr>
-          <p:cNvPr id="420" name="Conector recto 155"/>
-          <p:cNvCxnSpPr>
-            <a:stCxn id="417" idx="0"/>
-            <a:endCxn id="414" idx="2"/>
-          </p:cNvCxnSpPr>
-          <p:nvPr/>
-        </p:nvCxnSpPr>
-        <p:spPr>
           <a:xfrm flipV="1">
-            <a:off x="4278701" y="6460188"/>
-            <a:ext cx="16343" cy="151199"/>
-          </a:xfrm>
-          <a:prstGeom prst="line">
-            <a:avLst/>
-          </a:prstGeom>
-          <a:ln w="12700">
-            <a:solidFill>
-              <a:schemeClr val="tx1"/>
-            </a:solidFill>
-          </a:ln>
-        </p:spPr>
-        <p:style>
-          <a:lnRef idx="1">
-            <a:schemeClr val="accent1"/>
-          </a:lnRef>
-          <a:fillRef idx="0">
-            <a:schemeClr val="accent1"/>
-          </a:fillRef>
-          <a:effectRef idx="0">
-            <a:schemeClr val="accent1"/>
-          </a:effectRef>
-          <a:fontRef idx="minor">
-            <a:schemeClr val="tx1"/>
-          </a:fontRef>
-        </p:style>
-      </p:cxnSp>
-      <p:cxnSp>
-        <p:nvCxnSpPr>
-          <p:cNvPr id="421" name="Conector angular 583"/>
-          <p:cNvCxnSpPr>
-            <a:stCxn id="384" idx="2"/>
-            <a:endCxn id="382" idx="0"/>
-          </p:cNvCxnSpPr>
-          <p:nvPr/>
-        </p:nvCxnSpPr>
-        <p:spPr>
-          <a:xfrm rot="5400000">
-            <a:off x="1534349" y="4990016"/>
-            <a:ext cx="1113631" cy="1225387"/>
-          </a:xfrm>
-          <a:prstGeom prst="bentConnector3">
-            <a:avLst>
-              <a:gd name="adj1" fmla="val 50000"/>
-            </a:avLst>
-          </a:prstGeom>
-          <a:ln w="12700">
-            <a:solidFill>
-              <a:schemeClr val="tx1"/>
-            </a:solidFill>
-          </a:ln>
-        </p:spPr>
-        <p:style>
-          <a:lnRef idx="1">
-            <a:schemeClr val="accent1"/>
-          </a:lnRef>
-          <a:fillRef idx="0">
-            <a:schemeClr val="accent1"/>
-          </a:fillRef>
-          <a:effectRef idx="0">
-            <a:schemeClr val="accent1"/>
-          </a:effectRef>
-          <a:fontRef idx="minor">
-            <a:schemeClr val="tx1"/>
-          </a:fontRef>
-        </p:style>
-      </p:cxnSp>
-      <p:cxnSp>
-        <p:nvCxnSpPr>
-          <p:cNvPr id="422" name="Conector angular 583"/>
-          <p:cNvCxnSpPr>
-            <a:stCxn id="384" idx="2"/>
-            <a:endCxn id="412" idx="0"/>
-          </p:cNvCxnSpPr>
-          <p:nvPr/>
-        </p:nvCxnSpPr>
-        <p:spPr>
-          <a:xfrm rot="5400000">
-            <a:off x="2011949" y="5467616"/>
-            <a:ext cx="1113631" cy="270186"/>
-          </a:xfrm>
-          <a:prstGeom prst="bentConnector3">
-            <a:avLst>
-              <a:gd name="adj1" fmla="val 50000"/>
-            </a:avLst>
-          </a:prstGeom>
-          <a:ln w="12700">
-            <a:solidFill>
-              <a:schemeClr val="tx1"/>
-            </a:solidFill>
-          </a:ln>
-        </p:spPr>
-        <p:style>
-          <a:lnRef idx="1">
-            <a:schemeClr val="accent1"/>
-          </a:lnRef>
-          <a:fillRef idx="0">
-            <a:schemeClr val="accent1"/>
-          </a:fillRef>
-          <a:effectRef idx="0">
-            <a:schemeClr val="accent1"/>
-          </a:effectRef>
-          <a:fontRef idx="minor">
-            <a:schemeClr val="tx1"/>
-          </a:fontRef>
-        </p:style>
-      </p:cxnSp>
-      <p:cxnSp>
-        <p:nvCxnSpPr>
-          <p:cNvPr id="423" name="Conector angular 583"/>
-          <p:cNvCxnSpPr>
-            <a:stCxn id="384" idx="2"/>
-            <a:endCxn id="413" idx="0"/>
-          </p:cNvCxnSpPr>
-          <p:nvPr/>
-        </p:nvCxnSpPr>
-        <p:spPr>
-          <a:xfrm rot="16200000" flipH="1">
-            <a:off x="2452590" y="5297161"/>
-            <a:ext cx="1113631" cy="611096"/>
-          </a:xfrm>
-          <a:prstGeom prst="bentConnector3">
-            <a:avLst>
-              <a:gd name="adj1" fmla="val 50000"/>
-            </a:avLst>
-          </a:prstGeom>
-          <a:ln w="12700">
-            <a:solidFill>
-              <a:schemeClr val="tx1"/>
-            </a:solidFill>
-          </a:ln>
-        </p:spPr>
-        <p:style>
-          <a:lnRef idx="1">
-            <a:schemeClr val="accent1"/>
-          </a:lnRef>
-          <a:fillRef idx="0">
-            <a:schemeClr val="accent1"/>
-          </a:fillRef>
-          <a:effectRef idx="0">
-            <a:schemeClr val="accent1"/>
-          </a:effectRef>
-          <a:fontRef idx="minor">
-            <a:schemeClr val="tx1"/>
-          </a:fontRef>
-        </p:style>
-      </p:cxnSp>
-      <p:cxnSp>
-        <p:nvCxnSpPr>
-          <p:cNvPr id="424" name="Conector angular 583"/>
-          <p:cNvCxnSpPr>
-            <a:stCxn id="384" idx="2"/>
-            <a:endCxn id="414" idx="0"/>
-          </p:cNvCxnSpPr>
-          <p:nvPr/>
-        </p:nvCxnSpPr>
-        <p:spPr>
-          <a:xfrm rot="16200000" flipH="1">
-            <a:off x="2934855" y="4814895"/>
-            <a:ext cx="1129191" cy="1591187"/>
-          </a:xfrm>
-          <a:prstGeom prst="bentConnector3">
-            <a:avLst>
-              <a:gd name="adj1" fmla="val 50000"/>
-            </a:avLst>
-          </a:prstGeom>
-          <a:ln w="12700">
-            <a:solidFill>
-              <a:schemeClr val="tx1"/>
-            </a:solidFill>
-          </a:ln>
-        </p:spPr>
-        <p:style>
-          <a:lnRef idx="1">
-            <a:schemeClr val="accent1"/>
-          </a:lnRef>
-          <a:fillRef idx="0">
-            <a:schemeClr val="accent1"/>
-          </a:fillRef>
-          <a:effectRef idx="0">
-            <a:schemeClr val="accent1"/>
-          </a:effectRef>
-          <a:fontRef idx="minor">
-            <a:schemeClr val="tx1"/>
-          </a:fontRef>
-        </p:style>
-      </p:cxnSp>
-      <p:sp>
-        <p:nvSpPr>
-          <p:cNvPr id="425" name="Rectángulo 160" descr="Nodo de tercer nivel" title="Nodo03"/>
-          <p:cNvSpPr/>
-          <p:nvPr/>
-        </p:nvSpPr>
-        <p:spPr>
-          <a:xfrm>
-            <a:off x="2714313" y="4434759"/>
-            <a:ext cx="1042984" cy="277815"/>
-          </a:xfrm>
-          <a:prstGeom prst="rect">
-            <a:avLst/>
-          </a:prstGeom>
-          <a:solidFill>
-            <a:schemeClr val="bg2">
-              <a:lumMod val="90000"/>
-            </a:schemeClr>
-          </a:solidFill>
-          <a:ln>
-            <a:solidFill>
-              <a:schemeClr val="tx1"/>
-            </a:solidFill>
-          </a:ln>
-        </p:spPr>
-        <p:style>
-          <a:lnRef idx="2">
-            <a:schemeClr val="accent6"/>
-          </a:lnRef>
-          <a:fillRef idx="1">
-            <a:schemeClr val="lt1"/>
-          </a:fillRef>
-          <a:effectRef idx="0">
-            <a:schemeClr val="accent6"/>
-          </a:effectRef>
-          <a:fontRef idx="minor">
-            <a:schemeClr val="dk1"/>
-          </a:fontRef>
-        </p:style>
-        <p:txBody>
-          <a:bodyPr rtlCol="0" anchor="ctr"/>
-          <a:lstStyle/>
-          <a:p>
-            <a:pPr algn="ctr"/>
-            <a:r>
-              <a:rPr lang="es-ES" sz="793" dirty="0">
-                <a:solidFill>
-                  <a:schemeClr val="tx1"/>
-                </a:solidFill>
-                <a:latin typeface="Arial" panose="020B0604020202020204" pitchFamily="34" charset="0"/>
-                <a:cs typeface="Arial" panose="020B0604020202020204" pitchFamily="34" charset="0"/>
-              </a:rPr>
-              <a:t>dos rectas se cruzan</a:t>
-            </a:r>
-            <a:endParaRPr lang="es-ES" sz="793" dirty="0">
-              <a:solidFill>
-                <a:schemeClr val="tx1"/>
-              </a:solidFill>
-              <a:latin typeface="Arial" panose="020B0604020202020204" pitchFamily="34" charset="0"/>
-              <a:cs typeface="Arial" panose="020B0604020202020204" pitchFamily="34" charset="0"/>
-            </a:endParaRPr>
-          </a:p>
-        </p:txBody>
-      </p:sp>
-      <p:cxnSp>
-        <p:nvCxnSpPr>
-          <p:cNvPr id="426" name="Conector recto 162"/>
-          <p:cNvCxnSpPr>
-            <a:stCxn id="409" idx="0"/>
-            <a:endCxn id="380" idx="2"/>
-          </p:cNvCxnSpPr>
-          <p:nvPr/>
-        </p:nvCxnSpPr>
-        <p:spPr>
-          <a:xfrm flipV="1">
-            <a:off x="3230629" y="3939989"/>
-            <a:ext cx="778" cy="165574"/>
-          </a:xfrm>
-          <a:prstGeom prst="line">
-            <a:avLst/>
-          </a:prstGeom>
-          <a:ln w="12700">
-            <a:solidFill>
-              <a:schemeClr val="tx1"/>
-            </a:solidFill>
-          </a:ln>
-        </p:spPr>
-        <p:style>
-          <a:lnRef idx="1">
-            <a:schemeClr val="accent1"/>
-          </a:lnRef>
-          <a:fillRef idx="0">
-            <a:schemeClr val="accent1"/>
-          </a:fillRef>
-          <a:effectRef idx="0">
-            <a:schemeClr val="accent1"/>
-          </a:effectRef>
-          <a:fontRef idx="minor">
-            <a:schemeClr val="tx1"/>
-          </a:fontRef>
-        </p:style>
-      </p:cxnSp>
-      <p:cxnSp>
-        <p:nvCxnSpPr>
-          <p:cNvPr id="427" name="Conector recto 162"/>
-          <p:cNvCxnSpPr>
-            <a:stCxn id="425" idx="0"/>
-            <a:endCxn id="409" idx="2"/>
-          </p:cNvCxnSpPr>
-          <p:nvPr/>
-        </p:nvCxnSpPr>
-        <p:spPr>
-          <a:xfrm flipH="1" flipV="1">
-            <a:off x="3230629" y="4319917"/>
-            <a:ext cx="5176" cy="114842"/>
-          </a:xfrm>
-          <a:prstGeom prst="line">
-            <a:avLst/>
-          </a:prstGeom>
-          <a:ln w="12700">
-            <a:solidFill>
-              <a:schemeClr val="tx1"/>
-            </a:solidFill>
-          </a:ln>
-        </p:spPr>
-        <p:style>
-          <a:lnRef idx="1">
-            <a:schemeClr val="accent1"/>
-          </a:lnRef>
-          <a:fillRef idx="0">
-            <a:schemeClr val="accent1"/>
-          </a:fillRef>
-          <a:effectRef idx="0">
-            <a:schemeClr val="accent1"/>
-          </a:effectRef>
-          <a:fontRef idx="minor">
-            <a:schemeClr val="tx1"/>
-          </a:fontRef>
-        </p:style>
-      </p:cxnSp>
-      <p:sp>
-        <p:nvSpPr>
-          <p:cNvPr id="428" name="CuadroTexto 617" descr="Conector entre nodos" title="conector"/>
-          <p:cNvSpPr txBox="1"/>
-          <p:nvPr/>
-        </p:nvSpPr>
-        <p:spPr>
-          <a:xfrm>
-            <a:off x="3418446" y="4850399"/>
-            <a:ext cx="1030554" cy="214354"/>
-          </a:xfrm>
-          <a:prstGeom prst="rect">
-            <a:avLst/>
-          </a:prstGeom>
-          <a:noFill/>
-        </p:spPr>
-        <p:txBody>
-          <a:bodyPr wrap="square" rtlCol="0">
-            <a:spAutoFit/>
-          </a:bodyPr>
-          <a:lstStyle/>
-          <a:p>
-            <a:pPr algn="ctr"/>
-            <a:r>
-              <a:rPr lang="es-ES" sz="793" dirty="0">
-                <a:latin typeface="Arial" panose="020B0604020202020204" pitchFamily="34" charset="0"/>
-                <a:cs typeface="Arial" panose="020B0604020202020204" pitchFamily="34" charset="0"/>
-              </a:rPr>
-              <a:t>forman</a:t>
-            </a:r>
-            <a:endParaRPr lang="es-ES" sz="793" dirty="0">
-              <a:latin typeface="Arial" panose="020B0604020202020204" pitchFamily="34" charset="0"/>
-              <a:cs typeface="Arial" panose="020B0604020202020204" pitchFamily="34" charset="0"/>
-            </a:endParaRPr>
-          </a:p>
-        </p:txBody>
-      </p:sp>
-      <p:sp>
-        <p:nvSpPr>
-          <p:cNvPr id="429" name="Rectángulo 584" descr="Nodo de tercer nivel" title="Nodo03"/>
-          <p:cNvSpPr/>
-          <p:nvPr/>
-        </p:nvSpPr>
-        <p:spPr>
-          <a:xfrm>
-            <a:off x="3491493" y="5157144"/>
-            <a:ext cx="886983" cy="285103"/>
-          </a:xfrm>
-          <a:prstGeom prst="rect">
-            <a:avLst/>
-          </a:prstGeom>
-          <a:solidFill>
-            <a:schemeClr val="bg1"/>
-          </a:solidFill>
-          <a:ln>
-            <a:solidFill>
-              <a:schemeClr val="tx1"/>
-            </a:solidFill>
-          </a:ln>
-        </p:spPr>
-        <p:style>
-          <a:lnRef idx="2">
-            <a:schemeClr val="accent6"/>
-          </a:lnRef>
-          <a:fillRef idx="1">
-            <a:schemeClr val="lt1"/>
-          </a:fillRef>
-          <a:effectRef idx="0">
-            <a:schemeClr val="accent6"/>
-          </a:effectRef>
-          <a:fontRef idx="minor">
-            <a:schemeClr val="dk1"/>
-          </a:fontRef>
-        </p:style>
-        <p:txBody>
-          <a:bodyPr rtlCol="0" anchor="ctr"/>
-          <a:lstStyle/>
-          <a:p>
-            <a:pPr algn="ctr"/>
-            <a:r>
-              <a:rPr lang="es-ES" sz="793" dirty="0">
-                <a:solidFill>
-                  <a:schemeClr val="tx1"/>
-                </a:solidFill>
-                <a:latin typeface="Arial" panose="020B0604020202020204" pitchFamily="34" charset="0"/>
-                <a:cs typeface="Arial" panose="020B0604020202020204" pitchFamily="34" charset="0"/>
-              </a:rPr>
-              <a:t>un plano</a:t>
-            </a:r>
-            <a:endParaRPr lang="es-ES" sz="793" dirty="0">
-              <a:solidFill>
-                <a:schemeClr val="tx1"/>
-              </a:solidFill>
-              <a:latin typeface="Arial" panose="020B0604020202020204" pitchFamily="34" charset="0"/>
-              <a:cs typeface="Arial" panose="020B0604020202020204" pitchFamily="34" charset="0"/>
-            </a:endParaRPr>
-          </a:p>
-        </p:txBody>
-      </p:sp>
-      <p:cxnSp>
-        <p:nvCxnSpPr>
-          <p:cNvPr id="430" name="Conector recto 162"/>
-          <p:cNvCxnSpPr>
-            <a:stCxn id="429" idx="0"/>
-            <a:endCxn id="428" idx="2"/>
-          </p:cNvCxnSpPr>
-          <p:nvPr/>
-        </p:nvCxnSpPr>
-        <p:spPr>
-          <a:xfrm flipH="1" flipV="1">
-            <a:off x="3933723" y="5064753"/>
-            <a:ext cx="1262" cy="92391"/>
-          </a:xfrm>
-          <a:prstGeom prst="line">
-            <a:avLst/>
-          </a:prstGeom>
-          <a:ln w="12700">
-            <a:solidFill>
-              <a:schemeClr val="tx1"/>
-            </a:solidFill>
-          </a:ln>
-        </p:spPr>
-        <p:style>
-          <a:lnRef idx="1">
-            <a:schemeClr val="accent1"/>
-          </a:lnRef>
-          <a:fillRef idx="0">
-            <a:schemeClr val="accent1"/>
-          </a:fillRef>
-          <a:effectRef idx="0">
-            <a:schemeClr val="accent1"/>
-          </a:effectRef>
-          <a:fontRef idx="minor">
-            <a:schemeClr val="tx1"/>
-          </a:fontRef>
-        </p:style>
-      </p:cxnSp>
-      <p:sp>
-        <p:nvSpPr>
-          <p:cNvPr id="431" name="CuadroTexto 161" descr="Conector entre nodos" title="conector"/>
-          <p:cNvSpPr txBox="1"/>
-          <p:nvPr/>
-        </p:nvSpPr>
-        <p:spPr>
-          <a:xfrm>
-            <a:off x="7034911" y="3853793"/>
-            <a:ext cx="1314681" cy="214354"/>
-          </a:xfrm>
-          <a:prstGeom prst="rect">
-            <a:avLst/>
-          </a:prstGeom>
-          <a:noFill/>
-        </p:spPr>
-        <p:txBody>
-          <a:bodyPr wrap="square" rtlCol="0">
-            <a:spAutoFit/>
-          </a:bodyPr>
-          <a:lstStyle/>
-          <a:p>
-            <a:pPr algn="ctr"/>
-            <a:r>
-              <a:rPr lang="es-ES" sz="793" dirty="0">
-                <a:latin typeface="Arial" panose="020B0604020202020204" pitchFamily="34" charset="0"/>
-                <a:cs typeface="Arial" panose="020B0604020202020204" pitchFamily="34" charset="0"/>
-              </a:rPr>
-              <a:t>se relacionan según</a:t>
-            </a:r>
-            <a:endParaRPr lang="es-ES" sz="793" dirty="0">
-              <a:latin typeface="Arial" panose="020B0604020202020204" pitchFamily="34" charset="0"/>
-              <a:cs typeface="Arial" panose="020B0604020202020204" pitchFamily="34" charset="0"/>
-            </a:endParaRPr>
-          </a:p>
-        </p:txBody>
-      </p:sp>
-      <p:sp>
-        <p:nvSpPr>
-          <p:cNvPr id="432" name="Rectángulo 76" descr="Nodo de cuarto nivel&#10;" title="Nodo04"/>
-          <p:cNvSpPr/>
-          <p:nvPr/>
-        </p:nvSpPr>
-        <p:spPr>
-          <a:xfrm>
-            <a:off x="6516232" y="4887493"/>
-            <a:ext cx="950340" cy="255253"/>
-          </a:xfrm>
-          <a:prstGeom prst="rect">
-            <a:avLst/>
-          </a:prstGeom>
-          <a:solidFill>
-            <a:schemeClr val="bg1"/>
-          </a:solidFill>
-          <a:ln>
-            <a:solidFill>
-              <a:schemeClr val="tx1"/>
-            </a:solidFill>
-          </a:ln>
-        </p:spPr>
-        <p:style>
-          <a:lnRef idx="2">
-            <a:schemeClr val="accent6"/>
-          </a:lnRef>
-          <a:fillRef idx="1">
-            <a:schemeClr val="lt1"/>
-          </a:fillRef>
-          <a:effectRef idx="0">
-            <a:schemeClr val="accent6"/>
-          </a:effectRef>
-          <a:fontRef idx="minor">
-            <a:schemeClr val="dk1"/>
-          </a:fontRef>
-        </p:style>
-        <p:txBody>
-          <a:bodyPr rtlCol="0" anchor="ctr"/>
-          <a:lstStyle/>
-          <a:p>
-            <a:pPr algn="ctr"/>
-            <a:r>
-              <a:rPr lang="es-ES" sz="793" dirty="0">
-                <a:solidFill>
-                  <a:schemeClr val="tx1"/>
-                </a:solidFill>
-                <a:latin typeface="Arial" panose="020B0604020202020204" pitchFamily="34" charset="0"/>
-                <a:cs typeface="Arial" panose="020B0604020202020204" pitchFamily="34" charset="0"/>
-              </a:rPr>
-              <a:t>complementarios</a:t>
-            </a:r>
-            <a:endParaRPr lang="es-ES" sz="793" dirty="0">
-              <a:solidFill>
-                <a:schemeClr val="tx1"/>
-              </a:solidFill>
-              <a:latin typeface="Arial" panose="020B0604020202020204" pitchFamily="34" charset="0"/>
-              <a:cs typeface="Arial" panose="020B0604020202020204" pitchFamily="34" charset="0"/>
-            </a:endParaRPr>
-          </a:p>
-        </p:txBody>
-      </p:sp>
-      <p:cxnSp>
-        <p:nvCxnSpPr>
-          <p:cNvPr id="433" name="Conector angular 67"/>
-          <p:cNvCxnSpPr>
-            <a:stCxn id="431" idx="2"/>
-            <a:endCxn id="398" idx="0"/>
-          </p:cNvCxnSpPr>
-          <p:nvPr/>
-        </p:nvCxnSpPr>
-        <p:spPr>
-          <a:xfrm rot="5400000">
-            <a:off x="7017104" y="3541405"/>
-            <a:ext cx="148406" cy="1201890"/>
-          </a:xfrm>
-          <a:prstGeom prst="bentConnector3">
-            <a:avLst>
-              <a:gd name="adj1" fmla="val 50000"/>
-            </a:avLst>
-          </a:prstGeom>
-          <a:ln w="12700">
-            <a:solidFill>
-              <a:schemeClr val="tx1"/>
-            </a:solidFill>
-          </a:ln>
-        </p:spPr>
-        <p:style>
-          <a:lnRef idx="1">
-            <a:schemeClr val="accent1"/>
-          </a:lnRef>
-          <a:fillRef idx="0">
-            <a:schemeClr val="accent1"/>
-          </a:fillRef>
-          <a:effectRef idx="0">
-            <a:schemeClr val="accent1"/>
-          </a:effectRef>
-          <a:fontRef idx="minor">
-            <a:schemeClr val="tx1"/>
-          </a:fontRef>
-        </p:style>
-      </p:cxnSp>
-      <p:cxnSp>
-        <p:nvCxnSpPr>
-          <p:cNvPr id="434" name="Conector angular 67"/>
-          <p:cNvCxnSpPr>
-            <a:stCxn id="398" idx="2"/>
-            <a:endCxn id="402" idx="0"/>
-          </p:cNvCxnSpPr>
-          <p:nvPr/>
-        </p:nvCxnSpPr>
-        <p:spPr>
-          <a:xfrm rot="5400000">
-            <a:off x="6025749" y="4422016"/>
-            <a:ext cx="437179" cy="492027"/>
-          </a:xfrm>
-          <a:prstGeom prst="bentConnector3">
-            <a:avLst>
-              <a:gd name="adj1" fmla="val 50000"/>
-            </a:avLst>
-          </a:prstGeom>
-          <a:ln w="12700">
-            <a:solidFill>
-              <a:schemeClr val="tx1"/>
-            </a:solidFill>
-          </a:ln>
-        </p:spPr>
-        <p:style>
-          <a:lnRef idx="1">
-            <a:schemeClr val="accent1"/>
-          </a:lnRef>
-          <a:fillRef idx="0">
-            <a:schemeClr val="accent1"/>
-          </a:fillRef>
-          <a:effectRef idx="0">
-            <a:schemeClr val="accent1"/>
-          </a:effectRef>
-          <a:fontRef idx="minor">
-            <a:schemeClr val="tx1"/>
-          </a:fontRef>
-        </p:style>
-      </p:cxnSp>
-      <p:cxnSp>
-        <p:nvCxnSpPr>
-          <p:cNvPr id="435" name="Conector angular 67"/>
-          <p:cNvCxnSpPr>
-            <a:stCxn id="398" idx="2"/>
-            <a:endCxn id="432" idx="0"/>
-          </p:cNvCxnSpPr>
-          <p:nvPr/>
-        </p:nvCxnSpPr>
-        <p:spPr>
-          <a:xfrm rot="16200000" flipH="1">
-            <a:off x="6521850" y="4417940"/>
-            <a:ext cx="438056" cy="501050"/>
-          </a:xfrm>
-          <a:prstGeom prst="bentConnector3">
-            <a:avLst>
-              <a:gd name="adj1" fmla="val 50000"/>
-            </a:avLst>
-          </a:prstGeom>
-          <a:ln w="12700">
-            <a:solidFill>
-              <a:schemeClr val="tx1"/>
-            </a:solidFill>
-          </a:ln>
-        </p:spPr>
-        <p:style>
-          <a:lnRef idx="1">
-            <a:schemeClr val="accent1"/>
-          </a:lnRef>
-          <a:fillRef idx="0">
-            <a:schemeClr val="accent1"/>
-          </a:fillRef>
-          <a:effectRef idx="0">
-            <a:schemeClr val="accent1"/>
-          </a:effectRef>
-          <a:fontRef idx="minor">
-            <a:schemeClr val="tx1"/>
-          </a:fontRef>
-        </p:style>
-      </p:cxnSp>
-      <p:sp>
-        <p:nvSpPr>
-          <p:cNvPr id="436" name="Rectángulo 76" descr="Nodo de cuarto nivel&#10;" title="Nodo04"/>
-          <p:cNvSpPr/>
-          <p:nvPr/>
-        </p:nvSpPr>
-        <p:spPr>
-          <a:xfrm>
-            <a:off x="5559929" y="5321678"/>
-            <a:ext cx="876812" cy="239369"/>
-          </a:xfrm>
-          <a:prstGeom prst="rect">
-            <a:avLst/>
-          </a:prstGeom>
-          <a:solidFill>
-            <a:schemeClr val="bg1"/>
-          </a:solidFill>
-          <a:ln>
-            <a:solidFill>
-              <a:schemeClr val="tx1"/>
-            </a:solidFill>
-          </a:ln>
-        </p:spPr>
-        <p:style>
-          <a:lnRef idx="2">
-            <a:schemeClr val="accent6"/>
-          </a:lnRef>
-          <a:fillRef idx="1">
-            <a:schemeClr val="lt1"/>
-          </a:fillRef>
-          <a:effectRef idx="0">
-            <a:schemeClr val="accent6"/>
-          </a:effectRef>
-          <a:fontRef idx="minor">
-            <a:schemeClr val="dk1"/>
-          </a:fontRef>
-        </p:style>
-        <p:txBody>
-          <a:bodyPr rtlCol="0" anchor="ctr"/>
-          <a:lstStyle/>
-          <a:p>
-            <a:pPr algn="ctr"/>
-            <a:r>
-              <a:rPr lang="es-ES" sz="793" dirty="0">
-                <a:solidFill>
-                  <a:schemeClr val="tx1"/>
-                </a:solidFill>
-                <a:latin typeface="Arial" panose="020B0604020202020204" pitchFamily="34" charset="0"/>
-                <a:cs typeface="Arial" panose="020B0604020202020204" pitchFamily="34" charset="0"/>
-              </a:rPr>
-              <a:t>suman 180°</a:t>
-            </a:r>
-            <a:endParaRPr lang="es-ES" sz="793" dirty="0">
-              <a:solidFill>
-                <a:schemeClr val="tx1"/>
-              </a:solidFill>
-              <a:latin typeface="Arial" panose="020B0604020202020204" pitchFamily="34" charset="0"/>
-              <a:cs typeface="Arial" panose="020B0604020202020204" pitchFamily="34" charset="0"/>
-            </a:endParaRPr>
-          </a:p>
-        </p:txBody>
-      </p:sp>
-      <p:sp>
-        <p:nvSpPr>
-          <p:cNvPr id="437" name="Rectángulo 76" descr="Nodo de cuarto nivel&#10;" title="Nodo04"/>
-          <p:cNvSpPr/>
-          <p:nvPr/>
-        </p:nvSpPr>
-        <p:spPr>
-          <a:xfrm>
-            <a:off x="10175374" y="4527311"/>
-            <a:ext cx="515144" cy="576504"/>
-          </a:xfrm>
-          <a:prstGeom prst="rect">
-            <a:avLst/>
-          </a:prstGeom>
-          <a:solidFill>
-            <a:schemeClr val="bg1"/>
-          </a:solidFill>
-          <a:ln>
-            <a:solidFill>
-              <a:schemeClr val="tx1"/>
-            </a:solidFill>
-          </a:ln>
-        </p:spPr>
-        <p:style>
-          <a:lnRef idx="2">
-            <a:schemeClr val="accent6"/>
-          </a:lnRef>
-          <a:fillRef idx="1">
-            <a:schemeClr val="lt1"/>
-          </a:fillRef>
-          <a:effectRef idx="0">
-            <a:schemeClr val="accent6"/>
-          </a:effectRef>
-          <a:fontRef idx="minor">
-            <a:schemeClr val="dk1"/>
-          </a:fontRef>
-        </p:style>
-        <p:txBody>
-          <a:bodyPr rtlCol="0" anchor="ctr"/>
-          <a:lstStyle/>
-          <a:p>
-            <a:pPr algn="ctr"/>
-            <a:r>
-              <a:rPr lang="es-ES" sz="793" dirty="0">
-                <a:solidFill>
-                  <a:schemeClr val="tx1"/>
-                </a:solidFill>
-                <a:latin typeface="Arial" panose="020B0604020202020204" pitchFamily="34" charset="0"/>
-                <a:cs typeface="Arial" panose="020B0604020202020204" pitchFamily="34" charset="0"/>
-              </a:rPr>
-              <a:t>m</a:t>
-            </a:r>
-            <a:r>
-              <a:rPr lang="es-ES" sz="793" dirty="0">
-                <a:solidFill>
-                  <a:schemeClr val="tx1"/>
-                </a:solidFill>
-                <a:latin typeface="Arial" panose="020B0604020202020204" pitchFamily="34" charset="0"/>
-                <a:cs typeface="Arial" panose="020B0604020202020204" pitchFamily="34" charset="0"/>
-              </a:rPr>
-              <a:t>edida </a:t>
-            </a:r>
-            <a:r>
-              <a:rPr lang="es-ES" sz="793" dirty="0">
-                <a:solidFill>
-                  <a:schemeClr val="tx1"/>
-                </a:solidFill>
-                <a:latin typeface="Arial" panose="020B0604020202020204" pitchFamily="34" charset="0"/>
-                <a:cs typeface="Arial" panose="020B0604020202020204" pitchFamily="34" charset="0"/>
-              </a:rPr>
-              <a:t>m</a:t>
-            </a:r>
-            <a:r>
-              <a:rPr lang="es-ES" sz="793" dirty="0">
-                <a:solidFill>
-                  <a:schemeClr val="tx1"/>
-                </a:solidFill>
-                <a:latin typeface="Arial" panose="020B0604020202020204" pitchFamily="34" charset="0"/>
-                <a:cs typeface="Arial" panose="020B0604020202020204" pitchFamily="34" charset="0"/>
-              </a:rPr>
-              <a:t>enos de 90°</a:t>
-            </a:r>
-            <a:endParaRPr lang="es-ES" sz="793" dirty="0">
-              <a:solidFill>
-                <a:schemeClr val="tx1"/>
-              </a:solidFill>
-              <a:latin typeface="Arial" panose="020B0604020202020204" pitchFamily="34" charset="0"/>
-              <a:cs typeface="Arial" panose="020B0604020202020204" pitchFamily="34" charset="0"/>
-            </a:endParaRPr>
-          </a:p>
-        </p:txBody>
-      </p:sp>
-      <p:cxnSp>
-        <p:nvCxnSpPr>
-          <p:cNvPr id="438" name="Conector recto 163"/>
-          <p:cNvCxnSpPr>
-            <a:stCxn id="436" idx="0"/>
-            <a:endCxn id="402" idx="2"/>
-          </p:cNvCxnSpPr>
-          <p:nvPr/>
-        </p:nvCxnSpPr>
-        <p:spPr>
-          <a:xfrm flipV="1">
-            <a:off x="5998326" y="5125985"/>
+            <a:off x="12178467" y="2254793"/>
             <a:ext cx="0" cy="195695"/>
-          </a:xfrm>
-          <a:prstGeom prst="line">
-            <a:avLst/>
-          </a:prstGeom>
-          <a:ln w="12700">
-            <a:solidFill>
-              <a:schemeClr val="tx1"/>
-            </a:solidFill>
-          </a:ln>
-        </p:spPr>
-        <p:style>
-          <a:lnRef idx="1">
-            <a:schemeClr val="accent1"/>
-          </a:lnRef>
-          <a:fillRef idx="0">
-            <a:schemeClr val="accent1"/>
-          </a:fillRef>
-          <a:effectRef idx="0">
-            <a:schemeClr val="accent1"/>
-          </a:effectRef>
-          <a:fontRef idx="minor">
-            <a:schemeClr val="tx1"/>
-          </a:fontRef>
-        </p:style>
-      </p:cxnSp>
-      <p:cxnSp>
-        <p:nvCxnSpPr>
-          <p:cNvPr id="439" name="Conector recto 163"/>
-          <p:cNvCxnSpPr>
-            <a:stCxn id="437" idx="0"/>
-            <a:endCxn id="452" idx="2"/>
-          </p:cNvCxnSpPr>
-          <p:nvPr/>
-        </p:nvCxnSpPr>
-        <p:spPr>
-          <a:xfrm flipH="1" flipV="1">
-            <a:off x="10430433" y="4425124"/>
-            <a:ext cx="2513" cy="102187"/>
-          </a:xfrm>
-          <a:prstGeom prst="line">
-            <a:avLst/>
-          </a:prstGeom>
-          <a:ln w="12700">
-            <a:solidFill>
-              <a:schemeClr val="tx1"/>
-            </a:solidFill>
-          </a:ln>
-        </p:spPr>
-        <p:style>
-          <a:lnRef idx="1">
-            <a:schemeClr val="accent1"/>
-          </a:lnRef>
-          <a:fillRef idx="0">
-            <a:schemeClr val="accent1"/>
-          </a:fillRef>
-          <a:effectRef idx="0">
-            <a:schemeClr val="accent1"/>
-          </a:effectRef>
-          <a:fontRef idx="minor">
-            <a:schemeClr val="tx1"/>
-          </a:fontRef>
-        </p:style>
-      </p:cxnSp>
-      <p:sp>
-        <p:nvSpPr>
-          <p:cNvPr id="440" name="Rectángulo 218" descr="Nodo de tercer nivel" title="Nodo03"/>
-          <p:cNvSpPr/>
-          <p:nvPr/>
-        </p:nvSpPr>
-        <p:spPr>
-          <a:xfrm>
-            <a:off x="8749126" y="4207761"/>
-            <a:ext cx="540424" cy="232879"/>
-          </a:xfrm>
-          <a:prstGeom prst="rect">
-            <a:avLst/>
-          </a:prstGeom>
-          <a:solidFill>
-            <a:schemeClr val="bg2">
-              <a:lumMod val="90000"/>
-            </a:schemeClr>
-          </a:solidFill>
-          <a:ln>
-            <a:solidFill>
-              <a:schemeClr val="tx1"/>
-            </a:solidFill>
-          </a:ln>
-        </p:spPr>
-        <p:style>
-          <a:lnRef idx="2">
-            <a:schemeClr val="accent6"/>
-          </a:lnRef>
-          <a:fillRef idx="1">
-            <a:schemeClr val="lt1"/>
-          </a:fillRef>
-          <a:effectRef idx="0">
-            <a:schemeClr val="accent6"/>
-          </a:effectRef>
-          <a:fontRef idx="minor">
-            <a:schemeClr val="dk1"/>
-          </a:fontRef>
-        </p:style>
-        <p:txBody>
-          <a:bodyPr rtlCol="0" anchor="ctr"/>
-          <a:lstStyle/>
-          <a:p>
-            <a:pPr algn="ctr"/>
-            <a:r>
-              <a:rPr lang="es-ES_tradnl" sz="793" dirty="0"/>
-              <a:t>posición</a:t>
-            </a:r>
-            <a:endParaRPr lang="es-CO" sz="793" dirty="0"/>
-          </a:p>
-        </p:txBody>
-      </p:sp>
-      <p:sp>
-        <p:nvSpPr>
-          <p:cNvPr id="441" name="Rectángulo 76" descr="Nodo de cuarto nivel&#10;" title="Nodo04"/>
-          <p:cNvSpPr/>
-          <p:nvPr/>
-        </p:nvSpPr>
-        <p:spPr>
-          <a:xfrm>
-            <a:off x="7587847" y="4869853"/>
-            <a:ext cx="782942" cy="239369"/>
-          </a:xfrm>
-          <a:prstGeom prst="rect">
-            <a:avLst/>
-          </a:prstGeom>
-          <a:solidFill>
-            <a:schemeClr val="bg1"/>
-          </a:solidFill>
-          <a:ln>
-            <a:solidFill>
-              <a:schemeClr val="tx1"/>
-            </a:solidFill>
-          </a:ln>
-        </p:spPr>
-        <p:style>
-          <a:lnRef idx="2">
-            <a:schemeClr val="accent6"/>
-          </a:lnRef>
-          <a:fillRef idx="1">
-            <a:schemeClr val="lt1"/>
-          </a:fillRef>
-          <a:effectRef idx="0">
-            <a:schemeClr val="accent6"/>
-          </a:effectRef>
-          <a:fontRef idx="minor">
-            <a:schemeClr val="dk1"/>
-          </a:fontRef>
-        </p:style>
-        <p:txBody>
-          <a:bodyPr rtlCol="0" anchor="ctr"/>
-          <a:lstStyle/>
-          <a:p>
-            <a:pPr algn="ctr"/>
-            <a:r>
-              <a:rPr lang="es-ES" sz="793" dirty="0">
-                <a:solidFill>
-                  <a:schemeClr val="tx1"/>
-                </a:solidFill>
-                <a:latin typeface="Arial" panose="020B0604020202020204" pitchFamily="34" charset="0"/>
-                <a:cs typeface="Arial" panose="020B0604020202020204" pitchFamily="34" charset="0"/>
-              </a:rPr>
-              <a:t>consecutivos</a:t>
-            </a:r>
-            <a:endParaRPr lang="es-ES" sz="793" dirty="0">
-              <a:solidFill>
-                <a:schemeClr val="tx1"/>
-              </a:solidFill>
-              <a:latin typeface="Arial" panose="020B0604020202020204" pitchFamily="34" charset="0"/>
-              <a:cs typeface="Arial" panose="020B0604020202020204" pitchFamily="34" charset="0"/>
-            </a:endParaRPr>
-          </a:p>
-        </p:txBody>
-      </p:sp>
-      <p:sp>
-        <p:nvSpPr>
-          <p:cNvPr id="442" name="Rectángulo 76" descr="Nodo de cuarto nivel&#10;" title="Nodo04"/>
-          <p:cNvSpPr/>
-          <p:nvPr/>
-        </p:nvSpPr>
-        <p:spPr>
-          <a:xfrm>
-            <a:off x="8407532" y="4870730"/>
-            <a:ext cx="760272" cy="255253"/>
-          </a:xfrm>
-          <a:prstGeom prst="rect">
-            <a:avLst/>
-          </a:prstGeom>
-          <a:solidFill>
-            <a:schemeClr val="bg1"/>
-          </a:solidFill>
-          <a:ln>
-            <a:solidFill>
-              <a:schemeClr val="tx1"/>
-            </a:solidFill>
-          </a:ln>
-        </p:spPr>
-        <p:style>
-          <a:lnRef idx="2">
-            <a:schemeClr val="accent6"/>
-          </a:lnRef>
-          <a:fillRef idx="1">
-            <a:schemeClr val="lt1"/>
-          </a:fillRef>
-          <a:effectRef idx="0">
-            <a:schemeClr val="accent6"/>
-          </a:effectRef>
-          <a:fontRef idx="minor">
-            <a:schemeClr val="dk1"/>
-          </a:fontRef>
-        </p:style>
-        <p:txBody>
-          <a:bodyPr rtlCol="0" anchor="ctr"/>
-          <a:lstStyle/>
-          <a:p>
-            <a:pPr algn="ctr"/>
-            <a:r>
-              <a:rPr lang="es-ES" sz="793" dirty="0">
-                <a:solidFill>
-                  <a:schemeClr val="tx1"/>
-                </a:solidFill>
-                <a:latin typeface="Arial" panose="020B0604020202020204" pitchFamily="34" charset="0"/>
-                <a:cs typeface="Arial" panose="020B0604020202020204" pitchFamily="34" charset="0"/>
-              </a:rPr>
-              <a:t>adyacentes</a:t>
-            </a:r>
-            <a:endParaRPr lang="es-ES" sz="793" dirty="0">
-              <a:solidFill>
-                <a:schemeClr val="tx1"/>
-              </a:solidFill>
-              <a:latin typeface="Arial" panose="020B0604020202020204" pitchFamily="34" charset="0"/>
-              <a:cs typeface="Arial" panose="020B0604020202020204" pitchFamily="34" charset="0"/>
-            </a:endParaRPr>
-          </a:p>
-        </p:txBody>
-      </p:sp>
-      <p:sp>
-        <p:nvSpPr>
-          <p:cNvPr id="443" name="Rectángulo 76" descr="Nodo de cuarto nivel&#10;" title="Nodo04"/>
-          <p:cNvSpPr/>
-          <p:nvPr/>
-        </p:nvSpPr>
-        <p:spPr>
-          <a:xfrm>
-            <a:off x="7609009" y="5235543"/>
-            <a:ext cx="689762" cy="816099"/>
-          </a:xfrm>
-          <a:prstGeom prst="rect">
-            <a:avLst/>
-          </a:prstGeom>
-          <a:solidFill>
-            <a:schemeClr val="bg1"/>
-          </a:solidFill>
-          <a:ln>
-            <a:solidFill>
-              <a:schemeClr val="tx1"/>
-            </a:solidFill>
-          </a:ln>
-        </p:spPr>
-        <p:style>
-          <a:lnRef idx="2">
-            <a:schemeClr val="accent6"/>
-          </a:lnRef>
-          <a:fillRef idx="1">
-            <a:schemeClr val="lt1"/>
-          </a:fillRef>
-          <a:effectRef idx="0">
-            <a:schemeClr val="accent6"/>
-          </a:effectRef>
-          <a:fontRef idx="minor">
-            <a:schemeClr val="dk1"/>
-          </a:fontRef>
-        </p:style>
-        <p:txBody>
-          <a:bodyPr rtlCol="0" anchor="ctr"/>
-          <a:lstStyle/>
-          <a:p>
-            <a:pPr algn="ctr"/>
-            <a:r>
-              <a:rPr lang="es-ES" sz="793" dirty="0">
-                <a:solidFill>
-                  <a:schemeClr val="tx1"/>
-                </a:solidFill>
-                <a:latin typeface="Arial" panose="020B0604020202020204" pitchFamily="34" charset="0"/>
-                <a:cs typeface="Arial" panose="020B0604020202020204" pitchFamily="34" charset="0"/>
-              </a:rPr>
-              <a:t>t</a:t>
-            </a:r>
-            <a:r>
-              <a:rPr lang="es-ES" sz="793" dirty="0">
-                <a:solidFill>
-                  <a:schemeClr val="tx1"/>
-                </a:solidFill>
-                <a:latin typeface="Arial" panose="020B0604020202020204" pitchFamily="34" charset="0"/>
-                <a:cs typeface="Arial" panose="020B0604020202020204" pitchFamily="34" charset="0"/>
-              </a:rPr>
-              <a:t>ienen el vértice y comparten un lado</a:t>
-            </a:r>
-            <a:endParaRPr lang="es-ES" sz="793" dirty="0">
-              <a:solidFill>
-                <a:schemeClr val="tx1"/>
-              </a:solidFill>
-              <a:latin typeface="Arial" panose="020B0604020202020204" pitchFamily="34" charset="0"/>
-              <a:cs typeface="Arial" panose="020B0604020202020204" pitchFamily="34" charset="0"/>
-            </a:endParaRPr>
-          </a:p>
-        </p:txBody>
-      </p:sp>
-      <p:sp>
-        <p:nvSpPr>
-          <p:cNvPr id="444" name="Rectángulo 76" descr="Nodo de cuarto nivel&#10;" title="Nodo04"/>
-          <p:cNvSpPr/>
-          <p:nvPr/>
-        </p:nvSpPr>
-        <p:spPr>
-          <a:xfrm>
-            <a:off x="8354646" y="5236429"/>
-            <a:ext cx="882602" cy="830195"/>
-          </a:xfrm>
-          <a:prstGeom prst="rect">
-            <a:avLst/>
-          </a:prstGeom>
-          <a:solidFill>
-            <a:schemeClr val="bg1"/>
-          </a:solidFill>
-          <a:ln>
-            <a:solidFill>
-              <a:schemeClr val="tx1"/>
-            </a:solidFill>
-          </a:ln>
-        </p:spPr>
-        <p:style>
-          <a:lnRef idx="2">
-            <a:schemeClr val="accent6"/>
-          </a:lnRef>
-          <a:fillRef idx="1">
-            <a:schemeClr val="lt1"/>
-          </a:fillRef>
-          <a:effectRef idx="0">
-            <a:schemeClr val="accent6"/>
-          </a:effectRef>
-          <a:fontRef idx="minor">
-            <a:schemeClr val="dk1"/>
-          </a:fontRef>
-        </p:style>
-        <p:txBody>
-          <a:bodyPr rtlCol="0" anchor="ctr"/>
-          <a:lstStyle/>
-          <a:p>
-            <a:pPr algn="ctr"/>
-            <a:r>
-              <a:rPr lang="es-ES" sz="793" dirty="0">
-                <a:solidFill>
-                  <a:schemeClr val="tx1"/>
-                </a:solidFill>
-                <a:latin typeface="Arial" panose="020B0604020202020204" pitchFamily="34" charset="0"/>
-                <a:cs typeface="Arial" panose="020B0604020202020204" pitchFamily="34" charset="0"/>
-              </a:rPr>
-              <a:t>s</a:t>
-            </a:r>
-            <a:r>
-              <a:rPr lang="es-ES" sz="793" dirty="0">
-                <a:solidFill>
-                  <a:schemeClr val="tx1"/>
-                </a:solidFill>
-                <a:latin typeface="Arial" panose="020B0604020202020204" pitchFamily="34" charset="0"/>
-                <a:cs typeface="Arial" panose="020B0604020202020204" pitchFamily="34" charset="0"/>
-              </a:rPr>
-              <a:t>on consecutivos y suplementarios</a:t>
-            </a:r>
-            <a:endParaRPr lang="es-ES" sz="793" dirty="0">
-              <a:solidFill>
-                <a:schemeClr val="tx1"/>
-              </a:solidFill>
-              <a:latin typeface="Arial" panose="020B0604020202020204" pitchFamily="34" charset="0"/>
-              <a:cs typeface="Arial" panose="020B0604020202020204" pitchFamily="34" charset="0"/>
-            </a:endParaRPr>
-          </a:p>
-        </p:txBody>
-      </p:sp>
-      <p:cxnSp>
-        <p:nvCxnSpPr>
-          <p:cNvPr id="445" name="Conector angular 61"/>
-          <p:cNvCxnSpPr>
-            <a:stCxn id="440" idx="2"/>
-            <a:endCxn id="442" idx="0"/>
-          </p:cNvCxnSpPr>
-          <p:nvPr/>
-        </p:nvCxnSpPr>
-        <p:spPr>
-          <a:xfrm rot="5400000">
-            <a:off x="8688462" y="4539849"/>
-            <a:ext cx="430086" cy="231661"/>
-          </a:xfrm>
-          <a:prstGeom prst="bentConnector3">
-            <a:avLst>
-              <a:gd name="adj1" fmla="val 50000"/>
-            </a:avLst>
-          </a:prstGeom>
-          <a:ln w="12700">
-            <a:solidFill>
-              <a:schemeClr val="tx1"/>
-            </a:solidFill>
-          </a:ln>
-        </p:spPr>
-        <p:style>
-          <a:lnRef idx="1">
-            <a:schemeClr val="accent1"/>
-          </a:lnRef>
-          <a:fillRef idx="0">
-            <a:schemeClr val="accent1"/>
-          </a:fillRef>
-          <a:effectRef idx="0">
-            <a:schemeClr val="accent1"/>
-          </a:effectRef>
-          <a:fontRef idx="minor">
-            <a:schemeClr val="tx1"/>
-          </a:fontRef>
-        </p:style>
-      </p:cxnSp>
-      <p:cxnSp>
-        <p:nvCxnSpPr>
-          <p:cNvPr id="446" name="Conector angular 61"/>
-          <p:cNvCxnSpPr>
-            <a:stCxn id="440" idx="2"/>
-            <a:endCxn id="448" idx="0"/>
-          </p:cNvCxnSpPr>
-          <p:nvPr/>
-        </p:nvCxnSpPr>
-        <p:spPr>
-          <a:xfrm rot="16200000" flipH="1">
-            <a:off x="9100315" y="4359658"/>
-            <a:ext cx="436094" cy="598054"/>
-          </a:xfrm>
-          <a:prstGeom prst="bentConnector3">
-            <a:avLst>
-              <a:gd name="adj1" fmla="val 50000"/>
-            </a:avLst>
-          </a:prstGeom>
-          <a:ln w="12700">
-            <a:solidFill>
-              <a:schemeClr val="tx1"/>
-            </a:solidFill>
-          </a:ln>
-        </p:spPr>
-        <p:style>
-          <a:lnRef idx="1">
-            <a:schemeClr val="accent1"/>
-          </a:lnRef>
-          <a:fillRef idx="0">
-            <a:schemeClr val="accent1"/>
-          </a:fillRef>
-          <a:effectRef idx="0">
-            <a:schemeClr val="accent1"/>
-          </a:effectRef>
-          <a:fontRef idx="minor">
-            <a:schemeClr val="tx1"/>
-          </a:fontRef>
-        </p:style>
-      </p:cxnSp>
-      <p:cxnSp>
-        <p:nvCxnSpPr>
-          <p:cNvPr id="447" name="Conector recto 83"/>
-          <p:cNvCxnSpPr>
-            <a:stCxn id="449" idx="0"/>
-            <a:endCxn id="448" idx="2"/>
-          </p:cNvCxnSpPr>
-          <p:nvPr/>
-        </p:nvCxnSpPr>
-        <p:spPr>
-          <a:xfrm flipH="1" flipV="1">
-            <a:off x="9617383" y="5131984"/>
-            <a:ext cx="3375" cy="110442"/>
-          </a:xfrm>
-          <a:prstGeom prst="line">
-            <a:avLst/>
-          </a:prstGeom>
-          <a:ln w="12700">
-            <a:solidFill>
-              <a:schemeClr val="tx1"/>
-            </a:solidFill>
-          </a:ln>
-        </p:spPr>
-        <p:style>
-          <a:lnRef idx="1">
-            <a:schemeClr val="accent1"/>
-          </a:lnRef>
-          <a:fillRef idx="0">
-            <a:schemeClr val="accent1"/>
-          </a:fillRef>
-          <a:effectRef idx="0">
-            <a:schemeClr val="accent1"/>
-          </a:effectRef>
-          <a:fontRef idx="minor">
-            <a:schemeClr val="tx1"/>
-          </a:fontRef>
-        </p:style>
-      </p:cxnSp>
-      <p:sp>
-        <p:nvSpPr>
-          <p:cNvPr id="448" name="Rectángulo 76" descr="Nodo de cuarto nivel&#10;" title="Nodo04"/>
-          <p:cNvSpPr/>
-          <p:nvPr/>
-        </p:nvSpPr>
-        <p:spPr>
-          <a:xfrm>
-            <a:off x="9237248" y="4876739"/>
-            <a:ext cx="760272" cy="255253"/>
-          </a:xfrm>
-          <a:prstGeom prst="rect">
-            <a:avLst/>
-          </a:prstGeom>
-          <a:solidFill>
-            <a:schemeClr val="bg1"/>
-          </a:solidFill>
-          <a:ln>
-            <a:solidFill>
-              <a:schemeClr val="tx1"/>
-            </a:solidFill>
-          </a:ln>
-        </p:spPr>
-        <p:style>
-          <a:lnRef idx="2">
-            <a:schemeClr val="accent6"/>
-          </a:lnRef>
-          <a:fillRef idx="1">
-            <a:schemeClr val="lt1"/>
-          </a:fillRef>
-          <a:effectRef idx="0">
-            <a:schemeClr val="accent6"/>
-          </a:effectRef>
-          <a:fontRef idx="minor">
-            <a:schemeClr val="dk1"/>
-          </a:fontRef>
-        </p:style>
-        <p:txBody>
-          <a:bodyPr rtlCol="0" anchor="ctr"/>
-          <a:lstStyle/>
-          <a:p>
-            <a:pPr algn="ctr"/>
-            <a:r>
-              <a:rPr lang="es-ES" sz="793" dirty="0">
-                <a:solidFill>
-                  <a:schemeClr val="tx1"/>
-                </a:solidFill>
-                <a:latin typeface="Arial" panose="020B0604020202020204" pitchFamily="34" charset="0"/>
-                <a:cs typeface="Arial" panose="020B0604020202020204" pitchFamily="34" charset="0"/>
-              </a:rPr>
-              <a:t>opuestos por el vértice</a:t>
-            </a:r>
-            <a:endParaRPr lang="es-ES" sz="793" dirty="0">
-              <a:solidFill>
-                <a:schemeClr val="tx1"/>
-              </a:solidFill>
-              <a:latin typeface="Arial" panose="020B0604020202020204" pitchFamily="34" charset="0"/>
-              <a:cs typeface="Arial" panose="020B0604020202020204" pitchFamily="34" charset="0"/>
-            </a:endParaRPr>
-          </a:p>
-        </p:txBody>
-      </p:sp>
-      <p:sp>
-        <p:nvSpPr>
-          <p:cNvPr id="449" name="Rectángulo 76" descr="Nodo de cuarto nivel&#10;" title="Nodo04"/>
-          <p:cNvSpPr/>
-          <p:nvPr/>
-        </p:nvSpPr>
-        <p:spPr>
-          <a:xfrm>
-            <a:off x="9266778" y="5242437"/>
-            <a:ext cx="707979" cy="824186"/>
-          </a:xfrm>
-          <a:prstGeom prst="rect">
-            <a:avLst/>
-          </a:prstGeom>
-          <a:solidFill>
-            <a:schemeClr val="bg1"/>
-          </a:solidFill>
-          <a:ln>
-            <a:solidFill>
-              <a:schemeClr val="tx1"/>
-            </a:solidFill>
-          </a:ln>
-        </p:spPr>
-        <p:style>
-          <a:lnRef idx="2">
-            <a:schemeClr val="accent6"/>
-          </a:lnRef>
-          <a:fillRef idx="1">
-            <a:schemeClr val="lt1"/>
-          </a:fillRef>
-          <a:effectRef idx="0">
-            <a:schemeClr val="accent6"/>
-          </a:effectRef>
-          <a:fontRef idx="minor">
-            <a:schemeClr val="dk1"/>
-          </a:fontRef>
-        </p:style>
-        <p:txBody>
-          <a:bodyPr rtlCol="0" anchor="ctr"/>
-          <a:lstStyle/>
-          <a:p>
-            <a:pPr algn="ctr"/>
-            <a:r>
-              <a:rPr lang="es-ES" sz="793" dirty="0">
-                <a:solidFill>
-                  <a:schemeClr val="tx1"/>
-                </a:solidFill>
-                <a:latin typeface="Arial" panose="020B0604020202020204" pitchFamily="34" charset="0"/>
-                <a:cs typeface="Arial" panose="020B0604020202020204" pitchFamily="34" charset="0"/>
-              </a:rPr>
-              <a:t>s</a:t>
-            </a:r>
-            <a:r>
-              <a:rPr lang="es-ES" sz="793" dirty="0">
-                <a:solidFill>
-                  <a:schemeClr val="tx1"/>
-                </a:solidFill>
-                <a:latin typeface="Arial" panose="020B0604020202020204" pitchFamily="34" charset="0"/>
-                <a:cs typeface="Arial" panose="020B0604020202020204" pitchFamily="34" charset="0"/>
-              </a:rPr>
-              <a:t>e forman con dos rectas que se cruzan</a:t>
-            </a:r>
-            <a:endParaRPr lang="es-ES" sz="793" dirty="0">
-              <a:solidFill>
-                <a:schemeClr val="tx1"/>
-              </a:solidFill>
-              <a:latin typeface="Arial" panose="020B0604020202020204" pitchFamily="34" charset="0"/>
-              <a:cs typeface="Arial" panose="020B0604020202020204" pitchFamily="34" charset="0"/>
-            </a:endParaRPr>
-          </a:p>
-        </p:txBody>
-      </p:sp>
-      <p:sp>
-        <p:nvSpPr>
-          <p:cNvPr id="450" name="CuadroTexto 161" descr="Conector entre nodos" title="conector"/>
-          <p:cNvSpPr txBox="1"/>
-          <p:nvPr/>
-        </p:nvSpPr>
-        <p:spPr>
-          <a:xfrm>
-            <a:off x="10485744" y="3818600"/>
-            <a:ext cx="1314681" cy="214354"/>
-          </a:xfrm>
-          <a:prstGeom prst="rect">
-            <a:avLst/>
-          </a:prstGeom>
-          <a:noFill/>
-        </p:spPr>
-        <p:txBody>
-          <a:bodyPr wrap="square" rtlCol="0">
-            <a:spAutoFit/>
-          </a:bodyPr>
-          <a:lstStyle/>
-          <a:p>
-            <a:pPr algn="ctr"/>
-            <a:r>
-              <a:rPr lang="es-ES" sz="793" dirty="0">
-                <a:latin typeface="Arial" panose="020B0604020202020204" pitchFamily="34" charset="0"/>
-                <a:cs typeface="Arial" panose="020B0604020202020204" pitchFamily="34" charset="0"/>
-              </a:rPr>
-              <a:t>se clasifican </a:t>
-            </a:r>
-            <a:endParaRPr lang="es-ES" sz="793" dirty="0">
-              <a:latin typeface="Arial" panose="020B0604020202020204" pitchFamily="34" charset="0"/>
-              <a:cs typeface="Arial" panose="020B0604020202020204" pitchFamily="34" charset="0"/>
-            </a:endParaRPr>
-          </a:p>
-        </p:txBody>
-      </p:sp>
-      <p:cxnSp>
-        <p:nvCxnSpPr>
-          <p:cNvPr id="451" name="Conector angular 67"/>
-          <p:cNvCxnSpPr>
-            <a:stCxn id="396" idx="2"/>
-            <a:endCxn id="450" idx="0"/>
-          </p:cNvCxnSpPr>
-          <p:nvPr/>
-        </p:nvCxnSpPr>
-        <p:spPr>
-          <a:xfrm rot="16200000" flipH="1">
-            <a:off x="11047979" y="3723494"/>
-            <a:ext cx="183224" cy="6988"/>
-          </a:xfrm>
-          <a:prstGeom prst="bentConnector3">
-            <a:avLst>
-              <a:gd name="adj1" fmla="val 50000"/>
-            </a:avLst>
-          </a:prstGeom>
-          <a:ln w="12700">
-            <a:solidFill>
-              <a:schemeClr val="tx1"/>
-            </a:solidFill>
-          </a:ln>
-        </p:spPr>
-        <p:style>
-          <a:lnRef idx="1">
-            <a:schemeClr val="accent1"/>
-          </a:lnRef>
-          <a:fillRef idx="0">
-            <a:schemeClr val="accent1"/>
-          </a:fillRef>
-          <a:effectRef idx="0">
-            <a:schemeClr val="accent1"/>
-          </a:effectRef>
-          <a:fontRef idx="minor">
-            <a:schemeClr val="tx1"/>
-          </a:fontRef>
-        </p:style>
-      </p:cxnSp>
-      <p:sp>
-        <p:nvSpPr>
-          <p:cNvPr id="452" name="Rectángulo 218" descr="Nodo de tercer nivel" title="Nodo03"/>
-          <p:cNvSpPr/>
-          <p:nvPr/>
-        </p:nvSpPr>
-        <p:spPr>
-          <a:xfrm>
-            <a:off x="10160221" y="4192245"/>
-            <a:ext cx="540424" cy="232879"/>
-          </a:xfrm>
-          <a:prstGeom prst="rect">
-            <a:avLst/>
-          </a:prstGeom>
-          <a:solidFill>
-            <a:schemeClr val="bg2">
-              <a:lumMod val="90000"/>
-            </a:schemeClr>
-          </a:solidFill>
-          <a:ln>
-            <a:solidFill>
-              <a:schemeClr val="tx1"/>
-            </a:solidFill>
-          </a:ln>
-        </p:spPr>
-        <p:style>
-          <a:lnRef idx="2">
-            <a:schemeClr val="accent6"/>
-          </a:lnRef>
-          <a:fillRef idx="1">
-            <a:schemeClr val="lt1"/>
-          </a:fillRef>
-          <a:effectRef idx="0">
-            <a:schemeClr val="accent6"/>
-          </a:effectRef>
-          <a:fontRef idx="minor">
-            <a:schemeClr val="dk1"/>
-          </a:fontRef>
-        </p:style>
-        <p:txBody>
-          <a:bodyPr rtlCol="0" anchor="ctr"/>
-          <a:lstStyle/>
-          <a:p>
-            <a:pPr algn="ctr"/>
-            <a:r>
-              <a:rPr lang="es-ES_tradnl" sz="793" dirty="0"/>
-              <a:t>agudo</a:t>
-            </a:r>
-            <a:endParaRPr lang="es-CO" sz="793" dirty="0"/>
-          </a:p>
-        </p:txBody>
-      </p:sp>
-      <p:sp>
-        <p:nvSpPr>
-          <p:cNvPr id="453" name="Rectángulo 218" descr="Nodo de tercer nivel" title="Nodo03"/>
-          <p:cNvSpPr/>
-          <p:nvPr/>
-        </p:nvSpPr>
-        <p:spPr>
-          <a:xfrm>
-            <a:off x="10765429" y="4192245"/>
-            <a:ext cx="540424" cy="232879"/>
-          </a:xfrm>
-          <a:prstGeom prst="rect">
-            <a:avLst/>
-          </a:prstGeom>
-          <a:solidFill>
-            <a:schemeClr val="bg2">
-              <a:lumMod val="90000"/>
-            </a:schemeClr>
-          </a:solidFill>
-          <a:ln>
-            <a:solidFill>
-              <a:schemeClr val="tx1"/>
-            </a:solidFill>
-          </a:ln>
-        </p:spPr>
-        <p:style>
-          <a:lnRef idx="2">
-            <a:schemeClr val="accent6"/>
-          </a:lnRef>
-          <a:fillRef idx="1">
-            <a:schemeClr val="lt1"/>
-          </a:fillRef>
-          <a:effectRef idx="0">
-            <a:schemeClr val="accent6"/>
-          </a:effectRef>
-          <a:fontRef idx="minor">
-            <a:schemeClr val="dk1"/>
-          </a:fontRef>
-        </p:style>
-        <p:txBody>
-          <a:bodyPr rtlCol="0" anchor="ctr"/>
-          <a:lstStyle/>
-          <a:p>
-            <a:pPr algn="ctr"/>
-            <a:r>
-              <a:rPr lang="es-ES_tradnl" sz="793" dirty="0"/>
-              <a:t>recto</a:t>
-            </a:r>
-            <a:endParaRPr lang="es-CO" sz="793" dirty="0"/>
-          </a:p>
-        </p:txBody>
-      </p:sp>
-      <p:sp>
-        <p:nvSpPr>
-          <p:cNvPr id="454" name="Rectángulo 218" descr="Nodo de tercer nivel" title="Nodo03"/>
-          <p:cNvSpPr/>
-          <p:nvPr/>
-        </p:nvSpPr>
-        <p:spPr>
-          <a:xfrm>
-            <a:off x="11365582" y="4192245"/>
-            <a:ext cx="540424" cy="232879"/>
-          </a:xfrm>
-          <a:prstGeom prst="rect">
-            <a:avLst/>
-          </a:prstGeom>
-          <a:solidFill>
-            <a:schemeClr val="bg2">
-              <a:lumMod val="90000"/>
-            </a:schemeClr>
-          </a:solidFill>
-          <a:ln>
-            <a:solidFill>
-              <a:schemeClr val="tx1"/>
-            </a:solidFill>
-          </a:ln>
-        </p:spPr>
-        <p:style>
-          <a:lnRef idx="2">
-            <a:schemeClr val="accent6"/>
-          </a:lnRef>
-          <a:fillRef idx="1">
-            <a:schemeClr val="lt1"/>
-          </a:fillRef>
-          <a:effectRef idx="0">
-            <a:schemeClr val="accent6"/>
-          </a:effectRef>
-          <a:fontRef idx="minor">
-            <a:schemeClr val="dk1"/>
-          </a:fontRef>
-        </p:style>
-        <p:txBody>
-          <a:bodyPr rtlCol="0" anchor="ctr"/>
-          <a:lstStyle/>
-          <a:p>
-            <a:pPr algn="ctr"/>
-            <a:r>
-              <a:rPr lang="es-ES_tradnl" sz="793" dirty="0"/>
-              <a:t>obtuso</a:t>
-            </a:r>
-            <a:endParaRPr lang="es-CO" sz="793" dirty="0"/>
-          </a:p>
-        </p:txBody>
-      </p:sp>
-      <p:sp>
-        <p:nvSpPr>
-          <p:cNvPr id="455" name="Rectángulo 218" descr="Nodo de tercer nivel" title="Nodo03"/>
-          <p:cNvSpPr/>
-          <p:nvPr/>
-        </p:nvSpPr>
-        <p:spPr>
-          <a:xfrm>
-            <a:off x="12543856" y="4193615"/>
-            <a:ext cx="540424" cy="232879"/>
-          </a:xfrm>
-          <a:prstGeom prst="rect">
-            <a:avLst/>
-          </a:prstGeom>
-          <a:solidFill>
-            <a:schemeClr val="bg2">
-              <a:lumMod val="90000"/>
-            </a:schemeClr>
-          </a:solidFill>
-          <a:ln>
-            <a:solidFill>
-              <a:schemeClr val="tx1"/>
-            </a:solidFill>
-          </a:ln>
-        </p:spPr>
-        <p:style>
-          <a:lnRef idx="2">
-            <a:schemeClr val="accent6"/>
-          </a:lnRef>
-          <a:fillRef idx="1">
-            <a:schemeClr val="lt1"/>
-          </a:fillRef>
-          <a:effectRef idx="0">
-            <a:schemeClr val="accent6"/>
-          </a:effectRef>
-          <a:fontRef idx="minor">
-            <a:schemeClr val="dk1"/>
-          </a:fontRef>
-        </p:style>
-        <p:txBody>
-          <a:bodyPr rtlCol="0" anchor="ctr"/>
-          <a:lstStyle/>
-          <a:p>
-            <a:pPr algn="ctr"/>
-            <a:r>
-              <a:rPr lang="es-ES_tradnl" sz="793" dirty="0"/>
-              <a:t>cóncavo</a:t>
-            </a:r>
-            <a:endParaRPr lang="es-CO" sz="793" dirty="0"/>
-          </a:p>
-        </p:txBody>
-      </p:sp>
-      <p:sp>
-        <p:nvSpPr>
-          <p:cNvPr id="456" name="Rectángulo 218" descr="Nodo de tercer nivel" title="Nodo03"/>
-          <p:cNvSpPr/>
-          <p:nvPr/>
-        </p:nvSpPr>
-        <p:spPr>
-          <a:xfrm>
-            <a:off x="11957392" y="4196788"/>
-            <a:ext cx="540424" cy="232879"/>
-          </a:xfrm>
-          <a:prstGeom prst="rect">
-            <a:avLst/>
-          </a:prstGeom>
-          <a:solidFill>
-            <a:schemeClr val="bg2">
-              <a:lumMod val="90000"/>
-            </a:schemeClr>
-          </a:solidFill>
-          <a:ln>
-            <a:solidFill>
-              <a:schemeClr val="tx1"/>
-            </a:solidFill>
-          </a:ln>
-        </p:spPr>
-        <p:style>
-          <a:lnRef idx="2">
-            <a:schemeClr val="accent6"/>
-          </a:lnRef>
-          <a:fillRef idx="1">
-            <a:schemeClr val="lt1"/>
-          </a:fillRef>
-          <a:effectRef idx="0">
-            <a:schemeClr val="accent6"/>
-          </a:effectRef>
-          <a:fontRef idx="minor">
-            <a:schemeClr val="dk1"/>
-          </a:fontRef>
-        </p:style>
-        <p:txBody>
-          <a:bodyPr rtlCol="0" anchor="ctr"/>
-          <a:lstStyle/>
-          <a:p>
-            <a:pPr algn="ctr"/>
-            <a:r>
-              <a:rPr lang="es-ES_tradnl" sz="793" dirty="0"/>
-              <a:t>convexo</a:t>
-            </a:r>
-            <a:endParaRPr lang="es-CO" sz="793" dirty="0"/>
-          </a:p>
-        </p:txBody>
-      </p:sp>
-      <p:sp>
-        <p:nvSpPr>
-          <p:cNvPr id="475" name="Rectángulo 76" descr="Nodo de cuarto nivel&#10;" title="Nodo04"/>
-          <p:cNvSpPr/>
-          <p:nvPr/>
-        </p:nvSpPr>
-        <p:spPr>
-          <a:xfrm>
-            <a:off x="10783814" y="4527310"/>
-            <a:ext cx="519186" cy="576505"/>
-          </a:xfrm>
-          <a:prstGeom prst="rect">
-            <a:avLst/>
-          </a:prstGeom>
-          <a:solidFill>
-            <a:schemeClr val="bg1"/>
-          </a:solidFill>
-          <a:ln>
-            <a:solidFill>
-              <a:schemeClr val="tx1"/>
-            </a:solidFill>
-          </a:ln>
-        </p:spPr>
-        <p:style>
-          <a:lnRef idx="2">
-            <a:schemeClr val="accent6"/>
-          </a:lnRef>
-          <a:fillRef idx="1">
-            <a:schemeClr val="lt1"/>
-          </a:fillRef>
-          <a:effectRef idx="0">
-            <a:schemeClr val="accent6"/>
-          </a:effectRef>
-          <a:fontRef idx="minor">
-            <a:schemeClr val="dk1"/>
-          </a:fontRef>
-        </p:style>
-        <p:txBody>
-          <a:bodyPr rtlCol="0" anchor="ctr"/>
-          <a:lstStyle/>
-          <a:p>
-            <a:pPr algn="ctr"/>
-            <a:r>
-              <a:rPr lang="es-ES" sz="793" dirty="0">
-                <a:solidFill>
-                  <a:schemeClr val="tx1"/>
-                </a:solidFill>
-                <a:latin typeface="Arial" panose="020B0604020202020204" pitchFamily="34" charset="0"/>
-                <a:cs typeface="Arial" panose="020B0604020202020204" pitchFamily="34" charset="0"/>
-              </a:rPr>
-              <a:t>m</a:t>
-            </a:r>
-            <a:r>
-              <a:rPr lang="es-ES" sz="793" dirty="0">
-                <a:solidFill>
-                  <a:schemeClr val="tx1"/>
-                </a:solidFill>
-                <a:latin typeface="Arial" panose="020B0604020202020204" pitchFamily="34" charset="0"/>
-                <a:cs typeface="Arial" panose="020B0604020202020204" pitchFamily="34" charset="0"/>
-              </a:rPr>
-              <a:t>edida  90°</a:t>
-            </a:r>
-            <a:endParaRPr lang="es-ES" sz="793" dirty="0">
-              <a:solidFill>
-                <a:schemeClr val="tx1"/>
-              </a:solidFill>
-              <a:latin typeface="Arial" panose="020B0604020202020204" pitchFamily="34" charset="0"/>
-              <a:cs typeface="Arial" panose="020B0604020202020204" pitchFamily="34" charset="0"/>
-            </a:endParaRPr>
-          </a:p>
-        </p:txBody>
-      </p:sp>
-      <p:cxnSp>
-        <p:nvCxnSpPr>
-          <p:cNvPr id="476" name="Conector recto 163"/>
-          <p:cNvCxnSpPr>
-            <a:stCxn id="475" idx="0"/>
-            <a:endCxn id="453" idx="2"/>
-          </p:cNvCxnSpPr>
-          <p:nvPr/>
-        </p:nvCxnSpPr>
-        <p:spPr>
-          <a:xfrm flipH="1" flipV="1">
-            <a:off x="11035641" y="4425124"/>
-            <a:ext cx="7766" cy="102186"/>
-          </a:xfrm>
-          <a:prstGeom prst="line">
-            <a:avLst/>
-          </a:prstGeom>
-          <a:ln w="12700">
-            <a:solidFill>
-              <a:schemeClr val="tx1"/>
-            </a:solidFill>
-          </a:ln>
-        </p:spPr>
-        <p:style>
-          <a:lnRef idx="1">
-            <a:schemeClr val="accent1"/>
-          </a:lnRef>
-          <a:fillRef idx="0">
-            <a:schemeClr val="accent1"/>
-          </a:fillRef>
-          <a:effectRef idx="0">
-            <a:schemeClr val="accent1"/>
-          </a:effectRef>
-          <a:fontRef idx="minor">
-            <a:schemeClr val="tx1"/>
-          </a:fontRef>
-        </p:style>
-      </p:cxnSp>
-      <p:sp>
-        <p:nvSpPr>
-          <p:cNvPr id="479" name="Rectángulo 76" descr="Nodo de cuarto nivel&#10;" title="Nodo04"/>
-          <p:cNvSpPr/>
-          <p:nvPr/>
-        </p:nvSpPr>
-        <p:spPr>
-          <a:xfrm>
-            <a:off x="11382361" y="4527310"/>
-            <a:ext cx="512204" cy="576505"/>
-          </a:xfrm>
-          <a:prstGeom prst="rect">
-            <a:avLst/>
-          </a:prstGeom>
-          <a:solidFill>
-            <a:schemeClr val="bg1"/>
-          </a:solidFill>
-          <a:ln>
-            <a:solidFill>
-              <a:schemeClr val="tx1"/>
-            </a:solidFill>
-          </a:ln>
-        </p:spPr>
-        <p:style>
-          <a:lnRef idx="2">
-            <a:schemeClr val="accent6"/>
-          </a:lnRef>
-          <a:fillRef idx="1">
-            <a:schemeClr val="lt1"/>
-          </a:fillRef>
-          <a:effectRef idx="0">
-            <a:schemeClr val="accent6"/>
-          </a:effectRef>
-          <a:fontRef idx="minor">
-            <a:schemeClr val="dk1"/>
-          </a:fontRef>
-        </p:style>
-        <p:txBody>
-          <a:bodyPr rtlCol="0" anchor="ctr"/>
-          <a:lstStyle/>
-          <a:p>
-            <a:pPr algn="ctr"/>
-            <a:r>
-              <a:rPr lang="es-ES" sz="793" dirty="0">
-                <a:solidFill>
-                  <a:schemeClr val="tx1"/>
-                </a:solidFill>
-                <a:latin typeface="Arial" panose="020B0604020202020204" pitchFamily="34" charset="0"/>
-                <a:cs typeface="Arial" panose="020B0604020202020204" pitchFamily="34" charset="0"/>
-              </a:rPr>
-              <a:t>m</a:t>
-            </a:r>
-            <a:r>
-              <a:rPr lang="es-ES" sz="793" dirty="0">
-                <a:solidFill>
-                  <a:schemeClr val="tx1"/>
-                </a:solidFill>
-                <a:latin typeface="Arial" panose="020B0604020202020204" pitchFamily="34" charset="0"/>
-                <a:cs typeface="Arial" panose="020B0604020202020204" pitchFamily="34" charset="0"/>
-              </a:rPr>
-              <a:t>edida mas de 90°</a:t>
-            </a:r>
-            <a:endParaRPr lang="es-ES" sz="793" dirty="0">
-              <a:solidFill>
-                <a:schemeClr val="tx1"/>
-              </a:solidFill>
-              <a:latin typeface="Arial" panose="020B0604020202020204" pitchFamily="34" charset="0"/>
-              <a:cs typeface="Arial" panose="020B0604020202020204" pitchFamily="34" charset="0"/>
-            </a:endParaRPr>
-          </a:p>
-        </p:txBody>
-      </p:sp>
-      <p:cxnSp>
-        <p:nvCxnSpPr>
-          <p:cNvPr id="480" name="Conector recto 163"/>
-          <p:cNvCxnSpPr>
-            <a:stCxn id="479" idx="0"/>
-            <a:endCxn id="454" idx="2"/>
-          </p:cNvCxnSpPr>
-          <p:nvPr/>
-        </p:nvCxnSpPr>
-        <p:spPr>
-          <a:xfrm flipH="1" flipV="1">
-            <a:off x="11635794" y="4425124"/>
-            <a:ext cx="2669" cy="102186"/>
-          </a:xfrm>
-          <a:prstGeom prst="line">
-            <a:avLst/>
-          </a:prstGeom>
-          <a:ln w="12700">
-            <a:solidFill>
-              <a:schemeClr val="tx1"/>
-            </a:solidFill>
-          </a:ln>
-        </p:spPr>
-        <p:style>
-          <a:lnRef idx="1">
-            <a:schemeClr val="accent1"/>
-          </a:lnRef>
-          <a:fillRef idx="0">
-            <a:schemeClr val="accent1"/>
-          </a:fillRef>
-          <a:effectRef idx="0">
-            <a:schemeClr val="accent1"/>
-          </a:effectRef>
-          <a:fontRef idx="minor">
-            <a:schemeClr val="tx1"/>
-          </a:fontRef>
-        </p:style>
-      </p:cxnSp>
-      <p:sp>
-        <p:nvSpPr>
-          <p:cNvPr id="483" name="Rectángulo 76" descr="Nodo de cuarto nivel&#10;" title="Nodo04"/>
-          <p:cNvSpPr/>
-          <p:nvPr/>
-        </p:nvSpPr>
-        <p:spPr>
-          <a:xfrm>
-            <a:off x="12562242" y="4527319"/>
-            <a:ext cx="544158" cy="576496"/>
-          </a:xfrm>
-          <a:prstGeom prst="rect">
-            <a:avLst/>
-          </a:prstGeom>
-          <a:solidFill>
-            <a:schemeClr val="bg1"/>
-          </a:solidFill>
-          <a:ln>
-            <a:solidFill>
-              <a:schemeClr val="tx1"/>
-            </a:solidFill>
-          </a:ln>
-        </p:spPr>
-        <p:style>
-          <a:lnRef idx="2">
-            <a:schemeClr val="accent6"/>
-          </a:lnRef>
-          <a:fillRef idx="1">
-            <a:schemeClr val="lt1"/>
-          </a:fillRef>
-          <a:effectRef idx="0">
-            <a:schemeClr val="accent6"/>
-          </a:effectRef>
-          <a:fontRef idx="minor">
-            <a:schemeClr val="dk1"/>
-          </a:fontRef>
-        </p:style>
-        <p:txBody>
-          <a:bodyPr rtlCol="0" anchor="ctr"/>
-          <a:lstStyle/>
-          <a:p>
-            <a:pPr algn="ctr"/>
-            <a:r>
-              <a:rPr lang="es-ES" sz="793" dirty="0">
-                <a:solidFill>
-                  <a:schemeClr val="tx1"/>
-                </a:solidFill>
-                <a:latin typeface="Arial" panose="020B0604020202020204" pitchFamily="34" charset="0"/>
-                <a:cs typeface="Arial" panose="020B0604020202020204" pitchFamily="34" charset="0"/>
-              </a:rPr>
-              <a:t>medida entre  180° y 360°</a:t>
-            </a:r>
-            <a:endParaRPr lang="es-ES" sz="793" dirty="0">
-              <a:solidFill>
-                <a:schemeClr val="tx1"/>
-              </a:solidFill>
-              <a:latin typeface="Arial" panose="020B0604020202020204" pitchFamily="34" charset="0"/>
-              <a:cs typeface="Arial" panose="020B0604020202020204" pitchFamily="34" charset="0"/>
-            </a:endParaRPr>
-          </a:p>
-        </p:txBody>
-      </p:sp>
-      <p:cxnSp>
-        <p:nvCxnSpPr>
-          <p:cNvPr id="484" name="Conector recto 163"/>
-          <p:cNvCxnSpPr>
-            <a:stCxn id="483" idx="0"/>
-            <a:endCxn id="455" idx="2"/>
-          </p:cNvCxnSpPr>
-          <p:nvPr/>
-        </p:nvCxnSpPr>
-        <p:spPr>
-          <a:xfrm flipH="1" flipV="1">
-            <a:off x="12814068" y="4426494"/>
-            <a:ext cx="20253" cy="100825"/>
-          </a:xfrm>
-          <a:prstGeom prst="line">
-            <a:avLst/>
-          </a:prstGeom>
-          <a:ln w="12700">
-            <a:solidFill>
-              <a:schemeClr val="tx1"/>
-            </a:solidFill>
-          </a:ln>
-        </p:spPr>
-        <p:style>
-          <a:lnRef idx="1">
-            <a:schemeClr val="accent1"/>
-          </a:lnRef>
-          <a:fillRef idx="0">
-            <a:schemeClr val="accent1"/>
-          </a:fillRef>
-          <a:effectRef idx="0">
-            <a:schemeClr val="accent1"/>
-          </a:effectRef>
-          <a:fontRef idx="minor">
-            <a:schemeClr val="tx1"/>
-          </a:fontRef>
-        </p:style>
-      </p:cxnSp>
-      <p:sp>
-        <p:nvSpPr>
-          <p:cNvPr id="491" name="Rectángulo 76" descr="Nodo de cuarto nivel&#10;" title="Nodo04"/>
-          <p:cNvSpPr/>
-          <p:nvPr/>
-        </p:nvSpPr>
-        <p:spPr>
-          <a:xfrm>
-            <a:off x="11975778" y="4527310"/>
-            <a:ext cx="522037" cy="583990"/>
-          </a:xfrm>
-          <a:prstGeom prst="rect">
-            <a:avLst/>
-          </a:prstGeom>
-          <a:solidFill>
-            <a:schemeClr val="bg1"/>
-          </a:solidFill>
-          <a:ln>
-            <a:solidFill>
-              <a:schemeClr val="tx1"/>
-            </a:solidFill>
-          </a:ln>
-        </p:spPr>
-        <p:style>
-          <a:lnRef idx="2">
-            <a:schemeClr val="accent6"/>
-          </a:lnRef>
-          <a:fillRef idx="1">
-            <a:schemeClr val="lt1"/>
-          </a:fillRef>
-          <a:effectRef idx="0">
-            <a:schemeClr val="accent6"/>
-          </a:effectRef>
-          <a:fontRef idx="minor">
-            <a:schemeClr val="dk1"/>
-          </a:fontRef>
-        </p:style>
-        <p:txBody>
-          <a:bodyPr rtlCol="0" anchor="ctr"/>
-          <a:lstStyle/>
-          <a:p>
-            <a:pPr algn="ctr"/>
-            <a:r>
-              <a:rPr lang="es-ES" sz="793" dirty="0">
-                <a:solidFill>
-                  <a:schemeClr val="tx1"/>
-                </a:solidFill>
-                <a:latin typeface="Arial" panose="020B0604020202020204" pitchFamily="34" charset="0"/>
-                <a:cs typeface="Arial" panose="020B0604020202020204" pitchFamily="34" charset="0"/>
-              </a:rPr>
-              <a:t>medida entre  0° y 180°</a:t>
-            </a:r>
-            <a:endParaRPr lang="es-ES" sz="793" dirty="0">
-              <a:solidFill>
-                <a:schemeClr val="tx1"/>
-              </a:solidFill>
-              <a:latin typeface="Arial" panose="020B0604020202020204" pitchFamily="34" charset="0"/>
-              <a:cs typeface="Arial" panose="020B0604020202020204" pitchFamily="34" charset="0"/>
-            </a:endParaRPr>
-          </a:p>
-        </p:txBody>
-      </p:sp>
-      <p:cxnSp>
-        <p:nvCxnSpPr>
-          <p:cNvPr id="495" name="Conector recto 163"/>
-          <p:cNvCxnSpPr>
-            <a:stCxn id="491" idx="0"/>
-            <a:endCxn id="456" idx="2"/>
-          </p:cNvCxnSpPr>
-          <p:nvPr/>
-        </p:nvCxnSpPr>
-        <p:spPr>
-          <a:xfrm flipH="1" flipV="1">
-            <a:off x="12227604" y="4429667"/>
-            <a:ext cx="9193" cy="97643"/>
-          </a:xfrm>
-          <a:prstGeom prst="line">
-            <a:avLst/>
-          </a:prstGeom>
-          <a:ln w="12700">
-            <a:solidFill>
-              <a:schemeClr val="tx1"/>
-            </a:solidFill>
-          </a:ln>
-        </p:spPr>
-        <p:style>
-          <a:lnRef idx="1">
-            <a:schemeClr val="accent1"/>
-          </a:lnRef>
-          <a:fillRef idx="0">
-            <a:schemeClr val="accent1"/>
-          </a:fillRef>
-          <a:effectRef idx="0">
-            <a:schemeClr val="accent1"/>
-          </a:effectRef>
-          <a:fontRef idx="minor">
-            <a:schemeClr val="tx1"/>
-          </a:fontRef>
-        </p:style>
-      </p:cxnSp>
-      <p:cxnSp>
-        <p:nvCxnSpPr>
-          <p:cNvPr id="498" name="Conector angular 67"/>
-          <p:cNvCxnSpPr>
-            <a:stCxn id="452" idx="0"/>
-            <a:endCxn id="450" idx="2"/>
-          </p:cNvCxnSpPr>
-          <p:nvPr/>
-        </p:nvCxnSpPr>
-        <p:spPr>
-          <a:xfrm rot="5400000" flipH="1" flipV="1">
-            <a:off x="10707114" y="3756274"/>
-            <a:ext cx="159291" cy="712652"/>
-          </a:xfrm>
-          <a:prstGeom prst="bentConnector3">
-            <a:avLst>
-              <a:gd name="adj1" fmla="val 50000"/>
-            </a:avLst>
-          </a:prstGeom>
-          <a:ln w="12700">
-            <a:solidFill>
-              <a:schemeClr val="tx1"/>
-            </a:solidFill>
-          </a:ln>
-        </p:spPr>
-        <p:style>
-          <a:lnRef idx="1">
-            <a:schemeClr val="accent1"/>
-          </a:lnRef>
-          <a:fillRef idx="0">
-            <a:schemeClr val="accent1"/>
-          </a:fillRef>
-          <a:effectRef idx="0">
-            <a:schemeClr val="accent1"/>
-          </a:effectRef>
-          <a:fontRef idx="minor">
-            <a:schemeClr val="tx1"/>
-          </a:fontRef>
-        </p:style>
-      </p:cxnSp>
-      <p:cxnSp>
-        <p:nvCxnSpPr>
-          <p:cNvPr id="501" name="Conector angular 67"/>
-          <p:cNvCxnSpPr>
-            <a:stCxn id="453" idx="0"/>
-            <a:endCxn id="450" idx="2"/>
-          </p:cNvCxnSpPr>
-          <p:nvPr/>
-        </p:nvCxnSpPr>
-        <p:spPr>
-          <a:xfrm rot="5400000" flipH="1" flipV="1">
-            <a:off x="11009718" y="4058878"/>
-            <a:ext cx="159291" cy="107444"/>
-          </a:xfrm>
-          <a:prstGeom prst="bentConnector3">
-            <a:avLst>
-              <a:gd name="adj1" fmla="val 50000"/>
-            </a:avLst>
-          </a:prstGeom>
-          <a:ln w="12700">
-            <a:solidFill>
-              <a:schemeClr val="tx1"/>
-            </a:solidFill>
-          </a:ln>
-        </p:spPr>
-        <p:style>
-          <a:lnRef idx="1">
-            <a:schemeClr val="accent1"/>
-          </a:lnRef>
-          <a:fillRef idx="0">
-            <a:schemeClr val="accent1"/>
-          </a:fillRef>
-          <a:effectRef idx="0">
-            <a:schemeClr val="accent1"/>
-          </a:effectRef>
-          <a:fontRef idx="minor">
-            <a:schemeClr val="tx1"/>
-          </a:fontRef>
-        </p:style>
-      </p:cxnSp>
-      <p:cxnSp>
-        <p:nvCxnSpPr>
-          <p:cNvPr id="504" name="Conector angular 67"/>
-          <p:cNvCxnSpPr>
-            <a:stCxn id="454" idx="0"/>
-            <a:endCxn id="450" idx="2"/>
-          </p:cNvCxnSpPr>
-          <p:nvPr/>
-        </p:nvCxnSpPr>
-        <p:spPr>
-          <a:xfrm rot="16200000" flipV="1">
-            <a:off x="11309795" y="3866245"/>
-            <a:ext cx="159291" cy="492709"/>
-          </a:xfrm>
-          <a:prstGeom prst="bentConnector3">
-            <a:avLst>
-              <a:gd name="adj1" fmla="val 50000"/>
-            </a:avLst>
-          </a:prstGeom>
-          <a:ln w="12700">
-            <a:solidFill>
-              <a:schemeClr val="tx1"/>
-            </a:solidFill>
-          </a:ln>
-        </p:spPr>
-        <p:style>
-          <a:lnRef idx="1">
-            <a:schemeClr val="accent1"/>
-          </a:lnRef>
-          <a:fillRef idx="0">
-            <a:schemeClr val="accent1"/>
-          </a:fillRef>
-          <a:effectRef idx="0">
-            <a:schemeClr val="accent1"/>
-          </a:effectRef>
-          <a:fontRef idx="minor">
-            <a:schemeClr val="tx1"/>
-          </a:fontRef>
-        </p:style>
-      </p:cxnSp>
-      <p:cxnSp>
-        <p:nvCxnSpPr>
-          <p:cNvPr id="507" name="Conector angular 67"/>
-          <p:cNvCxnSpPr>
-            <a:stCxn id="456" idx="0"/>
-            <a:endCxn id="450" idx="2"/>
-          </p:cNvCxnSpPr>
-          <p:nvPr/>
-        </p:nvCxnSpPr>
-        <p:spPr>
-          <a:xfrm rot="16200000" flipV="1">
-            <a:off x="11603428" y="3572611"/>
-            <a:ext cx="163834" cy="1084519"/>
-          </a:xfrm>
-          <a:prstGeom prst="bentConnector3">
-            <a:avLst>
-              <a:gd name="adj1" fmla="val 50000"/>
-            </a:avLst>
-          </a:prstGeom>
-          <a:ln w="12700">
-            <a:solidFill>
-              <a:schemeClr val="tx1"/>
-            </a:solidFill>
-          </a:ln>
-        </p:spPr>
-        <p:style>
-          <a:lnRef idx="1">
-            <a:schemeClr val="accent1"/>
-          </a:lnRef>
-          <a:fillRef idx="0">
-            <a:schemeClr val="accent1"/>
-          </a:fillRef>
-          <a:effectRef idx="0">
-            <a:schemeClr val="accent1"/>
-          </a:effectRef>
-          <a:fontRef idx="minor">
-            <a:schemeClr val="tx1"/>
-          </a:fontRef>
-        </p:style>
-      </p:cxnSp>
-      <p:cxnSp>
-        <p:nvCxnSpPr>
-          <p:cNvPr id="510" name="Conector angular 67"/>
-          <p:cNvCxnSpPr>
-            <a:stCxn id="455" idx="0"/>
-            <a:endCxn id="450" idx="2"/>
-          </p:cNvCxnSpPr>
-          <p:nvPr/>
-        </p:nvCxnSpPr>
-        <p:spPr>
-          <a:xfrm rot="16200000" flipV="1">
-            <a:off x="11898247" y="3277793"/>
-            <a:ext cx="160661" cy="1670983"/>
-          </a:xfrm>
-          <a:prstGeom prst="bentConnector3">
-            <a:avLst>
-              <a:gd name="adj1" fmla="val 50000"/>
-            </a:avLst>
-          </a:prstGeom>
-          <a:ln w="12700">
-            <a:solidFill>
-              <a:schemeClr val="tx1"/>
-            </a:solidFill>
-          </a:ln>
-        </p:spPr>
-        <p:style>
-          <a:lnRef idx="1">
-            <a:schemeClr val="accent1"/>
-          </a:lnRef>
-          <a:fillRef idx="0">
-            <a:schemeClr val="accent1"/>
-          </a:fillRef>
-          <a:effectRef idx="0">
-            <a:schemeClr val="accent1"/>
-          </a:effectRef>
-          <a:fontRef idx="minor">
-            <a:schemeClr val="tx1"/>
-          </a:fontRef>
-        </p:style>
-      </p:cxnSp>
-      <p:cxnSp>
-        <p:nvCxnSpPr>
-          <p:cNvPr id="548" name="Conector angular 67"/>
-          <p:cNvCxnSpPr/>
-          <p:nvPr/>
-        </p:nvCxnSpPr>
-        <p:spPr>
-          <a:xfrm rot="16200000" flipV="1">
-            <a:off x="12572865" y="2209781"/>
-            <a:ext cx="192695" cy="3043887"/>
-          </a:xfrm>
-          <a:prstGeom prst="bentConnector3">
-            <a:avLst>
-              <a:gd name="adj1" fmla="val 50000"/>
-            </a:avLst>
-          </a:prstGeom>
-          <a:ln w="12700">
-            <a:solidFill>
-              <a:schemeClr val="tx1"/>
-            </a:solidFill>
-          </a:ln>
-        </p:spPr>
-        <p:style>
-          <a:lnRef idx="1">
-            <a:schemeClr val="accent1"/>
-          </a:lnRef>
-          <a:fillRef idx="0">
-            <a:schemeClr val="accent1"/>
-          </a:fillRef>
-          <a:effectRef idx="0">
-            <a:schemeClr val="accent1"/>
-          </a:effectRef>
-          <a:fontRef idx="minor">
-            <a:schemeClr val="tx1"/>
-          </a:fontRef>
-        </p:style>
-      </p:cxnSp>
-      <p:sp>
-        <p:nvSpPr>
-          <p:cNvPr id="608" name="Rectángulo 160" descr="Nodo de tercer nivel" title="Nodo03"/>
-          <p:cNvSpPr/>
-          <p:nvPr/>
-        </p:nvSpPr>
-        <p:spPr>
-          <a:xfrm>
-            <a:off x="13541415" y="4191850"/>
-            <a:ext cx="1042984" cy="277815"/>
-          </a:xfrm>
-          <a:prstGeom prst="rect">
-            <a:avLst/>
-          </a:prstGeom>
-          <a:solidFill>
-            <a:schemeClr val="bg2">
-              <a:lumMod val="90000"/>
-            </a:schemeClr>
-          </a:solidFill>
-          <a:ln>
-            <a:solidFill>
-              <a:schemeClr val="tx1"/>
-            </a:solidFill>
-          </a:ln>
-        </p:spPr>
-        <p:style>
-          <a:lnRef idx="2">
-            <a:schemeClr val="accent6"/>
-          </a:lnRef>
-          <a:fillRef idx="1">
-            <a:schemeClr val="lt1"/>
-          </a:fillRef>
-          <a:effectRef idx="0">
-            <a:schemeClr val="accent6"/>
-          </a:effectRef>
-          <a:fontRef idx="minor">
-            <a:schemeClr val="dk1"/>
-          </a:fontRef>
-        </p:style>
-        <p:txBody>
-          <a:bodyPr rtlCol="0" anchor="ctr"/>
-          <a:lstStyle/>
-          <a:p>
-            <a:pPr algn="ctr"/>
-            <a:r>
-              <a:rPr lang="es-ES" sz="793" dirty="0">
-                <a:solidFill>
-                  <a:schemeClr val="tx1"/>
-                </a:solidFill>
-                <a:latin typeface="Arial" panose="020B0604020202020204" pitchFamily="34" charset="0"/>
-                <a:cs typeface="Arial" panose="020B0604020202020204" pitchFamily="34" charset="0"/>
-              </a:rPr>
-              <a:t>bisectriz</a:t>
-            </a:r>
-            <a:endParaRPr lang="es-ES" sz="793" dirty="0">
-              <a:solidFill>
-                <a:schemeClr val="tx1"/>
-              </a:solidFill>
-              <a:latin typeface="Arial" panose="020B0604020202020204" pitchFamily="34" charset="0"/>
-              <a:cs typeface="Arial" panose="020B0604020202020204" pitchFamily="34" charset="0"/>
-            </a:endParaRPr>
-          </a:p>
-        </p:txBody>
-      </p:sp>
-      <p:sp>
-        <p:nvSpPr>
-          <p:cNvPr id="609" name="CuadroTexto 161" descr="Conector entre nodos" title="conector"/>
-          <p:cNvSpPr txBox="1"/>
-          <p:nvPr/>
-        </p:nvSpPr>
-        <p:spPr>
-          <a:xfrm>
-            <a:off x="13791413" y="3853790"/>
-            <a:ext cx="681621" cy="214354"/>
-          </a:xfrm>
-          <a:prstGeom prst="rect">
-            <a:avLst/>
-          </a:prstGeom>
-          <a:noFill/>
-        </p:spPr>
-        <p:txBody>
-          <a:bodyPr wrap="square" rtlCol="0">
-            <a:spAutoFit/>
-          </a:bodyPr>
-          <a:lstStyle/>
-          <a:p>
-            <a:pPr algn="ctr"/>
-            <a:r>
-              <a:rPr lang="es-ES" sz="793" dirty="0">
-                <a:latin typeface="Arial" panose="020B0604020202020204" pitchFamily="34" charset="0"/>
-                <a:cs typeface="Arial" panose="020B0604020202020204" pitchFamily="34" charset="0"/>
-              </a:rPr>
-              <a:t>tiene</a:t>
-            </a:r>
-            <a:endParaRPr lang="es-ES" sz="793" dirty="0">
-              <a:latin typeface="Arial" panose="020B0604020202020204" pitchFamily="34" charset="0"/>
-              <a:cs typeface="Arial" panose="020B0604020202020204" pitchFamily="34" charset="0"/>
-            </a:endParaRPr>
-          </a:p>
-        </p:txBody>
-      </p:sp>
-      <p:cxnSp>
-        <p:nvCxnSpPr>
-          <p:cNvPr id="611" name="Conector recto 163"/>
-          <p:cNvCxnSpPr>
-            <a:stCxn id="608" idx="0"/>
-          </p:cNvCxnSpPr>
-          <p:nvPr/>
-        </p:nvCxnSpPr>
-        <p:spPr>
-          <a:xfrm flipV="1">
-            <a:off x="14062913" y="4056911"/>
-            <a:ext cx="2264" cy="134939"/>
-          </a:xfrm>
-          <a:prstGeom prst="line">
-            <a:avLst/>
-          </a:prstGeom>
-          <a:ln w="12700">
-            <a:solidFill>
-              <a:schemeClr val="tx1"/>
-            </a:solidFill>
-          </a:ln>
-        </p:spPr>
-        <p:style>
-          <a:lnRef idx="1">
-            <a:schemeClr val="accent1"/>
-          </a:lnRef>
-          <a:fillRef idx="0">
-            <a:schemeClr val="accent1"/>
-          </a:fillRef>
-          <a:effectRef idx="0">
-            <a:schemeClr val="accent1"/>
-          </a:effectRef>
-          <a:fontRef idx="minor">
-            <a:schemeClr val="tx1"/>
-          </a:fontRef>
-        </p:style>
-      </p:cxnSp>
-      <p:sp>
-        <p:nvSpPr>
-          <p:cNvPr id="613" name="Rectángulo 168" descr="Nodo de tercer nivel" title="Nodo03"/>
-          <p:cNvSpPr/>
-          <p:nvPr/>
-        </p:nvSpPr>
-        <p:spPr>
-          <a:xfrm>
-            <a:off x="13542547" y="4594991"/>
-            <a:ext cx="1042984" cy="739612"/>
-          </a:xfrm>
-          <a:prstGeom prst="rect">
-            <a:avLst/>
-          </a:prstGeom>
-          <a:solidFill>
-            <a:schemeClr val="bg1"/>
-          </a:solidFill>
-          <a:ln>
-            <a:solidFill>
-              <a:schemeClr val="tx1"/>
-            </a:solidFill>
-          </a:ln>
-        </p:spPr>
-        <p:style>
-          <a:lnRef idx="2">
-            <a:schemeClr val="accent6"/>
-          </a:lnRef>
-          <a:fillRef idx="1">
-            <a:schemeClr val="lt1"/>
-          </a:fillRef>
-          <a:effectRef idx="0">
-            <a:schemeClr val="accent6"/>
-          </a:effectRef>
-          <a:fontRef idx="minor">
-            <a:schemeClr val="dk1"/>
-          </a:fontRef>
-        </p:style>
-        <p:txBody>
-          <a:bodyPr rtlCol="0" anchor="ctr"/>
-          <a:lstStyle/>
-          <a:p>
-            <a:pPr algn="ctr"/>
-            <a:r>
-              <a:rPr lang="es-ES" sz="793" dirty="0">
-                <a:solidFill>
-                  <a:schemeClr val="tx1"/>
-                </a:solidFill>
-                <a:latin typeface="Arial" panose="020B0604020202020204" pitchFamily="34" charset="0"/>
-                <a:cs typeface="Arial" panose="020B0604020202020204" pitchFamily="34" charset="0"/>
-              </a:rPr>
-              <a:t>divide al ángulo en dos ángulos congruentes</a:t>
-            </a:r>
-            <a:endParaRPr lang="es-ES" sz="793" dirty="0">
-              <a:solidFill>
-                <a:schemeClr val="tx1"/>
-              </a:solidFill>
-              <a:latin typeface="Arial" panose="020B0604020202020204" pitchFamily="34" charset="0"/>
-              <a:cs typeface="Arial" panose="020B0604020202020204" pitchFamily="34" charset="0"/>
-            </a:endParaRPr>
-          </a:p>
-        </p:txBody>
-      </p:sp>
-      <p:cxnSp>
-        <p:nvCxnSpPr>
-          <p:cNvPr id="614" name="Conector recto 169"/>
-          <p:cNvCxnSpPr>
-            <a:stCxn id="613" idx="0"/>
-            <a:endCxn id="608" idx="2"/>
-          </p:cNvCxnSpPr>
-          <p:nvPr/>
-        </p:nvCxnSpPr>
-        <p:spPr>
-          <a:xfrm flipH="1" flipV="1">
-            <a:off x="14062906" y="4469662"/>
-            <a:ext cx="1132" cy="125328"/>
-          </a:xfrm>
-          <a:prstGeom prst="line">
-            <a:avLst/>
-          </a:prstGeom>
-          <a:ln w="12700">
-            <a:solidFill>
-              <a:schemeClr val="tx1"/>
-            </a:solidFill>
-          </a:ln>
-        </p:spPr>
-        <p:style>
-          <a:lnRef idx="1">
-            <a:schemeClr val="accent1"/>
-          </a:lnRef>
-          <a:fillRef idx="0">
-            <a:schemeClr val="accent1"/>
-          </a:fillRef>
-          <a:effectRef idx="0">
-            <a:schemeClr val="accent1"/>
-          </a:effectRef>
-          <a:fontRef idx="minor">
-            <a:schemeClr val="tx1"/>
-          </a:fontRef>
-        </p:style>
-      </p:cxnSp>
-      <p:sp>
-        <p:nvSpPr>
-          <p:cNvPr id="617" name="Rectángulo 76" descr="Nodo de cuarto nivel&#10;" title="Nodo04"/>
-          <p:cNvSpPr/>
-          <p:nvPr/>
-        </p:nvSpPr>
-        <p:spPr>
-          <a:xfrm>
-            <a:off x="6559768" y="5319336"/>
-            <a:ext cx="876812" cy="239369"/>
-          </a:xfrm>
-          <a:prstGeom prst="rect">
-            <a:avLst/>
-          </a:prstGeom>
-          <a:solidFill>
-            <a:schemeClr val="bg1"/>
-          </a:solidFill>
-          <a:ln>
-            <a:solidFill>
-              <a:schemeClr val="tx1"/>
-            </a:solidFill>
-          </a:ln>
-        </p:spPr>
-        <p:style>
-          <a:lnRef idx="2">
-            <a:schemeClr val="accent6"/>
-          </a:lnRef>
-          <a:fillRef idx="1">
-            <a:schemeClr val="lt1"/>
-          </a:fillRef>
-          <a:effectRef idx="0">
-            <a:schemeClr val="accent6"/>
-          </a:effectRef>
-          <a:fontRef idx="minor">
-            <a:schemeClr val="dk1"/>
-          </a:fontRef>
-        </p:style>
-        <p:txBody>
-          <a:bodyPr rtlCol="0" anchor="ctr"/>
-          <a:lstStyle/>
-          <a:p>
-            <a:pPr algn="ctr"/>
-            <a:r>
-              <a:rPr lang="es-ES" sz="793" dirty="0">
-                <a:solidFill>
-                  <a:schemeClr val="tx1"/>
-                </a:solidFill>
-                <a:latin typeface="Arial" panose="020B0604020202020204" pitchFamily="34" charset="0"/>
-                <a:cs typeface="Arial" panose="020B0604020202020204" pitchFamily="34" charset="0"/>
-              </a:rPr>
-              <a:t>suman 90°</a:t>
-            </a:r>
-            <a:endParaRPr lang="es-ES" sz="793" dirty="0">
-              <a:solidFill>
-                <a:schemeClr val="tx1"/>
-              </a:solidFill>
-              <a:latin typeface="Arial" panose="020B0604020202020204" pitchFamily="34" charset="0"/>
-              <a:cs typeface="Arial" panose="020B0604020202020204" pitchFamily="34" charset="0"/>
-            </a:endParaRPr>
-          </a:p>
-        </p:txBody>
-      </p:sp>
-      <p:cxnSp>
-        <p:nvCxnSpPr>
-          <p:cNvPr id="619" name="Conector recto 163"/>
-          <p:cNvCxnSpPr>
-            <a:stCxn id="617" idx="0"/>
-            <a:endCxn id="432" idx="2"/>
-          </p:cNvCxnSpPr>
-          <p:nvPr/>
-        </p:nvCxnSpPr>
-        <p:spPr>
-          <a:xfrm flipH="1" flipV="1">
-            <a:off x="6991412" y="5142739"/>
-            <a:ext cx="6762" cy="176589"/>
           </a:xfrm>
           <a:prstGeom prst="line">
             <a:avLst/>

--- a/fuentes/contenidos/grado06/guion10/MA_06_10_CO_MapaConceptual.pptx
+++ b/fuentes/contenidos/grado06/guion10/MA_06_10_CO_MapaConceptual.pptx
@@ -254,7 +254,7 @@
           <a:p>
             <a:fld id="{C764DE79-268F-4C1A-8933-263129D2AF90}" type="datetimeFigureOut">
               <a:rPr lang="en-US" smtClean="0"/>
-              <a:t>12/14/2015</a:t>
+              <a:t>12/21/2015</a:t>
             </a:fld>
             <a:endParaRPr lang="en-US" dirty="0"/>
           </a:p>
@@ -424,7 +424,7 @@
           <a:p>
             <a:fld id="{C764DE79-268F-4C1A-8933-263129D2AF90}" type="datetimeFigureOut">
               <a:rPr lang="en-US" smtClean="0"/>
-              <a:t>12/14/2015</a:t>
+              <a:t>12/21/2015</a:t>
             </a:fld>
             <a:endParaRPr lang="en-US" dirty="0"/>
           </a:p>
@@ -604,7 +604,7 @@
           <a:p>
             <a:fld id="{C764DE79-268F-4C1A-8933-263129D2AF90}" type="datetimeFigureOut">
               <a:rPr lang="en-US" smtClean="0"/>
-              <a:t>12/14/2015</a:t>
+              <a:t>12/21/2015</a:t>
             </a:fld>
             <a:endParaRPr lang="en-US" dirty="0"/>
           </a:p>
@@ -692,13 +692,6 @@
   <p:clrMapOvr>
     <a:masterClrMapping/>
   </p:clrMapOvr>
-  <p:timing>
-    <p:tnLst>
-      <p:par>
-        <p:cTn id="1" dur="indefinite" restart="never" nodeType="tmRoot"/>
-      </p:par>
-    </p:tnLst>
-  </p:timing>
 </p:sldLayout>
 </file>
 
@@ -729,13 +722,6 @@
   <p:clrMapOvr>
     <a:masterClrMapping/>
   </p:clrMapOvr>
-  <p:timing>
-    <p:tnLst>
-      <p:par>
-        <p:cTn id="1" dur="indefinite" restart="never" nodeType="tmRoot"/>
-      </p:par>
-    </p:tnLst>
-  </p:timing>
 </p:sldLayout>
 </file>
 
@@ -766,13 +752,6 @@
   <p:clrMapOvr>
     <a:masterClrMapping/>
   </p:clrMapOvr>
-  <p:timing>
-    <p:tnLst>
-      <p:par>
-        <p:cTn id="1" dur="indefinite" restart="never" nodeType="tmRoot"/>
-      </p:par>
-    </p:tnLst>
-  </p:timing>
 </p:sldLayout>
 </file>
 
@@ -803,13 +782,6 @@
   <p:clrMapOvr>
     <a:masterClrMapping/>
   </p:clrMapOvr>
-  <p:timing>
-    <p:tnLst>
-      <p:par>
-        <p:cTn id="1" dur="indefinite" restart="never" nodeType="tmRoot"/>
-      </p:par>
-    </p:tnLst>
-  </p:timing>
 </p:sldLayout>
 </file>
 
@@ -840,13 +812,6 @@
   <p:clrMapOvr>
     <a:masterClrMapping/>
   </p:clrMapOvr>
-  <p:timing>
-    <p:tnLst>
-      <p:par>
-        <p:cTn id="1" dur="indefinite" restart="never" nodeType="tmRoot"/>
-      </p:par>
-    </p:tnLst>
-  </p:timing>
 </p:sldLayout>
 </file>
 
@@ -877,13 +842,6 @@
   <p:clrMapOvr>
     <a:masterClrMapping/>
   </p:clrMapOvr>
-  <p:timing>
-    <p:tnLst>
-      <p:par>
-        <p:cTn id="1" dur="indefinite" restart="never" nodeType="tmRoot"/>
-      </p:par>
-    </p:tnLst>
-  </p:timing>
 </p:sldLayout>
 </file>
 
@@ -914,13 +872,6 @@
   <p:clrMapOvr>
     <a:masterClrMapping/>
   </p:clrMapOvr>
-  <p:timing>
-    <p:tnLst>
-      <p:par>
-        <p:cTn id="1" dur="indefinite" restart="never" nodeType="tmRoot"/>
-      </p:par>
-    </p:tnLst>
-  </p:timing>
 </p:sldLayout>
 </file>
 
@@ -951,13 +902,6 @@
   <p:clrMapOvr>
     <a:masterClrMapping/>
   </p:clrMapOvr>
-  <p:timing>
-    <p:tnLst>
-      <p:par>
-        <p:cTn id="1" dur="indefinite" restart="never" nodeType="tmRoot"/>
-      </p:par>
-    </p:tnLst>
-  </p:timing>
 </p:sldLayout>
 </file>
 
@@ -1070,7 +1014,7 @@
           <a:p>
             <a:fld id="{C764DE79-268F-4C1A-8933-263129D2AF90}" type="datetimeFigureOut">
               <a:rPr lang="en-US" smtClean="0"/>
-              <a:t>12/14/2015</a:t>
+              <a:t>12/21/2015</a:t>
             </a:fld>
             <a:endParaRPr lang="en-US" dirty="0"/>
           </a:p>
@@ -1158,13 +1102,6 @@
   <p:clrMapOvr>
     <a:masterClrMapping/>
   </p:clrMapOvr>
-  <p:timing>
-    <p:tnLst>
-      <p:par>
-        <p:cTn id="1" dur="indefinite" restart="never" nodeType="tmRoot"/>
-      </p:par>
-    </p:tnLst>
-  </p:timing>
 </p:sldLayout>
 </file>
 
@@ -1195,13 +1132,6 @@
   <p:clrMapOvr>
     <a:masterClrMapping/>
   </p:clrMapOvr>
-  <p:timing>
-    <p:tnLst>
-      <p:par>
-        <p:cTn id="1" dur="indefinite" restart="never" nodeType="tmRoot"/>
-      </p:par>
-    </p:tnLst>
-  </p:timing>
 </p:sldLayout>
 </file>
 
@@ -1390,7 +1320,7 @@
           <a:p>
             <a:fld id="{C764DE79-268F-4C1A-8933-263129D2AF90}" type="datetimeFigureOut">
               <a:rPr lang="en-US" smtClean="0"/>
-              <a:t>12/14/2015</a:t>
+              <a:t>12/21/2015</a:t>
             </a:fld>
             <a:endParaRPr lang="en-US" dirty="0"/>
           </a:p>
@@ -1622,7 +1552,7 @@
           <a:p>
             <a:fld id="{C764DE79-268F-4C1A-8933-263129D2AF90}" type="datetimeFigureOut">
               <a:rPr lang="en-US" smtClean="0"/>
-              <a:t>12/14/2015</a:t>
+              <a:t>12/21/2015</a:t>
             </a:fld>
             <a:endParaRPr lang="en-US" dirty="0"/>
           </a:p>
@@ -1989,7 +1919,7 @@
           <a:p>
             <a:fld id="{C764DE79-268F-4C1A-8933-263129D2AF90}" type="datetimeFigureOut">
               <a:rPr lang="en-US" smtClean="0"/>
-              <a:t>12/14/2015</a:t>
+              <a:t>12/21/2015</a:t>
             </a:fld>
             <a:endParaRPr lang="en-US" dirty="0"/>
           </a:p>
@@ -2107,7 +2037,7 @@
           <a:p>
             <a:fld id="{C764DE79-268F-4C1A-8933-263129D2AF90}" type="datetimeFigureOut">
               <a:rPr lang="en-US" smtClean="0"/>
-              <a:t>12/14/2015</a:t>
+              <a:t>12/21/2015</a:t>
             </a:fld>
             <a:endParaRPr lang="en-US" dirty="0"/>
           </a:p>
@@ -2202,7 +2132,7 @@
           <a:p>
             <a:fld id="{5001C876-01F7-4317-94B9-1AE222133113}" type="datetimeFigureOut">
               <a:rPr lang="es-ES" smtClean="0"/>
-              <a:t>14/12/2015</a:t>
+              <a:t>21/12/2015</a:t>
             </a:fld>
             <a:endParaRPr lang="es-ES"/>
           </a:p>
@@ -2479,7 +2409,7 @@
           <a:p>
             <a:fld id="{C764DE79-268F-4C1A-8933-263129D2AF90}" type="datetimeFigureOut">
               <a:rPr lang="en-US" smtClean="0"/>
-              <a:t>12/14/2015</a:t>
+              <a:t>12/21/2015</a:t>
             </a:fld>
             <a:endParaRPr lang="en-US" dirty="0"/>
           </a:p>
@@ -2736,7 +2666,7 @@
           <a:p>
             <a:fld id="{C764DE79-268F-4C1A-8933-263129D2AF90}" type="datetimeFigureOut">
               <a:rPr lang="en-US" smtClean="0"/>
-              <a:t>12/14/2015</a:t>
+              <a:t>12/21/2015</a:t>
             </a:fld>
             <a:endParaRPr lang="en-US" dirty="0"/>
           </a:p>
@@ -2949,7 +2879,7 @@
           <a:p>
             <a:fld id="{C764DE79-268F-4C1A-8933-263129D2AF90}" type="datetimeFigureOut">
               <a:rPr lang="en-US" smtClean="0"/>
-              <a:t>12/14/2015</a:t>
+              <a:t>12/21/2015</a:t>
             </a:fld>
             <a:endParaRPr lang="en-US" dirty="0"/>
           </a:p>
@@ -3066,7 +2996,19 @@
                 <a:latin typeface="Arial" panose="020B0604020202020204" pitchFamily="34" charset="0"/>
                 <a:cs typeface="Arial" panose="020B0604020202020204" pitchFamily="34" charset="0"/>
               </a:rPr>
-              <a:t>© Editorial Planeta Colombiana S.A., 2015.</a:t>
+              <a:t>© Editorial Planeta Colombiana S.A., </a:t>
+            </a:r>
+            <a:r>
+              <a:rPr lang="es-ES" sz="1055" dirty="0" smtClean="0">
+                <a:solidFill>
+                  <a:schemeClr val="bg2">
+                    <a:lumMod val="90000"/>
+                  </a:schemeClr>
+                </a:solidFill>
+                <a:latin typeface="Arial" panose="020B0604020202020204" pitchFamily="34" charset="0"/>
+                <a:cs typeface="Arial" panose="020B0604020202020204" pitchFamily="34" charset="0"/>
+              </a:rPr>
+              <a:t>2016.</a:t>
             </a:r>
             <a:endParaRPr lang="es-ES" sz="1055" dirty="0">
               <a:solidFill>
@@ -3101,8 +3043,8 @@
           </a:stretch>
         </p:blipFill>
         <p:spPr>
-          <a:xfrm>
-            <a:off x="373718" y="219058"/>
+          <a:xfrm rot="5400000">
+            <a:off x="401653" y="859826"/>
             <a:ext cx="182889" cy="182889"/>
           </a:xfrm>
           <a:prstGeom prst="rect">
@@ -5923,13 +5865,6 @@
               </a:rPr>
               <a:t>90°</a:t>
             </a:r>
-            <a:endParaRPr lang="es-ES" sz="793" dirty="0">
-              <a:solidFill>
-                <a:schemeClr val="tx1"/>
-              </a:solidFill>
-              <a:latin typeface="Arial" panose="020B0604020202020204" pitchFamily="34" charset="0"/>
-              <a:cs typeface="Arial" panose="020B0604020202020204" pitchFamily="34" charset="0"/>
-            </a:endParaRPr>
           </a:p>
         </p:txBody>
       </p:sp>
@@ -8372,27 +8307,7 @@
                 <a:latin typeface="Arial" panose="020B0604020202020204" pitchFamily="34" charset="0"/>
                 <a:cs typeface="Arial" panose="020B0604020202020204" pitchFamily="34" charset="0"/>
               </a:rPr>
-              <a:t>según </a:t>
-            </a:r>
-            <a:r>
-              <a:rPr lang="es-ES" sz="793" dirty="0" smtClean="0">
-                <a:solidFill>
-                  <a:schemeClr val="tx1"/>
-                </a:solidFill>
-                <a:latin typeface="Arial" panose="020B0604020202020204" pitchFamily="34" charset="0"/>
-                <a:cs typeface="Arial" panose="020B0604020202020204" pitchFamily="34" charset="0"/>
-              </a:rPr>
-              <a:t>su</a:t>
-            </a:r>
-            <a:r>
-              <a:rPr lang="es-ES" sz="793" dirty="0" smtClean="0">
-                <a:solidFill>
-                  <a:schemeClr val="tx1"/>
-                </a:solidFill>
-                <a:latin typeface="Arial" panose="020B0604020202020204" pitchFamily="34" charset="0"/>
-                <a:cs typeface="Arial" panose="020B0604020202020204" pitchFamily="34" charset="0"/>
-              </a:rPr>
-              <a:t> posición</a:t>
+              <a:t>según su posición</a:t>
             </a:r>
             <a:endParaRPr lang="es-ES" sz="793" dirty="0">
               <a:solidFill>
@@ -9934,13 +9849,6 @@
   <p:clrMapOvr>
     <a:masterClrMapping/>
   </p:clrMapOvr>
-  <p:timing>
-    <p:tnLst>
-      <p:par>
-        <p:cTn id="1" dur="indefinite" restart="never" nodeType="tmRoot"/>
-      </p:par>
-    </p:tnLst>
-  </p:timing>
 </p:sld>
 </file>
 
